--- a/lesson05/lesson05.pptx
+++ b/lesson05/lesson05.pptx
@@ -5,7 +5,7 @@
     <p:sldMasterId id="2147484842" r:id="rId4"/>
   </p:sldMasterIdLst>
   <p:notesMasterIdLst>
-    <p:notesMasterId r:id="rId42"/>
+    <p:notesMasterId r:id="rId44"/>
   </p:notesMasterIdLst>
   <p:sldIdLst>
     <p:sldId id="256" r:id="rId5"/>
@@ -45,6 +45,8 @@
     <p:sldId id="386" r:id="rId39"/>
     <p:sldId id="270" r:id="rId40"/>
     <p:sldId id="271" r:id="rId41"/>
+    <p:sldId id="387" r:id="rId42"/>
+    <p:sldId id="388" r:id="rId43"/>
   </p:sldIdLst>
   <p:sldSz cx="12192000" cy="6858000"/>
   <p:notesSz cx="6858000" cy="9144000"/>
@@ -223,6 +225,8 @@
             <p14:sldId id="386"/>
             <p14:sldId id="270"/>
             <p14:sldId id="271"/>
+            <p14:sldId id="387"/>
+            <p14:sldId id="388"/>
           </p14:sldIdLst>
         </p14:section>
       </p14:sectionLst>
@@ -282,9 +286,9 @@
 <file path=ppt/revisionInfo.xml><?xml version="1.0" encoding="utf-8"?>
 <p1510:revInfo xmlns:a="http://schemas.openxmlformats.org/drawingml/2006/main" xmlns:r="http://schemas.openxmlformats.org/officeDocument/2006/relationships" xmlns:p1510="http://schemas.microsoft.com/office/powerpoint/2015/10/main">
   <p1510:revLst>
+    <p1510:client id="{95BF0934-01DF-F9F3-6FC5-C3E7678B4BC6}" v="138" dt="2020-02-05T14:56:04.414"/>
+    <p1510:client id="{93D28F2C-5270-1F9E-1D90-1CE31C2C2442}" v="2" dt="2020-04-01T18:18:27.777"/>
     <p1510:client id="{3418C395-CC43-96CF-7FA9-DCFF059BA973}" v="1" dt="2020-02-24T12:33:30.884"/>
-    <p1510:client id="{93D28F2C-5270-1F9E-1D90-1CE31C2C2442}" v="2" dt="2020-04-01T18:18:27.777"/>
-    <p1510:client id="{95BF0934-01DF-F9F3-6FC5-C3E7678B4BC6}" v="138" dt="2020-02-05T14:56:04.414"/>
     <p1510:client id="{5B1F6451-0F89-F638-65E7-38900E5B4B4A}" v="12" dt="2020-03-11T15:44:30.896"/>
     <p1510:client id="{623CD042-C93F-2E57-1963-C528B63C82E9}" v="2" dt="2020-04-01T11:09:53.961"/>
     <p1510:client id="{F2C7F8F5-B6F1-6487-7AC2-C6769E86B3AD}" v="7" dt="2020-02-13T22:20:23.737"/>
@@ -14537,6 +14541,1740 @@
 </p:notes>
 </file>
 
+<file path=ppt/notesSlides/notesSlide2.xml><?xml version="1.0" encoding="utf-8"?>
+<p:notes xmlns:a="http://schemas.openxmlformats.org/drawingml/2006/main" xmlns:r="http://schemas.openxmlformats.org/officeDocument/2006/relationships" xmlns:p="http://schemas.openxmlformats.org/presentationml/2006/main">
+  <p:cSld>
+    <p:bg>
+      <p:bgPr>
+        <a:solidFill>
+          <a:srgbClr val="FFFFFF"/>
+        </a:solidFill>
+        <a:effectLst/>
+      </p:bgPr>
+    </p:bg>
+    <p:spTree>
+      <p:nvGrpSpPr>
+        <p:cNvPr id="1" name=""/>
+        <p:cNvGrpSpPr/>
+        <p:nvPr/>
+      </p:nvGrpSpPr>
+      <p:grpSpPr>
+        <a:xfrm>
+          <a:off x="0" y="0"/>
+          <a:ext cx="0" cy="0"/>
+          <a:chOff x="0" y="0"/>
+          <a:chExt cx="0" cy="0"/>
+        </a:xfrm>
+      </p:grpSpPr>
+      <p:sp>
+        <p:nvSpPr>
+          <p:cNvPr id="37890" name="Rectangle 32">
+            <a:extLst>
+              <a:ext uri="{FF2B5EF4-FFF2-40B4-BE49-F238E27FC236}">
+                <a16:creationId xmlns:a16="http://schemas.microsoft.com/office/drawing/2014/main" id="{21F60C7F-CC16-4232-B3D4-955C3B1975F1}"/>
+              </a:ext>
+            </a:extLst>
+          </p:cNvPr>
+          <p:cNvSpPr>
+            <a:spLocks noGrp="1" noChangeArrowheads="1"/>
+          </p:cNvSpPr>
+          <p:nvPr>
+            <p:ph type="sldNum" sz="quarter"/>
+          </p:nvPr>
+        </p:nvSpPr>
+        <p:spPr>
+          <a:noFill/>
+          <a:extLst>
+            <a:ext uri="{91240B29-F687-4F45-9708-019B960494DF}">
+              <a14:hiddenLine xmlns:a14="http://schemas.microsoft.com/office/drawing/2010/main" w="9525">
+                <a:solidFill>
+                  <a:srgbClr val="3465A4"/>
+                </a:solidFill>
+                <a:round/>
+                <a:headEnd/>
+                <a:tailEnd/>
+              </a14:hiddenLine>
+            </a:ext>
+          </a:extLst>
+        </p:spPr>
+        <p:txBody>
+          <a:bodyPr/>
+          <a:lstStyle>
+            <a:lvl1pPr>
+              <a:spcBef>
+                <a:spcPct val="30000"/>
+              </a:spcBef>
+              <a:buClr>
+                <a:srgbClr val="000000"/>
+              </a:buClr>
+              <a:buSzPct val="100000"/>
+              <a:buFont typeface="Times New Roman" panose="02020603050405020304" pitchFamily="18" charset="0"/>
+              <a:tabLst>
+                <a:tab pos="457200" algn="l"/>
+                <a:tab pos="914400" algn="l"/>
+                <a:tab pos="1371600" algn="l"/>
+                <a:tab pos="1828800" algn="l"/>
+                <a:tab pos="2286000" algn="l"/>
+                <a:tab pos="2743200" algn="l"/>
+              </a:tabLst>
+              <a:defRPr sz="1200">
+                <a:solidFill>
+                  <a:srgbClr val="000000"/>
+                </a:solidFill>
+                <a:latin typeface="Times New Roman" panose="02020603050405020304" pitchFamily="18" charset="0"/>
+              </a:defRPr>
+            </a:lvl1pPr>
+            <a:lvl2pPr>
+              <a:spcBef>
+                <a:spcPct val="30000"/>
+              </a:spcBef>
+              <a:buClr>
+                <a:srgbClr val="000000"/>
+              </a:buClr>
+              <a:buSzPct val="100000"/>
+              <a:buFont typeface="Times New Roman" panose="02020603050405020304" pitchFamily="18" charset="0"/>
+              <a:tabLst>
+                <a:tab pos="457200" algn="l"/>
+                <a:tab pos="914400" algn="l"/>
+                <a:tab pos="1371600" algn="l"/>
+                <a:tab pos="1828800" algn="l"/>
+                <a:tab pos="2286000" algn="l"/>
+                <a:tab pos="2743200" algn="l"/>
+              </a:tabLst>
+              <a:defRPr sz="1200">
+                <a:solidFill>
+                  <a:srgbClr val="000000"/>
+                </a:solidFill>
+                <a:latin typeface="Times New Roman" panose="02020603050405020304" pitchFamily="18" charset="0"/>
+              </a:defRPr>
+            </a:lvl2pPr>
+            <a:lvl3pPr>
+              <a:spcBef>
+                <a:spcPct val="30000"/>
+              </a:spcBef>
+              <a:buClr>
+                <a:srgbClr val="000000"/>
+              </a:buClr>
+              <a:buSzPct val="100000"/>
+              <a:buFont typeface="Times New Roman" panose="02020603050405020304" pitchFamily="18" charset="0"/>
+              <a:tabLst>
+                <a:tab pos="457200" algn="l"/>
+                <a:tab pos="914400" algn="l"/>
+                <a:tab pos="1371600" algn="l"/>
+                <a:tab pos="1828800" algn="l"/>
+                <a:tab pos="2286000" algn="l"/>
+                <a:tab pos="2743200" algn="l"/>
+              </a:tabLst>
+              <a:defRPr sz="1200">
+                <a:solidFill>
+                  <a:srgbClr val="000000"/>
+                </a:solidFill>
+                <a:latin typeface="Times New Roman" panose="02020603050405020304" pitchFamily="18" charset="0"/>
+              </a:defRPr>
+            </a:lvl3pPr>
+            <a:lvl4pPr>
+              <a:spcBef>
+                <a:spcPct val="30000"/>
+              </a:spcBef>
+              <a:buClr>
+                <a:srgbClr val="000000"/>
+              </a:buClr>
+              <a:buSzPct val="100000"/>
+              <a:buFont typeface="Times New Roman" panose="02020603050405020304" pitchFamily="18" charset="0"/>
+              <a:tabLst>
+                <a:tab pos="457200" algn="l"/>
+                <a:tab pos="914400" algn="l"/>
+                <a:tab pos="1371600" algn="l"/>
+                <a:tab pos="1828800" algn="l"/>
+                <a:tab pos="2286000" algn="l"/>
+                <a:tab pos="2743200" algn="l"/>
+              </a:tabLst>
+              <a:defRPr sz="1200">
+                <a:solidFill>
+                  <a:srgbClr val="000000"/>
+                </a:solidFill>
+                <a:latin typeface="Times New Roman" panose="02020603050405020304" pitchFamily="18" charset="0"/>
+              </a:defRPr>
+            </a:lvl4pPr>
+            <a:lvl5pPr>
+              <a:spcBef>
+                <a:spcPct val="30000"/>
+              </a:spcBef>
+              <a:buClr>
+                <a:srgbClr val="000000"/>
+              </a:buClr>
+              <a:buSzPct val="100000"/>
+              <a:buFont typeface="Times New Roman" panose="02020603050405020304" pitchFamily="18" charset="0"/>
+              <a:tabLst>
+                <a:tab pos="457200" algn="l"/>
+                <a:tab pos="914400" algn="l"/>
+                <a:tab pos="1371600" algn="l"/>
+                <a:tab pos="1828800" algn="l"/>
+                <a:tab pos="2286000" algn="l"/>
+                <a:tab pos="2743200" algn="l"/>
+              </a:tabLst>
+              <a:defRPr sz="1200">
+                <a:solidFill>
+                  <a:srgbClr val="000000"/>
+                </a:solidFill>
+                <a:latin typeface="Times New Roman" panose="02020603050405020304" pitchFamily="18" charset="0"/>
+              </a:defRPr>
+            </a:lvl5pPr>
+            <a:lvl6pPr marL="2514600" indent="-228600" defTabSz="457200" eaLnBrk="0" fontAlgn="base" hangingPunct="0">
+              <a:spcBef>
+                <a:spcPct val="30000"/>
+              </a:spcBef>
+              <a:spcAft>
+                <a:spcPct val="0"/>
+              </a:spcAft>
+              <a:buClr>
+                <a:srgbClr val="000000"/>
+              </a:buClr>
+              <a:buSzPct val="100000"/>
+              <a:buFont typeface="Times New Roman" panose="02020603050405020304" pitchFamily="18" charset="0"/>
+              <a:tabLst>
+                <a:tab pos="457200" algn="l"/>
+                <a:tab pos="914400" algn="l"/>
+                <a:tab pos="1371600" algn="l"/>
+                <a:tab pos="1828800" algn="l"/>
+                <a:tab pos="2286000" algn="l"/>
+                <a:tab pos="2743200" algn="l"/>
+              </a:tabLst>
+              <a:defRPr sz="1200">
+                <a:solidFill>
+                  <a:srgbClr val="000000"/>
+                </a:solidFill>
+                <a:latin typeface="Times New Roman" panose="02020603050405020304" pitchFamily="18" charset="0"/>
+              </a:defRPr>
+            </a:lvl6pPr>
+            <a:lvl7pPr marL="2971800" indent="-228600" defTabSz="457200" eaLnBrk="0" fontAlgn="base" hangingPunct="0">
+              <a:spcBef>
+                <a:spcPct val="30000"/>
+              </a:spcBef>
+              <a:spcAft>
+                <a:spcPct val="0"/>
+              </a:spcAft>
+              <a:buClr>
+                <a:srgbClr val="000000"/>
+              </a:buClr>
+              <a:buSzPct val="100000"/>
+              <a:buFont typeface="Times New Roman" panose="02020603050405020304" pitchFamily="18" charset="0"/>
+              <a:tabLst>
+                <a:tab pos="457200" algn="l"/>
+                <a:tab pos="914400" algn="l"/>
+                <a:tab pos="1371600" algn="l"/>
+                <a:tab pos="1828800" algn="l"/>
+                <a:tab pos="2286000" algn="l"/>
+                <a:tab pos="2743200" algn="l"/>
+              </a:tabLst>
+              <a:defRPr sz="1200">
+                <a:solidFill>
+                  <a:srgbClr val="000000"/>
+                </a:solidFill>
+                <a:latin typeface="Times New Roman" panose="02020603050405020304" pitchFamily="18" charset="0"/>
+              </a:defRPr>
+            </a:lvl7pPr>
+            <a:lvl8pPr marL="3429000" indent="-228600" defTabSz="457200" eaLnBrk="0" fontAlgn="base" hangingPunct="0">
+              <a:spcBef>
+                <a:spcPct val="30000"/>
+              </a:spcBef>
+              <a:spcAft>
+                <a:spcPct val="0"/>
+              </a:spcAft>
+              <a:buClr>
+                <a:srgbClr val="000000"/>
+              </a:buClr>
+              <a:buSzPct val="100000"/>
+              <a:buFont typeface="Times New Roman" panose="02020603050405020304" pitchFamily="18" charset="0"/>
+              <a:tabLst>
+                <a:tab pos="457200" algn="l"/>
+                <a:tab pos="914400" algn="l"/>
+                <a:tab pos="1371600" algn="l"/>
+                <a:tab pos="1828800" algn="l"/>
+                <a:tab pos="2286000" algn="l"/>
+                <a:tab pos="2743200" algn="l"/>
+              </a:tabLst>
+              <a:defRPr sz="1200">
+                <a:solidFill>
+                  <a:srgbClr val="000000"/>
+                </a:solidFill>
+                <a:latin typeface="Times New Roman" panose="02020603050405020304" pitchFamily="18" charset="0"/>
+              </a:defRPr>
+            </a:lvl8pPr>
+            <a:lvl9pPr marL="3886200" indent="-228600" defTabSz="457200" eaLnBrk="0" fontAlgn="base" hangingPunct="0">
+              <a:spcBef>
+                <a:spcPct val="30000"/>
+              </a:spcBef>
+              <a:spcAft>
+                <a:spcPct val="0"/>
+              </a:spcAft>
+              <a:buClr>
+                <a:srgbClr val="000000"/>
+              </a:buClr>
+              <a:buSzPct val="100000"/>
+              <a:buFont typeface="Times New Roman" panose="02020603050405020304" pitchFamily="18" charset="0"/>
+              <a:tabLst>
+                <a:tab pos="457200" algn="l"/>
+                <a:tab pos="914400" algn="l"/>
+                <a:tab pos="1371600" algn="l"/>
+                <a:tab pos="1828800" algn="l"/>
+                <a:tab pos="2286000" algn="l"/>
+                <a:tab pos="2743200" algn="l"/>
+              </a:tabLst>
+              <a:defRPr sz="1200">
+                <a:solidFill>
+                  <a:srgbClr val="000000"/>
+                </a:solidFill>
+                <a:latin typeface="Times New Roman" panose="02020603050405020304" pitchFamily="18" charset="0"/>
+              </a:defRPr>
+            </a:lvl9pPr>
+          </a:lstStyle>
+          <a:p>
+            <a:pPr>
+              <a:spcBef>
+                <a:spcPct val="0"/>
+              </a:spcBef>
+              <a:buClrTx/>
+              <a:buSzPct val="45000"/>
+              <a:buFontTx/>
+              <a:buNone/>
+            </a:pPr>
+            <a:fld id="{8E057FAF-0D5D-4F49-928F-24E9CC6470B5}" type="slidenum">
+              <a:rPr lang="en-US" altLang="en-US" smtClean="0"/>
+              <a:pPr>
+                <a:spcBef>
+                  <a:spcPct val="0"/>
+                </a:spcBef>
+                <a:buClrTx/>
+                <a:buSzPct val="45000"/>
+                <a:buFontTx/>
+                <a:buNone/>
+              </a:pPr>
+              <a:t>38</a:t>
+            </a:fld>
+            <a:endParaRPr lang="en-US" altLang="en-US"/>
+          </a:p>
+        </p:txBody>
+      </p:sp>
+      <p:sp>
+        <p:nvSpPr>
+          <p:cNvPr id="37891" name="Text Box 1">
+            <a:extLst>
+              <a:ext uri="{FF2B5EF4-FFF2-40B4-BE49-F238E27FC236}">
+                <a16:creationId xmlns:a16="http://schemas.microsoft.com/office/drawing/2014/main" id="{CCD3A019-85C4-4A96-9031-C74CD20879D5}"/>
+              </a:ext>
+            </a:extLst>
+          </p:cNvPr>
+          <p:cNvSpPr txBox="1">
+            <a:spLocks noChangeArrowheads="1"/>
+          </p:cNvSpPr>
+          <p:nvPr/>
+        </p:nvSpPr>
+        <p:spPr bwMode="auto">
+          <a:xfrm>
+            <a:off x="3884613" y="8685213"/>
+            <a:ext cx="2941637" cy="427037"/>
+          </a:xfrm>
+          <a:prstGeom prst="rect">
+            <a:avLst/>
+          </a:prstGeom>
+          <a:noFill/>
+          <a:ln>
+            <a:noFill/>
+          </a:ln>
+          <a:effectLst/>
+          <a:extLst>
+            <a:ext uri="{909E8E84-426E-40DD-AFC4-6F175D3DCCD1}">
+              <a14:hiddenFill xmlns:a14="http://schemas.microsoft.com/office/drawing/2010/main">
+                <a:solidFill>
+                  <a:srgbClr val="FFFFFF"/>
+                </a:solidFill>
+              </a14:hiddenFill>
+            </a:ext>
+            <a:ext uri="{91240B29-F687-4F45-9708-019B960494DF}">
+              <a14:hiddenLine xmlns:a14="http://schemas.microsoft.com/office/drawing/2010/main" w="9525">
+                <a:solidFill>
+                  <a:srgbClr val="3465A4"/>
+                </a:solidFill>
+                <a:round/>
+                <a:headEnd/>
+                <a:tailEnd/>
+              </a14:hiddenLine>
+            </a:ext>
+            <a:ext uri="{AF507438-7753-43E0-B8FC-AC1667EBCBE1}">
+              <a14:hiddenEffects xmlns:a14="http://schemas.microsoft.com/office/drawing/2010/main">
+                <a:effectLst>
+                  <a:outerShdw dist="35921" dir="2700000" algn="ctr" rotWithShape="0">
+                    <a:srgbClr val="808080"/>
+                  </a:outerShdw>
+                </a:effectLst>
+              </a14:hiddenEffects>
+            </a:ext>
+          </a:extLst>
+        </p:spPr>
+        <p:txBody>
+          <a:bodyPr lIns="90000" tIns="46800" rIns="90000" bIns="46800" anchor="b"/>
+          <a:lstStyle>
+            <a:lvl1pPr>
+              <a:spcBef>
+                <a:spcPct val="30000"/>
+              </a:spcBef>
+              <a:buClr>
+                <a:srgbClr val="000000"/>
+              </a:buClr>
+              <a:buSzPct val="100000"/>
+              <a:buFont typeface="Times New Roman" panose="02020603050405020304" pitchFamily="18" charset="0"/>
+              <a:tabLst>
+                <a:tab pos="0" algn="l"/>
+                <a:tab pos="457200" algn="l"/>
+                <a:tab pos="914400" algn="l"/>
+                <a:tab pos="1371600" algn="l"/>
+                <a:tab pos="1828800" algn="l"/>
+                <a:tab pos="2286000" algn="l"/>
+                <a:tab pos="2743200" algn="l"/>
+                <a:tab pos="3200400" algn="l"/>
+                <a:tab pos="3657600" algn="l"/>
+                <a:tab pos="4114800" algn="l"/>
+                <a:tab pos="4572000" algn="l"/>
+                <a:tab pos="5029200" algn="l"/>
+                <a:tab pos="5486400" algn="l"/>
+                <a:tab pos="5943600" algn="l"/>
+                <a:tab pos="6400800" algn="l"/>
+                <a:tab pos="6858000" algn="l"/>
+                <a:tab pos="7315200" algn="l"/>
+                <a:tab pos="7772400" algn="l"/>
+                <a:tab pos="8229600" algn="l"/>
+                <a:tab pos="8686800" algn="l"/>
+                <a:tab pos="9144000" algn="l"/>
+              </a:tabLst>
+              <a:defRPr sz="1200">
+                <a:solidFill>
+                  <a:srgbClr val="000000"/>
+                </a:solidFill>
+                <a:latin typeface="Times New Roman" panose="02020603050405020304" pitchFamily="18" charset="0"/>
+              </a:defRPr>
+            </a:lvl1pPr>
+            <a:lvl2pPr>
+              <a:spcBef>
+                <a:spcPct val="30000"/>
+              </a:spcBef>
+              <a:buClr>
+                <a:srgbClr val="000000"/>
+              </a:buClr>
+              <a:buSzPct val="100000"/>
+              <a:buFont typeface="Times New Roman" panose="02020603050405020304" pitchFamily="18" charset="0"/>
+              <a:tabLst>
+                <a:tab pos="0" algn="l"/>
+                <a:tab pos="457200" algn="l"/>
+                <a:tab pos="914400" algn="l"/>
+                <a:tab pos="1371600" algn="l"/>
+                <a:tab pos="1828800" algn="l"/>
+                <a:tab pos="2286000" algn="l"/>
+                <a:tab pos="2743200" algn="l"/>
+                <a:tab pos="3200400" algn="l"/>
+                <a:tab pos="3657600" algn="l"/>
+                <a:tab pos="4114800" algn="l"/>
+                <a:tab pos="4572000" algn="l"/>
+                <a:tab pos="5029200" algn="l"/>
+                <a:tab pos="5486400" algn="l"/>
+                <a:tab pos="5943600" algn="l"/>
+                <a:tab pos="6400800" algn="l"/>
+                <a:tab pos="6858000" algn="l"/>
+                <a:tab pos="7315200" algn="l"/>
+                <a:tab pos="7772400" algn="l"/>
+                <a:tab pos="8229600" algn="l"/>
+                <a:tab pos="8686800" algn="l"/>
+                <a:tab pos="9144000" algn="l"/>
+              </a:tabLst>
+              <a:defRPr sz="1200">
+                <a:solidFill>
+                  <a:srgbClr val="000000"/>
+                </a:solidFill>
+                <a:latin typeface="Times New Roman" panose="02020603050405020304" pitchFamily="18" charset="0"/>
+              </a:defRPr>
+            </a:lvl2pPr>
+            <a:lvl3pPr>
+              <a:spcBef>
+                <a:spcPct val="30000"/>
+              </a:spcBef>
+              <a:buClr>
+                <a:srgbClr val="000000"/>
+              </a:buClr>
+              <a:buSzPct val="100000"/>
+              <a:buFont typeface="Times New Roman" panose="02020603050405020304" pitchFamily="18" charset="0"/>
+              <a:tabLst>
+                <a:tab pos="0" algn="l"/>
+                <a:tab pos="457200" algn="l"/>
+                <a:tab pos="914400" algn="l"/>
+                <a:tab pos="1371600" algn="l"/>
+                <a:tab pos="1828800" algn="l"/>
+                <a:tab pos="2286000" algn="l"/>
+                <a:tab pos="2743200" algn="l"/>
+                <a:tab pos="3200400" algn="l"/>
+                <a:tab pos="3657600" algn="l"/>
+                <a:tab pos="4114800" algn="l"/>
+                <a:tab pos="4572000" algn="l"/>
+                <a:tab pos="5029200" algn="l"/>
+                <a:tab pos="5486400" algn="l"/>
+                <a:tab pos="5943600" algn="l"/>
+                <a:tab pos="6400800" algn="l"/>
+                <a:tab pos="6858000" algn="l"/>
+                <a:tab pos="7315200" algn="l"/>
+                <a:tab pos="7772400" algn="l"/>
+                <a:tab pos="8229600" algn="l"/>
+                <a:tab pos="8686800" algn="l"/>
+                <a:tab pos="9144000" algn="l"/>
+              </a:tabLst>
+              <a:defRPr sz="1200">
+                <a:solidFill>
+                  <a:srgbClr val="000000"/>
+                </a:solidFill>
+                <a:latin typeface="Times New Roman" panose="02020603050405020304" pitchFamily="18" charset="0"/>
+              </a:defRPr>
+            </a:lvl3pPr>
+            <a:lvl4pPr>
+              <a:spcBef>
+                <a:spcPct val="30000"/>
+              </a:spcBef>
+              <a:buClr>
+                <a:srgbClr val="000000"/>
+              </a:buClr>
+              <a:buSzPct val="100000"/>
+              <a:buFont typeface="Times New Roman" panose="02020603050405020304" pitchFamily="18" charset="0"/>
+              <a:tabLst>
+                <a:tab pos="0" algn="l"/>
+                <a:tab pos="457200" algn="l"/>
+                <a:tab pos="914400" algn="l"/>
+                <a:tab pos="1371600" algn="l"/>
+                <a:tab pos="1828800" algn="l"/>
+                <a:tab pos="2286000" algn="l"/>
+                <a:tab pos="2743200" algn="l"/>
+                <a:tab pos="3200400" algn="l"/>
+                <a:tab pos="3657600" algn="l"/>
+                <a:tab pos="4114800" algn="l"/>
+                <a:tab pos="4572000" algn="l"/>
+                <a:tab pos="5029200" algn="l"/>
+                <a:tab pos="5486400" algn="l"/>
+                <a:tab pos="5943600" algn="l"/>
+                <a:tab pos="6400800" algn="l"/>
+                <a:tab pos="6858000" algn="l"/>
+                <a:tab pos="7315200" algn="l"/>
+                <a:tab pos="7772400" algn="l"/>
+                <a:tab pos="8229600" algn="l"/>
+                <a:tab pos="8686800" algn="l"/>
+                <a:tab pos="9144000" algn="l"/>
+              </a:tabLst>
+              <a:defRPr sz="1200">
+                <a:solidFill>
+                  <a:srgbClr val="000000"/>
+                </a:solidFill>
+                <a:latin typeface="Times New Roman" panose="02020603050405020304" pitchFamily="18" charset="0"/>
+              </a:defRPr>
+            </a:lvl4pPr>
+            <a:lvl5pPr>
+              <a:spcBef>
+                <a:spcPct val="30000"/>
+              </a:spcBef>
+              <a:buClr>
+                <a:srgbClr val="000000"/>
+              </a:buClr>
+              <a:buSzPct val="100000"/>
+              <a:buFont typeface="Times New Roman" panose="02020603050405020304" pitchFamily="18" charset="0"/>
+              <a:tabLst>
+                <a:tab pos="0" algn="l"/>
+                <a:tab pos="457200" algn="l"/>
+                <a:tab pos="914400" algn="l"/>
+                <a:tab pos="1371600" algn="l"/>
+                <a:tab pos="1828800" algn="l"/>
+                <a:tab pos="2286000" algn="l"/>
+                <a:tab pos="2743200" algn="l"/>
+                <a:tab pos="3200400" algn="l"/>
+                <a:tab pos="3657600" algn="l"/>
+                <a:tab pos="4114800" algn="l"/>
+                <a:tab pos="4572000" algn="l"/>
+                <a:tab pos="5029200" algn="l"/>
+                <a:tab pos="5486400" algn="l"/>
+                <a:tab pos="5943600" algn="l"/>
+                <a:tab pos="6400800" algn="l"/>
+                <a:tab pos="6858000" algn="l"/>
+                <a:tab pos="7315200" algn="l"/>
+                <a:tab pos="7772400" algn="l"/>
+                <a:tab pos="8229600" algn="l"/>
+                <a:tab pos="8686800" algn="l"/>
+                <a:tab pos="9144000" algn="l"/>
+              </a:tabLst>
+              <a:defRPr sz="1200">
+                <a:solidFill>
+                  <a:srgbClr val="000000"/>
+                </a:solidFill>
+                <a:latin typeface="Times New Roman" panose="02020603050405020304" pitchFamily="18" charset="0"/>
+              </a:defRPr>
+            </a:lvl5pPr>
+            <a:lvl6pPr marL="2514600" indent="-228600" defTabSz="457200" eaLnBrk="0" fontAlgn="base" hangingPunct="0">
+              <a:spcBef>
+                <a:spcPct val="30000"/>
+              </a:spcBef>
+              <a:spcAft>
+                <a:spcPct val="0"/>
+              </a:spcAft>
+              <a:buClr>
+                <a:srgbClr val="000000"/>
+              </a:buClr>
+              <a:buSzPct val="100000"/>
+              <a:buFont typeface="Times New Roman" panose="02020603050405020304" pitchFamily="18" charset="0"/>
+              <a:tabLst>
+                <a:tab pos="0" algn="l"/>
+                <a:tab pos="457200" algn="l"/>
+                <a:tab pos="914400" algn="l"/>
+                <a:tab pos="1371600" algn="l"/>
+                <a:tab pos="1828800" algn="l"/>
+                <a:tab pos="2286000" algn="l"/>
+                <a:tab pos="2743200" algn="l"/>
+                <a:tab pos="3200400" algn="l"/>
+                <a:tab pos="3657600" algn="l"/>
+                <a:tab pos="4114800" algn="l"/>
+                <a:tab pos="4572000" algn="l"/>
+                <a:tab pos="5029200" algn="l"/>
+                <a:tab pos="5486400" algn="l"/>
+                <a:tab pos="5943600" algn="l"/>
+                <a:tab pos="6400800" algn="l"/>
+                <a:tab pos="6858000" algn="l"/>
+                <a:tab pos="7315200" algn="l"/>
+                <a:tab pos="7772400" algn="l"/>
+                <a:tab pos="8229600" algn="l"/>
+                <a:tab pos="8686800" algn="l"/>
+                <a:tab pos="9144000" algn="l"/>
+              </a:tabLst>
+              <a:defRPr sz="1200">
+                <a:solidFill>
+                  <a:srgbClr val="000000"/>
+                </a:solidFill>
+                <a:latin typeface="Times New Roman" panose="02020603050405020304" pitchFamily="18" charset="0"/>
+              </a:defRPr>
+            </a:lvl6pPr>
+            <a:lvl7pPr marL="2971800" indent="-228600" defTabSz="457200" eaLnBrk="0" fontAlgn="base" hangingPunct="0">
+              <a:spcBef>
+                <a:spcPct val="30000"/>
+              </a:spcBef>
+              <a:spcAft>
+                <a:spcPct val="0"/>
+              </a:spcAft>
+              <a:buClr>
+                <a:srgbClr val="000000"/>
+              </a:buClr>
+              <a:buSzPct val="100000"/>
+              <a:buFont typeface="Times New Roman" panose="02020603050405020304" pitchFamily="18" charset="0"/>
+              <a:tabLst>
+                <a:tab pos="0" algn="l"/>
+                <a:tab pos="457200" algn="l"/>
+                <a:tab pos="914400" algn="l"/>
+                <a:tab pos="1371600" algn="l"/>
+                <a:tab pos="1828800" algn="l"/>
+                <a:tab pos="2286000" algn="l"/>
+                <a:tab pos="2743200" algn="l"/>
+                <a:tab pos="3200400" algn="l"/>
+                <a:tab pos="3657600" algn="l"/>
+                <a:tab pos="4114800" algn="l"/>
+                <a:tab pos="4572000" algn="l"/>
+                <a:tab pos="5029200" algn="l"/>
+                <a:tab pos="5486400" algn="l"/>
+                <a:tab pos="5943600" algn="l"/>
+                <a:tab pos="6400800" algn="l"/>
+                <a:tab pos="6858000" algn="l"/>
+                <a:tab pos="7315200" algn="l"/>
+                <a:tab pos="7772400" algn="l"/>
+                <a:tab pos="8229600" algn="l"/>
+                <a:tab pos="8686800" algn="l"/>
+                <a:tab pos="9144000" algn="l"/>
+              </a:tabLst>
+              <a:defRPr sz="1200">
+                <a:solidFill>
+                  <a:srgbClr val="000000"/>
+                </a:solidFill>
+                <a:latin typeface="Times New Roman" panose="02020603050405020304" pitchFamily="18" charset="0"/>
+              </a:defRPr>
+            </a:lvl7pPr>
+            <a:lvl8pPr marL="3429000" indent="-228600" defTabSz="457200" eaLnBrk="0" fontAlgn="base" hangingPunct="0">
+              <a:spcBef>
+                <a:spcPct val="30000"/>
+              </a:spcBef>
+              <a:spcAft>
+                <a:spcPct val="0"/>
+              </a:spcAft>
+              <a:buClr>
+                <a:srgbClr val="000000"/>
+              </a:buClr>
+              <a:buSzPct val="100000"/>
+              <a:buFont typeface="Times New Roman" panose="02020603050405020304" pitchFamily="18" charset="0"/>
+              <a:tabLst>
+                <a:tab pos="0" algn="l"/>
+                <a:tab pos="457200" algn="l"/>
+                <a:tab pos="914400" algn="l"/>
+                <a:tab pos="1371600" algn="l"/>
+                <a:tab pos="1828800" algn="l"/>
+                <a:tab pos="2286000" algn="l"/>
+                <a:tab pos="2743200" algn="l"/>
+                <a:tab pos="3200400" algn="l"/>
+                <a:tab pos="3657600" algn="l"/>
+                <a:tab pos="4114800" algn="l"/>
+                <a:tab pos="4572000" algn="l"/>
+                <a:tab pos="5029200" algn="l"/>
+                <a:tab pos="5486400" algn="l"/>
+                <a:tab pos="5943600" algn="l"/>
+                <a:tab pos="6400800" algn="l"/>
+                <a:tab pos="6858000" algn="l"/>
+                <a:tab pos="7315200" algn="l"/>
+                <a:tab pos="7772400" algn="l"/>
+                <a:tab pos="8229600" algn="l"/>
+                <a:tab pos="8686800" algn="l"/>
+                <a:tab pos="9144000" algn="l"/>
+              </a:tabLst>
+              <a:defRPr sz="1200">
+                <a:solidFill>
+                  <a:srgbClr val="000000"/>
+                </a:solidFill>
+                <a:latin typeface="Times New Roman" panose="02020603050405020304" pitchFamily="18" charset="0"/>
+              </a:defRPr>
+            </a:lvl8pPr>
+            <a:lvl9pPr marL="3886200" indent="-228600" defTabSz="457200" eaLnBrk="0" fontAlgn="base" hangingPunct="0">
+              <a:spcBef>
+                <a:spcPct val="30000"/>
+              </a:spcBef>
+              <a:spcAft>
+                <a:spcPct val="0"/>
+              </a:spcAft>
+              <a:buClr>
+                <a:srgbClr val="000000"/>
+              </a:buClr>
+              <a:buSzPct val="100000"/>
+              <a:buFont typeface="Times New Roman" panose="02020603050405020304" pitchFamily="18" charset="0"/>
+              <a:tabLst>
+                <a:tab pos="0" algn="l"/>
+                <a:tab pos="457200" algn="l"/>
+                <a:tab pos="914400" algn="l"/>
+                <a:tab pos="1371600" algn="l"/>
+                <a:tab pos="1828800" algn="l"/>
+                <a:tab pos="2286000" algn="l"/>
+                <a:tab pos="2743200" algn="l"/>
+                <a:tab pos="3200400" algn="l"/>
+                <a:tab pos="3657600" algn="l"/>
+                <a:tab pos="4114800" algn="l"/>
+                <a:tab pos="4572000" algn="l"/>
+                <a:tab pos="5029200" algn="l"/>
+                <a:tab pos="5486400" algn="l"/>
+                <a:tab pos="5943600" algn="l"/>
+                <a:tab pos="6400800" algn="l"/>
+                <a:tab pos="6858000" algn="l"/>
+                <a:tab pos="7315200" algn="l"/>
+                <a:tab pos="7772400" algn="l"/>
+                <a:tab pos="8229600" algn="l"/>
+                <a:tab pos="8686800" algn="l"/>
+                <a:tab pos="9144000" algn="l"/>
+              </a:tabLst>
+              <a:defRPr sz="1200">
+                <a:solidFill>
+                  <a:srgbClr val="000000"/>
+                </a:solidFill>
+                <a:latin typeface="Times New Roman" panose="02020603050405020304" pitchFamily="18" charset="0"/>
+              </a:defRPr>
+            </a:lvl9pPr>
+          </a:lstStyle>
+          <a:p>
+            <a:pPr algn="r" eaLnBrk="1" hangingPunct="1">
+              <a:spcBef>
+                <a:spcPct val="0"/>
+              </a:spcBef>
+              <a:buClrTx/>
+              <a:buSzPct val="45000"/>
+              <a:buFontTx/>
+              <a:buNone/>
+            </a:pPr>
+            <a:fld id="{2D6C1856-C460-495C-A3F1-28653718D265}" type="slidenum">
+              <a:rPr lang="en-US" altLang="en-US">
+                <a:cs typeface="Arial" panose="020B0604020202020204" pitchFamily="34" charset="0"/>
+              </a:rPr>
+              <a:pPr algn="r" eaLnBrk="1" hangingPunct="1">
+                <a:spcBef>
+                  <a:spcPct val="0"/>
+                </a:spcBef>
+                <a:buClrTx/>
+                <a:buSzPct val="45000"/>
+                <a:buFontTx/>
+                <a:buNone/>
+              </a:pPr>
+              <a:t>38</a:t>
+            </a:fld>
+            <a:endParaRPr lang="en-US" altLang="en-US">
+              <a:cs typeface="Arial" panose="020B0604020202020204" pitchFamily="34" charset="0"/>
+            </a:endParaRPr>
+          </a:p>
+        </p:txBody>
+      </p:sp>
+      <p:sp>
+        <p:nvSpPr>
+          <p:cNvPr id="37892" name="Rectangle 2">
+            <a:extLst>
+              <a:ext uri="{FF2B5EF4-FFF2-40B4-BE49-F238E27FC236}">
+                <a16:creationId xmlns:a16="http://schemas.microsoft.com/office/drawing/2014/main" id="{329A9EDC-ED7F-41BE-A871-BCFF7C636385}"/>
+              </a:ext>
+            </a:extLst>
+          </p:cNvPr>
+          <p:cNvSpPr>
+            <a:spLocks noGrp="1" noRot="1" noChangeAspect="1" noChangeArrowheads="1" noTextEdit="1"/>
+          </p:cNvSpPr>
+          <p:nvPr>
+            <p:ph type="sldImg"/>
+          </p:nvPr>
+        </p:nvSpPr>
+        <p:spPr>
+          <a:xfrm>
+            <a:off x="381000" y="685800"/>
+            <a:ext cx="6096000" cy="3429000"/>
+          </a:xfrm>
+          <a:solidFill>
+            <a:srgbClr val="FFFFFF"/>
+          </a:solidFill>
+          <a:ln/>
+          <a:extLst>
+            <a:ext uri="{AF507438-7753-43E0-B8FC-AC1667EBCBE1}">
+              <a14:hiddenEffects xmlns:a14="http://schemas.microsoft.com/office/drawing/2010/main">
+                <a:effectLst>
+                  <a:outerShdw dist="35921" dir="2700000" algn="ctr" rotWithShape="0">
+                    <a:srgbClr val="808080"/>
+                  </a:outerShdw>
+                </a:effectLst>
+              </a14:hiddenEffects>
+            </a:ext>
+          </a:extLst>
+        </p:spPr>
+      </p:sp>
+      <p:sp>
+        <p:nvSpPr>
+          <p:cNvPr id="37893" name="Rectangle 3">
+            <a:extLst>
+              <a:ext uri="{FF2B5EF4-FFF2-40B4-BE49-F238E27FC236}">
+                <a16:creationId xmlns:a16="http://schemas.microsoft.com/office/drawing/2014/main" id="{3F9B4D84-CCC0-49F9-AB00-5CA5F56DA20F}"/>
+              </a:ext>
+            </a:extLst>
+          </p:cNvPr>
+          <p:cNvSpPr>
+            <a:spLocks noGrp="1" noChangeArrowheads="1"/>
+          </p:cNvSpPr>
+          <p:nvPr>
+            <p:ph type="body" idx="1"/>
+          </p:nvPr>
+        </p:nvSpPr>
+        <p:spPr>
+          <a:xfrm>
+            <a:off x="685800" y="4343400"/>
+            <a:ext cx="5475288" cy="4103688"/>
+          </a:xfrm>
+          <a:noFill/>
+          <a:extLst>
+            <a:ext uri="{91240B29-F687-4F45-9708-019B960494DF}">
+              <a14:hiddenLine xmlns:a14="http://schemas.microsoft.com/office/drawing/2010/main" w="9525">
+                <a:solidFill>
+                  <a:srgbClr val="3465A4"/>
+                </a:solidFill>
+                <a:miter lim="800000"/>
+                <a:headEnd/>
+                <a:tailEnd/>
+              </a14:hiddenLine>
+            </a:ext>
+            <a:ext uri="{AF507438-7753-43E0-B8FC-AC1667EBCBE1}">
+              <a14:hiddenEffects xmlns:a14="http://schemas.microsoft.com/office/drawing/2010/main">
+                <a:effectLst>
+                  <a:outerShdw dist="35921" dir="2700000" algn="ctr" rotWithShape="0">
+                    <a:srgbClr val="808080"/>
+                  </a:outerShdw>
+                </a:effectLst>
+              </a14:hiddenEffects>
+            </a:ext>
+          </a:extLst>
+        </p:spPr>
+        <p:txBody>
+          <a:bodyPr wrap="none" anchor="ctr"/>
+          <a:lstStyle/>
+          <a:p>
+            <a:endParaRPr lang="en-US" altLang="en-US"/>
+          </a:p>
+        </p:txBody>
+      </p:sp>
+    </p:spTree>
+  </p:cSld>
+  <p:clrMapOvr>
+    <a:masterClrMapping/>
+  </p:clrMapOvr>
+</p:notes>
+</file>
+
+<file path=ppt/notesSlides/notesSlide3.xml><?xml version="1.0" encoding="utf-8"?>
+<p:notes xmlns:a="http://schemas.openxmlformats.org/drawingml/2006/main" xmlns:r="http://schemas.openxmlformats.org/officeDocument/2006/relationships" xmlns:p="http://schemas.openxmlformats.org/presentationml/2006/main">
+  <p:cSld>
+    <p:bg>
+      <p:bgPr>
+        <a:solidFill>
+          <a:srgbClr val="FFFFFF"/>
+        </a:solidFill>
+        <a:effectLst/>
+      </p:bgPr>
+    </p:bg>
+    <p:spTree>
+      <p:nvGrpSpPr>
+        <p:cNvPr id="1" name=""/>
+        <p:cNvGrpSpPr/>
+        <p:nvPr/>
+      </p:nvGrpSpPr>
+      <p:grpSpPr>
+        <a:xfrm>
+          <a:off x="0" y="0"/>
+          <a:ext cx="0" cy="0"/>
+          <a:chOff x="0" y="0"/>
+          <a:chExt cx="0" cy="0"/>
+        </a:xfrm>
+      </p:grpSpPr>
+      <p:sp>
+        <p:nvSpPr>
+          <p:cNvPr id="33794" name="Rectangle 32">
+            <a:extLst>
+              <a:ext uri="{FF2B5EF4-FFF2-40B4-BE49-F238E27FC236}">
+                <a16:creationId xmlns:a16="http://schemas.microsoft.com/office/drawing/2014/main" id="{6AC07CBD-8FF0-46EF-A406-6BB5DE5B626B}"/>
+              </a:ext>
+            </a:extLst>
+          </p:cNvPr>
+          <p:cNvSpPr>
+            <a:spLocks noGrp="1" noChangeArrowheads="1"/>
+          </p:cNvSpPr>
+          <p:nvPr>
+            <p:ph type="sldNum" sz="quarter"/>
+          </p:nvPr>
+        </p:nvSpPr>
+        <p:spPr>
+          <a:noFill/>
+          <a:extLst>
+            <a:ext uri="{91240B29-F687-4F45-9708-019B960494DF}">
+              <a14:hiddenLine xmlns:a14="http://schemas.microsoft.com/office/drawing/2010/main" w="9525">
+                <a:solidFill>
+                  <a:srgbClr val="3465A4"/>
+                </a:solidFill>
+                <a:round/>
+                <a:headEnd/>
+                <a:tailEnd/>
+              </a14:hiddenLine>
+            </a:ext>
+          </a:extLst>
+        </p:spPr>
+        <p:txBody>
+          <a:bodyPr/>
+          <a:lstStyle>
+            <a:lvl1pPr>
+              <a:spcBef>
+                <a:spcPct val="30000"/>
+              </a:spcBef>
+              <a:buClr>
+                <a:srgbClr val="000000"/>
+              </a:buClr>
+              <a:buSzPct val="100000"/>
+              <a:buFont typeface="Times New Roman" panose="02020603050405020304" pitchFamily="18" charset="0"/>
+              <a:tabLst>
+                <a:tab pos="457200" algn="l"/>
+                <a:tab pos="914400" algn="l"/>
+                <a:tab pos="1371600" algn="l"/>
+                <a:tab pos="1828800" algn="l"/>
+                <a:tab pos="2286000" algn="l"/>
+                <a:tab pos="2743200" algn="l"/>
+              </a:tabLst>
+              <a:defRPr sz="1200">
+                <a:solidFill>
+                  <a:srgbClr val="000000"/>
+                </a:solidFill>
+                <a:latin typeface="Times New Roman" panose="02020603050405020304" pitchFamily="18" charset="0"/>
+              </a:defRPr>
+            </a:lvl1pPr>
+            <a:lvl2pPr>
+              <a:spcBef>
+                <a:spcPct val="30000"/>
+              </a:spcBef>
+              <a:buClr>
+                <a:srgbClr val="000000"/>
+              </a:buClr>
+              <a:buSzPct val="100000"/>
+              <a:buFont typeface="Times New Roman" panose="02020603050405020304" pitchFamily="18" charset="0"/>
+              <a:tabLst>
+                <a:tab pos="457200" algn="l"/>
+                <a:tab pos="914400" algn="l"/>
+                <a:tab pos="1371600" algn="l"/>
+                <a:tab pos="1828800" algn="l"/>
+                <a:tab pos="2286000" algn="l"/>
+                <a:tab pos="2743200" algn="l"/>
+              </a:tabLst>
+              <a:defRPr sz="1200">
+                <a:solidFill>
+                  <a:srgbClr val="000000"/>
+                </a:solidFill>
+                <a:latin typeface="Times New Roman" panose="02020603050405020304" pitchFamily="18" charset="0"/>
+              </a:defRPr>
+            </a:lvl2pPr>
+            <a:lvl3pPr>
+              <a:spcBef>
+                <a:spcPct val="30000"/>
+              </a:spcBef>
+              <a:buClr>
+                <a:srgbClr val="000000"/>
+              </a:buClr>
+              <a:buSzPct val="100000"/>
+              <a:buFont typeface="Times New Roman" panose="02020603050405020304" pitchFamily="18" charset="0"/>
+              <a:tabLst>
+                <a:tab pos="457200" algn="l"/>
+                <a:tab pos="914400" algn="l"/>
+                <a:tab pos="1371600" algn="l"/>
+                <a:tab pos="1828800" algn="l"/>
+                <a:tab pos="2286000" algn="l"/>
+                <a:tab pos="2743200" algn="l"/>
+              </a:tabLst>
+              <a:defRPr sz="1200">
+                <a:solidFill>
+                  <a:srgbClr val="000000"/>
+                </a:solidFill>
+                <a:latin typeface="Times New Roman" panose="02020603050405020304" pitchFamily="18" charset="0"/>
+              </a:defRPr>
+            </a:lvl3pPr>
+            <a:lvl4pPr>
+              <a:spcBef>
+                <a:spcPct val="30000"/>
+              </a:spcBef>
+              <a:buClr>
+                <a:srgbClr val="000000"/>
+              </a:buClr>
+              <a:buSzPct val="100000"/>
+              <a:buFont typeface="Times New Roman" panose="02020603050405020304" pitchFamily="18" charset="0"/>
+              <a:tabLst>
+                <a:tab pos="457200" algn="l"/>
+                <a:tab pos="914400" algn="l"/>
+                <a:tab pos="1371600" algn="l"/>
+                <a:tab pos="1828800" algn="l"/>
+                <a:tab pos="2286000" algn="l"/>
+                <a:tab pos="2743200" algn="l"/>
+              </a:tabLst>
+              <a:defRPr sz="1200">
+                <a:solidFill>
+                  <a:srgbClr val="000000"/>
+                </a:solidFill>
+                <a:latin typeface="Times New Roman" panose="02020603050405020304" pitchFamily="18" charset="0"/>
+              </a:defRPr>
+            </a:lvl4pPr>
+            <a:lvl5pPr>
+              <a:spcBef>
+                <a:spcPct val="30000"/>
+              </a:spcBef>
+              <a:buClr>
+                <a:srgbClr val="000000"/>
+              </a:buClr>
+              <a:buSzPct val="100000"/>
+              <a:buFont typeface="Times New Roman" panose="02020603050405020304" pitchFamily="18" charset="0"/>
+              <a:tabLst>
+                <a:tab pos="457200" algn="l"/>
+                <a:tab pos="914400" algn="l"/>
+                <a:tab pos="1371600" algn="l"/>
+                <a:tab pos="1828800" algn="l"/>
+                <a:tab pos="2286000" algn="l"/>
+                <a:tab pos="2743200" algn="l"/>
+              </a:tabLst>
+              <a:defRPr sz="1200">
+                <a:solidFill>
+                  <a:srgbClr val="000000"/>
+                </a:solidFill>
+                <a:latin typeface="Times New Roman" panose="02020603050405020304" pitchFamily="18" charset="0"/>
+              </a:defRPr>
+            </a:lvl5pPr>
+            <a:lvl6pPr marL="2514600" indent="-228600" defTabSz="457200" eaLnBrk="0" fontAlgn="base" hangingPunct="0">
+              <a:spcBef>
+                <a:spcPct val="30000"/>
+              </a:spcBef>
+              <a:spcAft>
+                <a:spcPct val="0"/>
+              </a:spcAft>
+              <a:buClr>
+                <a:srgbClr val="000000"/>
+              </a:buClr>
+              <a:buSzPct val="100000"/>
+              <a:buFont typeface="Times New Roman" panose="02020603050405020304" pitchFamily="18" charset="0"/>
+              <a:tabLst>
+                <a:tab pos="457200" algn="l"/>
+                <a:tab pos="914400" algn="l"/>
+                <a:tab pos="1371600" algn="l"/>
+                <a:tab pos="1828800" algn="l"/>
+                <a:tab pos="2286000" algn="l"/>
+                <a:tab pos="2743200" algn="l"/>
+              </a:tabLst>
+              <a:defRPr sz="1200">
+                <a:solidFill>
+                  <a:srgbClr val="000000"/>
+                </a:solidFill>
+                <a:latin typeface="Times New Roman" panose="02020603050405020304" pitchFamily="18" charset="0"/>
+              </a:defRPr>
+            </a:lvl6pPr>
+            <a:lvl7pPr marL="2971800" indent="-228600" defTabSz="457200" eaLnBrk="0" fontAlgn="base" hangingPunct="0">
+              <a:spcBef>
+                <a:spcPct val="30000"/>
+              </a:spcBef>
+              <a:spcAft>
+                <a:spcPct val="0"/>
+              </a:spcAft>
+              <a:buClr>
+                <a:srgbClr val="000000"/>
+              </a:buClr>
+              <a:buSzPct val="100000"/>
+              <a:buFont typeface="Times New Roman" panose="02020603050405020304" pitchFamily="18" charset="0"/>
+              <a:tabLst>
+                <a:tab pos="457200" algn="l"/>
+                <a:tab pos="914400" algn="l"/>
+                <a:tab pos="1371600" algn="l"/>
+                <a:tab pos="1828800" algn="l"/>
+                <a:tab pos="2286000" algn="l"/>
+                <a:tab pos="2743200" algn="l"/>
+              </a:tabLst>
+              <a:defRPr sz="1200">
+                <a:solidFill>
+                  <a:srgbClr val="000000"/>
+                </a:solidFill>
+                <a:latin typeface="Times New Roman" panose="02020603050405020304" pitchFamily="18" charset="0"/>
+              </a:defRPr>
+            </a:lvl7pPr>
+            <a:lvl8pPr marL="3429000" indent="-228600" defTabSz="457200" eaLnBrk="0" fontAlgn="base" hangingPunct="0">
+              <a:spcBef>
+                <a:spcPct val="30000"/>
+              </a:spcBef>
+              <a:spcAft>
+                <a:spcPct val="0"/>
+              </a:spcAft>
+              <a:buClr>
+                <a:srgbClr val="000000"/>
+              </a:buClr>
+              <a:buSzPct val="100000"/>
+              <a:buFont typeface="Times New Roman" panose="02020603050405020304" pitchFamily="18" charset="0"/>
+              <a:tabLst>
+                <a:tab pos="457200" algn="l"/>
+                <a:tab pos="914400" algn="l"/>
+                <a:tab pos="1371600" algn="l"/>
+                <a:tab pos="1828800" algn="l"/>
+                <a:tab pos="2286000" algn="l"/>
+                <a:tab pos="2743200" algn="l"/>
+              </a:tabLst>
+              <a:defRPr sz="1200">
+                <a:solidFill>
+                  <a:srgbClr val="000000"/>
+                </a:solidFill>
+                <a:latin typeface="Times New Roman" panose="02020603050405020304" pitchFamily="18" charset="0"/>
+              </a:defRPr>
+            </a:lvl8pPr>
+            <a:lvl9pPr marL="3886200" indent="-228600" defTabSz="457200" eaLnBrk="0" fontAlgn="base" hangingPunct="0">
+              <a:spcBef>
+                <a:spcPct val="30000"/>
+              </a:spcBef>
+              <a:spcAft>
+                <a:spcPct val="0"/>
+              </a:spcAft>
+              <a:buClr>
+                <a:srgbClr val="000000"/>
+              </a:buClr>
+              <a:buSzPct val="100000"/>
+              <a:buFont typeface="Times New Roman" panose="02020603050405020304" pitchFamily="18" charset="0"/>
+              <a:tabLst>
+                <a:tab pos="457200" algn="l"/>
+                <a:tab pos="914400" algn="l"/>
+                <a:tab pos="1371600" algn="l"/>
+                <a:tab pos="1828800" algn="l"/>
+                <a:tab pos="2286000" algn="l"/>
+                <a:tab pos="2743200" algn="l"/>
+              </a:tabLst>
+              <a:defRPr sz="1200">
+                <a:solidFill>
+                  <a:srgbClr val="000000"/>
+                </a:solidFill>
+                <a:latin typeface="Times New Roman" panose="02020603050405020304" pitchFamily="18" charset="0"/>
+              </a:defRPr>
+            </a:lvl9pPr>
+          </a:lstStyle>
+          <a:p>
+            <a:pPr>
+              <a:spcBef>
+                <a:spcPct val="0"/>
+              </a:spcBef>
+              <a:buClrTx/>
+              <a:buSzPct val="45000"/>
+              <a:buFontTx/>
+              <a:buNone/>
+            </a:pPr>
+            <a:fld id="{8E067CA1-5BAD-426E-8D10-8B5F2DE33B28}" type="slidenum">
+              <a:rPr lang="en-US" altLang="en-US" smtClean="0"/>
+              <a:pPr>
+                <a:spcBef>
+                  <a:spcPct val="0"/>
+                </a:spcBef>
+                <a:buClrTx/>
+                <a:buSzPct val="45000"/>
+                <a:buFontTx/>
+                <a:buNone/>
+              </a:pPr>
+              <a:t>39</a:t>
+            </a:fld>
+            <a:endParaRPr lang="en-US" altLang="en-US"/>
+          </a:p>
+        </p:txBody>
+      </p:sp>
+      <p:sp>
+        <p:nvSpPr>
+          <p:cNvPr id="33795" name="Text Box 1">
+            <a:extLst>
+              <a:ext uri="{FF2B5EF4-FFF2-40B4-BE49-F238E27FC236}">
+                <a16:creationId xmlns:a16="http://schemas.microsoft.com/office/drawing/2014/main" id="{4B6DE522-1DA2-4F10-B102-06947E02FF71}"/>
+              </a:ext>
+            </a:extLst>
+          </p:cNvPr>
+          <p:cNvSpPr txBox="1">
+            <a:spLocks noChangeArrowheads="1"/>
+          </p:cNvSpPr>
+          <p:nvPr/>
+        </p:nvSpPr>
+        <p:spPr bwMode="auto">
+          <a:xfrm>
+            <a:off x="3884613" y="8685213"/>
+            <a:ext cx="2941637" cy="427037"/>
+          </a:xfrm>
+          <a:prstGeom prst="rect">
+            <a:avLst/>
+          </a:prstGeom>
+          <a:noFill/>
+          <a:ln>
+            <a:noFill/>
+          </a:ln>
+          <a:effectLst/>
+          <a:extLst>
+            <a:ext uri="{909E8E84-426E-40DD-AFC4-6F175D3DCCD1}">
+              <a14:hiddenFill xmlns:a14="http://schemas.microsoft.com/office/drawing/2010/main">
+                <a:solidFill>
+                  <a:srgbClr val="FFFFFF"/>
+                </a:solidFill>
+              </a14:hiddenFill>
+            </a:ext>
+            <a:ext uri="{91240B29-F687-4F45-9708-019B960494DF}">
+              <a14:hiddenLine xmlns:a14="http://schemas.microsoft.com/office/drawing/2010/main" w="9525">
+                <a:solidFill>
+                  <a:srgbClr val="3465A4"/>
+                </a:solidFill>
+                <a:round/>
+                <a:headEnd/>
+                <a:tailEnd/>
+              </a14:hiddenLine>
+            </a:ext>
+            <a:ext uri="{AF507438-7753-43E0-B8FC-AC1667EBCBE1}">
+              <a14:hiddenEffects xmlns:a14="http://schemas.microsoft.com/office/drawing/2010/main">
+                <a:effectLst>
+                  <a:outerShdw dist="35921" dir="2700000" algn="ctr" rotWithShape="0">
+                    <a:srgbClr val="808080"/>
+                  </a:outerShdw>
+                </a:effectLst>
+              </a14:hiddenEffects>
+            </a:ext>
+          </a:extLst>
+        </p:spPr>
+        <p:txBody>
+          <a:bodyPr lIns="90000" tIns="46800" rIns="90000" bIns="46800" anchor="b"/>
+          <a:lstStyle>
+            <a:lvl1pPr>
+              <a:spcBef>
+                <a:spcPct val="30000"/>
+              </a:spcBef>
+              <a:buClr>
+                <a:srgbClr val="000000"/>
+              </a:buClr>
+              <a:buSzPct val="100000"/>
+              <a:buFont typeface="Times New Roman" panose="02020603050405020304" pitchFamily="18" charset="0"/>
+              <a:tabLst>
+                <a:tab pos="0" algn="l"/>
+                <a:tab pos="457200" algn="l"/>
+                <a:tab pos="914400" algn="l"/>
+                <a:tab pos="1371600" algn="l"/>
+                <a:tab pos="1828800" algn="l"/>
+                <a:tab pos="2286000" algn="l"/>
+                <a:tab pos="2743200" algn="l"/>
+                <a:tab pos="3200400" algn="l"/>
+                <a:tab pos="3657600" algn="l"/>
+                <a:tab pos="4114800" algn="l"/>
+                <a:tab pos="4572000" algn="l"/>
+                <a:tab pos="5029200" algn="l"/>
+                <a:tab pos="5486400" algn="l"/>
+                <a:tab pos="5943600" algn="l"/>
+                <a:tab pos="6400800" algn="l"/>
+                <a:tab pos="6858000" algn="l"/>
+                <a:tab pos="7315200" algn="l"/>
+                <a:tab pos="7772400" algn="l"/>
+                <a:tab pos="8229600" algn="l"/>
+                <a:tab pos="8686800" algn="l"/>
+                <a:tab pos="9144000" algn="l"/>
+              </a:tabLst>
+              <a:defRPr sz="1200">
+                <a:solidFill>
+                  <a:srgbClr val="000000"/>
+                </a:solidFill>
+                <a:latin typeface="Times New Roman" panose="02020603050405020304" pitchFamily="18" charset="0"/>
+              </a:defRPr>
+            </a:lvl1pPr>
+            <a:lvl2pPr>
+              <a:spcBef>
+                <a:spcPct val="30000"/>
+              </a:spcBef>
+              <a:buClr>
+                <a:srgbClr val="000000"/>
+              </a:buClr>
+              <a:buSzPct val="100000"/>
+              <a:buFont typeface="Times New Roman" panose="02020603050405020304" pitchFamily="18" charset="0"/>
+              <a:tabLst>
+                <a:tab pos="0" algn="l"/>
+                <a:tab pos="457200" algn="l"/>
+                <a:tab pos="914400" algn="l"/>
+                <a:tab pos="1371600" algn="l"/>
+                <a:tab pos="1828800" algn="l"/>
+                <a:tab pos="2286000" algn="l"/>
+                <a:tab pos="2743200" algn="l"/>
+                <a:tab pos="3200400" algn="l"/>
+                <a:tab pos="3657600" algn="l"/>
+                <a:tab pos="4114800" algn="l"/>
+                <a:tab pos="4572000" algn="l"/>
+                <a:tab pos="5029200" algn="l"/>
+                <a:tab pos="5486400" algn="l"/>
+                <a:tab pos="5943600" algn="l"/>
+                <a:tab pos="6400800" algn="l"/>
+                <a:tab pos="6858000" algn="l"/>
+                <a:tab pos="7315200" algn="l"/>
+                <a:tab pos="7772400" algn="l"/>
+                <a:tab pos="8229600" algn="l"/>
+                <a:tab pos="8686800" algn="l"/>
+                <a:tab pos="9144000" algn="l"/>
+              </a:tabLst>
+              <a:defRPr sz="1200">
+                <a:solidFill>
+                  <a:srgbClr val="000000"/>
+                </a:solidFill>
+                <a:latin typeface="Times New Roman" panose="02020603050405020304" pitchFamily="18" charset="0"/>
+              </a:defRPr>
+            </a:lvl2pPr>
+            <a:lvl3pPr>
+              <a:spcBef>
+                <a:spcPct val="30000"/>
+              </a:spcBef>
+              <a:buClr>
+                <a:srgbClr val="000000"/>
+              </a:buClr>
+              <a:buSzPct val="100000"/>
+              <a:buFont typeface="Times New Roman" panose="02020603050405020304" pitchFamily="18" charset="0"/>
+              <a:tabLst>
+                <a:tab pos="0" algn="l"/>
+                <a:tab pos="457200" algn="l"/>
+                <a:tab pos="914400" algn="l"/>
+                <a:tab pos="1371600" algn="l"/>
+                <a:tab pos="1828800" algn="l"/>
+                <a:tab pos="2286000" algn="l"/>
+                <a:tab pos="2743200" algn="l"/>
+                <a:tab pos="3200400" algn="l"/>
+                <a:tab pos="3657600" algn="l"/>
+                <a:tab pos="4114800" algn="l"/>
+                <a:tab pos="4572000" algn="l"/>
+                <a:tab pos="5029200" algn="l"/>
+                <a:tab pos="5486400" algn="l"/>
+                <a:tab pos="5943600" algn="l"/>
+                <a:tab pos="6400800" algn="l"/>
+                <a:tab pos="6858000" algn="l"/>
+                <a:tab pos="7315200" algn="l"/>
+                <a:tab pos="7772400" algn="l"/>
+                <a:tab pos="8229600" algn="l"/>
+                <a:tab pos="8686800" algn="l"/>
+                <a:tab pos="9144000" algn="l"/>
+              </a:tabLst>
+              <a:defRPr sz="1200">
+                <a:solidFill>
+                  <a:srgbClr val="000000"/>
+                </a:solidFill>
+                <a:latin typeface="Times New Roman" panose="02020603050405020304" pitchFamily="18" charset="0"/>
+              </a:defRPr>
+            </a:lvl3pPr>
+            <a:lvl4pPr>
+              <a:spcBef>
+                <a:spcPct val="30000"/>
+              </a:spcBef>
+              <a:buClr>
+                <a:srgbClr val="000000"/>
+              </a:buClr>
+              <a:buSzPct val="100000"/>
+              <a:buFont typeface="Times New Roman" panose="02020603050405020304" pitchFamily="18" charset="0"/>
+              <a:tabLst>
+                <a:tab pos="0" algn="l"/>
+                <a:tab pos="457200" algn="l"/>
+                <a:tab pos="914400" algn="l"/>
+                <a:tab pos="1371600" algn="l"/>
+                <a:tab pos="1828800" algn="l"/>
+                <a:tab pos="2286000" algn="l"/>
+                <a:tab pos="2743200" algn="l"/>
+                <a:tab pos="3200400" algn="l"/>
+                <a:tab pos="3657600" algn="l"/>
+                <a:tab pos="4114800" algn="l"/>
+                <a:tab pos="4572000" algn="l"/>
+                <a:tab pos="5029200" algn="l"/>
+                <a:tab pos="5486400" algn="l"/>
+                <a:tab pos="5943600" algn="l"/>
+                <a:tab pos="6400800" algn="l"/>
+                <a:tab pos="6858000" algn="l"/>
+                <a:tab pos="7315200" algn="l"/>
+                <a:tab pos="7772400" algn="l"/>
+                <a:tab pos="8229600" algn="l"/>
+                <a:tab pos="8686800" algn="l"/>
+                <a:tab pos="9144000" algn="l"/>
+              </a:tabLst>
+              <a:defRPr sz="1200">
+                <a:solidFill>
+                  <a:srgbClr val="000000"/>
+                </a:solidFill>
+                <a:latin typeface="Times New Roman" panose="02020603050405020304" pitchFamily="18" charset="0"/>
+              </a:defRPr>
+            </a:lvl4pPr>
+            <a:lvl5pPr>
+              <a:spcBef>
+                <a:spcPct val="30000"/>
+              </a:spcBef>
+              <a:buClr>
+                <a:srgbClr val="000000"/>
+              </a:buClr>
+              <a:buSzPct val="100000"/>
+              <a:buFont typeface="Times New Roman" panose="02020603050405020304" pitchFamily="18" charset="0"/>
+              <a:tabLst>
+                <a:tab pos="0" algn="l"/>
+                <a:tab pos="457200" algn="l"/>
+                <a:tab pos="914400" algn="l"/>
+                <a:tab pos="1371600" algn="l"/>
+                <a:tab pos="1828800" algn="l"/>
+                <a:tab pos="2286000" algn="l"/>
+                <a:tab pos="2743200" algn="l"/>
+                <a:tab pos="3200400" algn="l"/>
+                <a:tab pos="3657600" algn="l"/>
+                <a:tab pos="4114800" algn="l"/>
+                <a:tab pos="4572000" algn="l"/>
+                <a:tab pos="5029200" algn="l"/>
+                <a:tab pos="5486400" algn="l"/>
+                <a:tab pos="5943600" algn="l"/>
+                <a:tab pos="6400800" algn="l"/>
+                <a:tab pos="6858000" algn="l"/>
+                <a:tab pos="7315200" algn="l"/>
+                <a:tab pos="7772400" algn="l"/>
+                <a:tab pos="8229600" algn="l"/>
+                <a:tab pos="8686800" algn="l"/>
+                <a:tab pos="9144000" algn="l"/>
+              </a:tabLst>
+              <a:defRPr sz="1200">
+                <a:solidFill>
+                  <a:srgbClr val="000000"/>
+                </a:solidFill>
+                <a:latin typeface="Times New Roman" panose="02020603050405020304" pitchFamily="18" charset="0"/>
+              </a:defRPr>
+            </a:lvl5pPr>
+            <a:lvl6pPr marL="2514600" indent="-228600" defTabSz="457200" eaLnBrk="0" fontAlgn="base" hangingPunct="0">
+              <a:spcBef>
+                <a:spcPct val="30000"/>
+              </a:spcBef>
+              <a:spcAft>
+                <a:spcPct val="0"/>
+              </a:spcAft>
+              <a:buClr>
+                <a:srgbClr val="000000"/>
+              </a:buClr>
+              <a:buSzPct val="100000"/>
+              <a:buFont typeface="Times New Roman" panose="02020603050405020304" pitchFamily="18" charset="0"/>
+              <a:tabLst>
+                <a:tab pos="0" algn="l"/>
+                <a:tab pos="457200" algn="l"/>
+                <a:tab pos="914400" algn="l"/>
+                <a:tab pos="1371600" algn="l"/>
+                <a:tab pos="1828800" algn="l"/>
+                <a:tab pos="2286000" algn="l"/>
+                <a:tab pos="2743200" algn="l"/>
+                <a:tab pos="3200400" algn="l"/>
+                <a:tab pos="3657600" algn="l"/>
+                <a:tab pos="4114800" algn="l"/>
+                <a:tab pos="4572000" algn="l"/>
+                <a:tab pos="5029200" algn="l"/>
+                <a:tab pos="5486400" algn="l"/>
+                <a:tab pos="5943600" algn="l"/>
+                <a:tab pos="6400800" algn="l"/>
+                <a:tab pos="6858000" algn="l"/>
+                <a:tab pos="7315200" algn="l"/>
+                <a:tab pos="7772400" algn="l"/>
+                <a:tab pos="8229600" algn="l"/>
+                <a:tab pos="8686800" algn="l"/>
+                <a:tab pos="9144000" algn="l"/>
+              </a:tabLst>
+              <a:defRPr sz="1200">
+                <a:solidFill>
+                  <a:srgbClr val="000000"/>
+                </a:solidFill>
+                <a:latin typeface="Times New Roman" panose="02020603050405020304" pitchFamily="18" charset="0"/>
+              </a:defRPr>
+            </a:lvl6pPr>
+            <a:lvl7pPr marL="2971800" indent="-228600" defTabSz="457200" eaLnBrk="0" fontAlgn="base" hangingPunct="0">
+              <a:spcBef>
+                <a:spcPct val="30000"/>
+              </a:spcBef>
+              <a:spcAft>
+                <a:spcPct val="0"/>
+              </a:spcAft>
+              <a:buClr>
+                <a:srgbClr val="000000"/>
+              </a:buClr>
+              <a:buSzPct val="100000"/>
+              <a:buFont typeface="Times New Roman" panose="02020603050405020304" pitchFamily="18" charset="0"/>
+              <a:tabLst>
+                <a:tab pos="0" algn="l"/>
+                <a:tab pos="457200" algn="l"/>
+                <a:tab pos="914400" algn="l"/>
+                <a:tab pos="1371600" algn="l"/>
+                <a:tab pos="1828800" algn="l"/>
+                <a:tab pos="2286000" algn="l"/>
+                <a:tab pos="2743200" algn="l"/>
+                <a:tab pos="3200400" algn="l"/>
+                <a:tab pos="3657600" algn="l"/>
+                <a:tab pos="4114800" algn="l"/>
+                <a:tab pos="4572000" algn="l"/>
+                <a:tab pos="5029200" algn="l"/>
+                <a:tab pos="5486400" algn="l"/>
+                <a:tab pos="5943600" algn="l"/>
+                <a:tab pos="6400800" algn="l"/>
+                <a:tab pos="6858000" algn="l"/>
+                <a:tab pos="7315200" algn="l"/>
+                <a:tab pos="7772400" algn="l"/>
+                <a:tab pos="8229600" algn="l"/>
+                <a:tab pos="8686800" algn="l"/>
+                <a:tab pos="9144000" algn="l"/>
+              </a:tabLst>
+              <a:defRPr sz="1200">
+                <a:solidFill>
+                  <a:srgbClr val="000000"/>
+                </a:solidFill>
+                <a:latin typeface="Times New Roman" panose="02020603050405020304" pitchFamily="18" charset="0"/>
+              </a:defRPr>
+            </a:lvl7pPr>
+            <a:lvl8pPr marL="3429000" indent="-228600" defTabSz="457200" eaLnBrk="0" fontAlgn="base" hangingPunct="0">
+              <a:spcBef>
+                <a:spcPct val="30000"/>
+              </a:spcBef>
+              <a:spcAft>
+                <a:spcPct val="0"/>
+              </a:spcAft>
+              <a:buClr>
+                <a:srgbClr val="000000"/>
+              </a:buClr>
+              <a:buSzPct val="100000"/>
+              <a:buFont typeface="Times New Roman" panose="02020603050405020304" pitchFamily="18" charset="0"/>
+              <a:tabLst>
+                <a:tab pos="0" algn="l"/>
+                <a:tab pos="457200" algn="l"/>
+                <a:tab pos="914400" algn="l"/>
+                <a:tab pos="1371600" algn="l"/>
+                <a:tab pos="1828800" algn="l"/>
+                <a:tab pos="2286000" algn="l"/>
+                <a:tab pos="2743200" algn="l"/>
+                <a:tab pos="3200400" algn="l"/>
+                <a:tab pos="3657600" algn="l"/>
+                <a:tab pos="4114800" algn="l"/>
+                <a:tab pos="4572000" algn="l"/>
+                <a:tab pos="5029200" algn="l"/>
+                <a:tab pos="5486400" algn="l"/>
+                <a:tab pos="5943600" algn="l"/>
+                <a:tab pos="6400800" algn="l"/>
+                <a:tab pos="6858000" algn="l"/>
+                <a:tab pos="7315200" algn="l"/>
+                <a:tab pos="7772400" algn="l"/>
+                <a:tab pos="8229600" algn="l"/>
+                <a:tab pos="8686800" algn="l"/>
+                <a:tab pos="9144000" algn="l"/>
+              </a:tabLst>
+              <a:defRPr sz="1200">
+                <a:solidFill>
+                  <a:srgbClr val="000000"/>
+                </a:solidFill>
+                <a:latin typeface="Times New Roman" panose="02020603050405020304" pitchFamily="18" charset="0"/>
+              </a:defRPr>
+            </a:lvl8pPr>
+            <a:lvl9pPr marL="3886200" indent="-228600" defTabSz="457200" eaLnBrk="0" fontAlgn="base" hangingPunct="0">
+              <a:spcBef>
+                <a:spcPct val="30000"/>
+              </a:spcBef>
+              <a:spcAft>
+                <a:spcPct val="0"/>
+              </a:spcAft>
+              <a:buClr>
+                <a:srgbClr val="000000"/>
+              </a:buClr>
+              <a:buSzPct val="100000"/>
+              <a:buFont typeface="Times New Roman" panose="02020603050405020304" pitchFamily="18" charset="0"/>
+              <a:tabLst>
+                <a:tab pos="0" algn="l"/>
+                <a:tab pos="457200" algn="l"/>
+                <a:tab pos="914400" algn="l"/>
+                <a:tab pos="1371600" algn="l"/>
+                <a:tab pos="1828800" algn="l"/>
+                <a:tab pos="2286000" algn="l"/>
+                <a:tab pos="2743200" algn="l"/>
+                <a:tab pos="3200400" algn="l"/>
+                <a:tab pos="3657600" algn="l"/>
+                <a:tab pos="4114800" algn="l"/>
+                <a:tab pos="4572000" algn="l"/>
+                <a:tab pos="5029200" algn="l"/>
+                <a:tab pos="5486400" algn="l"/>
+                <a:tab pos="5943600" algn="l"/>
+                <a:tab pos="6400800" algn="l"/>
+                <a:tab pos="6858000" algn="l"/>
+                <a:tab pos="7315200" algn="l"/>
+                <a:tab pos="7772400" algn="l"/>
+                <a:tab pos="8229600" algn="l"/>
+                <a:tab pos="8686800" algn="l"/>
+                <a:tab pos="9144000" algn="l"/>
+              </a:tabLst>
+              <a:defRPr sz="1200">
+                <a:solidFill>
+                  <a:srgbClr val="000000"/>
+                </a:solidFill>
+                <a:latin typeface="Times New Roman" panose="02020603050405020304" pitchFamily="18" charset="0"/>
+              </a:defRPr>
+            </a:lvl9pPr>
+          </a:lstStyle>
+          <a:p>
+            <a:pPr algn="r" eaLnBrk="1" hangingPunct="1">
+              <a:spcBef>
+                <a:spcPct val="0"/>
+              </a:spcBef>
+              <a:buClrTx/>
+              <a:buSzPct val="45000"/>
+              <a:buFontTx/>
+              <a:buNone/>
+            </a:pPr>
+            <a:fld id="{26CFF3AF-1A96-40FF-9714-BC8F3A39C2F8}" type="slidenum">
+              <a:rPr lang="en-US" altLang="en-US">
+                <a:cs typeface="Arial" panose="020B0604020202020204" pitchFamily="34" charset="0"/>
+              </a:rPr>
+              <a:pPr algn="r" eaLnBrk="1" hangingPunct="1">
+                <a:spcBef>
+                  <a:spcPct val="0"/>
+                </a:spcBef>
+                <a:buClrTx/>
+                <a:buSzPct val="45000"/>
+                <a:buFontTx/>
+                <a:buNone/>
+              </a:pPr>
+              <a:t>39</a:t>
+            </a:fld>
+            <a:endParaRPr lang="en-US" altLang="en-US">
+              <a:cs typeface="Arial" panose="020B0604020202020204" pitchFamily="34" charset="0"/>
+            </a:endParaRPr>
+          </a:p>
+        </p:txBody>
+      </p:sp>
+      <p:sp>
+        <p:nvSpPr>
+          <p:cNvPr id="33796" name="Rectangle 2">
+            <a:extLst>
+              <a:ext uri="{FF2B5EF4-FFF2-40B4-BE49-F238E27FC236}">
+                <a16:creationId xmlns:a16="http://schemas.microsoft.com/office/drawing/2014/main" id="{A57DD60C-0531-491E-9AA7-89075C0465A9}"/>
+              </a:ext>
+            </a:extLst>
+          </p:cNvPr>
+          <p:cNvSpPr>
+            <a:spLocks noGrp="1" noRot="1" noChangeAspect="1" noChangeArrowheads="1" noTextEdit="1"/>
+          </p:cNvSpPr>
+          <p:nvPr>
+            <p:ph type="sldImg"/>
+          </p:nvPr>
+        </p:nvSpPr>
+        <p:spPr>
+          <a:xfrm>
+            <a:off x="381000" y="685800"/>
+            <a:ext cx="6096000" cy="3429000"/>
+          </a:xfrm>
+          <a:solidFill>
+            <a:srgbClr val="FFFFFF"/>
+          </a:solidFill>
+          <a:ln/>
+          <a:extLst>
+            <a:ext uri="{AF507438-7753-43E0-B8FC-AC1667EBCBE1}">
+              <a14:hiddenEffects xmlns:a14="http://schemas.microsoft.com/office/drawing/2010/main">
+                <a:effectLst>
+                  <a:outerShdw dist="35921" dir="2700000" algn="ctr" rotWithShape="0">
+                    <a:srgbClr val="808080"/>
+                  </a:outerShdw>
+                </a:effectLst>
+              </a14:hiddenEffects>
+            </a:ext>
+          </a:extLst>
+        </p:spPr>
+      </p:sp>
+      <p:sp>
+        <p:nvSpPr>
+          <p:cNvPr id="33797" name="Rectangle 3">
+            <a:extLst>
+              <a:ext uri="{FF2B5EF4-FFF2-40B4-BE49-F238E27FC236}">
+                <a16:creationId xmlns:a16="http://schemas.microsoft.com/office/drawing/2014/main" id="{10D68A87-2617-4434-AEA5-55EA1AB6E878}"/>
+              </a:ext>
+            </a:extLst>
+          </p:cNvPr>
+          <p:cNvSpPr>
+            <a:spLocks noGrp="1" noChangeArrowheads="1"/>
+          </p:cNvSpPr>
+          <p:nvPr>
+            <p:ph type="body" idx="1"/>
+          </p:nvPr>
+        </p:nvSpPr>
+        <p:spPr>
+          <a:xfrm>
+            <a:off x="685800" y="4343400"/>
+            <a:ext cx="5475288" cy="4103688"/>
+          </a:xfrm>
+          <a:noFill/>
+          <a:extLst>
+            <a:ext uri="{91240B29-F687-4F45-9708-019B960494DF}">
+              <a14:hiddenLine xmlns:a14="http://schemas.microsoft.com/office/drawing/2010/main" w="9525">
+                <a:solidFill>
+                  <a:srgbClr val="3465A4"/>
+                </a:solidFill>
+                <a:miter lim="800000"/>
+                <a:headEnd/>
+                <a:tailEnd/>
+              </a14:hiddenLine>
+            </a:ext>
+            <a:ext uri="{AF507438-7753-43E0-B8FC-AC1667EBCBE1}">
+              <a14:hiddenEffects xmlns:a14="http://schemas.microsoft.com/office/drawing/2010/main">
+                <a:effectLst>
+                  <a:outerShdw dist="35921" dir="2700000" algn="ctr" rotWithShape="0">
+                    <a:srgbClr val="808080"/>
+                  </a:outerShdw>
+                </a:effectLst>
+              </a14:hiddenEffects>
+            </a:ext>
+          </a:extLst>
+        </p:spPr>
+        <p:txBody>
+          <a:bodyPr wrap="none" anchor="ctr"/>
+          <a:lstStyle/>
+          <a:p>
+            <a:endParaRPr lang="en-US" altLang="en-US"/>
+          </a:p>
+        </p:txBody>
+      </p:sp>
+    </p:spTree>
+  </p:cSld>
+  <p:clrMapOvr>
+    <a:masterClrMapping/>
+  </p:clrMapOvr>
+</p:notes>
+</file>
+
 <file path=ppt/slideLayouts/slideLayout1.xml><?xml version="1.0" encoding="utf-8"?>
 <p:sldLayout xmlns:a="http://schemas.openxmlformats.org/drawingml/2006/main" xmlns:r="http://schemas.openxmlformats.org/officeDocument/2006/relationships" xmlns:p="http://schemas.openxmlformats.org/presentationml/2006/main" preserve="1" userDrawn="1">
   <p:cSld name="TITLE-SLIDE-02">
@@ -17697,6 +19435,151 @@
 </p:sldLayout>
 </file>
 
+<file path=ppt/slideLayouts/slideLayout19.xml><?xml version="1.0" encoding="utf-8"?>
+<p:sldLayout xmlns:a="http://schemas.openxmlformats.org/drawingml/2006/main" xmlns:r="http://schemas.openxmlformats.org/officeDocument/2006/relationships" xmlns:p="http://schemas.openxmlformats.org/presentationml/2006/main" type="blank">
+  <p:cSld name="Blank">
+    <p:spTree>
+      <p:nvGrpSpPr>
+        <p:cNvPr id="1" name=""/>
+        <p:cNvGrpSpPr/>
+        <p:nvPr/>
+      </p:nvGrpSpPr>
+      <p:grpSpPr>
+        <a:xfrm>
+          <a:off x="0" y="0"/>
+          <a:ext cx="0" cy="0"/>
+          <a:chOff x="0" y="0"/>
+          <a:chExt cx="0" cy="0"/>
+        </a:xfrm>
+      </p:grpSpPr>
+      <p:sp>
+        <p:nvSpPr>
+          <p:cNvPr id="2" name="Rectangle 6">
+            <a:extLst>
+              <a:ext uri="{FF2B5EF4-FFF2-40B4-BE49-F238E27FC236}">
+                <a16:creationId xmlns:a16="http://schemas.microsoft.com/office/drawing/2014/main" id="{4A51BEFC-D676-4D51-8CF4-35F894DDDCD7}"/>
+              </a:ext>
+            </a:extLst>
+          </p:cNvPr>
+          <p:cNvSpPr>
+            <a:spLocks noGrp="1" noChangeArrowheads="1"/>
+          </p:cNvSpPr>
+          <p:nvPr>
+            <p:ph type="dt" idx="10"/>
+          </p:nvPr>
+        </p:nvSpPr>
+        <p:spPr>
+          <a:ln/>
+        </p:spPr>
+        <p:txBody>
+          <a:bodyPr/>
+          <a:lstStyle>
+            <a:lvl1pPr>
+              <a:defRPr/>
+            </a:lvl1pPr>
+          </a:lstStyle>
+          <a:p>
+            <a:pPr>
+              <a:defRPr/>
+            </a:pPr>
+            <a:r>
+              <a:rPr lang="en-US" altLang="en-US"/>
+              <a:t>April 11, 2012</a:t>
+            </a:r>
+          </a:p>
+        </p:txBody>
+      </p:sp>
+      <p:sp>
+        <p:nvSpPr>
+          <p:cNvPr id="3" name="Rectangle 7">
+            <a:extLst>
+              <a:ext uri="{FF2B5EF4-FFF2-40B4-BE49-F238E27FC236}">
+                <a16:creationId xmlns:a16="http://schemas.microsoft.com/office/drawing/2014/main" id="{823CFFA7-48B8-4730-8433-FFE7975DA98F}"/>
+              </a:ext>
+            </a:extLst>
+          </p:cNvPr>
+          <p:cNvSpPr>
+            <a:spLocks noGrp="1" noChangeArrowheads="1"/>
+          </p:cNvSpPr>
+          <p:nvPr>
+            <p:ph type="ftr" idx="11"/>
+          </p:nvPr>
+        </p:nvSpPr>
+        <p:spPr>
+          <a:ln/>
+        </p:spPr>
+        <p:txBody>
+          <a:bodyPr/>
+          <a:lstStyle>
+            <a:lvl1pPr>
+              <a:defRPr/>
+            </a:lvl1pPr>
+          </a:lstStyle>
+          <a:p>
+            <a:pPr>
+              <a:defRPr/>
+            </a:pPr>
+            <a:r>
+              <a:rPr lang="en-US" altLang="en-US"/>
+              <a:t>UX/UI DEVELOPMENT - 001</a:t>
+            </a:r>
+          </a:p>
+        </p:txBody>
+      </p:sp>
+      <p:sp>
+        <p:nvSpPr>
+          <p:cNvPr id="4" name="Rectangle 8">
+            <a:extLst>
+              <a:ext uri="{FF2B5EF4-FFF2-40B4-BE49-F238E27FC236}">
+                <a16:creationId xmlns:a16="http://schemas.microsoft.com/office/drawing/2014/main" id="{5BEFD8A2-EF94-403A-9083-22179321E8C0}"/>
+              </a:ext>
+            </a:extLst>
+          </p:cNvPr>
+          <p:cNvSpPr>
+            <a:spLocks noGrp="1" noChangeArrowheads="1"/>
+          </p:cNvSpPr>
+          <p:nvPr>
+            <p:ph type="sldNum" idx="12"/>
+          </p:nvPr>
+        </p:nvSpPr>
+        <p:spPr>
+          <a:ln/>
+        </p:spPr>
+        <p:txBody>
+          <a:bodyPr/>
+          <a:lstStyle>
+            <a:lvl1pPr>
+              <a:defRPr/>
+            </a:lvl1pPr>
+          </a:lstStyle>
+          <a:p>
+            <a:pPr>
+              <a:defRPr/>
+            </a:pPr>
+            <a:fld id="{23941910-F9A0-46D6-8C36-7E3D41726C83}" type="slidenum">
+              <a:rPr lang="en-US" altLang="en-US"/>
+              <a:pPr>
+                <a:defRPr/>
+              </a:pPr>
+              <a:t>‹#›</a:t>
+            </a:fld>
+            <a:endParaRPr lang="en-US" altLang="en-US"/>
+          </a:p>
+        </p:txBody>
+      </p:sp>
+    </p:spTree>
+    <p:extLst>
+      <p:ext uri="{BB962C8B-B14F-4D97-AF65-F5344CB8AC3E}">
+        <p14:creationId xmlns:p14="http://schemas.microsoft.com/office/powerpoint/2010/main" val="3901523081"/>
+      </p:ext>
+    </p:extLst>
+  </p:cSld>
+  <p:clrMapOvr>
+    <a:masterClrMapping/>
+  </p:clrMapOvr>
+</p:sldLayout>
+</file>
+
 <file path=ppt/slideLayouts/slideLayout2.xml><?xml version="1.0" encoding="utf-8"?>
 <p:sldLayout xmlns:a="http://schemas.openxmlformats.org/drawingml/2006/main" xmlns:r="http://schemas.openxmlformats.org/officeDocument/2006/relationships" xmlns:p="http://schemas.openxmlformats.org/presentationml/2006/main" preserve="1" userDrawn="1">
   <p:cSld name="TEXT-SLIDE-ONE-COLUMN-02">
@@ -21584,7 +23467,7 @@
           <p:nvPr userDrawn="1"/>
         </p:nvPicPr>
         <p:blipFill>
-          <a:blip r:embed="rId20"/>
+          <a:blip r:embed="rId21"/>
           <a:stretch>
             <a:fillRect/>
           </a:stretch>
@@ -21626,6 +23509,7 @@
     <p:sldLayoutId id="2147484967" r:id="rId16"/>
     <p:sldLayoutId id="2147484970" r:id="rId17"/>
     <p:sldLayoutId id="2147484971" r:id="rId18"/>
+    <p:sldLayoutId id="2147484972" r:id="rId19"/>
   </p:sldLayoutIdLst>
   <p:txStyles>
     <p:titleStyle>
@@ -26419,6 +28303,4398 @@
   <p:clrMapOvr>
     <a:masterClrMapping/>
   </p:clrMapOvr>
+</p:sld>
+</file>
+
+<file path=ppt/slides/slide38.xml><?xml version="1.0" encoding="utf-8"?>
+<p:sld xmlns:a="http://schemas.openxmlformats.org/drawingml/2006/main" xmlns:r="http://schemas.openxmlformats.org/officeDocument/2006/relationships" xmlns:p="http://schemas.openxmlformats.org/presentationml/2006/main">
+  <p:cSld>
+    <p:spTree>
+      <p:nvGrpSpPr>
+        <p:cNvPr id="1" name=""/>
+        <p:cNvGrpSpPr/>
+        <p:nvPr/>
+      </p:nvGrpSpPr>
+      <p:grpSpPr>
+        <a:xfrm>
+          <a:off x="0" y="0"/>
+          <a:ext cx="0" cy="0"/>
+          <a:chOff x="0" y="0"/>
+          <a:chExt cx="0" cy="0"/>
+        </a:xfrm>
+      </p:grpSpPr>
+      <p:sp>
+        <p:nvSpPr>
+          <p:cNvPr id="36866" name="Text Box 1">
+            <a:extLst>
+              <a:ext uri="{FF2B5EF4-FFF2-40B4-BE49-F238E27FC236}">
+                <a16:creationId xmlns:a16="http://schemas.microsoft.com/office/drawing/2014/main" id="{CE6DF9D8-2A68-43A7-ABD4-2E989BAE2907}"/>
+              </a:ext>
+            </a:extLst>
+          </p:cNvPr>
+          <p:cNvSpPr txBox="1">
+            <a:spLocks noChangeArrowheads="1"/>
+          </p:cNvSpPr>
+          <p:nvPr/>
+        </p:nvSpPr>
+        <p:spPr bwMode="auto">
+          <a:xfrm>
+            <a:off x="1847850" y="266701"/>
+            <a:ext cx="8229600" cy="701675"/>
+          </a:xfrm>
+          <a:prstGeom prst="rect">
+            <a:avLst/>
+          </a:prstGeom>
+          <a:noFill/>
+          <a:ln>
+            <a:noFill/>
+          </a:ln>
+          <a:effectLst/>
+          <a:extLst>
+            <a:ext uri="{909E8E84-426E-40DD-AFC4-6F175D3DCCD1}">
+              <a14:hiddenFill xmlns:a14="http://schemas.microsoft.com/office/drawing/2010/main">
+                <a:solidFill>
+                  <a:srgbClr val="FFFFFF"/>
+                </a:solidFill>
+              </a14:hiddenFill>
+            </a:ext>
+            <a:ext uri="{91240B29-F687-4F45-9708-019B960494DF}">
+              <a14:hiddenLine xmlns:a14="http://schemas.microsoft.com/office/drawing/2010/main" w="9525">
+                <a:solidFill>
+                  <a:srgbClr val="3465A4"/>
+                </a:solidFill>
+                <a:round/>
+                <a:headEnd/>
+                <a:tailEnd/>
+              </a14:hiddenLine>
+            </a:ext>
+            <a:ext uri="{AF507438-7753-43E0-B8FC-AC1667EBCBE1}">
+              <a14:hiddenEffects xmlns:a14="http://schemas.microsoft.com/office/drawing/2010/main">
+                <a:effectLst>
+                  <a:outerShdw dist="35921" dir="2700000" algn="ctr" rotWithShape="0">
+                    <a:srgbClr val="808080"/>
+                  </a:outerShdw>
+                </a:effectLst>
+              </a14:hiddenEffects>
+            </a:ext>
+          </a:extLst>
+        </p:spPr>
+        <p:txBody>
+          <a:bodyPr lIns="90000" tIns="46800" rIns="90000" bIns="46800" anchor="ctr"/>
+          <a:lstStyle>
+            <a:lvl1pPr>
+              <a:lnSpc>
+                <a:spcPct val="90000"/>
+              </a:lnSpc>
+              <a:spcBef>
+                <a:spcPts val="1200"/>
+              </a:spcBef>
+              <a:spcAft>
+                <a:spcPts val="200"/>
+              </a:spcAft>
+              <a:buClr>
+                <a:srgbClr val="000000"/>
+              </a:buClr>
+              <a:buSzPct val="100000"/>
+              <a:buFont typeface="Times New Roman" panose="02020603050405020304" pitchFamily="18" charset="0"/>
+              <a:tabLst>
+                <a:tab pos="0" algn="l"/>
+                <a:tab pos="457200" algn="l"/>
+                <a:tab pos="914400" algn="l"/>
+                <a:tab pos="1371600" algn="l"/>
+                <a:tab pos="1828800" algn="l"/>
+                <a:tab pos="2286000" algn="l"/>
+                <a:tab pos="2743200" algn="l"/>
+                <a:tab pos="3200400" algn="l"/>
+                <a:tab pos="3657600" algn="l"/>
+                <a:tab pos="4114800" algn="l"/>
+                <a:tab pos="4572000" algn="l"/>
+                <a:tab pos="5029200" algn="l"/>
+                <a:tab pos="5486400" algn="l"/>
+                <a:tab pos="5943600" algn="l"/>
+                <a:tab pos="6400800" algn="l"/>
+                <a:tab pos="6858000" algn="l"/>
+                <a:tab pos="7315200" algn="l"/>
+                <a:tab pos="7772400" algn="l"/>
+                <a:tab pos="8229600" algn="l"/>
+                <a:tab pos="8686800" algn="l"/>
+                <a:tab pos="9144000" algn="l"/>
+              </a:tabLst>
+              <a:defRPr sz="2000">
+                <a:solidFill>
+                  <a:srgbClr val="404040"/>
+                </a:solidFill>
+                <a:latin typeface="Calibri" panose="020F0502020204030204" pitchFamily="34" charset="0"/>
+                <a:ea typeface="MS PGothic" panose="020B0600070205080204" pitchFamily="34" charset="-128"/>
+              </a:defRPr>
+            </a:lvl1pPr>
+            <a:lvl2pPr>
+              <a:lnSpc>
+                <a:spcPct val="90000"/>
+              </a:lnSpc>
+              <a:spcBef>
+                <a:spcPts val="200"/>
+              </a:spcBef>
+              <a:spcAft>
+                <a:spcPts val="400"/>
+              </a:spcAft>
+              <a:buClr>
+                <a:srgbClr val="000000"/>
+              </a:buClr>
+              <a:buSzPct val="100000"/>
+              <a:buFont typeface="Times New Roman" panose="02020603050405020304" pitchFamily="18" charset="0"/>
+              <a:tabLst>
+                <a:tab pos="0" algn="l"/>
+                <a:tab pos="457200" algn="l"/>
+                <a:tab pos="914400" algn="l"/>
+                <a:tab pos="1371600" algn="l"/>
+                <a:tab pos="1828800" algn="l"/>
+                <a:tab pos="2286000" algn="l"/>
+                <a:tab pos="2743200" algn="l"/>
+                <a:tab pos="3200400" algn="l"/>
+                <a:tab pos="3657600" algn="l"/>
+                <a:tab pos="4114800" algn="l"/>
+                <a:tab pos="4572000" algn="l"/>
+                <a:tab pos="5029200" algn="l"/>
+                <a:tab pos="5486400" algn="l"/>
+                <a:tab pos="5943600" algn="l"/>
+                <a:tab pos="6400800" algn="l"/>
+                <a:tab pos="6858000" algn="l"/>
+                <a:tab pos="7315200" algn="l"/>
+                <a:tab pos="7772400" algn="l"/>
+                <a:tab pos="8229600" algn="l"/>
+                <a:tab pos="8686800" algn="l"/>
+                <a:tab pos="9144000" algn="l"/>
+              </a:tabLst>
+              <a:defRPr sz="2800">
+                <a:solidFill>
+                  <a:srgbClr val="404040"/>
+                </a:solidFill>
+                <a:latin typeface="Calibri" panose="020F0502020204030204" pitchFamily="34" charset="0"/>
+                <a:ea typeface="MS PGothic" panose="020B0600070205080204" pitchFamily="34" charset="-128"/>
+              </a:defRPr>
+            </a:lvl2pPr>
+            <a:lvl3pPr>
+              <a:lnSpc>
+                <a:spcPct val="90000"/>
+              </a:lnSpc>
+              <a:spcBef>
+                <a:spcPts val="200"/>
+              </a:spcBef>
+              <a:spcAft>
+                <a:spcPts val="400"/>
+              </a:spcAft>
+              <a:buClr>
+                <a:srgbClr val="000000"/>
+              </a:buClr>
+              <a:buSzPct val="100000"/>
+              <a:buFont typeface="Times New Roman" panose="02020603050405020304" pitchFamily="18" charset="0"/>
+              <a:tabLst>
+                <a:tab pos="0" algn="l"/>
+                <a:tab pos="457200" algn="l"/>
+                <a:tab pos="914400" algn="l"/>
+                <a:tab pos="1371600" algn="l"/>
+                <a:tab pos="1828800" algn="l"/>
+                <a:tab pos="2286000" algn="l"/>
+                <a:tab pos="2743200" algn="l"/>
+                <a:tab pos="3200400" algn="l"/>
+                <a:tab pos="3657600" algn="l"/>
+                <a:tab pos="4114800" algn="l"/>
+                <a:tab pos="4572000" algn="l"/>
+                <a:tab pos="5029200" algn="l"/>
+                <a:tab pos="5486400" algn="l"/>
+                <a:tab pos="5943600" algn="l"/>
+                <a:tab pos="6400800" algn="l"/>
+                <a:tab pos="6858000" algn="l"/>
+                <a:tab pos="7315200" algn="l"/>
+                <a:tab pos="7772400" algn="l"/>
+                <a:tab pos="8229600" algn="l"/>
+                <a:tab pos="8686800" algn="l"/>
+                <a:tab pos="9144000" algn="l"/>
+              </a:tabLst>
+              <a:defRPr sz="1400">
+                <a:solidFill>
+                  <a:srgbClr val="404040"/>
+                </a:solidFill>
+                <a:latin typeface="Calibri" panose="020F0502020204030204" pitchFamily="34" charset="0"/>
+                <a:ea typeface="MS PGothic" panose="020B0600070205080204" pitchFamily="34" charset="-128"/>
+              </a:defRPr>
+            </a:lvl3pPr>
+            <a:lvl4pPr>
+              <a:lnSpc>
+                <a:spcPct val="90000"/>
+              </a:lnSpc>
+              <a:spcBef>
+                <a:spcPts val="200"/>
+              </a:spcBef>
+              <a:spcAft>
+                <a:spcPts val="400"/>
+              </a:spcAft>
+              <a:buClr>
+                <a:srgbClr val="000000"/>
+              </a:buClr>
+              <a:buSzPct val="100000"/>
+              <a:buFont typeface="Times New Roman" panose="02020603050405020304" pitchFamily="18" charset="0"/>
+              <a:tabLst>
+                <a:tab pos="0" algn="l"/>
+                <a:tab pos="457200" algn="l"/>
+                <a:tab pos="914400" algn="l"/>
+                <a:tab pos="1371600" algn="l"/>
+                <a:tab pos="1828800" algn="l"/>
+                <a:tab pos="2286000" algn="l"/>
+                <a:tab pos="2743200" algn="l"/>
+                <a:tab pos="3200400" algn="l"/>
+                <a:tab pos="3657600" algn="l"/>
+                <a:tab pos="4114800" algn="l"/>
+                <a:tab pos="4572000" algn="l"/>
+                <a:tab pos="5029200" algn="l"/>
+                <a:tab pos="5486400" algn="l"/>
+                <a:tab pos="5943600" algn="l"/>
+                <a:tab pos="6400800" algn="l"/>
+                <a:tab pos="6858000" algn="l"/>
+                <a:tab pos="7315200" algn="l"/>
+                <a:tab pos="7772400" algn="l"/>
+                <a:tab pos="8229600" algn="l"/>
+                <a:tab pos="8686800" algn="l"/>
+                <a:tab pos="9144000" algn="l"/>
+              </a:tabLst>
+              <a:defRPr sz="1400">
+                <a:solidFill>
+                  <a:srgbClr val="404040"/>
+                </a:solidFill>
+                <a:latin typeface="Calibri" panose="020F0502020204030204" pitchFamily="34" charset="0"/>
+                <a:ea typeface="MS PGothic" panose="020B0600070205080204" pitchFamily="34" charset="-128"/>
+              </a:defRPr>
+            </a:lvl4pPr>
+            <a:lvl5pPr>
+              <a:lnSpc>
+                <a:spcPct val="90000"/>
+              </a:lnSpc>
+              <a:spcBef>
+                <a:spcPts val="200"/>
+              </a:spcBef>
+              <a:spcAft>
+                <a:spcPts val="400"/>
+              </a:spcAft>
+              <a:buClr>
+                <a:srgbClr val="000000"/>
+              </a:buClr>
+              <a:buSzPct val="100000"/>
+              <a:buFont typeface="Times New Roman" panose="02020603050405020304" pitchFamily="18" charset="0"/>
+              <a:tabLst>
+                <a:tab pos="0" algn="l"/>
+                <a:tab pos="457200" algn="l"/>
+                <a:tab pos="914400" algn="l"/>
+                <a:tab pos="1371600" algn="l"/>
+                <a:tab pos="1828800" algn="l"/>
+                <a:tab pos="2286000" algn="l"/>
+                <a:tab pos="2743200" algn="l"/>
+                <a:tab pos="3200400" algn="l"/>
+                <a:tab pos="3657600" algn="l"/>
+                <a:tab pos="4114800" algn="l"/>
+                <a:tab pos="4572000" algn="l"/>
+                <a:tab pos="5029200" algn="l"/>
+                <a:tab pos="5486400" algn="l"/>
+                <a:tab pos="5943600" algn="l"/>
+                <a:tab pos="6400800" algn="l"/>
+                <a:tab pos="6858000" algn="l"/>
+                <a:tab pos="7315200" algn="l"/>
+                <a:tab pos="7772400" algn="l"/>
+                <a:tab pos="8229600" algn="l"/>
+                <a:tab pos="8686800" algn="l"/>
+                <a:tab pos="9144000" algn="l"/>
+              </a:tabLst>
+              <a:defRPr sz="1400">
+                <a:solidFill>
+                  <a:srgbClr val="404040"/>
+                </a:solidFill>
+                <a:latin typeface="Calibri" panose="020F0502020204030204" pitchFamily="34" charset="0"/>
+                <a:ea typeface="MS PGothic" panose="020B0600070205080204" pitchFamily="34" charset="-128"/>
+              </a:defRPr>
+            </a:lvl5pPr>
+            <a:lvl6pPr marL="2514600" indent="-228600" defTabSz="457200" eaLnBrk="0" fontAlgn="base" hangingPunct="0">
+              <a:lnSpc>
+                <a:spcPct val="90000"/>
+              </a:lnSpc>
+              <a:spcBef>
+                <a:spcPts val="200"/>
+              </a:spcBef>
+              <a:spcAft>
+                <a:spcPts val="400"/>
+              </a:spcAft>
+              <a:buClr>
+                <a:srgbClr val="000000"/>
+              </a:buClr>
+              <a:buSzPct val="100000"/>
+              <a:buFont typeface="Times New Roman" panose="02020603050405020304" pitchFamily="18" charset="0"/>
+              <a:tabLst>
+                <a:tab pos="0" algn="l"/>
+                <a:tab pos="457200" algn="l"/>
+                <a:tab pos="914400" algn="l"/>
+                <a:tab pos="1371600" algn="l"/>
+                <a:tab pos="1828800" algn="l"/>
+                <a:tab pos="2286000" algn="l"/>
+                <a:tab pos="2743200" algn="l"/>
+                <a:tab pos="3200400" algn="l"/>
+                <a:tab pos="3657600" algn="l"/>
+                <a:tab pos="4114800" algn="l"/>
+                <a:tab pos="4572000" algn="l"/>
+                <a:tab pos="5029200" algn="l"/>
+                <a:tab pos="5486400" algn="l"/>
+                <a:tab pos="5943600" algn="l"/>
+                <a:tab pos="6400800" algn="l"/>
+                <a:tab pos="6858000" algn="l"/>
+                <a:tab pos="7315200" algn="l"/>
+                <a:tab pos="7772400" algn="l"/>
+                <a:tab pos="8229600" algn="l"/>
+                <a:tab pos="8686800" algn="l"/>
+                <a:tab pos="9144000" algn="l"/>
+              </a:tabLst>
+              <a:defRPr sz="1400">
+                <a:solidFill>
+                  <a:srgbClr val="404040"/>
+                </a:solidFill>
+                <a:latin typeface="Calibri" panose="020F0502020204030204" pitchFamily="34" charset="0"/>
+                <a:ea typeface="MS PGothic" panose="020B0600070205080204" pitchFamily="34" charset="-128"/>
+              </a:defRPr>
+            </a:lvl6pPr>
+            <a:lvl7pPr marL="2971800" indent="-228600" defTabSz="457200" eaLnBrk="0" fontAlgn="base" hangingPunct="0">
+              <a:lnSpc>
+                <a:spcPct val="90000"/>
+              </a:lnSpc>
+              <a:spcBef>
+                <a:spcPts val="200"/>
+              </a:spcBef>
+              <a:spcAft>
+                <a:spcPts val="400"/>
+              </a:spcAft>
+              <a:buClr>
+                <a:srgbClr val="000000"/>
+              </a:buClr>
+              <a:buSzPct val="100000"/>
+              <a:buFont typeface="Times New Roman" panose="02020603050405020304" pitchFamily="18" charset="0"/>
+              <a:tabLst>
+                <a:tab pos="0" algn="l"/>
+                <a:tab pos="457200" algn="l"/>
+                <a:tab pos="914400" algn="l"/>
+                <a:tab pos="1371600" algn="l"/>
+                <a:tab pos="1828800" algn="l"/>
+                <a:tab pos="2286000" algn="l"/>
+                <a:tab pos="2743200" algn="l"/>
+                <a:tab pos="3200400" algn="l"/>
+                <a:tab pos="3657600" algn="l"/>
+                <a:tab pos="4114800" algn="l"/>
+                <a:tab pos="4572000" algn="l"/>
+                <a:tab pos="5029200" algn="l"/>
+                <a:tab pos="5486400" algn="l"/>
+                <a:tab pos="5943600" algn="l"/>
+                <a:tab pos="6400800" algn="l"/>
+                <a:tab pos="6858000" algn="l"/>
+                <a:tab pos="7315200" algn="l"/>
+                <a:tab pos="7772400" algn="l"/>
+                <a:tab pos="8229600" algn="l"/>
+                <a:tab pos="8686800" algn="l"/>
+                <a:tab pos="9144000" algn="l"/>
+              </a:tabLst>
+              <a:defRPr sz="1400">
+                <a:solidFill>
+                  <a:srgbClr val="404040"/>
+                </a:solidFill>
+                <a:latin typeface="Calibri" panose="020F0502020204030204" pitchFamily="34" charset="0"/>
+                <a:ea typeface="MS PGothic" panose="020B0600070205080204" pitchFamily="34" charset="-128"/>
+              </a:defRPr>
+            </a:lvl7pPr>
+            <a:lvl8pPr marL="3429000" indent="-228600" defTabSz="457200" eaLnBrk="0" fontAlgn="base" hangingPunct="0">
+              <a:lnSpc>
+                <a:spcPct val="90000"/>
+              </a:lnSpc>
+              <a:spcBef>
+                <a:spcPts val="200"/>
+              </a:spcBef>
+              <a:spcAft>
+                <a:spcPts val="400"/>
+              </a:spcAft>
+              <a:buClr>
+                <a:srgbClr val="000000"/>
+              </a:buClr>
+              <a:buSzPct val="100000"/>
+              <a:buFont typeface="Times New Roman" panose="02020603050405020304" pitchFamily="18" charset="0"/>
+              <a:tabLst>
+                <a:tab pos="0" algn="l"/>
+                <a:tab pos="457200" algn="l"/>
+                <a:tab pos="914400" algn="l"/>
+                <a:tab pos="1371600" algn="l"/>
+                <a:tab pos="1828800" algn="l"/>
+                <a:tab pos="2286000" algn="l"/>
+                <a:tab pos="2743200" algn="l"/>
+                <a:tab pos="3200400" algn="l"/>
+                <a:tab pos="3657600" algn="l"/>
+                <a:tab pos="4114800" algn="l"/>
+                <a:tab pos="4572000" algn="l"/>
+                <a:tab pos="5029200" algn="l"/>
+                <a:tab pos="5486400" algn="l"/>
+                <a:tab pos="5943600" algn="l"/>
+                <a:tab pos="6400800" algn="l"/>
+                <a:tab pos="6858000" algn="l"/>
+                <a:tab pos="7315200" algn="l"/>
+                <a:tab pos="7772400" algn="l"/>
+                <a:tab pos="8229600" algn="l"/>
+                <a:tab pos="8686800" algn="l"/>
+                <a:tab pos="9144000" algn="l"/>
+              </a:tabLst>
+              <a:defRPr sz="1400">
+                <a:solidFill>
+                  <a:srgbClr val="404040"/>
+                </a:solidFill>
+                <a:latin typeface="Calibri" panose="020F0502020204030204" pitchFamily="34" charset="0"/>
+                <a:ea typeface="MS PGothic" panose="020B0600070205080204" pitchFamily="34" charset="-128"/>
+              </a:defRPr>
+            </a:lvl8pPr>
+            <a:lvl9pPr marL="3886200" indent="-228600" defTabSz="457200" eaLnBrk="0" fontAlgn="base" hangingPunct="0">
+              <a:lnSpc>
+                <a:spcPct val="90000"/>
+              </a:lnSpc>
+              <a:spcBef>
+                <a:spcPts val="200"/>
+              </a:spcBef>
+              <a:spcAft>
+                <a:spcPts val="400"/>
+              </a:spcAft>
+              <a:buClr>
+                <a:srgbClr val="000000"/>
+              </a:buClr>
+              <a:buSzPct val="100000"/>
+              <a:buFont typeface="Times New Roman" panose="02020603050405020304" pitchFamily="18" charset="0"/>
+              <a:tabLst>
+                <a:tab pos="0" algn="l"/>
+                <a:tab pos="457200" algn="l"/>
+                <a:tab pos="914400" algn="l"/>
+                <a:tab pos="1371600" algn="l"/>
+                <a:tab pos="1828800" algn="l"/>
+                <a:tab pos="2286000" algn="l"/>
+                <a:tab pos="2743200" algn="l"/>
+                <a:tab pos="3200400" algn="l"/>
+                <a:tab pos="3657600" algn="l"/>
+                <a:tab pos="4114800" algn="l"/>
+                <a:tab pos="4572000" algn="l"/>
+                <a:tab pos="5029200" algn="l"/>
+                <a:tab pos="5486400" algn="l"/>
+                <a:tab pos="5943600" algn="l"/>
+                <a:tab pos="6400800" algn="l"/>
+                <a:tab pos="6858000" algn="l"/>
+                <a:tab pos="7315200" algn="l"/>
+                <a:tab pos="7772400" algn="l"/>
+                <a:tab pos="8229600" algn="l"/>
+                <a:tab pos="8686800" algn="l"/>
+                <a:tab pos="9144000" algn="l"/>
+              </a:tabLst>
+              <a:defRPr sz="1400">
+                <a:solidFill>
+                  <a:srgbClr val="404040"/>
+                </a:solidFill>
+                <a:latin typeface="Calibri" panose="020F0502020204030204" pitchFamily="34" charset="0"/>
+                <a:ea typeface="MS PGothic" panose="020B0600070205080204" pitchFamily="34" charset="-128"/>
+              </a:defRPr>
+            </a:lvl9pPr>
+          </a:lstStyle>
+          <a:p>
+            <a:pPr eaLnBrk="1" hangingPunct="1">
+              <a:lnSpc>
+                <a:spcPct val="100000"/>
+              </a:lnSpc>
+              <a:spcBef>
+                <a:spcPct val="0"/>
+              </a:spcBef>
+              <a:spcAft>
+                <a:spcPct val="0"/>
+              </a:spcAft>
+              <a:buClrTx/>
+              <a:buFontTx/>
+              <a:buNone/>
+            </a:pPr>
+            <a:endParaRPr lang="ru-RU" altLang="en-US" sz="4000" dirty="0">
+              <a:solidFill>
+                <a:srgbClr val="002060"/>
+              </a:solidFill>
+            </a:endParaRPr>
+          </a:p>
+        </p:txBody>
+      </p:sp>
+      <p:sp>
+        <p:nvSpPr>
+          <p:cNvPr id="36867" name="Text Box 2">
+            <a:extLst>
+              <a:ext uri="{FF2B5EF4-FFF2-40B4-BE49-F238E27FC236}">
+                <a16:creationId xmlns:a16="http://schemas.microsoft.com/office/drawing/2014/main" id="{6BE60974-8E53-400C-A434-11955D66C41B}"/>
+              </a:ext>
+            </a:extLst>
+          </p:cNvPr>
+          <p:cNvSpPr txBox="1">
+            <a:spLocks noChangeArrowheads="1"/>
+          </p:cNvSpPr>
+          <p:nvPr/>
+        </p:nvSpPr>
+        <p:spPr bwMode="auto">
+          <a:xfrm>
+            <a:off x="575187" y="1844675"/>
+            <a:ext cx="10820400" cy="5013325"/>
+          </a:xfrm>
+          <a:prstGeom prst="rect">
+            <a:avLst/>
+          </a:prstGeom>
+          <a:noFill/>
+          <a:ln>
+            <a:noFill/>
+          </a:ln>
+          <a:effectLst/>
+          <a:extLst>
+            <a:ext uri="{909E8E84-426E-40DD-AFC4-6F175D3DCCD1}">
+              <a14:hiddenFill xmlns:a14="http://schemas.microsoft.com/office/drawing/2010/main">
+                <a:solidFill>
+                  <a:srgbClr val="FFFFFF"/>
+                </a:solidFill>
+              </a14:hiddenFill>
+            </a:ext>
+            <a:ext uri="{91240B29-F687-4F45-9708-019B960494DF}">
+              <a14:hiddenLine xmlns:a14="http://schemas.microsoft.com/office/drawing/2010/main" w="9525">
+                <a:solidFill>
+                  <a:srgbClr val="3465A4"/>
+                </a:solidFill>
+                <a:round/>
+                <a:headEnd/>
+                <a:tailEnd/>
+              </a14:hiddenLine>
+            </a:ext>
+            <a:ext uri="{AF507438-7753-43E0-B8FC-AC1667EBCBE1}">
+              <a14:hiddenEffects xmlns:a14="http://schemas.microsoft.com/office/drawing/2010/main">
+                <a:effectLst>
+                  <a:outerShdw dist="35921" dir="2700000" algn="ctr" rotWithShape="0">
+                    <a:srgbClr val="808080"/>
+                  </a:outerShdw>
+                </a:effectLst>
+              </a14:hiddenEffects>
+            </a:ext>
+          </a:extLst>
+        </p:spPr>
+        <p:txBody>
+          <a:bodyPr lIns="90000" tIns="46800" rIns="90000" bIns="46800"/>
+          <a:lstStyle>
+            <a:lvl1pPr indent="355600">
+              <a:lnSpc>
+                <a:spcPct val="90000"/>
+              </a:lnSpc>
+              <a:spcBef>
+                <a:spcPts val="1200"/>
+              </a:spcBef>
+              <a:spcAft>
+                <a:spcPts val="200"/>
+              </a:spcAft>
+              <a:buClr>
+                <a:srgbClr val="000000"/>
+              </a:buClr>
+              <a:buSzPct val="100000"/>
+              <a:buFont typeface="Times New Roman" panose="02020603050405020304" pitchFamily="18" charset="0"/>
+              <a:tabLst>
+                <a:tab pos="0" algn="l"/>
+                <a:tab pos="457200" algn="l"/>
+                <a:tab pos="914400" algn="l"/>
+                <a:tab pos="1371600" algn="l"/>
+                <a:tab pos="1828800" algn="l"/>
+                <a:tab pos="2286000" algn="l"/>
+                <a:tab pos="2743200" algn="l"/>
+                <a:tab pos="3200400" algn="l"/>
+                <a:tab pos="3657600" algn="l"/>
+                <a:tab pos="4114800" algn="l"/>
+                <a:tab pos="4572000" algn="l"/>
+                <a:tab pos="5029200" algn="l"/>
+                <a:tab pos="5486400" algn="l"/>
+                <a:tab pos="5943600" algn="l"/>
+                <a:tab pos="6400800" algn="l"/>
+                <a:tab pos="6858000" algn="l"/>
+                <a:tab pos="7315200" algn="l"/>
+                <a:tab pos="7772400" algn="l"/>
+                <a:tab pos="8229600" algn="l"/>
+                <a:tab pos="8686800" algn="l"/>
+                <a:tab pos="9144000" algn="l"/>
+              </a:tabLst>
+              <a:defRPr sz="2000">
+                <a:solidFill>
+                  <a:srgbClr val="404040"/>
+                </a:solidFill>
+                <a:latin typeface="Calibri" panose="020F0502020204030204" pitchFamily="34" charset="0"/>
+                <a:ea typeface="MS PGothic" panose="020B0600070205080204" pitchFamily="34" charset="-128"/>
+              </a:defRPr>
+            </a:lvl1pPr>
+            <a:lvl2pPr>
+              <a:lnSpc>
+                <a:spcPct val="90000"/>
+              </a:lnSpc>
+              <a:spcBef>
+                <a:spcPts val="200"/>
+              </a:spcBef>
+              <a:spcAft>
+                <a:spcPts val="400"/>
+              </a:spcAft>
+              <a:buClr>
+                <a:srgbClr val="000000"/>
+              </a:buClr>
+              <a:buSzPct val="100000"/>
+              <a:buFont typeface="Times New Roman" panose="02020603050405020304" pitchFamily="18" charset="0"/>
+              <a:tabLst>
+                <a:tab pos="0" algn="l"/>
+                <a:tab pos="457200" algn="l"/>
+                <a:tab pos="914400" algn="l"/>
+                <a:tab pos="1371600" algn="l"/>
+                <a:tab pos="1828800" algn="l"/>
+                <a:tab pos="2286000" algn="l"/>
+                <a:tab pos="2743200" algn="l"/>
+                <a:tab pos="3200400" algn="l"/>
+                <a:tab pos="3657600" algn="l"/>
+                <a:tab pos="4114800" algn="l"/>
+                <a:tab pos="4572000" algn="l"/>
+                <a:tab pos="5029200" algn="l"/>
+                <a:tab pos="5486400" algn="l"/>
+                <a:tab pos="5943600" algn="l"/>
+                <a:tab pos="6400800" algn="l"/>
+                <a:tab pos="6858000" algn="l"/>
+                <a:tab pos="7315200" algn="l"/>
+                <a:tab pos="7772400" algn="l"/>
+                <a:tab pos="8229600" algn="l"/>
+                <a:tab pos="8686800" algn="l"/>
+                <a:tab pos="9144000" algn="l"/>
+              </a:tabLst>
+              <a:defRPr sz="2800">
+                <a:solidFill>
+                  <a:srgbClr val="404040"/>
+                </a:solidFill>
+                <a:latin typeface="Calibri" panose="020F0502020204030204" pitchFamily="34" charset="0"/>
+                <a:ea typeface="MS PGothic" panose="020B0600070205080204" pitchFamily="34" charset="-128"/>
+              </a:defRPr>
+            </a:lvl2pPr>
+            <a:lvl3pPr>
+              <a:lnSpc>
+                <a:spcPct val="90000"/>
+              </a:lnSpc>
+              <a:spcBef>
+                <a:spcPts val="200"/>
+              </a:spcBef>
+              <a:spcAft>
+                <a:spcPts val="400"/>
+              </a:spcAft>
+              <a:buClr>
+                <a:srgbClr val="000000"/>
+              </a:buClr>
+              <a:buSzPct val="100000"/>
+              <a:buFont typeface="Times New Roman" panose="02020603050405020304" pitchFamily="18" charset="0"/>
+              <a:tabLst>
+                <a:tab pos="0" algn="l"/>
+                <a:tab pos="457200" algn="l"/>
+                <a:tab pos="914400" algn="l"/>
+                <a:tab pos="1371600" algn="l"/>
+                <a:tab pos="1828800" algn="l"/>
+                <a:tab pos="2286000" algn="l"/>
+                <a:tab pos="2743200" algn="l"/>
+                <a:tab pos="3200400" algn="l"/>
+                <a:tab pos="3657600" algn="l"/>
+                <a:tab pos="4114800" algn="l"/>
+                <a:tab pos="4572000" algn="l"/>
+                <a:tab pos="5029200" algn="l"/>
+                <a:tab pos="5486400" algn="l"/>
+                <a:tab pos="5943600" algn="l"/>
+                <a:tab pos="6400800" algn="l"/>
+                <a:tab pos="6858000" algn="l"/>
+                <a:tab pos="7315200" algn="l"/>
+                <a:tab pos="7772400" algn="l"/>
+                <a:tab pos="8229600" algn="l"/>
+                <a:tab pos="8686800" algn="l"/>
+                <a:tab pos="9144000" algn="l"/>
+              </a:tabLst>
+              <a:defRPr sz="1400">
+                <a:solidFill>
+                  <a:srgbClr val="404040"/>
+                </a:solidFill>
+                <a:latin typeface="Calibri" panose="020F0502020204030204" pitchFamily="34" charset="0"/>
+                <a:ea typeface="MS PGothic" panose="020B0600070205080204" pitchFamily="34" charset="-128"/>
+              </a:defRPr>
+            </a:lvl3pPr>
+            <a:lvl4pPr>
+              <a:lnSpc>
+                <a:spcPct val="90000"/>
+              </a:lnSpc>
+              <a:spcBef>
+                <a:spcPts val="200"/>
+              </a:spcBef>
+              <a:spcAft>
+                <a:spcPts val="400"/>
+              </a:spcAft>
+              <a:buClr>
+                <a:srgbClr val="000000"/>
+              </a:buClr>
+              <a:buSzPct val="100000"/>
+              <a:buFont typeface="Times New Roman" panose="02020603050405020304" pitchFamily="18" charset="0"/>
+              <a:tabLst>
+                <a:tab pos="0" algn="l"/>
+                <a:tab pos="457200" algn="l"/>
+                <a:tab pos="914400" algn="l"/>
+                <a:tab pos="1371600" algn="l"/>
+                <a:tab pos="1828800" algn="l"/>
+                <a:tab pos="2286000" algn="l"/>
+                <a:tab pos="2743200" algn="l"/>
+                <a:tab pos="3200400" algn="l"/>
+                <a:tab pos="3657600" algn="l"/>
+                <a:tab pos="4114800" algn="l"/>
+                <a:tab pos="4572000" algn="l"/>
+                <a:tab pos="5029200" algn="l"/>
+                <a:tab pos="5486400" algn="l"/>
+                <a:tab pos="5943600" algn="l"/>
+                <a:tab pos="6400800" algn="l"/>
+                <a:tab pos="6858000" algn="l"/>
+                <a:tab pos="7315200" algn="l"/>
+                <a:tab pos="7772400" algn="l"/>
+                <a:tab pos="8229600" algn="l"/>
+                <a:tab pos="8686800" algn="l"/>
+                <a:tab pos="9144000" algn="l"/>
+              </a:tabLst>
+              <a:defRPr sz="1400">
+                <a:solidFill>
+                  <a:srgbClr val="404040"/>
+                </a:solidFill>
+                <a:latin typeface="Calibri" panose="020F0502020204030204" pitchFamily="34" charset="0"/>
+                <a:ea typeface="MS PGothic" panose="020B0600070205080204" pitchFamily="34" charset="-128"/>
+              </a:defRPr>
+            </a:lvl4pPr>
+            <a:lvl5pPr>
+              <a:lnSpc>
+                <a:spcPct val="90000"/>
+              </a:lnSpc>
+              <a:spcBef>
+                <a:spcPts val="200"/>
+              </a:spcBef>
+              <a:spcAft>
+                <a:spcPts val="400"/>
+              </a:spcAft>
+              <a:buClr>
+                <a:srgbClr val="000000"/>
+              </a:buClr>
+              <a:buSzPct val="100000"/>
+              <a:buFont typeface="Times New Roman" panose="02020603050405020304" pitchFamily="18" charset="0"/>
+              <a:tabLst>
+                <a:tab pos="0" algn="l"/>
+                <a:tab pos="457200" algn="l"/>
+                <a:tab pos="914400" algn="l"/>
+                <a:tab pos="1371600" algn="l"/>
+                <a:tab pos="1828800" algn="l"/>
+                <a:tab pos="2286000" algn="l"/>
+                <a:tab pos="2743200" algn="l"/>
+                <a:tab pos="3200400" algn="l"/>
+                <a:tab pos="3657600" algn="l"/>
+                <a:tab pos="4114800" algn="l"/>
+                <a:tab pos="4572000" algn="l"/>
+                <a:tab pos="5029200" algn="l"/>
+                <a:tab pos="5486400" algn="l"/>
+                <a:tab pos="5943600" algn="l"/>
+                <a:tab pos="6400800" algn="l"/>
+                <a:tab pos="6858000" algn="l"/>
+                <a:tab pos="7315200" algn="l"/>
+                <a:tab pos="7772400" algn="l"/>
+                <a:tab pos="8229600" algn="l"/>
+                <a:tab pos="8686800" algn="l"/>
+                <a:tab pos="9144000" algn="l"/>
+              </a:tabLst>
+              <a:defRPr sz="1400">
+                <a:solidFill>
+                  <a:srgbClr val="404040"/>
+                </a:solidFill>
+                <a:latin typeface="Calibri" panose="020F0502020204030204" pitchFamily="34" charset="0"/>
+                <a:ea typeface="MS PGothic" panose="020B0600070205080204" pitchFamily="34" charset="-128"/>
+              </a:defRPr>
+            </a:lvl5pPr>
+            <a:lvl6pPr marL="2514600" indent="-228600" defTabSz="457200" eaLnBrk="0" fontAlgn="base" hangingPunct="0">
+              <a:lnSpc>
+                <a:spcPct val="90000"/>
+              </a:lnSpc>
+              <a:spcBef>
+                <a:spcPts val="200"/>
+              </a:spcBef>
+              <a:spcAft>
+                <a:spcPts val="400"/>
+              </a:spcAft>
+              <a:buClr>
+                <a:srgbClr val="000000"/>
+              </a:buClr>
+              <a:buSzPct val="100000"/>
+              <a:buFont typeface="Times New Roman" panose="02020603050405020304" pitchFamily="18" charset="0"/>
+              <a:tabLst>
+                <a:tab pos="0" algn="l"/>
+                <a:tab pos="457200" algn="l"/>
+                <a:tab pos="914400" algn="l"/>
+                <a:tab pos="1371600" algn="l"/>
+                <a:tab pos="1828800" algn="l"/>
+                <a:tab pos="2286000" algn="l"/>
+                <a:tab pos="2743200" algn="l"/>
+                <a:tab pos="3200400" algn="l"/>
+                <a:tab pos="3657600" algn="l"/>
+                <a:tab pos="4114800" algn="l"/>
+                <a:tab pos="4572000" algn="l"/>
+                <a:tab pos="5029200" algn="l"/>
+                <a:tab pos="5486400" algn="l"/>
+                <a:tab pos="5943600" algn="l"/>
+                <a:tab pos="6400800" algn="l"/>
+                <a:tab pos="6858000" algn="l"/>
+                <a:tab pos="7315200" algn="l"/>
+                <a:tab pos="7772400" algn="l"/>
+                <a:tab pos="8229600" algn="l"/>
+                <a:tab pos="8686800" algn="l"/>
+                <a:tab pos="9144000" algn="l"/>
+              </a:tabLst>
+              <a:defRPr sz="1400">
+                <a:solidFill>
+                  <a:srgbClr val="404040"/>
+                </a:solidFill>
+                <a:latin typeface="Calibri" panose="020F0502020204030204" pitchFamily="34" charset="0"/>
+                <a:ea typeface="MS PGothic" panose="020B0600070205080204" pitchFamily="34" charset="-128"/>
+              </a:defRPr>
+            </a:lvl6pPr>
+            <a:lvl7pPr marL="2971800" indent="-228600" defTabSz="457200" eaLnBrk="0" fontAlgn="base" hangingPunct="0">
+              <a:lnSpc>
+                <a:spcPct val="90000"/>
+              </a:lnSpc>
+              <a:spcBef>
+                <a:spcPts val="200"/>
+              </a:spcBef>
+              <a:spcAft>
+                <a:spcPts val="400"/>
+              </a:spcAft>
+              <a:buClr>
+                <a:srgbClr val="000000"/>
+              </a:buClr>
+              <a:buSzPct val="100000"/>
+              <a:buFont typeface="Times New Roman" panose="02020603050405020304" pitchFamily="18" charset="0"/>
+              <a:tabLst>
+                <a:tab pos="0" algn="l"/>
+                <a:tab pos="457200" algn="l"/>
+                <a:tab pos="914400" algn="l"/>
+                <a:tab pos="1371600" algn="l"/>
+                <a:tab pos="1828800" algn="l"/>
+                <a:tab pos="2286000" algn="l"/>
+                <a:tab pos="2743200" algn="l"/>
+                <a:tab pos="3200400" algn="l"/>
+                <a:tab pos="3657600" algn="l"/>
+                <a:tab pos="4114800" algn="l"/>
+                <a:tab pos="4572000" algn="l"/>
+                <a:tab pos="5029200" algn="l"/>
+                <a:tab pos="5486400" algn="l"/>
+                <a:tab pos="5943600" algn="l"/>
+                <a:tab pos="6400800" algn="l"/>
+                <a:tab pos="6858000" algn="l"/>
+                <a:tab pos="7315200" algn="l"/>
+                <a:tab pos="7772400" algn="l"/>
+                <a:tab pos="8229600" algn="l"/>
+                <a:tab pos="8686800" algn="l"/>
+                <a:tab pos="9144000" algn="l"/>
+              </a:tabLst>
+              <a:defRPr sz="1400">
+                <a:solidFill>
+                  <a:srgbClr val="404040"/>
+                </a:solidFill>
+                <a:latin typeface="Calibri" panose="020F0502020204030204" pitchFamily="34" charset="0"/>
+                <a:ea typeface="MS PGothic" panose="020B0600070205080204" pitchFamily="34" charset="-128"/>
+              </a:defRPr>
+            </a:lvl7pPr>
+            <a:lvl8pPr marL="3429000" indent="-228600" defTabSz="457200" eaLnBrk="0" fontAlgn="base" hangingPunct="0">
+              <a:lnSpc>
+                <a:spcPct val="90000"/>
+              </a:lnSpc>
+              <a:spcBef>
+                <a:spcPts val="200"/>
+              </a:spcBef>
+              <a:spcAft>
+                <a:spcPts val="400"/>
+              </a:spcAft>
+              <a:buClr>
+                <a:srgbClr val="000000"/>
+              </a:buClr>
+              <a:buSzPct val="100000"/>
+              <a:buFont typeface="Times New Roman" panose="02020603050405020304" pitchFamily="18" charset="0"/>
+              <a:tabLst>
+                <a:tab pos="0" algn="l"/>
+                <a:tab pos="457200" algn="l"/>
+                <a:tab pos="914400" algn="l"/>
+                <a:tab pos="1371600" algn="l"/>
+                <a:tab pos="1828800" algn="l"/>
+                <a:tab pos="2286000" algn="l"/>
+                <a:tab pos="2743200" algn="l"/>
+                <a:tab pos="3200400" algn="l"/>
+                <a:tab pos="3657600" algn="l"/>
+                <a:tab pos="4114800" algn="l"/>
+                <a:tab pos="4572000" algn="l"/>
+                <a:tab pos="5029200" algn="l"/>
+                <a:tab pos="5486400" algn="l"/>
+                <a:tab pos="5943600" algn="l"/>
+                <a:tab pos="6400800" algn="l"/>
+                <a:tab pos="6858000" algn="l"/>
+                <a:tab pos="7315200" algn="l"/>
+                <a:tab pos="7772400" algn="l"/>
+                <a:tab pos="8229600" algn="l"/>
+                <a:tab pos="8686800" algn="l"/>
+                <a:tab pos="9144000" algn="l"/>
+              </a:tabLst>
+              <a:defRPr sz="1400">
+                <a:solidFill>
+                  <a:srgbClr val="404040"/>
+                </a:solidFill>
+                <a:latin typeface="Calibri" panose="020F0502020204030204" pitchFamily="34" charset="0"/>
+                <a:ea typeface="MS PGothic" panose="020B0600070205080204" pitchFamily="34" charset="-128"/>
+              </a:defRPr>
+            </a:lvl8pPr>
+            <a:lvl9pPr marL="3886200" indent="-228600" defTabSz="457200" eaLnBrk="0" fontAlgn="base" hangingPunct="0">
+              <a:lnSpc>
+                <a:spcPct val="90000"/>
+              </a:lnSpc>
+              <a:spcBef>
+                <a:spcPts val="200"/>
+              </a:spcBef>
+              <a:spcAft>
+                <a:spcPts val="400"/>
+              </a:spcAft>
+              <a:buClr>
+                <a:srgbClr val="000000"/>
+              </a:buClr>
+              <a:buSzPct val="100000"/>
+              <a:buFont typeface="Times New Roman" panose="02020603050405020304" pitchFamily="18" charset="0"/>
+              <a:tabLst>
+                <a:tab pos="0" algn="l"/>
+                <a:tab pos="457200" algn="l"/>
+                <a:tab pos="914400" algn="l"/>
+                <a:tab pos="1371600" algn="l"/>
+                <a:tab pos="1828800" algn="l"/>
+                <a:tab pos="2286000" algn="l"/>
+                <a:tab pos="2743200" algn="l"/>
+                <a:tab pos="3200400" algn="l"/>
+                <a:tab pos="3657600" algn="l"/>
+                <a:tab pos="4114800" algn="l"/>
+                <a:tab pos="4572000" algn="l"/>
+                <a:tab pos="5029200" algn="l"/>
+                <a:tab pos="5486400" algn="l"/>
+                <a:tab pos="5943600" algn="l"/>
+                <a:tab pos="6400800" algn="l"/>
+                <a:tab pos="6858000" algn="l"/>
+                <a:tab pos="7315200" algn="l"/>
+                <a:tab pos="7772400" algn="l"/>
+                <a:tab pos="8229600" algn="l"/>
+                <a:tab pos="8686800" algn="l"/>
+                <a:tab pos="9144000" algn="l"/>
+              </a:tabLst>
+              <a:defRPr sz="1400">
+                <a:solidFill>
+                  <a:srgbClr val="404040"/>
+                </a:solidFill>
+                <a:latin typeface="Calibri" panose="020F0502020204030204" pitchFamily="34" charset="0"/>
+                <a:ea typeface="MS PGothic" panose="020B0600070205080204" pitchFamily="34" charset="-128"/>
+              </a:defRPr>
+            </a:lvl9pPr>
+          </a:lstStyle>
+          <a:p>
+            <a:pPr algn="just" eaLnBrk="1" hangingPunct="1">
+              <a:lnSpc>
+                <a:spcPct val="100000"/>
+              </a:lnSpc>
+              <a:spcBef>
+                <a:spcPct val="0"/>
+              </a:spcBef>
+              <a:spcAft>
+                <a:spcPct val="0"/>
+              </a:spcAft>
+              <a:buClrTx/>
+              <a:buFontTx/>
+              <a:buNone/>
+            </a:pPr>
+            <a:r>
+              <a:rPr lang="en-US" altLang="en-US" sz="2800" dirty="0" err="1">
+                <a:solidFill>
+                  <a:srgbClr val="000000"/>
+                </a:solidFill>
+              </a:rPr>
+              <a:t>При</a:t>
+            </a:r>
+            <a:r>
+              <a:rPr lang="en-US" altLang="en-US" sz="2800" dirty="0">
+                <a:solidFill>
+                  <a:srgbClr val="000000"/>
+                </a:solidFill>
+              </a:rPr>
+              <a:t> </a:t>
+            </a:r>
+            <a:r>
+              <a:rPr lang="en-US" altLang="en-US" sz="2800" dirty="0" err="1">
+                <a:solidFill>
+                  <a:srgbClr val="000000"/>
+                </a:solidFill>
+              </a:rPr>
+              <a:t>работа</a:t>
+            </a:r>
+            <a:r>
+              <a:rPr lang="en-US" altLang="en-US" sz="2800" dirty="0">
+                <a:solidFill>
+                  <a:srgbClr val="000000"/>
+                </a:solidFill>
+              </a:rPr>
+              <a:t> </a:t>
+            </a:r>
+            <a:r>
+              <a:rPr lang="en-US" altLang="en-US" sz="2800" dirty="0" err="1">
+                <a:solidFill>
+                  <a:srgbClr val="000000"/>
+                </a:solidFill>
+              </a:rPr>
+              <a:t>со</a:t>
+            </a:r>
+            <a:r>
+              <a:rPr lang="en-US" altLang="en-US" sz="2800" dirty="0">
+                <a:solidFill>
+                  <a:srgbClr val="000000"/>
+                </a:solidFill>
+              </a:rPr>
+              <a:t> Stream </a:t>
+            </a:r>
+            <a:r>
+              <a:rPr lang="en-US" altLang="en-US" sz="2800" dirty="0" err="1">
+                <a:solidFill>
+                  <a:srgbClr val="000000"/>
+                </a:solidFill>
+              </a:rPr>
+              <a:t>довольно</a:t>
+            </a:r>
+            <a:r>
+              <a:rPr lang="en-US" altLang="en-US" sz="2800" dirty="0">
+                <a:solidFill>
+                  <a:srgbClr val="000000"/>
+                </a:solidFill>
+              </a:rPr>
+              <a:t> </a:t>
+            </a:r>
+            <a:r>
+              <a:rPr lang="en-US" altLang="en-US" sz="2800" dirty="0" err="1">
+                <a:solidFill>
+                  <a:srgbClr val="000000"/>
+                </a:solidFill>
+              </a:rPr>
+              <a:t>часто</a:t>
+            </a:r>
+            <a:r>
+              <a:rPr lang="en-US" altLang="en-US" sz="2800" dirty="0">
+                <a:solidFill>
+                  <a:srgbClr val="000000"/>
+                </a:solidFill>
+              </a:rPr>
+              <a:t> </a:t>
+            </a:r>
+            <a:r>
+              <a:rPr lang="en-US" altLang="en-US" sz="2800" dirty="0" err="1">
+                <a:solidFill>
+                  <a:srgbClr val="000000"/>
+                </a:solidFill>
+              </a:rPr>
+              <a:t>используются</a:t>
+            </a:r>
+            <a:r>
+              <a:rPr lang="en-US" altLang="en-US" sz="2800" dirty="0">
+                <a:solidFill>
+                  <a:srgbClr val="000000"/>
+                </a:solidFill>
+              </a:rPr>
+              <a:t> lambda </a:t>
+            </a:r>
+            <a:r>
+              <a:rPr lang="en-US" altLang="en-US" sz="2800" dirty="0" err="1">
+                <a:solidFill>
+                  <a:srgbClr val="000000"/>
+                </a:solidFill>
+              </a:rPr>
+              <a:t>выражения</a:t>
+            </a:r>
+            <a:r>
+              <a:rPr lang="en-US" altLang="en-US" sz="2800" dirty="0">
+                <a:solidFill>
+                  <a:srgbClr val="000000"/>
+                </a:solidFill>
+              </a:rPr>
+              <a:t> и </a:t>
+            </a:r>
+            <a:r>
+              <a:rPr lang="en-US" altLang="en-US" sz="2800" dirty="0" err="1">
+                <a:solidFill>
+                  <a:srgbClr val="000000"/>
+                </a:solidFill>
+              </a:rPr>
+              <a:t>ссылки</a:t>
+            </a:r>
+            <a:r>
+              <a:rPr lang="en-US" altLang="en-US" sz="2800" dirty="0">
+                <a:solidFill>
+                  <a:srgbClr val="000000"/>
+                </a:solidFill>
+              </a:rPr>
+              <a:t> </a:t>
+            </a:r>
+            <a:r>
+              <a:rPr lang="en-US" altLang="en-US" sz="2800" dirty="0" err="1">
+                <a:solidFill>
+                  <a:srgbClr val="000000"/>
+                </a:solidFill>
+              </a:rPr>
+              <a:t>на</a:t>
+            </a:r>
+            <a:r>
+              <a:rPr lang="en-US" altLang="en-US" sz="2800" dirty="0">
+                <a:solidFill>
+                  <a:srgbClr val="000000"/>
+                </a:solidFill>
+              </a:rPr>
+              <a:t> </a:t>
+            </a:r>
+            <a:r>
+              <a:rPr lang="en-US" altLang="en-US" sz="2800" dirty="0" err="1">
+                <a:solidFill>
+                  <a:srgbClr val="000000"/>
+                </a:solidFill>
+              </a:rPr>
+              <a:t>методы</a:t>
+            </a:r>
+            <a:r>
+              <a:rPr lang="en-US" altLang="en-US" sz="2800" dirty="0">
+                <a:solidFill>
+                  <a:srgbClr val="000000"/>
+                </a:solidFill>
+              </a:rPr>
+              <a:t>:</a:t>
+            </a:r>
+          </a:p>
+          <a:p>
+            <a:pPr>
+              <a:lnSpc>
+                <a:spcPct val="100000"/>
+              </a:lnSpc>
+              <a:spcBef>
+                <a:spcPct val="0"/>
+              </a:spcBef>
+              <a:spcAft>
+                <a:spcPct val="0"/>
+              </a:spcAft>
+              <a:buClrTx/>
+              <a:buSzTx/>
+              <a:buFontTx/>
+              <a:buNone/>
+            </a:pPr>
+            <a:endParaRPr lang="en-US" altLang="en-US" sz="1800" b="1" dirty="0">
+              <a:solidFill>
+                <a:srgbClr val="000080"/>
+              </a:solidFill>
+              <a:latin typeface="Courier New" panose="02070309020205020404" pitchFamily="49" charset="0"/>
+              <a:cs typeface="Courier New" panose="02070309020205020404" pitchFamily="49" charset="0"/>
+            </a:endParaRPr>
+          </a:p>
+          <a:p>
+            <a:pPr>
+              <a:lnSpc>
+                <a:spcPct val="100000"/>
+              </a:lnSpc>
+              <a:spcBef>
+                <a:spcPct val="0"/>
+              </a:spcBef>
+              <a:spcAft>
+                <a:spcPct val="0"/>
+              </a:spcAft>
+              <a:buClrTx/>
+              <a:buSzTx/>
+              <a:buFontTx/>
+              <a:buNone/>
+            </a:pPr>
+            <a:endParaRPr lang="en-US" altLang="en-US" sz="1800" b="1" dirty="0">
+              <a:solidFill>
+                <a:srgbClr val="000080"/>
+              </a:solidFill>
+              <a:latin typeface="Courier New" panose="02070309020205020404" pitchFamily="49" charset="0"/>
+              <a:cs typeface="Courier New" panose="02070309020205020404" pitchFamily="49" charset="0"/>
+            </a:endParaRPr>
+          </a:p>
+          <a:p>
+            <a:pPr>
+              <a:lnSpc>
+                <a:spcPct val="100000"/>
+              </a:lnSpc>
+              <a:spcBef>
+                <a:spcPct val="0"/>
+              </a:spcBef>
+              <a:spcAft>
+                <a:spcPct val="0"/>
+              </a:spcAft>
+              <a:buClrTx/>
+              <a:buSzTx/>
+              <a:buFontTx/>
+              <a:buNone/>
+            </a:pPr>
+            <a:r>
+              <a:rPr lang="en-US" altLang="en-US" sz="1800" b="1" dirty="0">
+                <a:solidFill>
+                  <a:srgbClr val="000080"/>
+                </a:solidFill>
+                <a:latin typeface="Courier New" panose="02070309020205020404" pitchFamily="49" charset="0"/>
+                <a:cs typeface="Courier New" panose="02070309020205020404" pitchFamily="49" charset="0"/>
+              </a:rPr>
+              <a:t>public static void </a:t>
+            </a:r>
+            <a:r>
+              <a:rPr lang="en-US" altLang="en-US" sz="1800" dirty="0">
+                <a:solidFill>
+                  <a:srgbClr val="000000"/>
+                </a:solidFill>
+                <a:latin typeface="Courier New" panose="02070309020205020404" pitchFamily="49" charset="0"/>
+                <a:cs typeface="Courier New" panose="02070309020205020404" pitchFamily="49" charset="0"/>
+              </a:rPr>
+              <a:t>main(String[] </a:t>
+            </a:r>
+            <a:r>
+              <a:rPr lang="en-US" altLang="en-US" sz="1800" dirty="0" err="1">
+                <a:solidFill>
+                  <a:srgbClr val="000000"/>
+                </a:solidFill>
+                <a:latin typeface="Courier New" panose="02070309020205020404" pitchFamily="49" charset="0"/>
+                <a:cs typeface="Courier New" panose="02070309020205020404" pitchFamily="49" charset="0"/>
+              </a:rPr>
+              <a:t>args</a:t>
+            </a:r>
+            <a:r>
+              <a:rPr lang="en-US" altLang="en-US" sz="1800" dirty="0">
+                <a:solidFill>
+                  <a:srgbClr val="000000"/>
+                </a:solidFill>
+                <a:latin typeface="Courier New" panose="02070309020205020404" pitchFamily="49" charset="0"/>
+                <a:cs typeface="Courier New" panose="02070309020205020404" pitchFamily="49" charset="0"/>
+              </a:rPr>
+              <a:t>) {</a:t>
+            </a:r>
+            <a:br>
+              <a:rPr lang="en-US" altLang="en-US" sz="1800" dirty="0">
+                <a:solidFill>
+                  <a:srgbClr val="000000"/>
+                </a:solidFill>
+                <a:latin typeface="Courier New" panose="02070309020205020404" pitchFamily="49" charset="0"/>
+                <a:cs typeface="Courier New" panose="02070309020205020404" pitchFamily="49" charset="0"/>
+              </a:rPr>
+            </a:br>
+            <a:r>
+              <a:rPr lang="en-US" altLang="en-US" sz="1800" dirty="0">
+                <a:solidFill>
+                  <a:srgbClr val="000000"/>
+                </a:solidFill>
+                <a:latin typeface="Courier New" panose="02070309020205020404" pitchFamily="49" charset="0"/>
+                <a:cs typeface="Courier New" panose="02070309020205020404" pitchFamily="49" charset="0"/>
+              </a:rPr>
+              <a:t>    </a:t>
+            </a:r>
+            <a:r>
+              <a:rPr lang="en-US" altLang="en-US" sz="1800" b="1" dirty="0">
+                <a:solidFill>
+                  <a:srgbClr val="000080"/>
+                </a:solidFill>
+                <a:latin typeface="Courier New" panose="02070309020205020404" pitchFamily="49" charset="0"/>
+                <a:cs typeface="Courier New" panose="02070309020205020404" pitchFamily="49" charset="0"/>
+              </a:rPr>
+              <a:t>long </a:t>
+            </a:r>
+            <a:r>
+              <a:rPr lang="en-US" altLang="en-US" sz="1800" dirty="0">
+                <a:solidFill>
+                  <a:srgbClr val="000000"/>
+                </a:solidFill>
+                <a:latin typeface="Courier New" panose="02070309020205020404" pitchFamily="49" charset="0"/>
+                <a:cs typeface="Courier New" panose="02070309020205020404" pitchFamily="49" charset="0"/>
+              </a:rPr>
+              <a:t>count = Stream</a:t>
+            </a:r>
+            <a:br>
+              <a:rPr lang="en-US" altLang="en-US" sz="1800" dirty="0">
+                <a:solidFill>
+                  <a:srgbClr val="000000"/>
+                </a:solidFill>
+                <a:latin typeface="Courier New" panose="02070309020205020404" pitchFamily="49" charset="0"/>
+                <a:cs typeface="Courier New" panose="02070309020205020404" pitchFamily="49" charset="0"/>
+              </a:rPr>
+            </a:br>
+            <a:r>
+              <a:rPr lang="en-US" altLang="en-US" sz="1800" dirty="0">
+                <a:solidFill>
+                  <a:srgbClr val="000000"/>
+                </a:solidFill>
+                <a:latin typeface="Courier New" panose="02070309020205020404" pitchFamily="49" charset="0"/>
+                <a:cs typeface="Courier New" panose="02070309020205020404" pitchFamily="49" charset="0"/>
+              </a:rPr>
+              <a:t>            .</a:t>
+            </a:r>
+            <a:r>
+              <a:rPr lang="en-US" altLang="en-US" sz="1800" i="1" dirty="0">
+                <a:solidFill>
+                  <a:srgbClr val="000000"/>
+                </a:solidFill>
+                <a:latin typeface="Courier New" panose="02070309020205020404" pitchFamily="49" charset="0"/>
+                <a:cs typeface="Courier New" panose="02070309020205020404" pitchFamily="49" charset="0"/>
+              </a:rPr>
+              <a:t>generate</a:t>
+            </a:r>
+            <a:r>
+              <a:rPr lang="en-US" altLang="en-US" sz="1800" dirty="0">
+                <a:solidFill>
+                  <a:srgbClr val="000000"/>
+                </a:solidFill>
+                <a:latin typeface="Courier New" panose="02070309020205020404" pitchFamily="49" charset="0"/>
+                <a:cs typeface="Courier New" panose="02070309020205020404" pitchFamily="49" charset="0"/>
+              </a:rPr>
+              <a:t>(() -&gt; </a:t>
+            </a:r>
+            <a:r>
+              <a:rPr lang="en-US" altLang="en-US" sz="1800" b="1" dirty="0">
+                <a:solidFill>
+                  <a:srgbClr val="000080"/>
+                </a:solidFill>
+                <a:latin typeface="Courier New" panose="02070309020205020404" pitchFamily="49" charset="0"/>
+                <a:cs typeface="Courier New" panose="02070309020205020404" pitchFamily="49" charset="0"/>
+              </a:rPr>
+              <a:t>new </a:t>
+            </a:r>
+            <a:r>
+              <a:rPr lang="en-US" altLang="en-US" sz="1800" dirty="0">
+                <a:solidFill>
+                  <a:srgbClr val="000000"/>
+                </a:solidFill>
+                <a:latin typeface="Courier New" panose="02070309020205020404" pitchFamily="49" charset="0"/>
+                <a:cs typeface="Courier New" panose="02070309020205020404" pitchFamily="49" charset="0"/>
+              </a:rPr>
+              <a:t>Random().</a:t>
+            </a:r>
+            <a:r>
+              <a:rPr lang="en-US" altLang="en-US" sz="1800" dirty="0" err="1">
+                <a:solidFill>
+                  <a:srgbClr val="000000"/>
+                </a:solidFill>
+                <a:latin typeface="Courier New" panose="02070309020205020404" pitchFamily="49" charset="0"/>
+                <a:cs typeface="Courier New" panose="02070309020205020404" pitchFamily="49" charset="0"/>
+              </a:rPr>
+              <a:t>nextInt</a:t>
+            </a:r>
+            <a:r>
+              <a:rPr lang="en-US" altLang="en-US" sz="1800" dirty="0">
+                <a:solidFill>
+                  <a:srgbClr val="000000"/>
+                </a:solidFill>
+                <a:latin typeface="Courier New" panose="02070309020205020404" pitchFamily="49" charset="0"/>
+                <a:cs typeface="Courier New" panose="02070309020205020404" pitchFamily="49" charset="0"/>
+              </a:rPr>
+              <a:t>(</a:t>
+            </a:r>
+            <a:r>
+              <a:rPr lang="en-US" altLang="en-US" sz="1800" dirty="0">
+                <a:solidFill>
+                  <a:srgbClr val="0000FF"/>
+                </a:solidFill>
+                <a:latin typeface="Courier New" panose="02070309020205020404" pitchFamily="49" charset="0"/>
+                <a:cs typeface="Courier New" panose="02070309020205020404" pitchFamily="49" charset="0"/>
+              </a:rPr>
+              <a:t>255</a:t>
+            </a:r>
+            <a:r>
+              <a:rPr lang="en-US" altLang="en-US" sz="1800" dirty="0">
+                <a:solidFill>
+                  <a:srgbClr val="000000"/>
+                </a:solidFill>
+                <a:latin typeface="Courier New" panose="02070309020205020404" pitchFamily="49" charset="0"/>
+                <a:cs typeface="Courier New" panose="02070309020205020404" pitchFamily="49" charset="0"/>
+              </a:rPr>
+              <a:t>))</a:t>
+            </a:r>
+            <a:br>
+              <a:rPr lang="en-US" altLang="en-US" sz="1800" dirty="0">
+                <a:solidFill>
+                  <a:srgbClr val="000000"/>
+                </a:solidFill>
+                <a:latin typeface="Courier New" panose="02070309020205020404" pitchFamily="49" charset="0"/>
+                <a:cs typeface="Courier New" panose="02070309020205020404" pitchFamily="49" charset="0"/>
+              </a:rPr>
+            </a:br>
+            <a:r>
+              <a:rPr lang="en-US" altLang="en-US" sz="1800" dirty="0">
+                <a:solidFill>
+                  <a:srgbClr val="000000"/>
+                </a:solidFill>
+                <a:latin typeface="Courier New" panose="02070309020205020404" pitchFamily="49" charset="0"/>
+                <a:cs typeface="Courier New" panose="02070309020205020404" pitchFamily="49" charset="0"/>
+              </a:rPr>
+              <a:t>            .limit(</a:t>
+            </a:r>
+            <a:r>
+              <a:rPr lang="en-US" altLang="en-US" sz="1800" dirty="0">
+                <a:solidFill>
+                  <a:srgbClr val="0000FF"/>
+                </a:solidFill>
+                <a:latin typeface="Courier New" panose="02070309020205020404" pitchFamily="49" charset="0"/>
+                <a:cs typeface="Courier New" panose="02070309020205020404" pitchFamily="49" charset="0"/>
+              </a:rPr>
+              <a:t>100</a:t>
+            </a:r>
+            <a:r>
+              <a:rPr lang="en-US" altLang="en-US" sz="1800" dirty="0">
+                <a:solidFill>
+                  <a:srgbClr val="000000"/>
+                </a:solidFill>
+                <a:latin typeface="Courier New" panose="02070309020205020404" pitchFamily="49" charset="0"/>
+                <a:cs typeface="Courier New" panose="02070309020205020404" pitchFamily="49" charset="0"/>
+              </a:rPr>
+              <a:t>) </a:t>
+            </a:r>
+            <a:br>
+              <a:rPr lang="en-US" altLang="en-US" sz="1800" dirty="0">
+                <a:solidFill>
+                  <a:srgbClr val="000000"/>
+                </a:solidFill>
+                <a:latin typeface="Courier New" panose="02070309020205020404" pitchFamily="49" charset="0"/>
+                <a:cs typeface="Courier New" panose="02070309020205020404" pitchFamily="49" charset="0"/>
+              </a:rPr>
+            </a:br>
+            <a:r>
+              <a:rPr lang="en-US" altLang="en-US" sz="1800" dirty="0">
+                <a:solidFill>
+                  <a:srgbClr val="000000"/>
+                </a:solidFill>
+                <a:latin typeface="Courier New" panose="02070309020205020404" pitchFamily="49" charset="0"/>
+                <a:cs typeface="Courier New" panose="02070309020205020404" pitchFamily="49" charset="0"/>
+              </a:rPr>
+              <a:t>            .filter(</a:t>
+            </a:r>
+            <a:r>
+              <a:rPr lang="en-US" altLang="en-US" sz="1800" dirty="0" err="1">
+                <a:solidFill>
+                  <a:srgbClr val="000000"/>
+                </a:solidFill>
+                <a:latin typeface="Courier New" panose="02070309020205020404" pitchFamily="49" charset="0"/>
+                <a:cs typeface="Courier New" panose="02070309020205020404" pitchFamily="49" charset="0"/>
+              </a:rPr>
+              <a:t>intValue</a:t>
+            </a:r>
+            <a:r>
+              <a:rPr lang="en-US" altLang="en-US" sz="1800" dirty="0">
+                <a:solidFill>
+                  <a:srgbClr val="000000"/>
+                </a:solidFill>
+                <a:latin typeface="Courier New" panose="02070309020205020404" pitchFamily="49" charset="0"/>
+                <a:cs typeface="Courier New" panose="02070309020205020404" pitchFamily="49" charset="0"/>
+              </a:rPr>
+              <a:t> -&gt; </a:t>
+            </a:r>
+            <a:r>
+              <a:rPr lang="en-US" altLang="en-US" sz="1800" dirty="0" err="1">
+                <a:solidFill>
+                  <a:srgbClr val="000000"/>
+                </a:solidFill>
+                <a:latin typeface="Courier New" panose="02070309020205020404" pitchFamily="49" charset="0"/>
+                <a:cs typeface="Courier New" panose="02070309020205020404" pitchFamily="49" charset="0"/>
+              </a:rPr>
+              <a:t>intValue</a:t>
+            </a:r>
+            <a:r>
+              <a:rPr lang="en-US" altLang="en-US" sz="1800" dirty="0">
+                <a:solidFill>
+                  <a:srgbClr val="000000"/>
+                </a:solidFill>
+                <a:latin typeface="Courier New" panose="02070309020205020404" pitchFamily="49" charset="0"/>
+                <a:cs typeface="Courier New" panose="02070309020205020404" pitchFamily="49" charset="0"/>
+              </a:rPr>
+              <a:t> != </a:t>
+            </a:r>
+            <a:r>
+              <a:rPr lang="en-US" altLang="en-US" sz="1800" dirty="0">
+                <a:solidFill>
+                  <a:srgbClr val="0000FF"/>
+                </a:solidFill>
+                <a:latin typeface="Courier New" panose="02070309020205020404" pitchFamily="49" charset="0"/>
+                <a:cs typeface="Courier New" panose="02070309020205020404" pitchFamily="49" charset="0"/>
+              </a:rPr>
+              <a:t>0</a:t>
+            </a:r>
+            <a:r>
+              <a:rPr lang="en-US" altLang="en-US" sz="1800" dirty="0">
+                <a:solidFill>
+                  <a:srgbClr val="000000"/>
+                </a:solidFill>
+                <a:latin typeface="Courier New" panose="02070309020205020404" pitchFamily="49" charset="0"/>
+                <a:cs typeface="Courier New" panose="02070309020205020404" pitchFamily="49" charset="0"/>
+              </a:rPr>
+              <a:t>) </a:t>
+            </a:r>
+            <a:br>
+              <a:rPr lang="en-US" altLang="en-US" sz="1800" dirty="0">
+                <a:solidFill>
+                  <a:srgbClr val="000000"/>
+                </a:solidFill>
+                <a:latin typeface="Courier New" panose="02070309020205020404" pitchFamily="49" charset="0"/>
+                <a:cs typeface="Courier New" panose="02070309020205020404" pitchFamily="49" charset="0"/>
+              </a:rPr>
+            </a:br>
+            <a:r>
+              <a:rPr lang="en-US" altLang="en-US" sz="1800" dirty="0">
+                <a:solidFill>
+                  <a:srgbClr val="000000"/>
+                </a:solidFill>
+                <a:latin typeface="Courier New" panose="02070309020205020404" pitchFamily="49" charset="0"/>
+                <a:cs typeface="Courier New" panose="02070309020205020404" pitchFamily="49" charset="0"/>
+              </a:rPr>
+              <a:t>            .map(</a:t>
+            </a:r>
+            <a:r>
+              <a:rPr lang="en-US" altLang="en-US" sz="1800" dirty="0" err="1">
+                <a:solidFill>
+                  <a:srgbClr val="000000"/>
+                </a:solidFill>
+                <a:latin typeface="Courier New" panose="02070309020205020404" pitchFamily="49" charset="0"/>
+                <a:cs typeface="Courier New" panose="02070309020205020404" pitchFamily="49" charset="0"/>
+              </a:rPr>
+              <a:t>intValue</a:t>
+            </a:r>
+            <a:r>
+              <a:rPr lang="en-US" altLang="en-US" sz="1800" dirty="0">
+                <a:solidFill>
+                  <a:srgbClr val="000000"/>
+                </a:solidFill>
+                <a:latin typeface="Courier New" panose="02070309020205020404" pitchFamily="49" charset="0"/>
+                <a:cs typeface="Courier New" panose="02070309020205020404" pitchFamily="49" charset="0"/>
+              </a:rPr>
+              <a:t> -&gt; (</a:t>
+            </a:r>
+            <a:r>
+              <a:rPr lang="en-US" altLang="en-US" sz="1800" b="1" dirty="0">
+                <a:solidFill>
+                  <a:srgbClr val="000080"/>
+                </a:solidFill>
+                <a:latin typeface="Courier New" panose="02070309020205020404" pitchFamily="49" charset="0"/>
+                <a:cs typeface="Courier New" panose="02070309020205020404" pitchFamily="49" charset="0"/>
+              </a:rPr>
+              <a:t>char</a:t>
+            </a:r>
+            <a:r>
+              <a:rPr lang="en-US" altLang="en-US" sz="1800" dirty="0">
+                <a:solidFill>
+                  <a:srgbClr val="000000"/>
+                </a:solidFill>
+                <a:latin typeface="Courier New" panose="02070309020205020404" pitchFamily="49" charset="0"/>
+                <a:cs typeface="Courier New" panose="02070309020205020404" pitchFamily="49" charset="0"/>
+              </a:rPr>
+              <a:t>) </a:t>
+            </a:r>
+            <a:r>
+              <a:rPr lang="en-US" altLang="en-US" sz="1800" dirty="0" err="1">
+                <a:solidFill>
+                  <a:srgbClr val="000000"/>
+                </a:solidFill>
+                <a:latin typeface="Courier New" panose="02070309020205020404" pitchFamily="49" charset="0"/>
+                <a:cs typeface="Courier New" panose="02070309020205020404" pitchFamily="49" charset="0"/>
+              </a:rPr>
+              <a:t>intValue.intValue</a:t>
+            </a:r>
+            <a:r>
+              <a:rPr lang="en-US" altLang="en-US" sz="1800" dirty="0">
+                <a:solidFill>
+                  <a:srgbClr val="000000"/>
+                </a:solidFill>
+                <a:latin typeface="Courier New" panose="02070309020205020404" pitchFamily="49" charset="0"/>
+                <a:cs typeface="Courier New" panose="02070309020205020404" pitchFamily="49" charset="0"/>
+              </a:rPr>
+              <a:t>()) </a:t>
+            </a:r>
+            <a:br>
+              <a:rPr lang="en-US" altLang="en-US" sz="1800" dirty="0">
+                <a:solidFill>
+                  <a:srgbClr val="000000"/>
+                </a:solidFill>
+                <a:latin typeface="Courier New" panose="02070309020205020404" pitchFamily="49" charset="0"/>
+                <a:cs typeface="Courier New" panose="02070309020205020404" pitchFamily="49" charset="0"/>
+              </a:rPr>
+            </a:br>
+            <a:r>
+              <a:rPr lang="en-US" altLang="en-US" sz="1800" dirty="0">
+                <a:solidFill>
+                  <a:srgbClr val="000000"/>
+                </a:solidFill>
+                <a:latin typeface="Courier New" panose="02070309020205020404" pitchFamily="49" charset="0"/>
+                <a:cs typeface="Courier New" panose="02070309020205020404" pitchFamily="49" charset="0"/>
+              </a:rPr>
+              <a:t>            .peek(</a:t>
+            </a:r>
+            <a:r>
+              <a:rPr lang="en-US" altLang="en-US" sz="1800" dirty="0" err="1">
+                <a:solidFill>
+                  <a:srgbClr val="000000"/>
+                </a:solidFill>
+                <a:latin typeface="Courier New" panose="02070309020205020404" pitchFamily="49" charset="0"/>
+                <a:cs typeface="Courier New" panose="02070309020205020404" pitchFamily="49" charset="0"/>
+              </a:rPr>
+              <a:t>System.</a:t>
+            </a:r>
+            <a:r>
+              <a:rPr lang="en-US" altLang="en-US" sz="1800" b="1" i="1" dirty="0" err="1">
+                <a:solidFill>
+                  <a:srgbClr val="660E7A"/>
+                </a:solidFill>
+                <a:latin typeface="Courier New" panose="02070309020205020404" pitchFamily="49" charset="0"/>
+                <a:cs typeface="Courier New" panose="02070309020205020404" pitchFamily="49" charset="0"/>
+              </a:rPr>
+              <a:t>out</a:t>
+            </a:r>
+            <a:r>
+              <a:rPr lang="en-US" altLang="en-US" sz="1800" dirty="0">
+                <a:solidFill>
+                  <a:srgbClr val="000000"/>
+                </a:solidFill>
+                <a:latin typeface="Courier New" panose="02070309020205020404" pitchFamily="49" charset="0"/>
+                <a:cs typeface="Courier New" panose="02070309020205020404" pitchFamily="49" charset="0"/>
+              </a:rPr>
+              <a:t>::print) </a:t>
+            </a:r>
+            <a:br>
+              <a:rPr lang="en-US" altLang="en-US" sz="1800" dirty="0">
+                <a:solidFill>
+                  <a:srgbClr val="000000"/>
+                </a:solidFill>
+                <a:latin typeface="Courier New" panose="02070309020205020404" pitchFamily="49" charset="0"/>
+                <a:cs typeface="Courier New" panose="02070309020205020404" pitchFamily="49" charset="0"/>
+              </a:rPr>
+            </a:br>
+            <a:r>
+              <a:rPr lang="en-US" altLang="en-US" sz="1800" dirty="0">
+                <a:solidFill>
+                  <a:srgbClr val="000000"/>
+                </a:solidFill>
+                <a:latin typeface="Courier New" panose="02070309020205020404" pitchFamily="49" charset="0"/>
+                <a:cs typeface="Courier New" panose="02070309020205020404" pitchFamily="49" charset="0"/>
+              </a:rPr>
+              <a:t>            .count();     </a:t>
+            </a:r>
+            <a:r>
+              <a:rPr lang="en-US" altLang="en-US" sz="1800" i="1" dirty="0">
+                <a:solidFill>
+                  <a:srgbClr val="808080"/>
+                </a:solidFill>
+                <a:latin typeface="Courier New" panose="02070309020205020404" pitchFamily="49" charset="0"/>
+                <a:cs typeface="Courier New" panose="02070309020205020404" pitchFamily="49" charset="0"/>
+              </a:rPr>
+              <a:t>//</a:t>
+            </a:r>
+            <a:r>
+              <a:rPr lang="en-US" altLang="en-US" sz="1800" i="1" dirty="0" err="1">
+                <a:solidFill>
+                  <a:srgbClr val="808080"/>
+                </a:solidFill>
+                <a:latin typeface="Courier New" panose="02070309020205020404" pitchFamily="49" charset="0"/>
+                <a:cs typeface="Courier New" panose="02070309020205020404" pitchFamily="49" charset="0"/>
+              </a:rPr>
+              <a:t>завершающая</a:t>
+            </a:r>
+            <a:r>
+              <a:rPr lang="en-US" altLang="en-US" sz="1800" i="1" dirty="0">
+                <a:solidFill>
+                  <a:srgbClr val="808080"/>
+                </a:solidFill>
+                <a:latin typeface="Courier New" panose="02070309020205020404" pitchFamily="49" charset="0"/>
+                <a:cs typeface="Courier New" panose="02070309020205020404" pitchFamily="49" charset="0"/>
+              </a:rPr>
+              <a:t> </a:t>
+            </a:r>
+            <a:r>
+              <a:rPr lang="en-US" altLang="en-US" sz="1800" i="1" dirty="0" err="1">
+                <a:solidFill>
+                  <a:srgbClr val="808080"/>
+                </a:solidFill>
+                <a:latin typeface="Courier New" panose="02070309020205020404" pitchFamily="49" charset="0"/>
+                <a:cs typeface="Courier New" panose="02070309020205020404" pitchFamily="49" charset="0"/>
+              </a:rPr>
+              <a:t>операция</a:t>
+            </a:r>
+            <a:br>
+              <a:rPr lang="en-US" altLang="en-US" sz="1800" i="1" dirty="0">
+                <a:solidFill>
+                  <a:srgbClr val="808080"/>
+                </a:solidFill>
+                <a:latin typeface="Courier New" panose="02070309020205020404" pitchFamily="49" charset="0"/>
+                <a:cs typeface="Courier New" panose="02070309020205020404" pitchFamily="49" charset="0"/>
+              </a:rPr>
+            </a:br>
+            <a:r>
+              <a:rPr lang="en-US" altLang="en-US" sz="1800" i="1" dirty="0">
+                <a:solidFill>
+                  <a:srgbClr val="808080"/>
+                </a:solidFill>
+                <a:latin typeface="Courier New" panose="02070309020205020404" pitchFamily="49" charset="0"/>
+                <a:cs typeface="Courier New" panose="02070309020205020404" pitchFamily="49" charset="0"/>
+              </a:rPr>
+              <a:t>    </a:t>
+            </a:r>
+            <a:r>
+              <a:rPr lang="en-US" altLang="en-US" sz="1800" dirty="0" err="1">
+                <a:solidFill>
+                  <a:srgbClr val="000000"/>
+                </a:solidFill>
+                <a:latin typeface="Courier New" panose="02070309020205020404" pitchFamily="49" charset="0"/>
+                <a:cs typeface="Courier New" panose="02070309020205020404" pitchFamily="49" charset="0"/>
+              </a:rPr>
+              <a:t>System.</a:t>
+            </a:r>
+            <a:r>
+              <a:rPr lang="en-US" altLang="en-US" sz="1800" b="1" i="1" dirty="0" err="1">
+                <a:solidFill>
+                  <a:srgbClr val="660E7A"/>
+                </a:solidFill>
+                <a:latin typeface="Courier New" panose="02070309020205020404" pitchFamily="49" charset="0"/>
+                <a:cs typeface="Courier New" panose="02070309020205020404" pitchFamily="49" charset="0"/>
+              </a:rPr>
+              <a:t>out</a:t>
+            </a:r>
+            <a:r>
+              <a:rPr lang="en-US" altLang="en-US" sz="1800" dirty="0" err="1">
+                <a:solidFill>
+                  <a:srgbClr val="000000"/>
+                </a:solidFill>
+                <a:latin typeface="Courier New" panose="02070309020205020404" pitchFamily="49" charset="0"/>
+                <a:cs typeface="Courier New" panose="02070309020205020404" pitchFamily="49" charset="0"/>
+              </a:rPr>
+              <a:t>.println</a:t>
+            </a:r>
+            <a:r>
+              <a:rPr lang="en-US" altLang="en-US" sz="1800" dirty="0">
+                <a:solidFill>
+                  <a:srgbClr val="000000"/>
+                </a:solidFill>
+                <a:latin typeface="Courier New" panose="02070309020205020404" pitchFamily="49" charset="0"/>
+                <a:cs typeface="Courier New" panose="02070309020205020404" pitchFamily="49" charset="0"/>
+              </a:rPr>
+              <a:t>(count);</a:t>
+            </a:r>
+            <a:br>
+              <a:rPr lang="en-US" altLang="en-US" sz="1800" dirty="0">
+                <a:solidFill>
+                  <a:srgbClr val="000000"/>
+                </a:solidFill>
+                <a:latin typeface="Courier New" panose="02070309020205020404" pitchFamily="49" charset="0"/>
+                <a:cs typeface="Courier New" panose="02070309020205020404" pitchFamily="49" charset="0"/>
+              </a:rPr>
+            </a:br>
+            <a:r>
+              <a:rPr lang="en-US" altLang="en-US" sz="1800" dirty="0">
+                <a:solidFill>
+                  <a:srgbClr val="000000"/>
+                </a:solidFill>
+                <a:latin typeface="Courier New" panose="02070309020205020404" pitchFamily="49" charset="0"/>
+                <a:cs typeface="Courier New" panose="02070309020205020404" pitchFamily="49" charset="0"/>
+              </a:rPr>
+              <a:t>}</a:t>
+            </a:r>
+          </a:p>
+        </p:txBody>
+      </p:sp>
+      <p:sp>
+        <p:nvSpPr>
+          <p:cNvPr id="36868" name="Text Box 3">
+            <a:extLst>
+              <a:ext uri="{FF2B5EF4-FFF2-40B4-BE49-F238E27FC236}">
+                <a16:creationId xmlns:a16="http://schemas.microsoft.com/office/drawing/2014/main" id="{3A994162-A5C4-456A-9A67-62EB23E70364}"/>
+              </a:ext>
+            </a:extLst>
+          </p:cNvPr>
+          <p:cNvSpPr txBox="1">
+            <a:spLocks noChangeArrowheads="1"/>
+          </p:cNvSpPr>
+          <p:nvPr/>
+        </p:nvSpPr>
+        <p:spPr bwMode="auto">
+          <a:xfrm>
+            <a:off x="9998076" y="6356351"/>
+            <a:ext cx="442913" cy="365125"/>
+          </a:xfrm>
+          <a:prstGeom prst="rect">
+            <a:avLst/>
+          </a:prstGeom>
+          <a:noFill/>
+          <a:ln>
+            <a:noFill/>
+          </a:ln>
+          <a:effectLst/>
+          <a:extLst>
+            <a:ext uri="{909E8E84-426E-40DD-AFC4-6F175D3DCCD1}">
+              <a14:hiddenFill xmlns:a14="http://schemas.microsoft.com/office/drawing/2010/main">
+                <a:solidFill>
+                  <a:srgbClr val="FFFFFF"/>
+                </a:solidFill>
+              </a14:hiddenFill>
+            </a:ext>
+            <a:ext uri="{91240B29-F687-4F45-9708-019B960494DF}">
+              <a14:hiddenLine xmlns:a14="http://schemas.microsoft.com/office/drawing/2010/main" w="9525">
+                <a:solidFill>
+                  <a:srgbClr val="3465A4"/>
+                </a:solidFill>
+                <a:round/>
+                <a:headEnd/>
+                <a:tailEnd/>
+              </a14:hiddenLine>
+            </a:ext>
+            <a:ext uri="{AF507438-7753-43E0-B8FC-AC1667EBCBE1}">
+              <a14:hiddenEffects xmlns:a14="http://schemas.microsoft.com/office/drawing/2010/main">
+                <a:effectLst>
+                  <a:outerShdw dist="35921" dir="2700000" algn="ctr" rotWithShape="0">
+                    <a:srgbClr val="808080"/>
+                  </a:outerShdw>
+                </a:effectLst>
+              </a14:hiddenEffects>
+            </a:ext>
+          </a:extLst>
+        </p:spPr>
+        <p:txBody>
+          <a:bodyPr lIns="90000" tIns="46800" rIns="90000" bIns="46800"/>
+          <a:lstStyle>
+            <a:lvl1pPr>
+              <a:lnSpc>
+                <a:spcPct val="90000"/>
+              </a:lnSpc>
+              <a:spcBef>
+                <a:spcPts val="1200"/>
+              </a:spcBef>
+              <a:spcAft>
+                <a:spcPts val="200"/>
+              </a:spcAft>
+              <a:buClr>
+                <a:srgbClr val="000000"/>
+              </a:buClr>
+              <a:buSzPct val="100000"/>
+              <a:buFont typeface="Times New Roman" panose="02020603050405020304" pitchFamily="18" charset="0"/>
+              <a:tabLst>
+                <a:tab pos="0" algn="l"/>
+                <a:tab pos="457200" algn="l"/>
+                <a:tab pos="914400" algn="l"/>
+                <a:tab pos="1371600" algn="l"/>
+                <a:tab pos="1828800" algn="l"/>
+                <a:tab pos="2286000" algn="l"/>
+                <a:tab pos="2743200" algn="l"/>
+                <a:tab pos="3200400" algn="l"/>
+                <a:tab pos="3657600" algn="l"/>
+                <a:tab pos="4114800" algn="l"/>
+                <a:tab pos="4572000" algn="l"/>
+                <a:tab pos="5029200" algn="l"/>
+                <a:tab pos="5486400" algn="l"/>
+                <a:tab pos="5943600" algn="l"/>
+                <a:tab pos="6400800" algn="l"/>
+                <a:tab pos="6858000" algn="l"/>
+                <a:tab pos="7315200" algn="l"/>
+                <a:tab pos="7772400" algn="l"/>
+                <a:tab pos="8229600" algn="l"/>
+                <a:tab pos="8686800" algn="l"/>
+                <a:tab pos="9144000" algn="l"/>
+              </a:tabLst>
+              <a:defRPr sz="2000">
+                <a:solidFill>
+                  <a:srgbClr val="404040"/>
+                </a:solidFill>
+                <a:latin typeface="Calibri" panose="020F0502020204030204" pitchFamily="34" charset="0"/>
+                <a:ea typeface="MS PGothic" panose="020B0600070205080204" pitchFamily="34" charset="-128"/>
+              </a:defRPr>
+            </a:lvl1pPr>
+            <a:lvl2pPr>
+              <a:lnSpc>
+                <a:spcPct val="90000"/>
+              </a:lnSpc>
+              <a:spcBef>
+                <a:spcPts val="200"/>
+              </a:spcBef>
+              <a:spcAft>
+                <a:spcPts val="400"/>
+              </a:spcAft>
+              <a:buClr>
+                <a:srgbClr val="000000"/>
+              </a:buClr>
+              <a:buSzPct val="100000"/>
+              <a:buFont typeface="Times New Roman" panose="02020603050405020304" pitchFamily="18" charset="0"/>
+              <a:tabLst>
+                <a:tab pos="0" algn="l"/>
+                <a:tab pos="457200" algn="l"/>
+                <a:tab pos="914400" algn="l"/>
+                <a:tab pos="1371600" algn="l"/>
+                <a:tab pos="1828800" algn="l"/>
+                <a:tab pos="2286000" algn="l"/>
+                <a:tab pos="2743200" algn="l"/>
+                <a:tab pos="3200400" algn="l"/>
+                <a:tab pos="3657600" algn="l"/>
+                <a:tab pos="4114800" algn="l"/>
+                <a:tab pos="4572000" algn="l"/>
+                <a:tab pos="5029200" algn="l"/>
+                <a:tab pos="5486400" algn="l"/>
+                <a:tab pos="5943600" algn="l"/>
+                <a:tab pos="6400800" algn="l"/>
+                <a:tab pos="6858000" algn="l"/>
+                <a:tab pos="7315200" algn="l"/>
+                <a:tab pos="7772400" algn="l"/>
+                <a:tab pos="8229600" algn="l"/>
+                <a:tab pos="8686800" algn="l"/>
+                <a:tab pos="9144000" algn="l"/>
+              </a:tabLst>
+              <a:defRPr sz="2800">
+                <a:solidFill>
+                  <a:srgbClr val="404040"/>
+                </a:solidFill>
+                <a:latin typeface="Calibri" panose="020F0502020204030204" pitchFamily="34" charset="0"/>
+                <a:ea typeface="MS PGothic" panose="020B0600070205080204" pitchFamily="34" charset="-128"/>
+              </a:defRPr>
+            </a:lvl2pPr>
+            <a:lvl3pPr>
+              <a:lnSpc>
+                <a:spcPct val="90000"/>
+              </a:lnSpc>
+              <a:spcBef>
+                <a:spcPts val="200"/>
+              </a:spcBef>
+              <a:spcAft>
+                <a:spcPts val="400"/>
+              </a:spcAft>
+              <a:buClr>
+                <a:srgbClr val="000000"/>
+              </a:buClr>
+              <a:buSzPct val="100000"/>
+              <a:buFont typeface="Times New Roman" panose="02020603050405020304" pitchFamily="18" charset="0"/>
+              <a:tabLst>
+                <a:tab pos="0" algn="l"/>
+                <a:tab pos="457200" algn="l"/>
+                <a:tab pos="914400" algn="l"/>
+                <a:tab pos="1371600" algn="l"/>
+                <a:tab pos="1828800" algn="l"/>
+                <a:tab pos="2286000" algn="l"/>
+                <a:tab pos="2743200" algn="l"/>
+                <a:tab pos="3200400" algn="l"/>
+                <a:tab pos="3657600" algn="l"/>
+                <a:tab pos="4114800" algn="l"/>
+                <a:tab pos="4572000" algn="l"/>
+                <a:tab pos="5029200" algn="l"/>
+                <a:tab pos="5486400" algn="l"/>
+                <a:tab pos="5943600" algn="l"/>
+                <a:tab pos="6400800" algn="l"/>
+                <a:tab pos="6858000" algn="l"/>
+                <a:tab pos="7315200" algn="l"/>
+                <a:tab pos="7772400" algn="l"/>
+                <a:tab pos="8229600" algn="l"/>
+                <a:tab pos="8686800" algn="l"/>
+                <a:tab pos="9144000" algn="l"/>
+              </a:tabLst>
+              <a:defRPr sz="1400">
+                <a:solidFill>
+                  <a:srgbClr val="404040"/>
+                </a:solidFill>
+                <a:latin typeface="Calibri" panose="020F0502020204030204" pitchFamily="34" charset="0"/>
+                <a:ea typeface="MS PGothic" panose="020B0600070205080204" pitchFamily="34" charset="-128"/>
+              </a:defRPr>
+            </a:lvl3pPr>
+            <a:lvl4pPr>
+              <a:lnSpc>
+                <a:spcPct val="90000"/>
+              </a:lnSpc>
+              <a:spcBef>
+                <a:spcPts val="200"/>
+              </a:spcBef>
+              <a:spcAft>
+                <a:spcPts val="400"/>
+              </a:spcAft>
+              <a:buClr>
+                <a:srgbClr val="000000"/>
+              </a:buClr>
+              <a:buSzPct val="100000"/>
+              <a:buFont typeface="Times New Roman" panose="02020603050405020304" pitchFamily="18" charset="0"/>
+              <a:tabLst>
+                <a:tab pos="0" algn="l"/>
+                <a:tab pos="457200" algn="l"/>
+                <a:tab pos="914400" algn="l"/>
+                <a:tab pos="1371600" algn="l"/>
+                <a:tab pos="1828800" algn="l"/>
+                <a:tab pos="2286000" algn="l"/>
+                <a:tab pos="2743200" algn="l"/>
+                <a:tab pos="3200400" algn="l"/>
+                <a:tab pos="3657600" algn="l"/>
+                <a:tab pos="4114800" algn="l"/>
+                <a:tab pos="4572000" algn="l"/>
+                <a:tab pos="5029200" algn="l"/>
+                <a:tab pos="5486400" algn="l"/>
+                <a:tab pos="5943600" algn="l"/>
+                <a:tab pos="6400800" algn="l"/>
+                <a:tab pos="6858000" algn="l"/>
+                <a:tab pos="7315200" algn="l"/>
+                <a:tab pos="7772400" algn="l"/>
+                <a:tab pos="8229600" algn="l"/>
+                <a:tab pos="8686800" algn="l"/>
+                <a:tab pos="9144000" algn="l"/>
+              </a:tabLst>
+              <a:defRPr sz="1400">
+                <a:solidFill>
+                  <a:srgbClr val="404040"/>
+                </a:solidFill>
+                <a:latin typeface="Calibri" panose="020F0502020204030204" pitchFamily="34" charset="0"/>
+                <a:ea typeface="MS PGothic" panose="020B0600070205080204" pitchFamily="34" charset="-128"/>
+              </a:defRPr>
+            </a:lvl4pPr>
+            <a:lvl5pPr>
+              <a:lnSpc>
+                <a:spcPct val="90000"/>
+              </a:lnSpc>
+              <a:spcBef>
+                <a:spcPts val="200"/>
+              </a:spcBef>
+              <a:spcAft>
+                <a:spcPts val="400"/>
+              </a:spcAft>
+              <a:buClr>
+                <a:srgbClr val="000000"/>
+              </a:buClr>
+              <a:buSzPct val="100000"/>
+              <a:buFont typeface="Times New Roman" panose="02020603050405020304" pitchFamily="18" charset="0"/>
+              <a:tabLst>
+                <a:tab pos="0" algn="l"/>
+                <a:tab pos="457200" algn="l"/>
+                <a:tab pos="914400" algn="l"/>
+                <a:tab pos="1371600" algn="l"/>
+                <a:tab pos="1828800" algn="l"/>
+                <a:tab pos="2286000" algn="l"/>
+                <a:tab pos="2743200" algn="l"/>
+                <a:tab pos="3200400" algn="l"/>
+                <a:tab pos="3657600" algn="l"/>
+                <a:tab pos="4114800" algn="l"/>
+                <a:tab pos="4572000" algn="l"/>
+                <a:tab pos="5029200" algn="l"/>
+                <a:tab pos="5486400" algn="l"/>
+                <a:tab pos="5943600" algn="l"/>
+                <a:tab pos="6400800" algn="l"/>
+                <a:tab pos="6858000" algn="l"/>
+                <a:tab pos="7315200" algn="l"/>
+                <a:tab pos="7772400" algn="l"/>
+                <a:tab pos="8229600" algn="l"/>
+                <a:tab pos="8686800" algn="l"/>
+                <a:tab pos="9144000" algn="l"/>
+              </a:tabLst>
+              <a:defRPr sz="1400">
+                <a:solidFill>
+                  <a:srgbClr val="404040"/>
+                </a:solidFill>
+                <a:latin typeface="Calibri" panose="020F0502020204030204" pitchFamily="34" charset="0"/>
+                <a:ea typeface="MS PGothic" panose="020B0600070205080204" pitchFamily="34" charset="-128"/>
+              </a:defRPr>
+            </a:lvl5pPr>
+            <a:lvl6pPr marL="2514600" indent="-228600" defTabSz="457200" eaLnBrk="0" fontAlgn="base" hangingPunct="0">
+              <a:lnSpc>
+                <a:spcPct val="90000"/>
+              </a:lnSpc>
+              <a:spcBef>
+                <a:spcPts val="200"/>
+              </a:spcBef>
+              <a:spcAft>
+                <a:spcPts val="400"/>
+              </a:spcAft>
+              <a:buClr>
+                <a:srgbClr val="000000"/>
+              </a:buClr>
+              <a:buSzPct val="100000"/>
+              <a:buFont typeface="Times New Roman" panose="02020603050405020304" pitchFamily="18" charset="0"/>
+              <a:tabLst>
+                <a:tab pos="0" algn="l"/>
+                <a:tab pos="457200" algn="l"/>
+                <a:tab pos="914400" algn="l"/>
+                <a:tab pos="1371600" algn="l"/>
+                <a:tab pos="1828800" algn="l"/>
+                <a:tab pos="2286000" algn="l"/>
+                <a:tab pos="2743200" algn="l"/>
+                <a:tab pos="3200400" algn="l"/>
+                <a:tab pos="3657600" algn="l"/>
+                <a:tab pos="4114800" algn="l"/>
+                <a:tab pos="4572000" algn="l"/>
+                <a:tab pos="5029200" algn="l"/>
+                <a:tab pos="5486400" algn="l"/>
+                <a:tab pos="5943600" algn="l"/>
+                <a:tab pos="6400800" algn="l"/>
+                <a:tab pos="6858000" algn="l"/>
+                <a:tab pos="7315200" algn="l"/>
+                <a:tab pos="7772400" algn="l"/>
+                <a:tab pos="8229600" algn="l"/>
+                <a:tab pos="8686800" algn="l"/>
+                <a:tab pos="9144000" algn="l"/>
+              </a:tabLst>
+              <a:defRPr sz="1400">
+                <a:solidFill>
+                  <a:srgbClr val="404040"/>
+                </a:solidFill>
+                <a:latin typeface="Calibri" panose="020F0502020204030204" pitchFamily="34" charset="0"/>
+                <a:ea typeface="MS PGothic" panose="020B0600070205080204" pitchFamily="34" charset="-128"/>
+              </a:defRPr>
+            </a:lvl6pPr>
+            <a:lvl7pPr marL="2971800" indent="-228600" defTabSz="457200" eaLnBrk="0" fontAlgn="base" hangingPunct="0">
+              <a:lnSpc>
+                <a:spcPct val="90000"/>
+              </a:lnSpc>
+              <a:spcBef>
+                <a:spcPts val="200"/>
+              </a:spcBef>
+              <a:spcAft>
+                <a:spcPts val="400"/>
+              </a:spcAft>
+              <a:buClr>
+                <a:srgbClr val="000000"/>
+              </a:buClr>
+              <a:buSzPct val="100000"/>
+              <a:buFont typeface="Times New Roman" panose="02020603050405020304" pitchFamily="18" charset="0"/>
+              <a:tabLst>
+                <a:tab pos="0" algn="l"/>
+                <a:tab pos="457200" algn="l"/>
+                <a:tab pos="914400" algn="l"/>
+                <a:tab pos="1371600" algn="l"/>
+                <a:tab pos="1828800" algn="l"/>
+                <a:tab pos="2286000" algn="l"/>
+                <a:tab pos="2743200" algn="l"/>
+                <a:tab pos="3200400" algn="l"/>
+                <a:tab pos="3657600" algn="l"/>
+                <a:tab pos="4114800" algn="l"/>
+                <a:tab pos="4572000" algn="l"/>
+                <a:tab pos="5029200" algn="l"/>
+                <a:tab pos="5486400" algn="l"/>
+                <a:tab pos="5943600" algn="l"/>
+                <a:tab pos="6400800" algn="l"/>
+                <a:tab pos="6858000" algn="l"/>
+                <a:tab pos="7315200" algn="l"/>
+                <a:tab pos="7772400" algn="l"/>
+                <a:tab pos="8229600" algn="l"/>
+                <a:tab pos="8686800" algn="l"/>
+                <a:tab pos="9144000" algn="l"/>
+              </a:tabLst>
+              <a:defRPr sz="1400">
+                <a:solidFill>
+                  <a:srgbClr val="404040"/>
+                </a:solidFill>
+                <a:latin typeface="Calibri" panose="020F0502020204030204" pitchFamily="34" charset="0"/>
+                <a:ea typeface="MS PGothic" panose="020B0600070205080204" pitchFamily="34" charset="-128"/>
+              </a:defRPr>
+            </a:lvl7pPr>
+            <a:lvl8pPr marL="3429000" indent="-228600" defTabSz="457200" eaLnBrk="0" fontAlgn="base" hangingPunct="0">
+              <a:lnSpc>
+                <a:spcPct val="90000"/>
+              </a:lnSpc>
+              <a:spcBef>
+                <a:spcPts val="200"/>
+              </a:spcBef>
+              <a:spcAft>
+                <a:spcPts val="400"/>
+              </a:spcAft>
+              <a:buClr>
+                <a:srgbClr val="000000"/>
+              </a:buClr>
+              <a:buSzPct val="100000"/>
+              <a:buFont typeface="Times New Roman" panose="02020603050405020304" pitchFamily="18" charset="0"/>
+              <a:tabLst>
+                <a:tab pos="0" algn="l"/>
+                <a:tab pos="457200" algn="l"/>
+                <a:tab pos="914400" algn="l"/>
+                <a:tab pos="1371600" algn="l"/>
+                <a:tab pos="1828800" algn="l"/>
+                <a:tab pos="2286000" algn="l"/>
+                <a:tab pos="2743200" algn="l"/>
+                <a:tab pos="3200400" algn="l"/>
+                <a:tab pos="3657600" algn="l"/>
+                <a:tab pos="4114800" algn="l"/>
+                <a:tab pos="4572000" algn="l"/>
+                <a:tab pos="5029200" algn="l"/>
+                <a:tab pos="5486400" algn="l"/>
+                <a:tab pos="5943600" algn="l"/>
+                <a:tab pos="6400800" algn="l"/>
+                <a:tab pos="6858000" algn="l"/>
+                <a:tab pos="7315200" algn="l"/>
+                <a:tab pos="7772400" algn="l"/>
+                <a:tab pos="8229600" algn="l"/>
+                <a:tab pos="8686800" algn="l"/>
+                <a:tab pos="9144000" algn="l"/>
+              </a:tabLst>
+              <a:defRPr sz="1400">
+                <a:solidFill>
+                  <a:srgbClr val="404040"/>
+                </a:solidFill>
+                <a:latin typeface="Calibri" panose="020F0502020204030204" pitchFamily="34" charset="0"/>
+                <a:ea typeface="MS PGothic" panose="020B0600070205080204" pitchFamily="34" charset="-128"/>
+              </a:defRPr>
+            </a:lvl8pPr>
+            <a:lvl9pPr marL="3886200" indent="-228600" defTabSz="457200" eaLnBrk="0" fontAlgn="base" hangingPunct="0">
+              <a:lnSpc>
+                <a:spcPct val="90000"/>
+              </a:lnSpc>
+              <a:spcBef>
+                <a:spcPts val="200"/>
+              </a:spcBef>
+              <a:spcAft>
+                <a:spcPts val="400"/>
+              </a:spcAft>
+              <a:buClr>
+                <a:srgbClr val="000000"/>
+              </a:buClr>
+              <a:buSzPct val="100000"/>
+              <a:buFont typeface="Times New Roman" panose="02020603050405020304" pitchFamily="18" charset="0"/>
+              <a:tabLst>
+                <a:tab pos="0" algn="l"/>
+                <a:tab pos="457200" algn="l"/>
+                <a:tab pos="914400" algn="l"/>
+                <a:tab pos="1371600" algn="l"/>
+                <a:tab pos="1828800" algn="l"/>
+                <a:tab pos="2286000" algn="l"/>
+                <a:tab pos="2743200" algn="l"/>
+                <a:tab pos="3200400" algn="l"/>
+                <a:tab pos="3657600" algn="l"/>
+                <a:tab pos="4114800" algn="l"/>
+                <a:tab pos="4572000" algn="l"/>
+                <a:tab pos="5029200" algn="l"/>
+                <a:tab pos="5486400" algn="l"/>
+                <a:tab pos="5943600" algn="l"/>
+                <a:tab pos="6400800" algn="l"/>
+                <a:tab pos="6858000" algn="l"/>
+                <a:tab pos="7315200" algn="l"/>
+                <a:tab pos="7772400" algn="l"/>
+                <a:tab pos="8229600" algn="l"/>
+                <a:tab pos="8686800" algn="l"/>
+                <a:tab pos="9144000" algn="l"/>
+              </a:tabLst>
+              <a:defRPr sz="1400">
+                <a:solidFill>
+                  <a:srgbClr val="404040"/>
+                </a:solidFill>
+                <a:latin typeface="Calibri" panose="020F0502020204030204" pitchFamily="34" charset="0"/>
+                <a:ea typeface="MS PGothic" panose="020B0600070205080204" pitchFamily="34" charset="-128"/>
+              </a:defRPr>
+            </a:lvl9pPr>
+          </a:lstStyle>
+          <a:p>
+            <a:pPr algn="ctr" eaLnBrk="1" hangingPunct="1">
+              <a:lnSpc>
+                <a:spcPct val="100000"/>
+              </a:lnSpc>
+              <a:spcBef>
+                <a:spcPct val="0"/>
+              </a:spcBef>
+              <a:spcAft>
+                <a:spcPct val="0"/>
+              </a:spcAft>
+              <a:buClrTx/>
+              <a:buFontTx/>
+              <a:buNone/>
+            </a:pPr>
+            <a:fld id="{9BD57900-AA0D-44A9-AA2F-4743758DA2B4}" type="slidenum">
+              <a:rPr lang="en-US" altLang="en-US" sz="1800" b="1">
+                <a:solidFill>
+                  <a:srgbClr val="FFFFFF"/>
+                </a:solidFill>
+              </a:rPr>
+              <a:pPr algn="ctr" eaLnBrk="1" hangingPunct="1">
+                <a:lnSpc>
+                  <a:spcPct val="100000"/>
+                </a:lnSpc>
+                <a:spcBef>
+                  <a:spcPct val="0"/>
+                </a:spcBef>
+                <a:spcAft>
+                  <a:spcPct val="0"/>
+                </a:spcAft>
+                <a:buClrTx/>
+                <a:buFontTx/>
+                <a:buNone/>
+              </a:pPr>
+              <a:t>38</a:t>
+            </a:fld>
+            <a:endParaRPr lang="en-US" altLang="en-US" sz="1800" b="1">
+              <a:solidFill>
+                <a:srgbClr val="FFFFFF"/>
+              </a:solidFill>
+            </a:endParaRPr>
+          </a:p>
+        </p:txBody>
+      </p:sp>
+      <p:sp>
+        <p:nvSpPr>
+          <p:cNvPr id="2" name="Заголовок 1">
+            <a:extLst>
+              <a:ext uri="{FF2B5EF4-FFF2-40B4-BE49-F238E27FC236}">
+                <a16:creationId xmlns:a16="http://schemas.microsoft.com/office/drawing/2014/main" id="{BDEACEFB-2B6E-47E0-B8C8-4C180B5DDEC7}"/>
+              </a:ext>
+            </a:extLst>
+          </p:cNvPr>
+          <p:cNvSpPr>
+            <a:spLocks noGrp="1"/>
+          </p:cNvSpPr>
+          <p:nvPr>
+            <p:ph type="title"/>
+          </p:nvPr>
+        </p:nvSpPr>
+        <p:spPr/>
+        <p:txBody>
+          <a:bodyPr/>
+          <a:lstStyle/>
+          <a:p>
+            <a:r>
+              <a:rPr lang="ru-RU" altLang="en-US" dirty="0"/>
+              <a:t>Пример работы со </a:t>
+            </a:r>
+            <a:r>
+              <a:rPr lang="ru-RU" altLang="en-US" dirty="0" err="1"/>
+              <a:t>Stream</a:t>
+            </a:r>
+            <a:br>
+              <a:rPr lang="ru-RU" altLang="en-US" dirty="0"/>
+            </a:br>
+            <a:endParaRPr lang="ru-UA" dirty="0"/>
+          </a:p>
+        </p:txBody>
+      </p:sp>
+    </p:spTree>
+  </p:cSld>
+  <p:clrMapOvr>
+    <a:masterClrMapping/>
+  </p:clrMapOvr>
+  <p:transition spd="med"/>
+  <p:timing>
+    <p:tnLst>
+      <p:par>
+        <p:cTn id="1" dur="indefinite" restart="never" nodeType="tmRoot">
+          <p:childTnLst>
+            <p:seq concurrent="1" nextAc="seek">
+              <p:cTn id="2" dur="indefinite" nodeType="mainSeq"/>
+              <p:prevCondLst>
+                <p:cond evt="onPrev" delay="0">
+                  <p:tgtEl>
+                    <p:sldTgt/>
+                  </p:tgtEl>
+                </p:cond>
+              </p:prevCondLst>
+              <p:nextCondLst>
+                <p:cond evt="onNext" delay="0">
+                  <p:tgtEl>
+                    <p:sldTgt/>
+                  </p:tgtEl>
+                </p:cond>
+              </p:nextCondLst>
+            </p:seq>
+          </p:childTnLst>
+        </p:cTn>
+      </p:par>
+    </p:tnLst>
+  </p:timing>
+</p:sld>
+</file>
+
+<file path=ppt/slides/slide39.xml><?xml version="1.0" encoding="utf-8"?>
+<p:sld xmlns:a="http://schemas.openxmlformats.org/drawingml/2006/main" xmlns:r="http://schemas.openxmlformats.org/officeDocument/2006/relationships" xmlns:p="http://schemas.openxmlformats.org/presentationml/2006/main">
+  <p:cSld>
+    <p:spTree>
+      <p:nvGrpSpPr>
+        <p:cNvPr id="1" name=""/>
+        <p:cNvGrpSpPr/>
+        <p:nvPr/>
+      </p:nvGrpSpPr>
+      <p:grpSpPr>
+        <a:xfrm>
+          <a:off x="0" y="0"/>
+          <a:ext cx="0" cy="0"/>
+          <a:chOff x="0" y="0"/>
+          <a:chExt cx="0" cy="0"/>
+        </a:xfrm>
+      </p:grpSpPr>
+      <p:sp>
+        <p:nvSpPr>
+          <p:cNvPr id="32770" name="Text Box 1">
+            <a:extLst>
+              <a:ext uri="{FF2B5EF4-FFF2-40B4-BE49-F238E27FC236}">
+                <a16:creationId xmlns:a16="http://schemas.microsoft.com/office/drawing/2014/main" id="{8CC4F31D-454B-4DC1-9AB5-8B037DF474E3}"/>
+              </a:ext>
+            </a:extLst>
+          </p:cNvPr>
+          <p:cNvSpPr txBox="1">
+            <a:spLocks noChangeArrowheads="1"/>
+          </p:cNvSpPr>
+          <p:nvPr/>
+        </p:nvSpPr>
+        <p:spPr bwMode="auto">
+          <a:xfrm>
+            <a:off x="1847850" y="266701"/>
+            <a:ext cx="8229600" cy="701675"/>
+          </a:xfrm>
+          <a:prstGeom prst="rect">
+            <a:avLst/>
+          </a:prstGeom>
+          <a:noFill/>
+          <a:ln>
+            <a:noFill/>
+          </a:ln>
+          <a:effectLst/>
+          <a:extLst>
+            <a:ext uri="{909E8E84-426E-40DD-AFC4-6F175D3DCCD1}">
+              <a14:hiddenFill xmlns:a14="http://schemas.microsoft.com/office/drawing/2010/main">
+                <a:solidFill>
+                  <a:srgbClr val="FFFFFF"/>
+                </a:solidFill>
+              </a14:hiddenFill>
+            </a:ext>
+            <a:ext uri="{91240B29-F687-4F45-9708-019B960494DF}">
+              <a14:hiddenLine xmlns:a14="http://schemas.microsoft.com/office/drawing/2010/main" w="9525">
+                <a:solidFill>
+                  <a:srgbClr val="3465A4"/>
+                </a:solidFill>
+                <a:round/>
+                <a:headEnd/>
+                <a:tailEnd/>
+              </a14:hiddenLine>
+            </a:ext>
+            <a:ext uri="{AF507438-7753-43E0-B8FC-AC1667EBCBE1}">
+              <a14:hiddenEffects xmlns:a14="http://schemas.microsoft.com/office/drawing/2010/main">
+                <a:effectLst>
+                  <a:outerShdw dist="35921" dir="2700000" algn="ctr" rotWithShape="0">
+                    <a:srgbClr val="808080"/>
+                  </a:outerShdw>
+                </a:effectLst>
+              </a14:hiddenEffects>
+            </a:ext>
+          </a:extLst>
+        </p:spPr>
+        <p:txBody>
+          <a:bodyPr lIns="90000" tIns="46800" rIns="90000" bIns="46800" anchor="ctr"/>
+          <a:lstStyle>
+            <a:lvl1pPr>
+              <a:lnSpc>
+                <a:spcPct val="90000"/>
+              </a:lnSpc>
+              <a:spcBef>
+                <a:spcPts val="1200"/>
+              </a:spcBef>
+              <a:spcAft>
+                <a:spcPts val="200"/>
+              </a:spcAft>
+              <a:buClr>
+                <a:srgbClr val="000000"/>
+              </a:buClr>
+              <a:buSzPct val="100000"/>
+              <a:buFont typeface="Times New Roman" panose="02020603050405020304" pitchFamily="18" charset="0"/>
+              <a:tabLst>
+                <a:tab pos="0" algn="l"/>
+                <a:tab pos="457200" algn="l"/>
+                <a:tab pos="914400" algn="l"/>
+                <a:tab pos="1371600" algn="l"/>
+                <a:tab pos="1828800" algn="l"/>
+                <a:tab pos="2286000" algn="l"/>
+                <a:tab pos="2743200" algn="l"/>
+                <a:tab pos="3200400" algn="l"/>
+                <a:tab pos="3657600" algn="l"/>
+                <a:tab pos="4114800" algn="l"/>
+                <a:tab pos="4572000" algn="l"/>
+                <a:tab pos="5029200" algn="l"/>
+                <a:tab pos="5486400" algn="l"/>
+                <a:tab pos="5943600" algn="l"/>
+                <a:tab pos="6400800" algn="l"/>
+                <a:tab pos="6858000" algn="l"/>
+                <a:tab pos="7315200" algn="l"/>
+                <a:tab pos="7772400" algn="l"/>
+                <a:tab pos="8229600" algn="l"/>
+                <a:tab pos="8686800" algn="l"/>
+                <a:tab pos="9144000" algn="l"/>
+              </a:tabLst>
+              <a:defRPr sz="2000">
+                <a:solidFill>
+                  <a:srgbClr val="404040"/>
+                </a:solidFill>
+                <a:latin typeface="Calibri" panose="020F0502020204030204" pitchFamily="34" charset="0"/>
+                <a:ea typeface="MS PGothic" panose="020B0600070205080204" pitchFamily="34" charset="-128"/>
+              </a:defRPr>
+            </a:lvl1pPr>
+            <a:lvl2pPr>
+              <a:lnSpc>
+                <a:spcPct val="90000"/>
+              </a:lnSpc>
+              <a:spcBef>
+                <a:spcPts val="200"/>
+              </a:spcBef>
+              <a:spcAft>
+                <a:spcPts val="400"/>
+              </a:spcAft>
+              <a:buClr>
+                <a:srgbClr val="000000"/>
+              </a:buClr>
+              <a:buSzPct val="100000"/>
+              <a:buFont typeface="Times New Roman" panose="02020603050405020304" pitchFamily="18" charset="0"/>
+              <a:tabLst>
+                <a:tab pos="0" algn="l"/>
+                <a:tab pos="457200" algn="l"/>
+                <a:tab pos="914400" algn="l"/>
+                <a:tab pos="1371600" algn="l"/>
+                <a:tab pos="1828800" algn="l"/>
+                <a:tab pos="2286000" algn="l"/>
+                <a:tab pos="2743200" algn="l"/>
+                <a:tab pos="3200400" algn="l"/>
+                <a:tab pos="3657600" algn="l"/>
+                <a:tab pos="4114800" algn="l"/>
+                <a:tab pos="4572000" algn="l"/>
+                <a:tab pos="5029200" algn="l"/>
+                <a:tab pos="5486400" algn="l"/>
+                <a:tab pos="5943600" algn="l"/>
+                <a:tab pos="6400800" algn="l"/>
+                <a:tab pos="6858000" algn="l"/>
+                <a:tab pos="7315200" algn="l"/>
+                <a:tab pos="7772400" algn="l"/>
+                <a:tab pos="8229600" algn="l"/>
+                <a:tab pos="8686800" algn="l"/>
+                <a:tab pos="9144000" algn="l"/>
+              </a:tabLst>
+              <a:defRPr sz="2800">
+                <a:solidFill>
+                  <a:srgbClr val="404040"/>
+                </a:solidFill>
+                <a:latin typeface="Calibri" panose="020F0502020204030204" pitchFamily="34" charset="0"/>
+                <a:ea typeface="MS PGothic" panose="020B0600070205080204" pitchFamily="34" charset="-128"/>
+              </a:defRPr>
+            </a:lvl2pPr>
+            <a:lvl3pPr>
+              <a:lnSpc>
+                <a:spcPct val="90000"/>
+              </a:lnSpc>
+              <a:spcBef>
+                <a:spcPts val="200"/>
+              </a:spcBef>
+              <a:spcAft>
+                <a:spcPts val="400"/>
+              </a:spcAft>
+              <a:buClr>
+                <a:srgbClr val="000000"/>
+              </a:buClr>
+              <a:buSzPct val="100000"/>
+              <a:buFont typeface="Times New Roman" panose="02020603050405020304" pitchFamily="18" charset="0"/>
+              <a:tabLst>
+                <a:tab pos="0" algn="l"/>
+                <a:tab pos="457200" algn="l"/>
+                <a:tab pos="914400" algn="l"/>
+                <a:tab pos="1371600" algn="l"/>
+                <a:tab pos="1828800" algn="l"/>
+                <a:tab pos="2286000" algn="l"/>
+                <a:tab pos="2743200" algn="l"/>
+                <a:tab pos="3200400" algn="l"/>
+                <a:tab pos="3657600" algn="l"/>
+                <a:tab pos="4114800" algn="l"/>
+                <a:tab pos="4572000" algn="l"/>
+                <a:tab pos="5029200" algn="l"/>
+                <a:tab pos="5486400" algn="l"/>
+                <a:tab pos="5943600" algn="l"/>
+                <a:tab pos="6400800" algn="l"/>
+                <a:tab pos="6858000" algn="l"/>
+                <a:tab pos="7315200" algn="l"/>
+                <a:tab pos="7772400" algn="l"/>
+                <a:tab pos="8229600" algn="l"/>
+                <a:tab pos="8686800" algn="l"/>
+                <a:tab pos="9144000" algn="l"/>
+              </a:tabLst>
+              <a:defRPr sz="1400">
+                <a:solidFill>
+                  <a:srgbClr val="404040"/>
+                </a:solidFill>
+                <a:latin typeface="Calibri" panose="020F0502020204030204" pitchFamily="34" charset="0"/>
+                <a:ea typeface="MS PGothic" panose="020B0600070205080204" pitchFamily="34" charset="-128"/>
+              </a:defRPr>
+            </a:lvl3pPr>
+            <a:lvl4pPr>
+              <a:lnSpc>
+                <a:spcPct val="90000"/>
+              </a:lnSpc>
+              <a:spcBef>
+                <a:spcPts val="200"/>
+              </a:spcBef>
+              <a:spcAft>
+                <a:spcPts val="400"/>
+              </a:spcAft>
+              <a:buClr>
+                <a:srgbClr val="000000"/>
+              </a:buClr>
+              <a:buSzPct val="100000"/>
+              <a:buFont typeface="Times New Roman" panose="02020603050405020304" pitchFamily="18" charset="0"/>
+              <a:tabLst>
+                <a:tab pos="0" algn="l"/>
+                <a:tab pos="457200" algn="l"/>
+                <a:tab pos="914400" algn="l"/>
+                <a:tab pos="1371600" algn="l"/>
+                <a:tab pos="1828800" algn="l"/>
+                <a:tab pos="2286000" algn="l"/>
+                <a:tab pos="2743200" algn="l"/>
+                <a:tab pos="3200400" algn="l"/>
+                <a:tab pos="3657600" algn="l"/>
+                <a:tab pos="4114800" algn="l"/>
+                <a:tab pos="4572000" algn="l"/>
+                <a:tab pos="5029200" algn="l"/>
+                <a:tab pos="5486400" algn="l"/>
+                <a:tab pos="5943600" algn="l"/>
+                <a:tab pos="6400800" algn="l"/>
+                <a:tab pos="6858000" algn="l"/>
+                <a:tab pos="7315200" algn="l"/>
+                <a:tab pos="7772400" algn="l"/>
+                <a:tab pos="8229600" algn="l"/>
+                <a:tab pos="8686800" algn="l"/>
+                <a:tab pos="9144000" algn="l"/>
+              </a:tabLst>
+              <a:defRPr sz="1400">
+                <a:solidFill>
+                  <a:srgbClr val="404040"/>
+                </a:solidFill>
+                <a:latin typeface="Calibri" panose="020F0502020204030204" pitchFamily="34" charset="0"/>
+                <a:ea typeface="MS PGothic" panose="020B0600070205080204" pitchFamily="34" charset="-128"/>
+              </a:defRPr>
+            </a:lvl4pPr>
+            <a:lvl5pPr>
+              <a:lnSpc>
+                <a:spcPct val="90000"/>
+              </a:lnSpc>
+              <a:spcBef>
+                <a:spcPts val="200"/>
+              </a:spcBef>
+              <a:spcAft>
+                <a:spcPts val="400"/>
+              </a:spcAft>
+              <a:buClr>
+                <a:srgbClr val="000000"/>
+              </a:buClr>
+              <a:buSzPct val="100000"/>
+              <a:buFont typeface="Times New Roman" panose="02020603050405020304" pitchFamily="18" charset="0"/>
+              <a:tabLst>
+                <a:tab pos="0" algn="l"/>
+                <a:tab pos="457200" algn="l"/>
+                <a:tab pos="914400" algn="l"/>
+                <a:tab pos="1371600" algn="l"/>
+                <a:tab pos="1828800" algn="l"/>
+                <a:tab pos="2286000" algn="l"/>
+                <a:tab pos="2743200" algn="l"/>
+                <a:tab pos="3200400" algn="l"/>
+                <a:tab pos="3657600" algn="l"/>
+                <a:tab pos="4114800" algn="l"/>
+                <a:tab pos="4572000" algn="l"/>
+                <a:tab pos="5029200" algn="l"/>
+                <a:tab pos="5486400" algn="l"/>
+                <a:tab pos="5943600" algn="l"/>
+                <a:tab pos="6400800" algn="l"/>
+                <a:tab pos="6858000" algn="l"/>
+                <a:tab pos="7315200" algn="l"/>
+                <a:tab pos="7772400" algn="l"/>
+                <a:tab pos="8229600" algn="l"/>
+                <a:tab pos="8686800" algn="l"/>
+                <a:tab pos="9144000" algn="l"/>
+              </a:tabLst>
+              <a:defRPr sz="1400">
+                <a:solidFill>
+                  <a:srgbClr val="404040"/>
+                </a:solidFill>
+                <a:latin typeface="Calibri" panose="020F0502020204030204" pitchFamily="34" charset="0"/>
+                <a:ea typeface="MS PGothic" panose="020B0600070205080204" pitchFamily="34" charset="-128"/>
+              </a:defRPr>
+            </a:lvl5pPr>
+            <a:lvl6pPr marL="2514600" indent="-228600" defTabSz="457200" eaLnBrk="0" fontAlgn="base" hangingPunct="0">
+              <a:lnSpc>
+                <a:spcPct val="90000"/>
+              </a:lnSpc>
+              <a:spcBef>
+                <a:spcPts val="200"/>
+              </a:spcBef>
+              <a:spcAft>
+                <a:spcPts val="400"/>
+              </a:spcAft>
+              <a:buClr>
+                <a:srgbClr val="000000"/>
+              </a:buClr>
+              <a:buSzPct val="100000"/>
+              <a:buFont typeface="Times New Roman" panose="02020603050405020304" pitchFamily="18" charset="0"/>
+              <a:tabLst>
+                <a:tab pos="0" algn="l"/>
+                <a:tab pos="457200" algn="l"/>
+                <a:tab pos="914400" algn="l"/>
+                <a:tab pos="1371600" algn="l"/>
+                <a:tab pos="1828800" algn="l"/>
+                <a:tab pos="2286000" algn="l"/>
+                <a:tab pos="2743200" algn="l"/>
+                <a:tab pos="3200400" algn="l"/>
+                <a:tab pos="3657600" algn="l"/>
+                <a:tab pos="4114800" algn="l"/>
+                <a:tab pos="4572000" algn="l"/>
+                <a:tab pos="5029200" algn="l"/>
+                <a:tab pos="5486400" algn="l"/>
+                <a:tab pos="5943600" algn="l"/>
+                <a:tab pos="6400800" algn="l"/>
+                <a:tab pos="6858000" algn="l"/>
+                <a:tab pos="7315200" algn="l"/>
+                <a:tab pos="7772400" algn="l"/>
+                <a:tab pos="8229600" algn="l"/>
+                <a:tab pos="8686800" algn="l"/>
+                <a:tab pos="9144000" algn="l"/>
+              </a:tabLst>
+              <a:defRPr sz="1400">
+                <a:solidFill>
+                  <a:srgbClr val="404040"/>
+                </a:solidFill>
+                <a:latin typeface="Calibri" panose="020F0502020204030204" pitchFamily="34" charset="0"/>
+                <a:ea typeface="MS PGothic" panose="020B0600070205080204" pitchFamily="34" charset="-128"/>
+              </a:defRPr>
+            </a:lvl6pPr>
+            <a:lvl7pPr marL="2971800" indent="-228600" defTabSz="457200" eaLnBrk="0" fontAlgn="base" hangingPunct="0">
+              <a:lnSpc>
+                <a:spcPct val="90000"/>
+              </a:lnSpc>
+              <a:spcBef>
+                <a:spcPts val="200"/>
+              </a:spcBef>
+              <a:spcAft>
+                <a:spcPts val="400"/>
+              </a:spcAft>
+              <a:buClr>
+                <a:srgbClr val="000000"/>
+              </a:buClr>
+              <a:buSzPct val="100000"/>
+              <a:buFont typeface="Times New Roman" panose="02020603050405020304" pitchFamily="18" charset="0"/>
+              <a:tabLst>
+                <a:tab pos="0" algn="l"/>
+                <a:tab pos="457200" algn="l"/>
+                <a:tab pos="914400" algn="l"/>
+                <a:tab pos="1371600" algn="l"/>
+                <a:tab pos="1828800" algn="l"/>
+                <a:tab pos="2286000" algn="l"/>
+                <a:tab pos="2743200" algn="l"/>
+                <a:tab pos="3200400" algn="l"/>
+                <a:tab pos="3657600" algn="l"/>
+                <a:tab pos="4114800" algn="l"/>
+                <a:tab pos="4572000" algn="l"/>
+                <a:tab pos="5029200" algn="l"/>
+                <a:tab pos="5486400" algn="l"/>
+                <a:tab pos="5943600" algn="l"/>
+                <a:tab pos="6400800" algn="l"/>
+                <a:tab pos="6858000" algn="l"/>
+                <a:tab pos="7315200" algn="l"/>
+                <a:tab pos="7772400" algn="l"/>
+                <a:tab pos="8229600" algn="l"/>
+                <a:tab pos="8686800" algn="l"/>
+                <a:tab pos="9144000" algn="l"/>
+              </a:tabLst>
+              <a:defRPr sz="1400">
+                <a:solidFill>
+                  <a:srgbClr val="404040"/>
+                </a:solidFill>
+                <a:latin typeface="Calibri" panose="020F0502020204030204" pitchFamily="34" charset="0"/>
+                <a:ea typeface="MS PGothic" panose="020B0600070205080204" pitchFamily="34" charset="-128"/>
+              </a:defRPr>
+            </a:lvl7pPr>
+            <a:lvl8pPr marL="3429000" indent="-228600" defTabSz="457200" eaLnBrk="0" fontAlgn="base" hangingPunct="0">
+              <a:lnSpc>
+                <a:spcPct val="90000"/>
+              </a:lnSpc>
+              <a:spcBef>
+                <a:spcPts val="200"/>
+              </a:spcBef>
+              <a:spcAft>
+                <a:spcPts val="400"/>
+              </a:spcAft>
+              <a:buClr>
+                <a:srgbClr val="000000"/>
+              </a:buClr>
+              <a:buSzPct val="100000"/>
+              <a:buFont typeface="Times New Roman" panose="02020603050405020304" pitchFamily="18" charset="0"/>
+              <a:tabLst>
+                <a:tab pos="0" algn="l"/>
+                <a:tab pos="457200" algn="l"/>
+                <a:tab pos="914400" algn="l"/>
+                <a:tab pos="1371600" algn="l"/>
+                <a:tab pos="1828800" algn="l"/>
+                <a:tab pos="2286000" algn="l"/>
+                <a:tab pos="2743200" algn="l"/>
+                <a:tab pos="3200400" algn="l"/>
+                <a:tab pos="3657600" algn="l"/>
+                <a:tab pos="4114800" algn="l"/>
+                <a:tab pos="4572000" algn="l"/>
+                <a:tab pos="5029200" algn="l"/>
+                <a:tab pos="5486400" algn="l"/>
+                <a:tab pos="5943600" algn="l"/>
+                <a:tab pos="6400800" algn="l"/>
+                <a:tab pos="6858000" algn="l"/>
+                <a:tab pos="7315200" algn="l"/>
+                <a:tab pos="7772400" algn="l"/>
+                <a:tab pos="8229600" algn="l"/>
+                <a:tab pos="8686800" algn="l"/>
+                <a:tab pos="9144000" algn="l"/>
+              </a:tabLst>
+              <a:defRPr sz="1400">
+                <a:solidFill>
+                  <a:srgbClr val="404040"/>
+                </a:solidFill>
+                <a:latin typeface="Calibri" panose="020F0502020204030204" pitchFamily="34" charset="0"/>
+                <a:ea typeface="MS PGothic" panose="020B0600070205080204" pitchFamily="34" charset="-128"/>
+              </a:defRPr>
+            </a:lvl8pPr>
+            <a:lvl9pPr marL="3886200" indent="-228600" defTabSz="457200" eaLnBrk="0" fontAlgn="base" hangingPunct="0">
+              <a:lnSpc>
+                <a:spcPct val="90000"/>
+              </a:lnSpc>
+              <a:spcBef>
+                <a:spcPts val="200"/>
+              </a:spcBef>
+              <a:spcAft>
+                <a:spcPts val="400"/>
+              </a:spcAft>
+              <a:buClr>
+                <a:srgbClr val="000000"/>
+              </a:buClr>
+              <a:buSzPct val="100000"/>
+              <a:buFont typeface="Times New Roman" panose="02020603050405020304" pitchFamily="18" charset="0"/>
+              <a:tabLst>
+                <a:tab pos="0" algn="l"/>
+                <a:tab pos="457200" algn="l"/>
+                <a:tab pos="914400" algn="l"/>
+                <a:tab pos="1371600" algn="l"/>
+                <a:tab pos="1828800" algn="l"/>
+                <a:tab pos="2286000" algn="l"/>
+                <a:tab pos="2743200" algn="l"/>
+                <a:tab pos="3200400" algn="l"/>
+                <a:tab pos="3657600" algn="l"/>
+                <a:tab pos="4114800" algn="l"/>
+                <a:tab pos="4572000" algn="l"/>
+                <a:tab pos="5029200" algn="l"/>
+                <a:tab pos="5486400" algn="l"/>
+                <a:tab pos="5943600" algn="l"/>
+                <a:tab pos="6400800" algn="l"/>
+                <a:tab pos="6858000" algn="l"/>
+                <a:tab pos="7315200" algn="l"/>
+                <a:tab pos="7772400" algn="l"/>
+                <a:tab pos="8229600" algn="l"/>
+                <a:tab pos="8686800" algn="l"/>
+                <a:tab pos="9144000" algn="l"/>
+              </a:tabLst>
+              <a:defRPr sz="1400">
+                <a:solidFill>
+                  <a:srgbClr val="404040"/>
+                </a:solidFill>
+                <a:latin typeface="Calibri" panose="020F0502020204030204" pitchFamily="34" charset="0"/>
+                <a:ea typeface="MS PGothic" panose="020B0600070205080204" pitchFamily="34" charset="-128"/>
+              </a:defRPr>
+            </a:lvl9pPr>
+          </a:lstStyle>
+          <a:p>
+            <a:pPr eaLnBrk="1" hangingPunct="1">
+              <a:lnSpc>
+                <a:spcPct val="100000"/>
+              </a:lnSpc>
+              <a:spcBef>
+                <a:spcPct val="0"/>
+              </a:spcBef>
+              <a:spcAft>
+                <a:spcPct val="0"/>
+              </a:spcAft>
+              <a:buClrTx/>
+              <a:buFontTx/>
+              <a:buNone/>
+            </a:pPr>
+            <a:endParaRPr lang="ru-RU" altLang="en-US" sz="4000" dirty="0">
+              <a:solidFill>
+                <a:srgbClr val="002060"/>
+              </a:solidFill>
+            </a:endParaRPr>
+          </a:p>
+        </p:txBody>
+      </p:sp>
+      <p:sp>
+        <p:nvSpPr>
+          <p:cNvPr id="32771" name="Text Box 2">
+            <a:extLst>
+              <a:ext uri="{FF2B5EF4-FFF2-40B4-BE49-F238E27FC236}">
+                <a16:creationId xmlns:a16="http://schemas.microsoft.com/office/drawing/2014/main" id="{120BCBF2-ADE9-4043-9682-F9D4EA12DC61}"/>
+              </a:ext>
+            </a:extLst>
+          </p:cNvPr>
+          <p:cNvSpPr txBox="1">
+            <a:spLocks noChangeArrowheads="1"/>
+          </p:cNvSpPr>
+          <p:nvPr/>
+        </p:nvSpPr>
+        <p:spPr bwMode="auto">
+          <a:xfrm>
+            <a:off x="598538" y="2006907"/>
+            <a:ext cx="10994923" cy="5013325"/>
+          </a:xfrm>
+          <a:prstGeom prst="rect">
+            <a:avLst/>
+          </a:prstGeom>
+          <a:noFill/>
+          <a:ln>
+            <a:noFill/>
+          </a:ln>
+          <a:effectLst/>
+          <a:extLst>
+            <a:ext uri="{909E8E84-426E-40DD-AFC4-6F175D3DCCD1}">
+              <a14:hiddenFill xmlns:a14="http://schemas.microsoft.com/office/drawing/2010/main">
+                <a:solidFill>
+                  <a:srgbClr val="FFFFFF"/>
+                </a:solidFill>
+              </a14:hiddenFill>
+            </a:ext>
+            <a:ext uri="{91240B29-F687-4F45-9708-019B960494DF}">
+              <a14:hiddenLine xmlns:a14="http://schemas.microsoft.com/office/drawing/2010/main" w="9525">
+                <a:solidFill>
+                  <a:srgbClr val="3465A4"/>
+                </a:solidFill>
+                <a:round/>
+                <a:headEnd/>
+                <a:tailEnd/>
+              </a14:hiddenLine>
+            </a:ext>
+            <a:ext uri="{AF507438-7753-43E0-B8FC-AC1667EBCBE1}">
+              <a14:hiddenEffects xmlns:a14="http://schemas.microsoft.com/office/drawing/2010/main">
+                <a:effectLst>
+                  <a:outerShdw dist="35921" dir="2700000" algn="ctr" rotWithShape="0">
+                    <a:srgbClr val="808080"/>
+                  </a:outerShdw>
+                </a:effectLst>
+              </a14:hiddenEffects>
+            </a:ext>
+          </a:extLst>
+        </p:spPr>
+        <p:txBody>
+          <a:bodyPr lIns="90000" tIns="46800" rIns="90000" bIns="46800"/>
+          <a:lstStyle>
+            <a:lvl1pPr indent="355600">
+              <a:lnSpc>
+                <a:spcPct val="90000"/>
+              </a:lnSpc>
+              <a:spcBef>
+                <a:spcPts val="1200"/>
+              </a:spcBef>
+              <a:spcAft>
+                <a:spcPts val="200"/>
+              </a:spcAft>
+              <a:buClr>
+                <a:srgbClr val="000000"/>
+              </a:buClr>
+              <a:buSzPct val="100000"/>
+              <a:buFont typeface="Times New Roman" panose="02020603050405020304" pitchFamily="18" charset="0"/>
+              <a:tabLst>
+                <a:tab pos="0" algn="l"/>
+                <a:tab pos="457200" algn="l"/>
+                <a:tab pos="914400" algn="l"/>
+                <a:tab pos="1371600" algn="l"/>
+                <a:tab pos="1828800" algn="l"/>
+                <a:tab pos="2286000" algn="l"/>
+                <a:tab pos="2743200" algn="l"/>
+                <a:tab pos="3200400" algn="l"/>
+                <a:tab pos="3657600" algn="l"/>
+                <a:tab pos="4114800" algn="l"/>
+                <a:tab pos="4572000" algn="l"/>
+                <a:tab pos="5029200" algn="l"/>
+                <a:tab pos="5486400" algn="l"/>
+                <a:tab pos="5943600" algn="l"/>
+                <a:tab pos="6400800" algn="l"/>
+                <a:tab pos="6858000" algn="l"/>
+                <a:tab pos="7315200" algn="l"/>
+                <a:tab pos="7772400" algn="l"/>
+                <a:tab pos="8229600" algn="l"/>
+                <a:tab pos="8686800" algn="l"/>
+                <a:tab pos="9144000" algn="l"/>
+              </a:tabLst>
+              <a:defRPr sz="2000">
+                <a:solidFill>
+                  <a:srgbClr val="404040"/>
+                </a:solidFill>
+                <a:latin typeface="Calibri" panose="020F0502020204030204" pitchFamily="34" charset="0"/>
+                <a:ea typeface="MS PGothic" panose="020B0600070205080204" pitchFamily="34" charset="-128"/>
+              </a:defRPr>
+            </a:lvl1pPr>
+            <a:lvl2pPr>
+              <a:lnSpc>
+                <a:spcPct val="90000"/>
+              </a:lnSpc>
+              <a:spcBef>
+                <a:spcPts val="200"/>
+              </a:spcBef>
+              <a:spcAft>
+                <a:spcPts val="400"/>
+              </a:spcAft>
+              <a:buClr>
+                <a:srgbClr val="000000"/>
+              </a:buClr>
+              <a:buSzPct val="100000"/>
+              <a:buFont typeface="Times New Roman" panose="02020603050405020304" pitchFamily="18" charset="0"/>
+              <a:tabLst>
+                <a:tab pos="0" algn="l"/>
+                <a:tab pos="457200" algn="l"/>
+                <a:tab pos="914400" algn="l"/>
+                <a:tab pos="1371600" algn="l"/>
+                <a:tab pos="1828800" algn="l"/>
+                <a:tab pos="2286000" algn="l"/>
+                <a:tab pos="2743200" algn="l"/>
+                <a:tab pos="3200400" algn="l"/>
+                <a:tab pos="3657600" algn="l"/>
+                <a:tab pos="4114800" algn="l"/>
+                <a:tab pos="4572000" algn="l"/>
+                <a:tab pos="5029200" algn="l"/>
+                <a:tab pos="5486400" algn="l"/>
+                <a:tab pos="5943600" algn="l"/>
+                <a:tab pos="6400800" algn="l"/>
+                <a:tab pos="6858000" algn="l"/>
+                <a:tab pos="7315200" algn="l"/>
+                <a:tab pos="7772400" algn="l"/>
+                <a:tab pos="8229600" algn="l"/>
+                <a:tab pos="8686800" algn="l"/>
+                <a:tab pos="9144000" algn="l"/>
+              </a:tabLst>
+              <a:defRPr sz="2800">
+                <a:solidFill>
+                  <a:srgbClr val="404040"/>
+                </a:solidFill>
+                <a:latin typeface="Calibri" panose="020F0502020204030204" pitchFamily="34" charset="0"/>
+                <a:ea typeface="MS PGothic" panose="020B0600070205080204" pitchFamily="34" charset="-128"/>
+              </a:defRPr>
+            </a:lvl2pPr>
+            <a:lvl3pPr>
+              <a:lnSpc>
+                <a:spcPct val="90000"/>
+              </a:lnSpc>
+              <a:spcBef>
+                <a:spcPts val="200"/>
+              </a:spcBef>
+              <a:spcAft>
+                <a:spcPts val="400"/>
+              </a:spcAft>
+              <a:buClr>
+                <a:srgbClr val="000000"/>
+              </a:buClr>
+              <a:buSzPct val="100000"/>
+              <a:buFont typeface="Times New Roman" panose="02020603050405020304" pitchFamily="18" charset="0"/>
+              <a:tabLst>
+                <a:tab pos="0" algn="l"/>
+                <a:tab pos="457200" algn="l"/>
+                <a:tab pos="914400" algn="l"/>
+                <a:tab pos="1371600" algn="l"/>
+                <a:tab pos="1828800" algn="l"/>
+                <a:tab pos="2286000" algn="l"/>
+                <a:tab pos="2743200" algn="l"/>
+                <a:tab pos="3200400" algn="l"/>
+                <a:tab pos="3657600" algn="l"/>
+                <a:tab pos="4114800" algn="l"/>
+                <a:tab pos="4572000" algn="l"/>
+                <a:tab pos="5029200" algn="l"/>
+                <a:tab pos="5486400" algn="l"/>
+                <a:tab pos="5943600" algn="l"/>
+                <a:tab pos="6400800" algn="l"/>
+                <a:tab pos="6858000" algn="l"/>
+                <a:tab pos="7315200" algn="l"/>
+                <a:tab pos="7772400" algn="l"/>
+                <a:tab pos="8229600" algn="l"/>
+                <a:tab pos="8686800" algn="l"/>
+                <a:tab pos="9144000" algn="l"/>
+              </a:tabLst>
+              <a:defRPr sz="1400">
+                <a:solidFill>
+                  <a:srgbClr val="404040"/>
+                </a:solidFill>
+                <a:latin typeface="Calibri" panose="020F0502020204030204" pitchFamily="34" charset="0"/>
+                <a:ea typeface="MS PGothic" panose="020B0600070205080204" pitchFamily="34" charset="-128"/>
+              </a:defRPr>
+            </a:lvl3pPr>
+            <a:lvl4pPr>
+              <a:lnSpc>
+                <a:spcPct val="90000"/>
+              </a:lnSpc>
+              <a:spcBef>
+                <a:spcPts val="200"/>
+              </a:spcBef>
+              <a:spcAft>
+                <a:spcPts val="400"/>
+              </a:spcAft>
+              <a:buClr>
+                <a:srgbClr val="000000"/>
+              </a:buClr>
+              <a:buSzPct val="100000"/>
+              <a:buFont typeface="Times New Roman" panose="02020603050405020304" pitchFamily="18" charset="0"/>
+              <a:tabLst>
+                <a:tab pos="0" algn="l"/>
+                <a:tab pos="457200" algn="l"/>
+                <a:tab pos="914400" algn="l"/>
+                <a:tab pos="1371600" algn="l"/>
+                <a:tab pos="1828800" algn="l"/>
+                <a:tab pos="2286000" algn="l"/>
+                <a:tab pos="2743200" algn="l"/>
+                <a:tab pos="3200400" algn="l"/>
+                <a:tab pos="3657600" algn="l"/>
+                <a:tab pos="4114800" algn="l"/>
+                <a:tab pos="4572000" algn="l"/>
+                <a:tab pos="5029200" algn="l"/>
+                <a:tab pos="5486400" algn="l"/>
+                <a:tab pos="5943600" algn="l"/>
+                <a:tab pos="6400800" algn="l"/>
+                <a:tab pos="6858000" algn="l"/>
+                <a:tab pos="7315200" algn="l"/>
+                <a:tab pos="7772400" algn="l"/>
+                <a:tab pos="8229600" algn="l"/>
+                <a:tab pos="8686800" algn="l"/>
+                <a:tab pos="9144000" algn="l"/>
+              </a:tabLst>
+              <a:defRPr sz="1400">
+                <a:solidFill>
+                  <a:srgbClr val="404040"/>
+                </a:solidFill>
+                <a:latin typeface="Calibri" panose="020F0502020204030204" pitchFamily="34" charset="0"/>
+                <a:ea typeface="MS PGothic" panose="020B0600070205080204" pitchFamily="34" charset="-128"/>
+              </a:defRPr>
+            </a:lvl4pPr>
+            <a:lvl5pPr>
+              <a:lnSpc>
+                <a:spcPct val="90000"/>
+              </a:lnSpc>
+              <a:spcBef>
+                <a:spcPts val="200"/>
+              </a:spcBef>
+              <a:spcAft>
+                <a:spcPts val="400"/>
+              </a:spcAft>
+              <a:buClr>
+                <a:srgbClr val="000000"/>
+              </a:buClr>
+              <a:buSzPct val="100000"/>
+              <a:buFont typeface="Times New Roman" panose="02020603050405020304" pitchFamily="18" charset="0"/>
+              <a:tabLst>
+                <a:tab pos="0" algn="l"/>
+                <a:tab pos="457200" algn="l"/>
+                <a:tab pos="914400" algn="l"/>
+                <a:tab pos="1371600" algn="l"/>
+                <a:tab pos="1828800" algn="l"/>
+                <a:tab pos="2286000" algn="l"/>
+                <a:tab pos="2743200" algn="l"/>
+                <a:tab pos="3200400" algn="l"/>
+                <a:tab pos="3657600" algn="l"/>
+                <a:tab pos="4114800" algn="l"/>
+                <a:tab pos="4572000" algn="l"/>
+                <a:tab pos="5029200" algn="l"/>
+                <a:tab pos="5486400" algn="l"/>
+                <a:tab pos="5943600" algn="l"/>
+                <a:tab pos="6400800" algn="l"/>
+                <a:tab pos="6858000" algn="l"/>
+                <a:tab pos="7315200" algn="l"/>
+                <a:tab pos="7772400" algn="l"/>
+                <a:tab pos="8229600" algn="l"/>
+                <a:tab pos="8686800" algn="l"/>
+                <a:tab pos="9144000" algn="l"/>
+              </a:tabLst>
+              <a:defRPr sz="1400">
+                <a:solidFill>
+                  <a:srgbClr val="404040"/>
+                </a:solidFill>
+                <a:latin typeface="Calibri" panose="020F0502020204030204" pitchFamily="34" charset="0"/>
+                <a:ea typeface="MS PGothic" panose="020B0600070205080204" pitchFamily="34" charset="-128"/>
+              </a:defRPr>
+            </a:lvl5pPr>
+            <a:lvl6pPr marL="2514600" indent="-228600" defTabSz="457200" eaLnBrk="0" fontAlgn="base" hangingPunct="0">
+              <a:lnSpc>
+                <a:spcPct val="90000"/>
+              </a:lnSpc>
+              <a:spcBef>
+                <a:spcPts val="200"/>
+              </a:spcBef>
+              <a:spcAft>
+                <a:spcPts val="400"/>
+              </a:spcAft>
+              <a:buClr>
+                <a:srgbClr val="000000"/>
+              </a:buClr>
+              <a:buSzPct val="100000"/>
+              <a:buFont typeface="Times New Roman" panose="02020603050405020304" pitchFamily="18" charset="0"/>
+              <a:tabLst>
+                <a:tab pos="0" algn="l"/>
+                <a:tab pos="457200" algn="l"/>
+                <a:tab pos="914400" algn="l"/>
+                <a:tab pos="1371600" algn="l"/>
+                <a:tab pos="1828800" algn="l"/>
+                <a:tab pos="2286000" algn="l"/>
+                <a:tab pos="2743200" algn="l"/>
+                <a:tab pos="3200400" algn="l"/>
+                <a:tab pos="3657600" algn="l"/>
+                <a:tab pos="4114800" algn="l"/>
+                <a:tab pos="4572000" algn="l"/>
+                <a:tab pos="5029200" algn="l"/>
+                <a:tab pos="5486400" algn="l"/>
+                <a:tab pos="5943600" algn="l"/>
+                <a:tab pos="6400800" algn="l"/>
+                <a:tab pos="6858000" algn="l"/>
+                <a:tab pos="7315200" algn="l"/>
+                <a:tab pos="7772400" algn="l"/>
+                <a:tab pos="8229600" algn="l"/>
+                <a:tab pos="8686800" algn="l"/>
+                <a:tab pos="9144000" algn="l"/>
+              </a:tabLst>
+              <a:defRPr sz="1400">
+                <a:solidFill>
+                  <a:srgbClr val="404040"/>
+                </a:solidFill>
+                <a:latin typeface="Calibri" panose="020F0502020204030204" pitchFamily="34" charset="0"/>
+                <a:ea typeface="MS PGothic" panose="020B0600070205080204" pitchFamily="34" charset="-128"/>
+              </a:defRPr>
+            </a:lvl6pPr>
+            <a:lvl7pPr marL="2971800" indent="-228600" defTabSz="457200" eaLnBrk="0" fontAlgn="base" hangingPunct="0">
+              <a:lnSpc>
+                <a:spcPct val="90000"/>
+              </a:lnSpc>
+              <a:spcBef>
+                <a:spcPts val="200"/>
+              </a:spcBef>
+              <a:spcAft>
+                <a:spcPts val="400"/>
+              </a:spcAft>
+              <a:buClr>
+                <a:srgbClr val="000000"/>
+              </a:buClr>
+              <a:buSzPct val="100000"/>
+              <a:buFont typeface="Times New Roman" panose="02020603050405020304" pitchFamily="18" charset="0"/>
+              <a:tabLst>
+                <a:tab pos="0" algn="l"/>
+                <a:tab pos="457200" algn="l"/>
+                <a:tab pos="914400" algn="l"/>
+                <a:tab pos="1371600" algn="l"/>
+                <a:tab pos="1828800" algn="l"/>
+                <a:tab pos="2286000" algn="l"/>
+                <a:tab pos="2743200" algn="l"/>
+                <a:tab pos="3200400" algn="l"/>
+                <a:tab pos="3657600" algn="l"/>
+                <a:tab pos="4114800" algn="l"/>
+                <a:tab pos="4572000" algn="l"/>
+                <a:tab pos="5029200" algn="l"/>
+                <a:tab pos="5486400" algn="l"/>
+                <a:tab pos="5943600" algn="l"/>
+                <a:tab pos="6400800" algn="l"/>
+                <a:tab pos="6858000" algn="l"/>
+                <a:tab pos="7315200" algn="l"/>
+                <a:tab pos="7772400" algn="l"/>
+                <a:tab pos="8229600" algn="l"/>
+                <a:tab pos="8686800" algn="l"/>
+                <a:tab pos="9144000" algn="l"/>
+              </a:tabLst>
+              <a:defRPr sz="1400">
+                <a:solidFill>
+                  <a:srgbClr val="404040"/>
+                </a:solidFill>
+                <a:latin typeface="Calibri" panose="020F0502020204030204" pitchFamily="34" charset="0"/>
+                <a:ea typeface="MS PGothic" panose="020B0600070205080204" pitchFamily="34" charset="-128"/>
+              </a:defRPr>
+            </a:lvl7pPr>
+            <a:lvl8pPr marL="3429000" indent="-228600" defTabSz="457200" eaLnBrk="0" fontAlgn="base" hangingPunct="0">
+              <a:lnSpc>
+                <a:spcPct val="90000"/>
+              </a:lnSpc>
+              <a:spcBef>
+                <a:spcPts val="200"/>
+              </a:spcBef>
+              <a:spcAft>
+                <a:spcPts val="400"/>
+              </a:spcAft>
+              <a:buClr>
+                <a:srgbClr val="000000"/>
+              </a:buClr>
+              <a:buSzPct val="100000"/>
+              <a:buFont typeface="Times New Roman" panose="02020603050405020304" pitchFamily="18" charset="0"/>
+              <a:tabLst>
+                <a:tab pos="0" algn="l"/>
+                <a:tab pos="457200" algn="l"/>
+                <a:tab pos="914400" algn="l"/>
+                <a:tab pos="1371600" algn="l"/>
+                <a:tab pos="1828800" algn="l"/>
+                <a:tab pos="2286000" algn="l"/>
+                <a:tab pos="2743200" algn="l"/>
+                <a:tab pos="3200400" algn="l"/>
+                <a:tab pos="3657600" algn="l"/>
+                <a:tab pos="4114800" algn="l"/>
+                <a:tab pos="4572000" algn="l"/>
+                <a:tab pos="5029200" algn="l"/>
+                <a:tab pos="5486400" algn="l"/>
+                <a:tab pos="5943600" algn="l"/>
+                <a:tab pos="6400800" algn="l"/>
+                <a:tab pos="6858000" algn="l"/>
+                <a:tab pos="7315200" algn="l"/>
+                <a:tab pos="7772400" algn="l"/>
+                <a:tab pos="8229600" algn="l"/>
+                <a:tab pos="8686800" algn="l"/>
+                <a:tab pos="9144000" algn="l"/>
+              </a:tabLst>
+              <a:defRPr sz="1400">
+                <a:solidFill>
+                  <a:srgbClr val="404040"/>
+                </a:solidFill>
+                <a:latin typeface="Calibri" panose="020F0502020204030204" pitchFamily="34" charset="0"/>
+                <a:ea typeface="MS PGothic" panose="020B0600070205080204" pitchFamily="34" charset="-128"/>
+              </a:defRPr>
+            </a:lvl8pPr>
+            <a:lvl9pPr marL="3886200" indent="-228600" defTabSz="457200" eaLnBrk="0" fontAlgn="base" hangingPunct="0">
+              <a:lnSpc>
+                <a:spcPct val="90000"/>
+              </a:lnSpc>
+              <a:spcBef>
+                <a:spcPts val="200"/>
+              </a:spcBef>
+              <a:spcAft>
+                <a:spcPts val="400"/>
+              </a:spcAft>
+              <a:buClr>
+                <a:srgbClr val="000000"/>
+              </a:buClr>
+              <a:buSzPct val="100000"/>
+              <a:buFont typeface="Times New Roman" panose="02020603050405020304" pitchFamily="18" charset="0"/>
+              <a:tabLst>
+                <a:tab pos="0" algn="l"/>
+                <a:tab pos="457200" algn="l"/>
+                <a:tab pos="914400" algn="l"/>
+                <a:tab pos="1371600" algn="l"/>
+                <a:tab pos="1828800" algn="l"/>
+                <a:tab pos="2286000" algn="l"/>
+                <a:tab pos="2743200" algn="l"/>
+                <a:tab pos="3200400" algn="l"/>
+                <a:tab pos="3657600" algn="l"/>
+                <a:tab pos="4114800" algn="l"/>
+                <a:tab pos="4572000" algn="l"/>
+                <a:tab pos="5029200" algn="l"/>
+                <a:tab pos="5486400" algn="l"/>
+                <a:tab pos="5943600" algn="l"/>
+                <a:tab pos="6400800" algn="l"/>
+                <a:tab pos="6858000" algn="l"/>
+                <a:tab pos="7315200" algn="l"/>
+                <a:tab pos="7772400" algn="l"/>
+                <a:tab pos="8229600" algn="l"/>
+                <a:tab pos="8686800" algn="l"/>
+                <a:tab pos="9144000" algn="l"/>
+              </a:tabLst>
+              <a:defRPr sz="1400">
+                <a:solidFill>
+                  <a:srgbClr val="404040"/>
+                </a:solidFill>
+                <a:latin typeface="Calibri" panose="020F0502020204030204" pitchFamily="34" charset="0"/>
+                <a:ea typeface="MS PGothic" panose="020B0600070205080204" pitchFamily="34" charset="-128"/>
+              </a:defRPr>
+            </a:lvl9pPr>
+          </a:lstStyle>
+          <a:p>
+            <a:pPr algn="just" eaLnBrk="1" hangingPunct="1">
+              <a:lnSpc>
+                <a:spcPct val="100000"/>
+              </a:lnSpc>
+              <a:spcBef>
+                <a:spcPct val="0"/>
+              </a:spcBef>
+              <a:spcAft>
+                <a:spcPct val="0"/>
+              </a:spcAft>
+              <a:buClrTx/>
+              <a:buFontTx/>
+              <a:buNone/>
+            </a:pPr>
+            <a:r>
+              <a:rPr lang="en-US" altLang="en-US" sz="2800" dirty="0">
+                <a:solidFill>
+                  <a:srgbClr val="000000"/>
+                </a:solidFill>
+              </a:rPr>
+              <a:t>1.</a:t>
+            </a:r>
+            <a:r>
+              <a:rPr lang="ru-RU" altLang="en-US" sz="2800" dirty="0">
+                <a:solidFill>
+                  <a:srgbClr val="000000"/>
+                </a:solidFill>
+              </a:rPr>
+              <a:t> Обработка не начнётся до тех пор, пока не будет вызван терминальный оператор.</a:t>
+            </a:r>
+            <a:endParaRPr lang="en-US" altLang="en-US" sz="2800" dirty="0">
+              <a:solidFill>
+                <a:srgbClr val="000000"/>
+              </a:solidFill>
+            </a:endParaRPr>
+          </a:p>
+          <a:p>
+            <a:pPr algn="just" eaLnBrk="1" hangingPunct="1">
+              <a:lnSpc>
+                <a:spcPct val="100000"/>
+              </a:lnSpc>
+              <a:spcBef>
+                <a:spcPct val="0"/>
+              </a:spcBef>
+              <a:spcAft>
+                <a:spcPct val="0"/>
+              </a:spcAft>
+              <a:buClrTx/>
+              <a:buFontTx/>
+              <a:buNone/>
+            </a:pPr>
+            <a:r>
+              <a:rPr lang="ru-RU" altLang="en-US" sz="2800" dirty="0" err="1">
+                <a:solidFill>
+                  <a:srgbClr val="000000"/>
+                </a:solidFill>
+              </a:rPr>
+              <a:t>list.stream</a:t>
+            </a:r>
+            <a:r>
+              <a:rPr lang="ru-RU" altLang="en-US" sz="2800" dirty="0">
+                <a:solidFill>
+                  <a:srgbClr val="000000"/>
+                </a:solidFill>
+              </a:rPr>
+              <a:t>().</a:t>
+            </a:r>
+            <a:r>
+              <a:rPr lang="ru-RU" altLang="en-US" sz="2800" dirty="0" err="1">
+                <a:solidFill>
+                  <a:srgbClr val="000000"/>
+                </a:solidFill>
+              </a:rPr>
+              <a:t>filter</a:t>
+            </a:r>
+            <a:r>
+              <a:rPr lang="ru-RU" altLang="en-US" sz="2800" dirty="0">
+                <a:solidFill>
+                  <a:srgbClr val="000000"/>
+                </a:solidFill>
+              </a:rPr>
+              <a:t>(x -&gt; x &gt; 100); </a:t>
+            </a:r>
+          </a:p>
+          <a:p>
+            <a:pPr algn="just" eaLnBrk="1" hangingPunct="1">
+              <a:lnSpc>
+                <a:spcPct val="100000"/>
+              </a:lnSpc>
+              <a:spcBef>
+                <a:spcPct val="0"/>
+              </a:spcBef>
+              <a:spcAft>
+                <a:spcPct val="0"/>
+              </a:spcAft>
+              <a:buClrTx/>
+              <a:buFontTx/>
+              <a:buNone/>
+            </a:pPr>
+            <a:r>
+              <a:rPr lang="ru-RU" altLang="en-US" sz="2800" dirty="0">
+                <a:solidFill>
+                  <a:srgbClr val="000000"/>
+                </a:solidFill>
+              </a:rPr>
+              <a:t>не возьмёт ни единого элемента из списка </a:t>
+            </a:r>
+          </a:p>
+          <a:p>
+            <a:pPr algn="just" eaLnBrk="1" hangingPunct="1">
+              <a:lnSpc>
+                <a:spcPct val="100000"/>
+              </a:lnSpc>
+              <a:spcBef>
+                <a:spcPct val="0"/>
+              </a:spcBef>
+              <a:spcAft>
+                <a:spcPct val="0"/>
+              </a:spcAft>
+              <a:buClrTx/>
+              <a:buFontTx/>
+              <a:buNone/>
+            </a:pPr>
+            <a:endParaRPr lang="en-US" altLang="en-US" sz="2800" dirty="0">
+              <a:solidFill>
+                <a:srgbClr val="000000"/>
+              </a:solidFill>
+            </a:endParaRPr>
+          </a:p>
+          <a:p>
+            <a:pPr eaLnBrk="1" hangingPunct="1">
+              <a:lnSpc>
+                <a:spcPct val="100000"/>
+              </a:lnSpc>
+              <a:spcBef>
+                <a:spcPct val="0"/>
+              </a:spcBef>
+              <a:spcAft>
+                <a:spcPct val="0"/>
+              </a:spcAft>
+              <a:buClrTx/>
+              <a:buFontTx/>
+              <a:buNone/>
+            </a:pPr>
+            <a:r>
+              <a:rPr lang="ru-RU" altLang="en-US" sz="2800" dirty="0">
+                <a:solidFill>
+                  <a:srgbClr val="000000"/>
+                </a:solidFill>
+              </a:rPr>
+              <a:t>2</a:t>
+            </a:r>
+            <a:r>
+              <a:rPr lang="en-US" altLang="en-US" sz="2800" dirty="0">
+                <a:solidFill>
+                  <a:srgbClr val="000000"/>
+                </a:solidFill>
+              </a:rPr>
+              <a:t>. </a:t>
+            </a:r>
+            <a:r>
+              <a:rPr lang="ru-RU" altLang="en-US" sz="2800" dirty="0">
+                <a:solidFill>
+                  <a:srgbClr val="000000"/>
+                </a:solidFill>
+              </a:rPr>
+              <a:t>Стрим после обработки нельзя </a:t>
+            </a:r>
+            <a:r>
+              <a:rPr lang="ru-RU" altLang="en-US" sz="2800" dirty="0" err="1">
+                <a:solidFill>
+                  <a:srgbClr val="000000"/>
+                </a:solidFill>
+              </a:rPr>
+              <a:t>переиспользовать</a:t>
+            </a:r>
+            <a:r>
+              <a:rPr lang="ru-RU" altLang="en-US" sz="2800" dirty="0">
+                <a:solidFill>
+                  <a:srgbClr val="000000"/>
+                </a:solidFill>
+              </a:rPr>
+              <a:t>.</a:t>
+            </a:r>
+            <a:endParaRPr lang="en-US" altLang="en-US" sz="2800" dirty="0">
+              <a:solidFill>
+                <a:srgbClr val="000000"/>
+              </a:solidFill>
+            </a:endParaRPr>
+          </a:p>
+          <a:p>
+            <a:pPr algn="just" eaLnBrk="1" hangingPunct="1">
+              <a:lnSpc>
+                <a:spcPct val="100000"/>
+              </a:lnSpc>
+              <a:spcBef>
+                <a:spcPct val="0"/>
+              </a:spcBef>
+              <a:spcAft>
+                <a:spcPct val="0"/>
+              </a:spcAft>
+              <a:buClrTx/>
+              <a:buFontTx/>
+              <a:buNone/>
+            </a:pPr>
+            <a:r>
+              <a:rPr lang="en-US" altLang="en-US" sz="2800" dirty="0">
+                <a:solidFill>
+                  <a:srgbClr val="000000"/>
+                </a:solidFill>
+              </a:rPr>
+              <a:t>Stream&lt;String&gt; stream = </a:t>
+            </a:r>
+            <a:r>
+              <a:rPr lang="en-US" altLang="en-US" sz="2800" dirty="0" err="1">
+                <a:solidFill>
+                  <a:srgbClr val="000000"/>
+                </a:solidFill>
+              </a:rPr>
+              <a:t>list.stream</a:t>
+            </a:r>
+            <a:r>
+              <a:rPr lang="en-US" altLang="en-US" sz="2800" dirty="0">
+                <a:solidFill>
+                  <a:srgbClr val="000000"/>
+                </a:solidFill>
+              </a:rPr>
+              <a:t>();</a:t>
+            </a:r>
+          </a:p>
+          <a:p>
+            <a:pPr algn="just" eaLnBrk="1" hangingPunct="1">
+              <a:lnSpc>
+                <a:spcPct val="100000"/>
+              </a:lnSpc>
+              <a:spcBef>
+                <a:spcPct val="0"/>
+              </a:spcBef>
+              <a:spcAft>
+                <a:spcPct val="0"/>
+              </a:spcAft>
+              <a:buClrTx/>
+              <a:buFontTx/>
+              <a:buNone/>
+            </a:pPr>
+            <a:r>
+              <a:rPr lang="en-US" altLang="en-US" sz="2800" dirty="0" err="1">
+                <a:solidFill>
+                  <a:srgbClr val="000000"/>
+                </a:solidFill>
+              </a:rPr>
+              <a:t>stream.forEach</a:t>
+            </a:r>
+            <a:r>
+              <a:rPr lang="en-US" altLang="en-US" sz="2800" dirty="0">
+                <a:solidFill>
+                  <a:srgbClr val="000000"/>
+                </a:solidFill>
+              </a:rPr>
+              <a:t>(</a:t>
+            </a:r>
+            <a:r>
+              <a:rPr lang="en-US" altLang="en-US" sz="2800" dirty="0" err="1">
+                <a:solidFill>
+                  <a:srgbClr val="000000"/>
+                </a:solidFill>
+              </a:rPr>
+              <a:t>System.out</a:t>
+            </a:r>
+            <a:r>
+              <a:rPr lang="en-US" altLang="en-US" sz="2800" dirty="0">
+                <a:solidFill>
+                  <a:srgbClr val="000000"/>
+                </a:solidFill>
+              </a:rPr>
+              <a:t>::</a:t>
+            </a:r>
+            <a:r>
+              <a:rPr lang="en-US" altLang="en-US" sz="2800" dirty="0" err="1">
+                <a:solidFill>
+                  <a:srgbClr val="000000"/>
+                </a:solidFill>
+              </a:rPr>
+              <a:t>println</a:t>
+            </a:r>
+            <a:r>
+              <a:rPr lang="en-US" altLang="en-US" sz="2800" dirty="0">
+                <a:solidFill>
+                  <a:srgbClr val="000000"/>
+                </a:solidFill>
+              </a:rPr>
+              <a:t>);</a:t>
+            </a:r>
+          </a:p>
+          <a:p>
+            <a:pPr algn="just" eaLnBrk="1" hangingPunct="1">
+              <a:lnSpc>
+                <a:spcPct val="100000"/>
+              </a:lnSpc>
+              <a:spcBef>
+                <a:spcPct val="0"/>
+              </a:spcBef>
+              <a:spcAft>
+                <a:spcPct val="0"/>
+              </a:spcAft>
+              <a:buClrTx/>
+              <a:buFontTx/>
+              <a:buNone/>
+            </a:pPr>
+            <a:r>
+              <a:rPr lang="en-US" altLang="en-US" sz="2800" dirty="0" err="1">
+                <a:solidFill>
+                  <a:srgbClr val="000000"/>
+                </a:solidFill>
+              </a:rPr>
+              <a:t>stream.filter</a:t>
+            </a:r>
+            <a:r>
+              <a:rPr lang="en-US" altLang="en-US" sz="2800" dirty="0">
+                <a:solidFill>
+                  <a:srgbClr val="000000"/>
+                </a:solidFill>
+              </a:rPr>
+              <a:t>(s -&gt; </a:t>
+            </a:r>
+            <a:r>
+              <a:rPr lang="en-US" altLang="en-US" sz="2800" dirty="0" err="1">
+                <a:solidFill>
+                  <a:srgbClr val="000000"/>
+                </a:solidFill>
+              </a:rPr>
+              <a:t>s.contains</a:t>
+            </a:r>
+            <a:r>
+              <a:rPr lang="en-US" altLang="en-US" sz="2800" dirty="0">
+                <a:solidFill>
+                  <a:srgbClr val="000000"/>
+                </a:solidFill>
+              </a:rPr>
+              <a:t>("Stream API"));</a:t>
+            </a:r>
+          </a:p>
+          <a:p>
+            <a:pPr algn="just" eaLnBrk="1" hangingPunct="1">
+              <a:lnSpc>
+                <a:spcPct val="100000"/>
+              </a:lnSpc>
+              <a:spcBef>
+                <a:spcPct val="0"/>
+              </a:spcBef>
+              <a:spcAft>
+                <a:spcPct val="0"/>
+              </a:spcAft>
+              <a:buClrTx/>
+              <a:buFontTx/>
+              <a:buNone/>
+            </a:pPr>
+            <a:r>
+              <a:rPr lang="en-US" altLang="en-US" sz="2800" dirty="0" err="1">
+                <a:solidFill>
+                  <a:srgbClr val="000000"/>
+                </a:solidFill>
+              </a:rPr>
+              <a:t>stream.forEach</a:t>
+            </a:r>
+            <a:r>
+              <a:rPr lang="en-US" altLang="en-US" sz="2800" dirty="0">
+                <a:solidFill>
+                  <a:srgbClr val="000000"/>
+                </a:solidFill>
+              </a:rPr>
+              <a:t>(</a:t>
+            </a:r>
+            <a:r>
+              <a:rPr lang="en-US" altLang="en-US" sz="2800" dirty="0" err="1">
+                <a:solidFill>
+                  <a:srgbClr val="000000"/>
+                </a:solidFill>
+              </a:rPr>
+              <a:t>System.out</a:t>
+            </a:r>
+            <a:r>
+              <a:rPr lang="en-US" altLang="en-US" sz="2800" dirty="0">
+                <a:solidFill>
+                  <a:srgbClr val="000000"/>
+                </a:solidFill>
+              </a:rPr>
+              <a:t>::</a:t>
+            </a:r>
+            <a:r>
+              <a:rPr lang="en-US" altLang="en-US" sz="2800" dirty="0" err="1">
+                <a:solidFill>
+                  <a:srgbClr val="000000"/>
+                </a:solidFill>
+              </a:rPr>
+              <a:t>println</a:t>
+            </a:r>
+            <a:r>
+              <a:rPr lang="en-US" altLang="en-US" sz="2800" dirty="0">
+                <a:solidFill>
+                  <a:srgbClr val="000000"/>
+                </a:solidFill>
+              </a:rPr>
+              <a:t>);</a:t>
+            </a:r>
+          </a:p>
+          <a:p>
+            <a:pPr algn="just" eaLnBrk="1" hangingPunct="1">
+              <a:lnSpc>
+                <a:spcPct val="100000"/>
+              </a:lnSpc>
+              <a:spcBef>
+                <a:spcPct val="0"/>
+              </a:spcBef>
+              <a:spcAft>
+                <a:spcPct val="0"/>
+              </a:spcAft>
+              <a:buClrTx/>
+              <a:buFontTx/>
+              <a:buNone/>
+            </a:pPr>
+            <a:endParaRPr lang="en-US" altLang="en-US" sz="2800" dirty="0">
+              <a:solidFill>
+                <a:srgbClr val="000000"/>
+              </a:solidFill>
+            </a:endParaRPr>
+          </a:p>
+        </p:txBody>
+      </p:sp>
+      <p:sp>
+        <p:nvSpPr>
+          <p:cNvPr id="32772" name="Text Box 3">
+            <a:extLst>
+              <a:ext uri="{FF2B5EF4-FFF2-40B4-BE49-F238E27FC236}">
+                <a16:creationId xmlns:a16="http://schemas.microsoft.com/office/drawing/2014/main" id="{261D09A2-46BB-4FDC-ABC0-B0ECF0BF3292}"/>
+              </a:ext>
+            </a:extLst>
+          </p:cNvPr>
+          <p:cNvSpPr txBox="1">
+            <a:spLocks noChangeArrowheads="1"/>
+          </p:cNvSpPr>
+          <p:nvPr/>
+        </p:nvSpPr>
+        <p:spPr bwMode="auto">
+          <a:xfrm>
+            <a:off x="9998076" y="6356351"/>
+            <a:ext cx="442913" cy="365125"/>
+          </a:xfrm>
+          <a:prstGeom prst="rect">
+            <a:avLst/>
+          </a:prstGeom>
+          <a:noFill/>
+          <a:ln>
+            <a:noFill/>
+          </a:ln>
+          <a:effectLst/>
+          <a:extLst>
+            <a:ext uri="{909E8E84-426E-40DD-AFC4-6F175D3DCCD1}">
+              <a14:hiddenFill xmlns:a14="http://schemas.microsoft.com/office/drawing/2010/main">
+                <a:solidFill>
+                  <a:srgbClr val="FFFFFF"/>
+                </a:solidFill>
+              </a14:hiddenFill>
+            </a:ext>
+            <a:ext uri="{91240B29-F687-4F45-9708-019B960494DF}">
+              <a14:hiddenLine xmlns:a14="http://schemas.microsoft.com/office/drawing/2010/main" w="9525">
+                <a:solidFill>
+                  <a:srgbClr val="3465A4"/>
+                </a:solidFill>
+                <a:round/>
+                <a:headEnd/>
+                <a:tailEnd/>
+              </a14:hiddenLine>
+            </a:ext>
+            <a:ext uri="{AF507438-7753-43E0-B8FC-AC1667EBCBE1}">
+              <a14:hiddenEffects xmlns:a14="http://schemas.microsoft.com/office/drawing/2010/main">
+                <a:effectLst>
+                  <a:outerShdw dist="35921" dir="2700000" algn="ctr" rotWithShape="0">
+                    <a:srgbClr val="808080"/>
+                  </a:outerShdw>
+                </a:effectLst>
+              </a14:hiddenEffects>
+            </a:ext>
+          </a:extLst>
+        </p:spPr>
+        <p:txBody>
+          <a:bodyPr lIns="90000" tIns="46800" rIns="90000" bIns="46800"/>
+          <a:lstStyle>
+            <a:lvl1pPr>
+              <a:lnSpc>
+                <a:spcPct val="90000"/>
+              </a:lnSpc>
+              <a:spcBef>
+                <a:spcPts val="1200"/>
+              </a:spcBef>
+              <a:spcAft>
+                <a:spcPts val="200"/>
+              </a:spcAft>
+              <a:buClr>
+                <a:srgbClr val="000000"/>
+              </a:buClr>
+              <a:buSzPct val="100000"/>
+              <a:buFont typeface="Times New Roman" panose="02020603050405020304" pitchFamily="18" charset="0"/>
+              <a:tabLst>
+                <a:tab pos="0" algn="l"/>
+                <a:tab pos="457200" algn="l"/>
+                <a:tab pos="914400" algn="l"/>
+                <a:tab pos="1371600" algn="l"/>
+                <a:tab pos="1828800" algn="l"/>
+                <a:tab pos="2286000" algn="l"/>
+                <a:tab pos="2743200" algn="l"/>
+                <a:tab pos="3200400" algn="l"/>
+                <a:tab pos="3657600" algn="l"/>
+                <a:tab pos="4114800" algn="l"/>
+                <a:tab pos="4572000" algn="l"/>
+                <a:tab pos="5029200" algn="l"/>
+                <a:tab pos="5486400" algn="l"/>
+                <a:tab pos="5943600" algn="l"/>
+                <a:tab pos="6400800" algn="l"/>
+                <a:tab pos="6858000" algn="l"/>
+                <a:tab pos="7315200" algn="l"/>
+                <a:tab pos="7772400" algn="l"/>
+                <a:tab pos="8229600" algn="l"/>
+                <a:tab pos="8686800" algn="l"/>
+                <a:tab pos="9144000" algn="l"/>
+              </a:tabLst>
+              <a:defRPr sz="2000">
+                <a:solidFill>
+                  <a:srgbClr val="404040"/>
+                </a:solidFill>
+                <a:latin typeface="Calibri" panose="020F0502020204030204" pitchFamily="34" charset="0"/>
+                <a:ea typeface="MS PGothic" panose="020B0600070205080204" pitchFamily="34" charset="-128"/>
+              </a:defRPr>
+            </a:lvl1pPr>
+            <a:lvl2pPr>
+              <a:lnSpc>
+                <a:spcPct val="90000"/>
+              </a:lnSpc>
+              <a:spcBef>
+                <a:spcPts val="200"/>
+              </a:spcBef>
+              <a:spcAft>
+                <a:spcPts val="400"/>
+              </a:spcAft>
+              <a:buClr>
+                <a:srgbClr val="000000"/>
+              </a:buClr>
+              <a:buSzPct val="100000"/>
+              <a:buFont typeface="Times New Roman" panose="02020603050405020304" pitchFamily="18" charset="0"/>
+              <a:tabLst>
+                <a:tab pos="0" algn="l"/>
+                <a:tab pos="457200" algn="l"/>
+                <a:tab pos="914400" algn="l"/>
+                <a:tab pos="1371600" algn="l"/>
+                <a:tab pos="1828800" algn="l"/>
+                <a:tab pos="2286000" algn="l"/>
+                <a:tab pos="2743200" algn="l"/>
+                <a:tab pos="3200400" algn="l"/>
+                <a:tab pos="3657600" algn="l"/>
+                <a:tab pos="4114800" algn="l"/>
+                <a:tab pos="4572000" algn="l"/>
+                <a:tab pos="5029200" algn="l"/>
+                <a:tab pos="5486400" algn="l"/>
+                <a:tab pos="5943600" algn="l"/>
+                <a:tab pos="6400800" algn="l"/>
+                <a:tab pos="6858000" algn="l"/>
+                <a:tab pos="7315200" algn="l"/>
+                <a:tab pos="7772400" algn="l"/>
+                <a:tab pos="8229600" algn="l"/>
+                <a:tab pos="8686800" algn="l"/>
+                <a:tab pos="9144000" algn="l"/>
+              </a:tabLst>
+              <a:defRPr sz="2800">
+                <a:solidFill>
+                  <a:srgbClr val="404040"/>
+                </a:solidFill>
+                <a:latin typeface="Calibri" panose="020F0502020204030204" pitchFamily="34" charset="0"/>
+                <a:ea typeface="MS PGothic" panose="020B0600070205080204" pitchFamily="34" charset="-128"/>
+              </a:defRPr>
+            </a:lvl2pPr>
+            <a:lvl3pPr>
+              <a:lnSpc>
+                <a:spcPct val="90000"/>
+              </a:lnSpc>
+              <a:spcBef>
+                <a:spcPts val="200"/>
+              </a:spcBef>
+              <a:spcAft>
+                <a:spcPts val="400"/>
+              </a:spcAft>
+              <a:buClr>
+                <a:srgbClr val="000000"/>
+              </a:buClr>
+              <a:buSzPct val="100000"/>
+              <a:buFont typeface="Times New Roman" panose="02020603050405020304" pitchFamily="18" charset="0"/>
+              <a:tabLst>
+                <a:tab pos="0" algn="l"/>
+                <a:tab pos="457200" algn="l"/>
+                <a:tab pos="914400" algn="l"/>
+                <a:tab pos="1371600" algn="l"/>
+                <a:tab pos="1828800" algn="l"/>
+                <a:tab pos="2286000" algn="l"/>
+                <a:tab pos="2743200" algn="l"/>
+                <a:tab pos="3200400" algn="l"/>
+                <a:tab pos="3657600" algn="l"/>
+                <a:tab pos="4114800" algn="l"/>
+                <a:tab pos="4572000" algn="l"/>
+                <a:tab pos="5029200" algn="l"/>
+                <a:tab pos="5486400" algn="l"/>
+                <a:tab pos="5943600" algn="l"/>
+                <a:tab pos="6400800" algn="l"/>
+                <a:tab pos="6858000" algn="l"/>
+                <a:tab pos="7315200" algn="l"/>
+                <a:tab pos="7772400" algn="l"/>
+                <a:tab pos="8229600" algn="l"/>
+                <a:tab pos="8686800" algn="l"/>
+                <a:tab pos="9144000" algn="l"/>
+              </a:tabLst>
+              <a:defRPr sz="1400">
+                <a:solidFill>
+                  <a:srgbClr val="404040"/>
+                </a:solidFill>
+                <a:latin typeface="Calibri" panose="020F0502020204030204" pitchFamily="34" charset="0"/>
+                <a:ea typeface="MS PGothic" panose="020B0600070205080204" pitchFamily="34" charset="-128"/>
+              </a:defRPr>
+            </a:lvl3pPr>
+            <a:lvl4pPr>
+              <a:lnSpc>
+                <a:spcPct val="90000"/>
+              </a:lnSpc>
+              <a:spcBef>
+                <a:spcPts val="200"/>
+              </a:spcBef>
+              <a:spcAft>
+                <a:spcPts val="400"/>
+              </a:spcAft>
+              <a:buClr>
+                <a:srgbClr val="000000"/>
+              </a:buClr>
+              <a:buSzPct val="100000"/>
+              <a:buFont typeface="Times New Roman" panose="02020603050405020304" pitchFamily="18" charset="0"/>
+              <a:tabLst>
+                <a:tab pos="0" algn="l"/>
+                <a:tab pos="457200" algn="l"/>
+                <a:tab pos="914400" algn="l"/>
+                <a:tab pos="1371600" algn="l"/>
+                <a:tab pos="1828800" algn="l"/>
+                <a:tab pos="2286000" algn="l"/>
+                <a:tab pos="2743200" algn="l"/>
+                <a:tab pos="3200400" algn="l"/>
+                <a:tab pos="3657600" algn="l"/>
+                <a:tab pos="4114800" algn="l"/>
+                <a:tab pos="4572000" algn="l"/>
+                <a:tab pos="5029200" algn="l"/>
+                <a:tab pos="5486400" algn="l"/>
+                <a:tab pos="5943600" algn="l"/>
+                <a:tab pos="6400800" algn="l"/>
+                <a:tab pos="6858000" algn="l"/>
+                <a:tab pos="7315200" algn="l"/>
+                <a:tab pos="7772400" algn="l"/>
+                <a:tab pos="8229600" algn="l"/>
+                <a:tab pos="8686800" algn="l"/>
+                <a:tab pos="9144000" algn="l"/>
+              </a:tabLst>
+              <a:defRPr sz="1400">
+                <a:solidFill>
+                  <a:srgbClr val="404040"/>
+                </a:solidFill>
+                <a:latin typeface="Calibri" panose="020F0502020204030204" pitchFamily="34" charset="0"/>
+                <a:ea typeface="MS PGothic" panose="020B0600070205080204" pitchFamily="34" charset="-128"/>
+              </a:defRPr>
+            </a:lvl4pPr>
+            <a:lvl5pPr>
+              <a:lnSpc>
+                <a:spcPct val="90000"/>
+              </a:lnSpc>
+              <a:spcBef>
+                <a:spcPts val="200"/>
+              </a:spcBef>
+              <a:spcAft>
+                <a:spcPts val="400"/>
+              </a:spcAft>
+              <a:buClr>
+                <a:srgbClr val="000000"/>
+              </a:buClr>
+              <a:buSzPct val="100000"/>
+              <a:buFont typeface="Times New Roman" panose="02020603050405020304" pitchFamily="18" charset="0"/>
+              <a:tabLst>
+                <a:tab pos="0" algn="l"/>
+                <a:tab pos="457200" algn="l"/>
+                <a:tab pos="914400" algn="l"/>
+                <a:tab pos="1371600" algn="l"/>
+                <a:tab pos="1828800" algn="l"/>
+                <a:tab pos="2286000" algn="l"/>
+                <a:tab pos="2743200" algn="l"/>
+                <a:tab pos="3200400" algn="l"/>
+                <a:tab pos="3657600" algn="l"/>
+                <a:tab pos="4114800" algn="l"/>
+                <a:tab pos="4572000" algn="l"/>
+                <a:tab pos="5029200" algn="l"/>
+                <a:tab pos="5486400" algn="l"/>
+                <a:tab pos="5943600" algn="l"/>
+                <a:tab pos="6400800" algn="l"/>
+                <a:tab pos="6858000" algn="l"/>
+                <a:tab pos="7315200" algn="l"/>
+                <a:tab pos="7772400" algn="l"/>
+                <a:tab pos="8229600" algn="l"/>
+                <a:tab pos="8686800" algn="l"/>
+                <a:tab pos="9144000" algn="l"/>
+              </a:tabLst>
+              <a:defRPr sz="1400">
+                <a:solidFill>
+                  <a:srgbClr val="404040"/>
+                </a:solidFill>
+                <a:latin typeface="Calibri" panose="020F0502020204030204" pitchFamily="34" charset="0"/>
+                <a:ea typeface="MS PGothic" panose="020B0600070205080204" pitchFamily="34" charset="-128"/>
+              </a:defRPr>
+            </a:lvl5pPr>
+            <a:lvl6pPr marL="2514600" indent="-228600" defTabSz="457200" eaLnBrk="0" fontAlgn="base" hangingPunct="0">
+              <a:lnSpc>
+                <a:spcPct val="90000"/>
+              </a:lnSpc>
+              <a:spcBef>
+                <a:spcPts val="200"/>
+              </a:spcBef>
+              <a:spcAft>
+                <a:spcPts val="400"/>
+              </a:spcAft>
+              <a:buClr>
+                <a:srgbClr val="000000"/>
+              </a:buClr>
+              <a:buSzPct val="100000"/>
+              <a:buFont typeface="Times New Roman" panose="02020603050405020304" pitchFamily="18" charset="0"/>
+              <a:tabLst>
+                <a:tab pos="0" algn="l"/>
+                <a:tab pos="457200" algn="l"/>
+                <a:tab pos="914400" algn="l"/>
+                <a:tab pos="1371600" algn="l"/>
+                <a:tab pos="1828800" algn="l"/>
+                <a:tab pos="2286000" algn="l"/>
+                <a:tab pos="2743200" algn="l"/>
+                <a:tab pos="3200400" algn="l"/>
+                <a:tab pos="3657600" algn="l"/>
+                <a:tab pos="4114800" algn="l"/>
+                <a:tab pos="4572000" algn="l"/>
+                <a:tab pos="5029200" algn="l"/>
+                <a:tab pos="5486400" algn="l"/>
+                <a:tab pos="5943600" algn="l"/>
+                <a:tab pos="6400800" algn="l"/>
+                <a:tab pos="6858000" algn="l"/>
+                <a:tab pos="7315200" algn="l"/>
+                <a:tab pos="7772400" algn="l"/>
+                <a:tab pos="8229600" algn="l"/>
+                <a:tab pos="8686800" algn="l"/>
+                <a:tab pos="9144000" algn="l"/>
+              </a:tabLst>
+              <a:defRPr sz="1400">
+                <a:solidFill>
+                  <a:srgbClr val="404040"/>
+                </a:solidFill>
+                <a:latin typeface="Calibri" panose="020F0502020204030204" pitchFamily="34" charset="0"/>
+                <a:ea typeface="MS PGothic" panose="020B0600070205080204" pitchFamily="34" charset="-128"/>
+              </a:defRPr>
+            </a:lvl6pPr>
+            <a:lvl7pPr marL="2971800" indent="-228600" defTabSz="457200" eaLnBrk="0" fontAlgn="base" hangingPunct="0">
+              <a:lnSpc>
+                <a:spcPct val="90000"/>
+              </a:lnSpc>
+              <a:spcBef>
+                <a:spcPts val="200"/>
+              </a:spcBef>
+              <a:spcAft>
+                <a:spcPts val="400"/>
+              </a:spcAft>
+              <a:buClr>
+                <a:srgbClr val="000000"/>
+              </a:buClr>
+              <a:buSzPct val="100000"/>
+              <a:buFont typeface="Times New Roman" panose="02020603050405020304" pitchFamily="18" charset="0"/>
+              <a:tabLst>
+                <a:tab pos="0" algn="l"/>
+                <a:tab pos="457200" algn="l"/>
+                <a:tab pos="914400" algn="l"/>
+                <a:tab pos="1371600" algn="l"/>
+                <a:tab pos="1828800" algn="l"/>
+                <a:tab pos="2286000" algn="l"/>
+                <a:tab pos="2743200" algn="l"/>
+                <a:tab pos="3200400" algn="l"/>
+                <a:tab pos="3657600" algn="l"/>
+                <a:tab pos="4114800" algn="l"/>
+                <a:tab pos="4572000" algn="l"/>
+                <a:tab pos="5029200" algn="l"/>
+                <a:tab pos="5486400" algn="l"/>
+                <a:tab pos="5943600" algn="l"/>
+                <a:tab pos="6400800" algn="l"/>
+                <a:tab pos="6858000" algn="l"/>
+                <a:tab pos="7315200" algn="l"/>
+                <a:tab pos="7772400" algn="l"/>
+                <a:tab pos="8229600" algn="l"/>
+                <a:tab pos="8686800" algn="l"/>
+                <a:tab pos="9144000" algn="l"/>
+              </a:tabLst>
+              <a:defRPr sz="1400">
+                <a:solidFill>
+                  <a:srgbClr val="404040"/>
+                </a:solidFill>
+                <a:latin typeface="Calibri" panose="020F0502020204030204" pitchFamily="34" charset="0"/>
+                <a:ea typeface="MS PGothic" panose="020B0600070205080204" pitchFamily="34" charset="-128"/>
+              </a:defRPr>
+            </a:lvl7pPr>
+            <a:lvl8pPr marL="3429000" indent="-228600" defTabSz="457200" eaLnBrk="0" fontAlgn="base" hangingPunct="0">
+              <a:lnSpc>
+                <a:spcPct val="90000"/>
+              </a:lnSpc>
+              <a:spcBef>
+                <a:spcPts val="200"/>
+              </a:spcBef>
+              <a:spcAft>
+                <a:spcPts val="400"/>
+              </a:spcAft>
+              <a:buClr>
+                <a:srgbClr val="000000"/>
+              </a:buClr>
+              <a:buSzPct val="100000"/>
+              <a:buFont typeface="Times New Roman" panose="02020603050405020304" pitchFamily="18" charset="0"/>
+              <a:tabLst>
+                <a:tab pos="0" algn="l"/>
+                <a:tab pos="457200" algn="l"/>
+                <a:tab pos="914400" algn="l"/>
+                <a:tab pos="1371600" algn="l"/>
+                <a:tab pos="1828800" algn="l"/>
+                <a:tab pos="2286000" algn="l"/>
+                <a:tab pos="2743200" algn="l"/>
+                <a:tab pos="3200400" algn="l"/>
+                <a:tab pos="3657600" algn="l"/>
+                <a:tab pos="4114800" algn="l"/>
+                <a:tab pos="4572000" algn="l"/>
+                <a:tab pos="5029200" algn="l"/>
+                <a:tab pos="5486400" algn="l"/>
+                <a:tab pos="5943600" algn="l"/>
+                <a:tab pos="6400800" algn="l"/>
+                <a:tab pos="6858000" algn="l"/>
+                <a:tab pos="7315200" algn="l"/>
+                <a:tab pos="7772400" algn="l"/>
+                <a:tab pos="8229600" algn="l"/>
+                <a:tab pos="8686800" algn="l"/>
+                <a:tab pos="9144000" algn="l"/>
+              </a:tabLst>
+              <a:defRPr sz="1400">
+                <a:solidFill>
+                  <a:srgbClr val="404040"/>
+                </a:solidFill>
+                <a:latin typeface="Calibri" panose="020F0502020204030204" pitchFamily="34" charset="0"/>
+                <a:ea typeface="MS PGothic" panose="020B0600070205080204" pitchFamily="34" charset="-128"/>
+              </a:defRPr>
+            </a:lvl8pPr>
+            <a:lvl9pPr marL="3886200" indent="-228600" defTabSz="457200" eaLnBrk="0" fontAlgn="base" hangingPunct="0">
+              <a:lnSpc>
+                <a:spcPct val="90000"/>
+              </a:lnSpc>
+              <a:spcBef>
+                <a:spcPts val="200"/>
+              </a:spcBef>
+              <a:spcAft>
+                <a:spcPts val="400"/>
+              </a:spcAft>
+              <a:buClr>
+                <a:srgbClr val="000000"/>
+              </a:buClr>
+              <a:buSzPct val="100000"/>
+              <a:buFont typeface="Times New Roman" panose="02020603050405020304" pitchFamily="18" charset="0"/>
+              <a:tabLst>
+                <a:tab pos="0" algn="l"/>
+                <a:tab pos="457200" algn="l"/>
+                <a:tab pos="914400" algn="l"/>
+                <a:tab pos="1371600" algn="l"/>
+                <a:tab pos="1828800" algn="l"/>
+                <a:tab pos="2286000" algn="l"/>
+                <a:tab pos="2743200" algn="l"/>
+                <a:tab pos="3200400" algn="l"/>
+                <a:tab pos="3657600" algn="l"/>
+                <a:tab pos="4114800" algn="l"/>
+                <a:tab pos="4572000" algn="l"/>
+                <a:tab pos="5029200" algn="l"/>
+                <a:tab pos="5486400" algn="l"/>
+                <a:tab pos="5943600" algn="l"/>
+                <a:tab pos="6400800" algn="l"/>
+                <a:tab pos="6858000" algn="l"/>
+                <a:tab pos="7315200" algn="l"/>
+                <a:tab pos="7772400" algn="l"/>
+                <a:tab pos="8229600" algn="l"/>
+                <a:tab pos="8686800" algn="l"/>
+                <a:tab pos="9144000" algn="l"/>
+              </a:tabLst>
+              <a:defRPr sz="1400">
+                <a:solidFill>
+                  <a:srgbClr val="404040"/>
+                </a:solidFill>
+                <a:latin typeface="Calibri" panose="020F0502020204030204" pitchFamily="34" charset="0"/>
+                <a:ea typeface="MS PGothic" panose="020B0600070205080204" pitchFamily="34" charset="-128"/>
+              </a:defRPr>
+            </a:lvl9pPr>
+          </a:lstStyle>
+          <a:p>
+            <a:pPr algn="ctr" eaLnBrk="1" hangingPunct="1">
+              <a:lnSpc>
+                <a:spcPct val="100000"/>
+              </a:lnSpc>
+              <a:spcBef>
+                <a:spcPct val="0"/>
+              </a:spcBef>
+              <a:spcAft>
+                <a:spcPct val="0"/>
+              </a:spcAft>
+              <a:buClrTx/>
+              <a:buFontTx/>
+              <a:buNone/>
+            </a:pPr>
+            <a:fld id="{A2722928-470A-439C-B226-E3426CD81FA9}" type="slidenum">
+              <a:rPr lang="en-US" altLang="en-US" sz="1800" b="1">
+                <a:solidFill>
+                  <a:srgbClr val="FFFFFF"/>
+                </a:solidFill>
+              </a:rPr>
+              <a:pPr algn="ctr" eaLnBrk="1" hangingPunct="1">
+                <a:lnSpc>
+                  <a:spcPct val="100000"/>
+                </a:lnSpc>
+                <a:spcBef>
+                  <a:spcPct val="0"/>
+                </a:spcBef>
+                <a:spcAft>
+                  <a:spcPct val="0"/>
+                </a:spcAft>
+                <a:buClrTx/>
+                <a:buFontTx/>
+                <a:buNone/>
+              </a:pPr>
+              <a:t>39</a:t>
+            </a:fld>
+            <a:endParaRPr lang="en-US" altLang="en-US" sz="1800" b="1">
+              <a:solidFill>
+                <a:srgbClr val="FFFFFF"/>
+              </a:solidFill>
+            </a:endParaRPr>
+          </a:p>
+        </p:txBody>
+      </p:sp>
+      <p:sp>
+        <p:nvSpPr>
+          <p:cNvPr id="2" name="Заголовок 1">
+            <a:extLst>
+              <a:ext uri="{FF2B5EF4-FFF2-40B4-BE49-F238E27FC236}">
+                <a16:creationId xmlns:a16="http://schemas.microsoft.com/office/drawing/2014/main" id="{15621121-E7BE-45A8-98BD-094EB876893A}"/>
+              </a:ext>
+            </a:extLst>
+          </p:cNvPr>
+          <p:cNvSpPr>
+            <a:spLocks noGrp="1"/>
+          </p:cNvSpPr>
+          <p:nvPr>
+            <p:ph type="title"/>
+          </p:nvPr>
+        </p:nvSpPr>
+        <p:spPr/>
+        <p:txBody>
+          <a:bodyPr/>
+          <a:lstStyle/>
+          <a:p>
+            <a:r>
+              <a:rPr lang="ru-RU" altLang="en-US" dirty="0"/>
+              <a:t>Особенности </a:t>
+            </a:r>
+            <a:r>
+              <a:rPr lang="ru-RU" altLang="en-US" dirty="0" err="1"/>
+              <a:t>Stream</a:t>
+            </a:r>
+            <a:br>
+              <a:rPr lang="ru-RU" altLang="en-US" dirty="0"/>
+            </a:br>
+            <a:endParaRPr lang="ru-UA" dirty="0"/>
+          </a:p>
+        </p:txBody>
+      </p:sp>
+    </p:spTree>
+  </p:cSld>
+  <p:clrMapOvr>
+    <a:masterClrMapping/>
+  </p:clrMapOvr>
+  <p:transition spd="med"/>
+  <p:timing>
+    <p:tnLst>
+      <p:par>
+        <p:cTn id="1" dur="indefinite" restart="never" nodeType="tmRoot">
+          <p:childTnLst>
+            <p:seq concurrent="1" nextAc="seek">
+              <p:cTn id="2" dur="indefinite" nodeType="mainSeq"/>
+              <p:prevCondLst>
+                <p:cond evt="onPrev" delay="0">
+                  <p:tgtEl>
+                    <p:sldTgt/>
+                  </p:tgtEl>
+                </p:cond>
+              </p:prevCondLst>
+              <p:nextCondLst>
+                <p:cond evt="onNext" delay="0">
+                  <p:tgtEl>
+                    <p:sldTgt/>
+                  </p:tgtEl>
+                </p:cond>
+              </p:nextCondLst>
+            </p:seq>
+          </p:childTnLst>
+        </p:cTn>
+      </p:par>
+    </p:tnLst>
+  </p:timing>
 </p:sld>
 </file>
 
@@ -27768,30 +34044,6 @@
 </file>
 
 <file path=customXml/item1.xml><?xml version="1.0" encoding="utf-8"?>
-<p:properties xmlns:p="http://schemas.microsoft.com/office/2006/metadata/properties" xmlns:xsi="http://www.w3.org/2001/XMLSchema-instance" xmlns:pc="http://schemas.microsoft.com/office/infopath/2007/PartnerControls">
-  <documentManagement>
-    <_x041a__x043e__x043c__x0435__x0442__x0430__x0440_ xmlns="835f28f2-30f1-4728-84d2-86d96e143488" xsi:nil="true"/>
-    <SharedWithUsers xmlns="341e6018-ac0a-4dfb-8409-db9e0d25502e">
-      <UserInfo>
-        <DisplayName>Andrew Berman</DisplayName>
-        <AccountId>3588</AccountId>
-        <AccountType/>
-      </UserInfo>
-    </SharedWithUsers>
-  </documentManagement>
-</p:properties>
-</file>
-
-<file path=customXml/item2.xml><?xml version="1.0" encoding="utf-8"?>
-<?mso-contentType ?>
-<FormTemplates xmlns="http://schemas.microsoft.com/sharepoint/v3/contenttype/forms">
-  <Display>DocumentLibraryForm</Display>
-  <Edit>DocumentLibraryForm</Edit>
-  <New>DocumentLibraryForm</New>
-</FormTemplates>
-</file>
-
-<file path=customXml/item3.xml><?xml version="1.0" encoding="utf-8"?>
 <ct:contentTypeSchema xmlns:ct="http://schemas.microsoft.com/office/2006/metadata/contentType" xmlns:ma="http://schemas.microsoft.com/office/2006/metadata/properties/metaAttributes" ct:_="" ma:_="" ma:contentTypeName="Document" ma:contentTypeID="0x0101004195FC54A15F344D83577B1CDDD67A5D" ma:contentTypeVersion="13" ma:contentTypeDescription="Create a new document." ma:contentTypeScope="" ma:versionID="30ded57c9b2156718eb8cc7b0e4246dc">
   <xsd:schema xmlns:xsd="http://www.w3.org/2001/XMLSchema" xmlns:xs="http://www.w3.org/2001/XMLSchema" xmlns:p="http://schemas.microsoft.com/office/2006/metadata/properties" xmlns:ns2="341e6018-ac0a-4dfb-8409-db9e0d25502e" xmlns:ns3="835f28f2-30f1-4728-84d2-86d96e143488" targetNamespace="http://schemas.microsoft.com/office/2006/metadata/properties" ma:root="true" ma:fieldsID="a0d1831635397921c92a19e568dfc949" ns2:_="" ns3:_="">
     <xsd:import namespace="341e6018-ac0a-4dfb-8409-db9e0d25502e"/>
@@ -28016,26 +34268,31 @@
 </ct:contentTypeSchema>
 </file>
 
-<file path=customXml/itemProps1.xml><?xml version="1.0" encoding="utf-8"?>
-<ds:datastoreItem xmlns:ds="http://schemas.openxmlformats.org/officeDocument/2006/customXml" ds:itemID="{E9033E08-7FE9-4F6D-B155-A8777B4A5A57}">
-  <ds:schemaRefs>
-    <ds:schemaRef ds:uri="http://schemas.microsoft.com/office/2006/metadata/properties"/>
-    <ds:schemaRef ds:uri="http://schemas.microsoft.com/office/infopath/2007/PartnerControls"/>
-    <ds:schemaRef ds:uri="835f28f2-30f1-4728-84d2-86d96e143488"/>
-    <ds:schemaRef ds:uri="341e6018-ac0a-4dfb-8409-db9e0d25502e"/>
-  </ds:schemaRefs>
-</ds:datastoreItem>
+<file path=customXml/item2.xml><?xml version="1.0" encoding="utf-8"?>
+<p:properties xmlns:p="http://schemas.microsoft.com/office/2006/metadata/properties" xmlns:xsi="http://www.w3.org/2001/XMLSchema-instance" xmlns:pc="http://schemas.microsoft.com/office/infopath/2007/PartnerControls">
+  <documentManagement>
+    <_x041a__x043e__x043c__x0435__x0442__x0430__x0440_ xmlns="835f28f2-30f1-4728-84d2-86d96e143488" xsi:nil="true"/>
+    <SharedWithUsers xmlns="341e6018-ac0a-4dfb-8409-db9e0d25502e">
+      <UserInfo>
+        <DisplayName>Andrew Berman</DisplayName>
+        <AccountId>3588</AccountId>
+        <AccountType/>
+      </UserInfo>
+    </SharedWithUsers>
+  </documentManagement>
+</p:properties>
 </file>
 
-<file path=customXml/itemProps2.xml><?xml version="1.0" encoding="utf-8"?>
-<ds:datastoreItem xmlns:ds="http://schemas.openxmlformats.org/officeDocument/2006/customXml" ds:itemID="{296B3B9E-03D8-4766-BF45-6129617CF026}">
-  <ds:schemaRefs>
-    <ds:schemaRef ds:uri="http://schemas.microsoft.com/sharepoint/v3/contenttype/forms"/>
-  </ds:schemaRefs>
-</ds:datastoreItem>
+<file path=customXml/item3.xml><?xml version="1.0" encoding="utf-8"?>
+<?mso-contentType ?>
+<FormTemplates xmlns="http://schemas.microsoft.com/sharepoint/v3/contenttype/forms">
+  <Display>DocumentLibraryForm</Display>
+  <Edit>DocumentLibraryForm</Edit>
+  <New>DocumentLibraryForm</New>
+</FormTemplates>
 </file>
 
-<file path=customXml/itemProps3.xml><?xml version="1.0" encoding="utf-8"?>
+<file path=customXml/itemProps1.xml><?xml version="1.0" encoding="utf-8"?>
 <ds:datastoreItem xmlns:ds="http://schemas.openxmlformats.org/officeDocument/2006/customXml" ds:itemID="{5C03D7BA-5661-4852-B9A0-05C9D1D048AE}">
   <ds:schemaRefs>
     <ds:schemaRef ds:uri="http://schemas.microsoft.com/office/2006/metadata/contentType"/>
@@ -28052,4 +34309,29 @@
     <ds:schemaRef ds:uri="http://schemas.microsoft.com/internal/obd"/>
   </ds:schemaRefs>
 </ds:datastoreItem>
+</file>
+
+<file path=customXml/itemProps2.xml><?xml version="1.0" encoding="utf-8"?>
+<ds:datastoreItem xmlns:ds="http://schemas.openxmlformats.org/officeDocument/2006/customXml" ds:itemID="{E9033E08-7FE9-4F6D-B155-A8777B4A5A57}">
+  <ds:schemaRefs>
+    <ds:schemaRef ds:uri="http://schemas.openxmlformats.org/package/2006/metadata/core-properties"/>
+    <ds:schemaRef ds:uri="http://purl.org/dc/elements/1.1/"/>
+    <ds:schemaRef ds:uri="http://schemas.microsoft.com/office/2006/documentManagement/types"/>
+    <ds:schemaRef ds:uri="http://purl.org/dc/dcmitype/"/>
+    <ds:schemaRef ds:uri="http://schemas.microsoft.com/office/2006/metadata/properties"/>
+    <ds:schemaRef ds:uri="http://www.w3.org/XML/1998/namespace"/>
+    <ds:schemaRef ds:uri="http://schemas.microsoft.com/office/infopath/2007/PartnerControls"/>
+    <ds:schemaRef ds:uri="835f28f2-30f1-4728-84d2-86d96e143488"/>
+    <ds:schemaRef ds:uri="341e6018-ac0a-4dfb-8409-db9e0d25502e"/>
+    <ds:schemaRef ds:uri="http://purl.org/dc/terms/"/>
+  </ds:schemaRefs>
+</ds:datastoreItem>
+</file>
+
+<file path=customXml/itemProps3.xml><?xml version="1.0" encoding="utf-8"?>
+<ds:datastoreItem xmlns:ds="http://schemas.openxmlformats.org/officeDocument/2006/customXml" ds:itemID="{296B3B9E-03D8-4766-BF45-6129617CF026}">
+  <ds:schemaRefs>
+    <ds:schemaRef ds:uri="http://schemas.microsoft.com/sharepoint/v3/contenttype/forms"/>
+  </ds:schemaRefs>
+</ds:datastoreItem>
 </file>
--- a/lesson05/lesson05.pptx
+++ b/lesson05/lesson05.pptx
@@ -390,86 +390,68 @@
 </file>
 
 <file path=ppt/diagrams/colors1.xml><?xml version="1.0" encoding="utf-8"?>
-<dgm:colorsDef xmlns:dgm="http://schemas.openxmlformats.org/drawingml/2006/diagram" xmlns:a="http://schemas.openxmlformats.org/drawingml/2006/main" uniqueId="urn:microsoft.com/office/officeart/2005/8/colors/accent3_1">
+<dgm:colorsDef xmlns:dgm="http://schemas.openxmlformats.org/drawingml/2006/diagram" xmlns:a="http://schemas.openxmlformats.org/drawingml/2006/main" uniqueId="urn:microsoft.com/office/officeart/2005/8/colors/accent3_2">
   <dgm:title val=""/>
   <dgm:desc val=""/>
   <dgm:catLst>
-    <dgm:cat type="accent3" pri="11100"/>
+    <dgm:cat type="accent3" pri="11200"/>
   </dgm:catLst>
   <dgm:styleLbl name="node0">
     <dgm:fillClrLst meth="repeat">
-      <a:schemeClr val="lt1"/>
+      <a:schemeClr val="accent3"/>
     </dgm:fillClrLst>
     <dgm:linClrLst meth="repeat">
-      <a:schemeClr val="accent3">
-        <a:shade val="80000"/>
-      </a:schemeClr>
+      <a:schemeClr val="lt1"/>
     </dgm:linClrLst>
     <dgm:effectClrLst/>
     <dgm:txLinClrLst/>
-    <dgm:txFillClrLst meth="repeat">
-      <a:schemeClr val="dk1"/>
-    </dgm:txFillClrLst>
+    <dgm:txFillClrLst/>
     <dgm:txEffectClrLst/>
   </dgm:styleLbl>
   <dgm:styleLbl name="node1">
     <dgm:fillClrLst meth="repeat">
-      <a:schemeClr val="lt1"/>
+      <a:schemeClr val="accent3"/>
     </dgm:fillClrLst>
     <dgm:linClrLst meth="repeat">
-      <a:schemeClr val="accent3">
-        <a:shade val="80000"/>
-      </a:schemeClr>
+      <a:schemeClr val="lt1"/>
     </dgm:linClrLst>
     <dgm:effectClrLst/>
     <dgm:txLinClrLst/>
-    <dgm:txFillClrLst meth="repeat">
-      <a:schemeClr val="dk1"/>
-    </dgm:txFillClrLst>
+    <dgm:txFillClrLst/>
     <dgm:txEffectClrLst/>
   </dgm:styleLbl>
   <dgm:styleLbl name="alignNode1">
     <dgm:fillClrLst meth="repeat">
-      <a:schemeClr val="lt1"/>
+      <a:schemeClr val="accent3"/>
     </dgm:fillClrLst>
     <dgm:linClrLst meth="repeat">
-      <a:schemeClr val="accent3">
-        <a:shade val="80000"/>
-      </a:schemeClr>
+      <a:schemeClr val="accent3"/>
     </dgm:linClrLst>
     <dgm:effectClrLst/>
     <dgm:txLinClrLst/>
-    <dgm:txFillClrLst meth="repeat">
-      <a:schemeClr val="dk1"/>
-    </dgm:txFillClrLst>
+    <dgm:txFillClrLst/>
     <dgm:txEffectClrLst/>
   </dgm:styleLbl>
   <dgm:styleLbl name="lnNode1">
     <dgm:fillClrLst meth="repeat">
-      <a:schemeClr val="lt1"/>
+      <a:schemeClr val="accent3"/>
     </dgm:fillClrLst>
     <dgm:linClrLst meth="repeat">
-      <a:schemeClr val="accent3">
-        <a:shade val="80000"/>
-      </a:schemeClr>
+      <a:schemeClr val="lt1"/>
     </dgm:linClrLst>
     <dgm:effectClrLst/>
     <dgm:txLinClrLst/>
-    <dgm:txFillClrLst meth="repeat">
-      <a:schemeClr val="dk1"/>
-    </dgm:txFillClrLst>
+    <dgm:txFillClrLst/>
     <dgm:txEffectClrLst/>
   </dgm:styleLbl>
   <dgm:styleLbl name="vennNode1">
     <dgm:fillClrLst meth="repeat">
-      <a:schemeClr val="lt1">
+      <a:schemeClr val="accent3">
         <a:alpha val="50000"/>
       </a:schemeClr>
     </dgm:fillClrLst>
     <dgm:linClrLst meth="repeat">
-      <a:schemeClr val="accent3">
-        <a:shade val="80000"/>
-      </a:schemeClr>
+      <a:schemeClr val="lt1"/>
     </dgm:linClrLst>
     <dgm:effectClrLst/>
     <dgm:txLinClrLst/>
@@ -478,62 +460,48 @@
   </dgm:styleLbl>
   <dgm:styleLbl name="node2">
     <dgm:fillClrLst meth="repeat">
-      <a:schemeClr val="lt1"/>
+      <a:schemeClr val="accent3"/>
     </dgm:fillClrLst>
     <dgm:linClrLst meth="repeat">
-      <a:schemeClr val="accent3">
-        <a:shade val="80000"/>
-      </a:schemeClr>
+      <a:schemeClr val="lt1"/>
     </dgm:linClrLst>
     <dgm:effectClrLst/>
     <dgm:txLinClrLst/>
-    <dgm:txFillClrLst meth="repeat">
-      <a:schemeClr val="dk1"/>
-    </dgm:txFillClrLst>
+    <dgm:txFillClrLst/>
     <dgm:txEffectClrLst/>
   </dgm:styleLbl>
   <dgm:styleLbl name="node3">
     <dgm:fillClrLst meth="repeat">
-      <a:schemeClr val="lt1"/>
+      <a:schemeClr val="accent3"/>
     </dgm:fillClrLst>
     <dgm:linClrLst meth="repeat">
-      <a:schemeClr val="accent3">
-        <a:shade val="80000"/>
-      </a:schemeClr>
+      <a:schemeClr val="lt1"/>
     </dgm:linClrLst>
     <dgm:effectClrLst/>
     <dgm:txLinClrLst/>
-    <dgm:txFillClrLst meth="repeat">
-      <a:schemeClr val="dk1"/>
-    </dgm:txFillClrLst>
+    <dgm:txFillClrLst/>
     <dgm:txEffectClrLst/>
   </dgm:styleLbl>
   <dgm:styleLbl name="node4">
     <dgm:fillClrLst meth="repeat">
-      <a:schemeClr val="lt1"/>
+      <a:schemeClr val="accent3"/>
     </dgm:fillClrLst>
     <dgm:linClrLst meth="repeat">
-      <a:schemeClr val="accent3">
-        <a:shade val="80000"/>
-      </a:schemeClr>
+      <a:schemeClr val="lt1"/>
     </dgm:linClrLst>
     <dgm:effectClrLst/>
     <dgm:txLinClrLst/>
-    <dgm:txFillClrLst meth="repeat">
-      <a:schemeClr val="dk1"/>
-    </dgm:txFillClrLst>
+    <dgm:txFillClrLst/>
     <dgm:txEffectClrLst/>
   </dgm:styleLbl>
   <dgm:styleLbl name="fgImgPlace1">
     <dgm:fillClrLst meth="repeat">
       <a:schemeClr val="accent3">
-        <a:tint val="40000"/>
+        <a:tint val="50000"/>
       </a:schemeClr>
     </dgm:fillClrLst>
     <dgm:linClrLst meth="repeat">
-      <a:schemeClr val="accent3">
-        <a:shade val="80000"/>
-      </a:schemeClr>
+      <a:schemeClr val="lt1"/>
     </dgm:linClrLst>
     <dgm:effectClrLst/>
     <dgm:txLinClrLst/>
@@ -545,13 +513,11 @@
   <dgm:styleLbl name="alignImgPlace1">
     <dgm:fillClrLst meth="repeat">
       <a:schemeClr val="accent3">
-        <a:tint val="40000"/>
+        <a:tint val="50000"/>
       </a:schemeClr>
     </dgm:fillClrLst>
     <dgm:linClrLst meth="repeat">
-      <a:schemeClr val="accent3">
-        <a:shade val="80000"/>
-      </a:schemeClr>
+      <a:schemeClr val="lt1"/>
     </dgm:linClrLst>
     <dgm:effectClrLst/>
     <dgm:txLinClrLst/>
@@ -563,13 +529,11 @@
   <dgm:styleLbl name="bgImgPlace1">
     <dgm:fillClrLst meth="repeat">
       <a:schemeClr val="accent3">
-        <a:tint val="40000"/>
+        <a:tint val="50000"/>
       </a:schemeClr>
     </dgm:fillClrLst>
     <dgm:linClrLst meth="repeat">
-      <a:schemeClr val="accent3">
-        <a:shade val="80000"/>
-      </a:schemeClr>
+      <a:schemeClr val="lt1"/>
     </dgm:linClrLst>
     <dgm:effectClrLst/>
     <dgm:txLinClrLst/>
@@ -591,9 +555,7 @@
     </dgm:linClrLst>
     <dgm:effectClrLst/>
     <dgm:txLinClrLst/>
-    <dgm:txFillClrLst meth="repeat">
-      <a:schemeClr val="dk1"/>
-    </dgm:txFillClrLst>
+    <dgm:txFillClrLst/>
     <dgm:txEffectClrLst/>
   </dgm:styleLbl>
   <dgm:styleLbl name="fgSibTrans2D1">
@@ -609,9 +571,7 @@
     </dgm:linClrLst>
     <dgm:effectClrLst/>
     <dgm:txLinClrLst/>
-    <dgm:txFillClrLst meth="repeat">
-      <a:schemeClr val="dk1"/>
-    </dgm:txFillClrLst>
+    <dgm:txFillClrLst/>
     <dgm:txEffectClrLst/>
   </dgm:styleLbl>
   <dgm:styleLbl name="bgSibTrans2D1">
@@ -627,9 +587,7 @@
     </dgm:linClrLst>
     <dgm:effectClrLst/>
     <dgm:txLinClrLst/>
-    <dgm:txFillClrLst meth="repeat">
-      <a:schemeClr val="dk1"/>
-    </dgm:txFillClrLst>
+    <dgm:txFillClrLst/>
     <dgm:txEffectClrLst/>
   </dgm:styleLbl>
   <dgm:styleLbl name="sibTrans1D1">
@@ -651,7 +609,9 @@
       <a:schemeClr val="accent3"/>
     </dgm:fillClrLst>
     <dgm:linClrLst meth="repeat">
-      <a:schemeClr val="accent3"/>
+      <a:schemeClr val="accent3">
+        <a:tint val="50000"/>
+      </a:schemeClr>
     </dgm:linClrLst>
     <dgm:effectClrLst/>
     <dgm:txLinClrLst/>
@@ -662,82 +622,62 @@
   </dgm:styleLbl>
   <dgm:styleLbl name="asst0">
     <dgm:fillClrLst meth="repeat">
-      <a:schemeClr val="lt1"/>
+      <a:schemeClr val="accent3"/>
     </dgm:fillClrLst>
     <dgm:linClrLst meth="repeat">
-      <a:schemeClr val="accent3">
-        <a:shade val="80000"/>
-      </a:schemeClr>
+      <a:schemeClr val="lt1"/>
     </dgm:linClrLst>
     <dgm:effectClrLst/>
     <dgm:txLinClrLst/>
-    <dgm:txFillClrLst meth="repeat">
-      <a:schemeClr val="dk1"/>
-    </dgm:txFillClrLst>
+    <dgm:txFillClrLst/>
     <dgm:txEffectClrLst/>
   </dgm:styleLbl>
   <dgm:styleLbl name="asst1">
     <dgm:fillClrLst meth="repeat">
-      <a:schemeClr val="lt1"/>
+      <a:schemeClr val="accent3"/>
     </dgm:fillClrLst>
     <dgm:linClrLst meth="repeat">
-      <a:schemeClr val="accent3">
-        <a:shade val="80000"/>
-      </a:schemeClr>
+      <a:schemeClr val="lt1"/>
     </dgm:linClrLst>
     <dgm:effectClrLst/>
     <dgm:txLinClrLst/>
-    <dgm:txFillClrLst meth="repeat">
-      <a:schemeClr val="dk1"/>
-    </dgm:txFillClrLst>
+    <dgm:txFillClrLst/>
     <dgm:txEffectClrLst/>
   </dgm:styleLbl>
   <dgm:styleLbl name="asst2">
     <dgm:fillClrLst meth="repeat">
-      <a:schemeClr val="lt1"/>
+      <a:schemeClr val="accent3"/>
     </dgm:fillClrLst>
     <dgm:linClrLst meth="repeat">
-      <a:schemeClr val="accent3">
-        <a:shade val="80000"/>
-      </a:schemeClr>
+      <a:schemeClr val="lt1"/>
     </dgm:linClrLst>
     <dgm:effectClrLst/>
     <dgm:txLinClrLst/>
-    <dgm:txFillClrLst meth="repeat">
-      <a:schemeClr val="dk1"/>
-    </dgm:txFillClrLst>
+    <dgm:txFillClrLst/>
     <dgm:txEffectClrLst/>
   </dgm:styleLbl>
   <dgm:styleLbl name="asst3">
     <dgm:fillClrLst meth="repeat">
-      <a:schemeClr val="lt1"/>
+      <a:schemeClr val="accent3"/>
     </dgm:fillClrLst>
     <dgm:linClrLst meth="repeat">
-      <a:schemeClr val="accent3">
-        <a:shade val="80000"/>
-      </a:schemeClr>
+      <a:schemeClr val="lt1"/>
     </dgm:linClrLst>
     <dgm:effectClrLst/>
     <dgm:txLinClrLst/>
-    <dgm:txFillClrLst meth="repeat">
-      <a:schemeClr val="dk1"/>
-    </dgm:txFillClrLst>
+    <dgm:txFillClrLst/>
     <dgm:txEffectClrLst/>
   </dgm:styleLbl>
   <dgm:styleLbl name="asst4">
     <dgm:fillClrLst meth="repeat">
-      <a:schemeClr val="lt1"/>
+      <a:schemeClr val="accent3"/>
     </dgm:fillClrLst>
     <dgm:linClrLst meth="repeat">
-      <a:schemeClr val="accent3">
-        <a:shade val="80000"/>
-      </a:schemeClr>
+      <a:schemeClr val="lt1"/>
     </dgm:linClrLst>
     <dgm:effectClrLst/>
     <dgm:txLinClrLst/>
-    <dgm:txFillClrLst meth="repeat">
-      <a:schemeClr val="dk1"/>
-    </dgm:txFillClrLst>
+    <dgm:txFillClrLst/>
     <dgm:txEffectClrLst/>
   </dgm:styleLbl>
   <dgm:styleLbl name="parChTrans2D1">
@@ -753,7 +693,9 @@
     </dgm:linClrLst>
     <dgm:effectClrLst/>
     <dgm:txLinClrLst/>
-    <dgm:txFillClrLst/>
+    <dgm:txFillClrLst meth="repeat">
+      <a:schemeClr val="lt1"/>
+    </dgm:txFillClrLst>
     <dgm:txEffectClrLst/>
   </dgm:styleLbl>
   <dgm:styleLbl name="parChTrans2D2">
@@ -765,7 +707,9 @@
     </dgm:linClrLst>
     <dgm:effectClrLst/>
     <dgm:txLinClrLst/>
-    <dgm:txFillClrLst/>
+    <dgm:txFillClrLst meth="repeat">
+      <a:schemeClr val="lt1"/>
+    </dgm:txFillClrLst>
     <dgm:txEffectClrLst/>
   </dgm:styleLbl>
   <dgm:styleLbl name="parChTrans2D3">
@@ -777,7 +721,9 @@
     </dgm:linClrLst>
     <dgm:effectClrLst/>
     <dgm:txLinClrLst/>
-    <dgm:txFillClrLst/>
+    <dgm:txFillClrLst meth="repeat">
+      <a:schemeClr val="lt1"/>
+    </dgm:txFillClrLst>
     <dgm:txEffectClrLst/>
   </dgm:styleLbl>
   <dgm:styleLbl name="parChTrans2D4">
@@ -860,9 +806,8 @@
   </dgm:styleLbl>
   <dgm:styleLbl name="fgAcc1">
     <dgm:fillClrLst meth="repeat">
-      <a:schemeClr val="accent3">
+      <a:schemeClr val="lt1">
         <a:alpha val="90000"/>
-        <a:tint val="40000"/>
       </a:schemeClr>
     </dgm:fillClrLst>
     <dgm:linClrLst meth="repeat">
@@ -877,9 +822,8 @@
   </dgm:styleLbl>
   <dgm:styleLbl name="conFgAcc1">
     <dgm:fillClrLst meth="repeat">
-      <a:schemeClr val="accent3">
+      <a:schemeClr val="lt1">
         <a:alpha val="90000"/>
-        <a:tint val="40000"/>
       </a:schemeClr>
     </dgm:fillClrLst>
     <dgm:linClrLst meth="repeat">
@@ -894,9 +838,8 @@
   </dgm:styleLbl>
   <dgm:styleLbl name="alignAcc1">
     <dgm:fillClrLst meth="repeat">
-      <a:schemeClr val="accent3">
+      <a:schemeClr val="lt1">
         <a:alpha val="90000"/>
-        <a:tint val="40000"/>
       </a:schemeClr>
     </dgm:fillClrLst>
     <dgm:linClrLst meth="repeat">
@@ -911,9 +854,8 @@
   </dgm:styleLbl>
   <dgm:styleLbl name="trAlignAcc1">
     <dgm:fillClrLst meth="repeat">
-      <a:schemeClr val="accent3">
+      <a:schemeClr val="lt1">
         <a:alpha val="40000"/>
-        <a:tint val="40000"/>
       </a:schemeClr>
     </dgm:fillClrLst>
     <dgm:linClrLst meth="repeat">
@@ -928,9 +870,8 @@
   </dgm:styleLbl>
   <dgm:styleLbl name="bgAcc1">
     <dgm:fillClrLst meth="repeat">
-      <a:schemeClr val="accent3">
+      <a:schemeClr val="lt1">
         <a:alpha val="90000"/>
-        <a:tint val="40000"/>
       </a:schemeClr>
     </dgm:fillClrLst>
     <dgm:linClrLst meth="repeat">
@@ -987,7 +928,7 @@
   </dgm:styleLbl>
   <dgm:styleLbl name="fgAccFollowNode1">
     <dgm:fillClrLst meth="repeat">
-      <a:schemeClr val="lt1">
+      <a:schemeClr val="accent3">
         <a:alpha val="90000"/>
         <a:tint val="40000"/>
       </a:schemeClr>
@@ -995,6 +936,7 @@
     <dgm:linClrLst meth="repeat">
       <a:schemeClr val="accent3">
         <a:alpha val="90000"/>
+        <a:tint val="40000"/>
       </a:schemeClr>
     </dgm:linClrLst>
     <dgm:effectClrLst/>
@@ -1006,7 +948,7 @@
   </dgm:styleLbl>
   <dgm:styleLbl name="alignAccFollowNode1">
     <dgm:fillClrLst meth="repeat">
-      <a:schemeClr val="lt1">
+      <a:schemeClr val="accent3">
         <a:alpha val="90000"/>
         <a:tint val="40000"/>
       </a:schemeClr>
@@ -1014,6 +956,7 @@
     <dgm:linClrLst meth="repeat">
       <a:schemeClr val="accent3">
         <a:alpha val="90000"/>
+        <a:tint val="40000"/>
       </a:schemeClr>
     </dgm:linClrLst>
     <dgm:effectClrLst/>
@@ -1025,7 +968,7 @@
   </dgm:styleLbl>
   <dgm:styleLbl name="bgAccFollowNode1">
     <dgm:fillClrLst meth="repeat">
-      <a:schemeClr val="lt1">
+      <a:schemeClr val="accent3">
         <a:alpha val="90000"/>
         <a:tint val="40000"/>
       </a:schemeClr>
@@ -1033,6 +976,7 @@
     <dgm:linClrLst meth="repeat">
       <a:schemeClr val="accent3">
         <a:alpha val="90000"/>
+        <a:tint val="40000"/>
       </a:schemeClr>
     </dgm:linClrLst>
     <dgm:effectClrLst/>
@@ -1044,9 +988,8 @@
   </dgm:styleLbl>
   <dgm:styleLbl name="fgAcc0">
     <dgm:fillClrLst meth="repeat">
-      <a:schemeClr val="accent3">
+      <a:schemeClr val="lt1">
         <a:alpha val="90000"/>
-        <a:tint val="40000"/>
       </a:schemeClr>
     </dgm:fillClrLst>
     <dgm:linClrLst meth="repeat">
@@ -1061,9 +1004,8 @@
   </dgm:styleLbl>
   <dgm:styleLbl name="fgAcc2">
     <dgm:fillClrLst meth="repeat">
-      <a:schemeClr val="accent3">
+      <a:schemeClr val="lt1">
         <a:alpha val="90000"/>
-        <a:tint val="40000"/>
       </a:schemeClr>
     </dgm:fillClrLst>
     <dgm:linClrLst meth="repeat">
@@ -1078,9 +1020,8 @@
   </dgm:styleLbl>
   <dgm:styleLbl name="fgAcc3">
     <dgm:fillClrLst meth="repeat">
-      <a:schemeClr val="accent3">
+      <a:schemeClr val="lt1">
         <a:alpha val="90000"/>
-        <a:tint val="40000"/>
       </a:schemeClr>
     </dgm:fillClrLst>
     <dgm:linClrLst meth="repeat">
@@ -1095,9 +1036,8 @@
   </dgm:styleLbl>
   <dgm:styleLbl name="fgAcc4">
     <dgm:fillClrLst meth="repeat">
-      <a:schemeClr val="accent3">
+      <a:schemeClr val="lt1">
         <a:alpha val="90000"/>
-        <a:tint val="40000"/>
       </a:schemeClr>
     </dgm:fillClrLst>
     <dgm:linClrLst meth="repeat">
@@ -1197,86 +1137,68 @@
 </file>
 
 <file path=ppt/diagrams/colors2.xml><?xml version="1.0" encoding="utf-8"?>
-<dgm:colorsDef xmlns:dgm="http://schemas.openxmlformats.org/drawingml/2006/diagram" xmlns:a="http://schemas.openxmlformats.org/drawingml/2006/main" uniqueId="urn:microsoft.com/office/officeart/2005/8/colors/accent3_1">
+<dgm:colorsDef xmlns:dgm="http://schemas.openxmlformats.org/drawingml/2006/diagram" xmlns:a="http://schemas.openxmlformats.org/drawingml/2006/main" uniqueId="urn:microsoft.com/office/officeart/2005/8/colors/accent3_2">
   <dgm:title val=""/>
   <dgm:desc val=""/>
   <dgm:catLst>
-    <dgm:cat type="accent3" pri="11100"/>
+    <dgm:cat type="accent3" pri="11200"/>
   </dgm:catLst>
   <dgm:styleLbl name="node0">
     <dgm:fillClrLst meth="repeat">
-      <a:schemeClr val="lt1"/>
+      <a:schemeClr val="accent3"/>
     </dgm:fillClrLst>
     <dgm:linClrLst meth="repeat">
-      <a:schemeClr val="accent3">
-        <a:shade val="80000"/>
-      </a:schemeClr>
+      <a:schemeClr val="lt1"/>
     </dgm:linClrLst>
     <dgm:effectClrLst/>
     <dgm:txLinClrLst/>
-    <dgm:txFillClrLst meth="repeat">
-      <a:schemeClr val="dk1"/>
-    </dgm:txFillClrLst>
+    <dgm:txFillClrLst/>
     <dgm:txEffectClrLst/>
   </dgm:styleLbl>
   <dgm:styleLbl name="node1">
     <dgm:fillClrLst meth="repeat">
-      <a:schemeClr val="lt1"/>
+      <a:schemeClr val="accent3"/>
     </dgm:fillClrLst>
     <dgm:linClrLst meth="repeat">
-      <a:schemeClr val="accent3">
-        <a:shade val="80000"/>
-      </a:schemeClr>
+      <a:schemeClr val="lt1"/>
     </dgm:linClrLst>
     <dgm:effectClrLst/>
     <dgm:txLinClrLst/>
-    <dgm:txFillClrLst meth="repeat">
-      <a:schemeClr val="dk1"/>
-    </dgm:txFillClrLst>
+    <dgm:txFillClrLst/>
     <dgm:txEffectClrLst/>
   </dgm:styleLbl>
   <dgm:styleLbl name="alignNode1">
     <dgm:fillClrLst meth="repeat">
-      <a:schemeClr val="lt1"/>
+      <a:schemeClr val="accent3"/>
     </dgm:fillClrLst>
     <dgm:linClrLst meth="repeat">
-      <a:schemeClr val="accent3">
-        <a:shade val="80000"/>
-      </a:schemeClr>
+      <a:schemeClr val="accent3"/>
     </dgm:linClrLst>
     <dgm:effectClrLst/>
     <dgm:txLinClrLst/>
-    <dgm:txFillClrLst meth="repeat">
-      <a:schemeClr val="dk1"/>
-    </dgm:txFillClrLst>
+    <dgm:txFillClrLst/>
     <dgm:txEffectClrLst/>
   </dgm:styleLbl>
   <dgm:styleLbl name="lnNode1">
     <dgm:fillClrLst meth="repeat">
-      <a:schemeClr val="lt1"/>
+      <a:schemeClr val="accent3"/>
     </dgm:fillClrLst>
     <dgm:linClrLst meth="repeat">
-      <a:schemeClr val="accent3">
-        <a:shade val="80000"/>
-      </a:schemeClr>
+      <a:schemeClr val="lt1"/>
     </dgm:linClrLst>
     <dgm:effectClrLst/>
     <dgm:txLinClrLst/>
-    <dgm:txFillClrLst meth="repeat">
-      <a:schemeClr val="dk1"/>
-    </dgm:txFillClrLst>
+    <dgm:txFillClrLst/>
     <dgm:txEffectClrLst/>
   </dgm:styleLbl>
   <dgm:styleLbl name="vennNode1">
     <dgm:fillClrLst meth="repeat">
-      <a:schemeClr val="lt1">
+      <a:schemeClr val="accent3">
         <a:alpha val="50000"/>
       </a:schemeClr>
     </dgm:fillClrLst>
     <dgm:linClrLst meth="repeat">
-      <a:schemeClr val="accent3">
-        <a:shade val="80000"/>
-      </a:schemeClr>
+      <a:schemeClr val="lt1"/>
     </dgm:linClrLst>
     <dgm:effectClrLst/>
     <dgm:txLinClrLst/>
@@ -1285,62 +1207,48 @@
   </dgm:styleLbl>
   <dgm:styleLbl name="node2">
     <dgm:fillClrLst meth="repeat">
-      <a:schemeClr val="lt1"/>
+      <a:schemeClr val="accent3"/>
     </dgm:fillClrLst>
     <dgm:linClrLst meth="repeat">
-      <a:schemeClr val="accent3">
-        <a:shade val="80000"/>
-      </a:schemeClr>
+      <a:schemeClr val="lt1"/>
     </dgm:linClrLst>
     <dgm:effectClrLst/>
     <dgm:txLinClrLst/>
-    <dgm:txFillClrLst meth="repeat">
-      <a:schemeClr val="dk1"/>
-    </dgm:txFillClrLst>
+    <dgm:txFillClrLst/>
     <dgm:txEffectClrLst/>
   </dgm:styleLbl>
   <dgm:styleLbl name="node3">
     <dgm:fillClrLst meth="repeat">
-      <a:schemeClr val="lt1"/>
+      <a:schemeClr val="accent3"/>
     </dgm:fillClrLst>
     <dgm:linClrLst meth="repeat">
-      <a:schemeClr val="accent3">
-        <a:shade val="80000"/>
-      </a:schemeClr>
+      <a:schemeClr val="lt1"/>
     </dgm:linClrLst>
     <dgm:effectClrLst/>
     <dgm:txLinClrLst/>
-    <dgm:txFillClrLst meth="repeat">
-      <a:schemeClr val="dk1"/>
-    </dgm:txFillClrLst>
+    <dgm:txFillClrLst/>
     <dgm:txEffectClrLst/>
   </dgm:styleLbl>
   <dgm:styleLbl name="node4">
     <dgm:fillClrLst meth="repeat">
-      <a:schemeClr val="lt1"/>
+      <a:schemeClr val="accent3"/>
     </dgm:fillClrLst>
     <dgm:linClrLst meth="repeat">
-      <a:schemeClr val="accent3">
-        <a:shade val="80000"/>
-      </a:schemeClr>
+      <a:schemeClr val="lt1"/>
     </dgm:linClrLst>
     <dgm:effectClrLst/>
     <dgm:txLinClrLst/>
-    <dgm:txFillClrLst meth="repeat">
-      <a:schemeClr val="dk1"/>
-    </dgm:txFillClrLst>
+    <dgm:txFillClrLst/>
     <dgm:txEffectClrLst/>
   </dgm:styleLbl>
   <dgm:styleLbl name="fgImgPlace1">
     <dgm:fillClrLst meth="repeat">
       <a:schemeClr val="accent3">
-        <a:tint val="40000"/>
+        <a:tint val="50000"/>
       </a:schemeClr>
     </dgm:fillClrLst>
     <dgm:linClrLst meth="repeat">
-      <a:schemeClr val="accent3">
-        <a:shade val="80000"/>
-      </a:schemeClr>
+      <a:schemeClr val="lt1"/>
     </dgm:linClrLst>
     <dgm:effectClrLst/>
     <dgm:txLinClrLst/>
@@ -1352,13 +1260,11 @@
   <dgm:styleLbl name="alignImgPlace1">
     <dgm:fillClrLst meth="repeat">
       <a:schemeClr val="accent3">
-        <a:tint val="40000"/>
+        <a:tint val="50000"/>
       </a:schemeClr>
     </dgm:fillClrLst>
     <dgm:linClrLst meth="repeat">
-      <a:schemeClr val="accent3">
-        <a:shade val="80000"/>
-      </a:schemeClr>
+      <a:schemeClr val="lt1"/>
     </dgm:linClrLst>
     <dgm:effectClrLst/>
     <dgm:txLinClrLst/>
@@ -1370,13 +1276,11 @@
   <dgm:styleLbl name="bgImgPlace1">
     <dgm:fillClrLst meth="repeat">
       <a:schemeClr val="accent3">
-        <a:tint val="40000"/>
+        <a:tint val="50000"/>
       </a:schemeClr>
     </dgm:fillClrLst>
     <dgm:linClrLst meth="repeat">
-      <a:schemeClr val="accent3">
-        <a:shade val="80000"/>
-      </a:schemeClr>
+      <a:schemeClr val="lt1"/>
     </dgm:linClrLst>
     <dgm:effectClrLst/>
     <dgm:txLinClrLst/>
@@ -1398,9 +1302,7 @@
     </dgm:linClrLst>
     <dgm:effectClrLst/>
     <dgm:txLinClrLst/>
-    <dgm:txFillClrLst meth="repeat">
-      <a:schemeClr val="dk1"/>
-    </dgm:txFillClrLst>
+    <dgm:txFillClrLst/>
     <dgm:txEffectClrLst/>
   </dgm:styleLbl>
   <dgm:styleLbl name="fgSibTrans2D1">
@@ -1416,9 +1318,7 @@
     </dgm:linClrLst>
     <dgm:effectClrLst/>
     <dgm:txLinClrLst/>
-    <dgm:txFillClrLst meth="repeat">
-      <a:schemeClr val="dk1"/>
-    </dgm:txFillClrLst>
+    <dgm:txFillClrLst/>
     <dgm:txEffectClrLst/>
   </dgm:styleLbl>
   <dgm:styleLbl name="bgSibTrans2D1">
@@ -1434,9 +1334,7 @@
     </dgm:linClrLst>
     <dgm:effectClrLst/>
     <dgm:txLinClrLst/>
-    <dgm:txFillClrLst meth="repeat">
-      <a:schemeClr val="dk1"/>
-    </dgm:txFillClrLst>
+    <dgm:txFillClrLst/>
     <dgm:txEffectClrLst/>
   </dgm:styleLbl>
   <dgm:styleLbl name="sibTrans1D1">
@@ -1458,7 +1356,9 @@
       <a:schemeClr val="accent3"/>
     </dgm:fillClrLst>
     <dgm:linClrLst meth="repeat">
-      <a:schemeClr val="accent3"/>
+      <a:schemeClr val="accent3">
+        <a:tint val="50000"/>
+      </a:schemeClr>
     </dgm:linClrLst>
     <dgm:effectClrLst/>
     <dgm:txLinClrLst/>
@@ -1469,82 +1369,62 @@
   </dgm:styleLbl>
   <dgm:styleLbl name="asst0">
     <dgm:fillClrLst meth="repeat">
-      <a:schemeClr val="lt1"/>
+      <a:schemeClr val="accent3"/>
     </dgm:fillClrLst>
     <dgm:linClrLst meth="repeat">
-      <a:schemeClr val="accent3">
-        <a:shade val="80000"/>
-      </a:schemeClr>
+      <a:schemeClr val="lt1"/>
     </dgm:linClrLst>
     <dgm:effectClrLst/>
     <dgm:txLinClrLst/>
-    <dgm:txFillClrLst meth="repeat">
-      <a:schemeClr val="dk1"/>
-    </dgm:txFillClrLst>
+    <dgm:txFillClrLst/>
     <dgm:txEffectClrLst/>
   </dgm:styleLbl>
   <dgm:styleLbl name="asst1">
     <dgm:fillClrLst meth="repeat">
-      <a:schemeClr val="lt1"/>
+      <a:schemeClr val="accent3"/>
     </dgm:fillClrLst>
     <dgm:linClrLst meth="repeat">
-      <a:schemeClr val="accent3">
-        <a:shade val="80000"/>
-      </a:schemeClr>
+      <a:schemeClr val="lt1"/>
     </dgm:linClrLst>
     <dgm:effectClrLst/>
     <dgm:txLinClrLst/>
-    <dgm:txFillClrLst meth="repeat">
-      <a:schemeClr val="dk1"/>
-    </dgm:txFillClrLst>
+    <dgm:txFillClrLst/>
     <dgm:txEffectClrLst/>
   </dgm:styleLbl>
   <dgm:styleLbl name="asst2">
     <dgm:fillClrLst meth="repeat">
-      <a:schemeClr val="lt1"/>
+      <a:schemeClr val="accent3"/>
     </dgm:fillClrLst>
     <dgm:linClrLst meth="repeat">
-      <a:schemeClr val="accent3">
-        <a:shade val="80000"/>
-      </a:schemeClr>
+      <a:schemeClr val="lt1"/>
     </dgm:linClrLst>
     <dgm:effectClrLst/>
     <dgm:txLinClrLst/>
-    <dgm:txFillClrLst meth="repeat">
-      <a:schemeClr val="dk1"/>
-    </dgm:txFillClrLst>
+    <dgm:txFillClrLst/>
     <dgm:txEffectClrLst/>
   </dgm:styleLbl>
   <dgm:styleLbl name="asst3">
     <dgm:fillClrLst meth="repeat">
-      <a:schemeClr val="lt1"/>
+      <a:schemeClr val="accent3"/>
     </dgm:fillClrLst>
     <dgm:linClrLst meth="repeat">
-      <a:schemeClr val="accent3">
-        <a:shade val="80000"/>
-      </a:schemeClr>
+      <a:schemeClr val="lt1"/>
     </dgm:linClrLst>
     <dgm:effectClrLst/>
     <dgm:txLinClrLst/>
-    <dgm:txFillClrLst meth="repeat">
-      <a:schemeClr val="dk1"/>
-    </dgm:txFillClrLst>
+    <dgm:txFillClrLst/>
     <dgm:txEffectClrLst/>
   </dgm:styleLbl>
   <dgm:styleLbl name="asst4">
     <dgm:fillClrLst meth="repeat">
-      <a:schemeClr val="lt1"/>
+      <a:schemeClr val="accent3"/>
     </dgm:fillClrLst>
     <dgm:linClrLst meth="repeat">
-      <a:schemeClr val="accent3">
-        <a:shade val="80000"/>
-      </a:schemeClr>
+      <a:schemeClr val="lt1"/>
     </dgm:linClrLst>
     <dgm:effectClrLst/>
     <dgm:txLinClrLst/>
-    <dgm:txFillClrLst meth="repeat">
-      <a:schemeClr val="dk1"/>
-    </dgm:txFillClrLst>
+    <dgm:txFillClrLst/>
     <dgm:txEffectClrLst/>
   </dgm:styleLbl>
   <dgm:styleLbl name="parChTrans2D1">
@@ -1560,7 +1440,9 @@
     </dgm:linClrLst>
     <dgm:effectClrLst/>
     <dgm:txLinClrLst/>
-    <dgm:txFillClrLst/>
+    <dgm:txFillClrLst meth="repeat">
+      <a:schemeClr val="lt1"/>
+    </dgm:txFillClrLst>
     <dgm:txEffectClrLst/>
   </dgm:styleLbl>
   <dgm:styleLbl name="parChTrans2D2">
@@ -1572,7 +1454,9 @@
     </dgm:linClrLst>
     <dgm:effectClrLst/>
     <dgm:txLinClrLst/>
-    <dgm:txFillClrLst/>
+    <dgm:txFillClrLst meth="repeat">
+      <a:schemeClr val="lt1"/>
+    </dgm:txFillClrLst>
     <dgm:txEffectClrLst/>
   </dgm:styleLbl>
   <dgm:styleLbl name="parChTrans2D3">
@@ -1584,7 +1468,9 @@
     </dgm:linClrLst>
     <dgm:effectClrLst/>
     <dgm:txLinClrLst/>
-    <dgm:txFillClrLst/>
+    <dgm:txFillClrLst meth="repeat">
+      <a:schemeClr val="lt1"/>
+    </dgm:txFillClrLst>
     <dgm:txEffectClrLst/>
   </dgm:styleLbl>
   <dgm:styleLbl name="parChTrans2D4">
@@ -1667,9 +1553,8 @@
   </dgm:styleLbl>
   <dgm:styleLbl name="fgAcc1">
     <dgm:fillClrLst meth="repeat">
-      <a:schemeClr val="accent3">
+      <a:schemeClr val="lt1">
         <a:alpha val="90000"/>
-        <a:tint val="40000"/>
       </a:schemeClr>
     </dgm:fillClrLst>
     <dgm:linClrLst meth="repeat">
@@ -1684,9 +1569,8 @@
   </dgm:styleLbl>
   <dgm:styleLbl name="conFgAcc1">
     <dgm:fillClrLst meth="repeat">
-      <a:schemeClr val="accent3">
+      <a:schemeClr val="lt1">
         <a:alpha val="90000"/>
-        <a:tint val="40000"/>
       </a:schemeClr>
     </dgm:fillClrLst>
     <dgm:linClrLst meth="repeat">
@@ -1701,9 +1585,8 @@
   </dgm:styleLbl>
   <dgm:styleLbl name="alignAcc1">
     <dgm:fillClrLst meth="repeat">
-      <a:schemeClr val="accent3">
+      <a:schemeClr val="lt1">
         <a:alpha val="90000"/>
-        <a:tint val="40000"/>
       </a:schemeClr>
     </dgm:fillClrLst>
     <dgm:linClrLst meth="repeat">
@@ -1718,9 +1601,8 @@
   </dgm:styleLbl>
   <dgm:styleLbl name="trAlignAcc1">
     <dgm:fillClrLst meth="repeat">
-      <a:schemeClr val="accent3">
+      <a:schemeClr val="lt1">
         <a:alpha val="40000"/>
-        <a:tint val="40000"/>
       </a:schemeClr>
     </dgm:fillClrLst>
     <dgm:linClrLst meth="repeat">
@@ -1735,9 +1617,8 @@
   </dgm:styleLbl>
   <dgm:styleLbl name="bgAcc1">
     <dgm:fillClrLst meth="repeat">
-      <a:schemeClr val="accent3">
+      <a:schemeClr val="lt1">
         <a:alpha val="90000"/>
-        <a:tint val="40000"/>
       </a:schemeClr>
     </dgm:fillClrLst>
     <dgm:linClrLst meth="repeat">
@@ -1794,7 +1675,7 @@
   </dgm:styleLbl>
   <dgm:styleLbl name="fgAccFollowNode1">
     <dgm:fillClrLst meth="repeat">
-      <a:schemeClr val="lt1">
+      <a:schemeClr val="accent3">
         <a:alpha val="90000"/>
         <a:tint val="40000"/>
       </a:schemeClr>
@@ -1802,6 +1683,7 @@
     <dgm:linClrLst meth="repeat">
       <a:schemeClr val="accent3">
         <a:alpha val="90000"/>
+        <a:tint val="40000"/>
       </a:schemeClr>
     </dgm:linClrLst>
     <dgm:effectClrLst/>
@@ -1813,7 +1695,7 @@
   </dgm:styleLbl>
   <dgm:styleLbl name="alignAccFollowNode1">
     <dgm:fillClrLst meth="repeat">
-      <a:schemeClr val="lt1">
+      <a:schemeClr val="accent3">
         <a:alpha val="90000"/>
         <a:tint val="40000"/>
       </a:schemeClr>
@@ -1821,6 +1703,7 @@
     <dgm:linClrLst meth="repeat">
       <a:schemeClr val="accent3">
         <a:alpha val="90000"/>
+        <a:tint val="40000"/>
       </a:schemeClr>
     </dgm:linClrLst>
     <dgm:effectClrLst/>
@@ -1832,7 +1715,7 @@
   </dgm:styleLbl>
   <dgm:styleLbl name="bgAccFollowNode1">
     <dgm:fillClrLst meth="repeat">
-      <a:schemeClr val="lt1">
+      <a:schemeClr val="accent3">
         <a:alpha val="90000"/>
         <a:tint val="40000"/>
       </a:schemeClr>
@@ -1840,6 +1723,7 @@
     <dgm:linClrLst meth="repeat">
       <a:schemeClr val="accent3">
         <a:alpha val="90000"/>
+        <a:tint val="40000"/>
       </a:schemeClr>
     </dgm:linClrLst>
     <dgm:effectClrLst/>
@@ -1851,9 +1735,8 @@
   </dgm:styleLbl>
   <dgm:styleLbl name="fgAcc0">
     <dgm:fillClrLst meth="repeat">
-      <a:schemeClr val="accent3">
+      <a:schemeClr val="lt1">
         <a:alpha val="90000"/>
-        <a:tint val="40000"/>
       </a:schemeClr>
     </dgm:fillClrLst>
     <dgm:linClrLst meth="repeat">
@@ -1868,9 +1751,8 @@
   </dgm:styleLbl>
   <dgm:styleLbl name="fgAcc2">
     <dgm:fillClrLst meth="repeat">
-      <a:schemeClr val="accent3">
+      <a:schemeClr val="lt1">
         <a:alpha val="90000"/>
-        <a:tint val="40000"/>
       </a:schemeClr>
     </dgm:fillClrLst>
     <dgm:linClrLst meth="repeat">
@@ -1885,9 +1767,8 @@
   </dgm:styleLbl>
   <dgm:styleLbl name="fgAcc3">
     <dgm:fillClrLst meth="repeat">
-      <a:schemeClr val="accent3">
+      <a:schemeClr val="lt1">
         <a:alpha val="90000"/>
-        <a:tint val="40000"/>
       </a:schemeClr>
     </dgm:fillClrLst>
     <dgm:linClrLst meth="repeat">
@@ -1902,9 +1783,8 @@
   </dgm:styleLbl>
   <dgm:styleLbl name="fgAcc4">
     <dgm:fillClrLst meth="repeat">
-      <a:schemeClr val="accent3">
+      <a:schemeClr val="lt1">
         <a:alpha val="90000"/>
-        <a:tint val="40000"/>
       </a:schemeClr>
     </dgm:fillClrLst>
     <dgm:linClrLst meth="repeat">
@@ -2004,86 +1884,68 @@
 </file>
 
 <file path=ppt/diagrams/colors3.xml><?xml version="1.0" encoding="utf-8"?>
-<dgm:colorsDef xmlns:dgm="http://schemas.openxmlformats.org/drawingml/2006/diagram" xmlns:a="http://schemas.openxmlformats.org/drawingml/2006/main" uniqueId="urn:microsoft.com/office/officeart/2005/8/colors/accent3_1">
+<dgm:colorsDef xmlns:dgm="http://schemas.openxmlformats.org/drawingml/2006/diagram" xmlns:a="http://schemas.openxmlformats.org/drawingml/2006/main" uniqueId="urn:microsoft.com/office/officeart/2005/8/colors/accent3_2">
   <dgm:title val=""/>
   <dgm:desc val=""/>
   <dgm:catLst>
-    <dgm:cat type="accent3" pri="11100"/>
+    <dgm:cat type="accent3" pri="11200"/>
   </dgm:catLst>
   <dgm:styleLbl name="node0">
     <dgm:fillClrLst meth="repeat">
-      <a:schemeClr val="lt1"/>
+      <a:schemeClr val="accent3"/>
     </dgm:fillClrLst>
     <dgm:linClrLst meth="repeat">
-      <a:schemeClr val="accent3">
-        <a:shade val="80000"/>
-      </a:schemeClr>
+      <a:schemeClr val="lt1"/>
     </dgm:linClrLst>
     <dgm:effectClrLst/>
     <dgm:txLinClrLst/>
-    <dgm:txFillClrLst meth="repeat">
-      <a:schemeClr val="dk1"/>
-    </dgm:txFillClrLst>
+    <dgm:txFillClrLst/>
     <dgm:txEffectClrLst/>
   </dgm:styleLbl>
   <dgm:styleLbl name="node1">
     <dgm:fillClrLst meth="repeat">
-      <a:schemeClr val="lt1"/>
+      <a:schemeClr val="accent3"/>
     </dgm:fillClrLst>
     <dgm:linClrLst meth="repeat">
-      <a:schemeClr val="accent3">
-        <a:shade val="80000"/>
-      </a:schemeClr>
+      <a:schemeClr val="lt1"/>
     </dgm:linClrLst>
     <dgm:effectClrLst/>
     <dgm:txLinClrLst/>
-    <dgm:txFillClrLst meth="repeat">
-      <a:schemeClr val="dk1"/>
-    </dgm:txFillClrLst>
+    <dgm:txFillClrLst/>
     <dgm:txEffectClrLst/>
   </dgm:styleLbl>
   <dgm:styleLbl name="alignNode1">
     <dgm:fillClrLst meth="repeat">
-      <a:schemeClr val="lt1"/>
+      <a:schemeClr val="accent3"/>
     </dgm:fillClrLst>
     <dgm:linClrLst meth="repeat">
-      <a:schemeClr val="accent3">
-        <a:shade val="80000"/>
-      </a:schemeClr>
+      <a:schemeClr val="accent3"/>
     </dgm:linClrLst>
     <dgm:effectClrLst/>
     <dgm:txLinClrLst/>
-    <dgm:txFillClrLst meth="repeat">
-      <a:schemeClr val="dk1"/>
-    </dgm:txFillClrLst>
+    <dgm:txFillClrLst/>
     <dgm:txEffectClrLst/>
   </dgm:styleLbl>
   <dgm:styleLbl name="lnNode1">
     <dgm:fillClrLst meth="repeat">
-      <a:schemeClr val="lt1"/>
+      <a:schemeClr val="accent3"/>
     </dgm:fillClrLst>
     <dgm:linClrLst meth="repeat">
-      <a:schemeClr val="accent3">
-        <a:shade val="80000"/>
-      </a:schemeClr>
+      <a:schemeClr val="lt1"/>
     </dgm:linClrLst>
     <dgm:effectClrLst/>
     <dgm:txLinClrLst/>
-    <dgm:txFillClrLst meth="repeat">
-      <a:schemeClr val="dk1"/>
-    </dgm:txFillClrLst>
+    <dgm:txFillClrLst/>
     <dgm:txEffectClrLst/>
   </dgm:styleLbl>
   <dgm:styleLbl name="vennNode1">
     <dgm:fillClrLst meth="repeat">
-      <a:schemeClr val="lt1">
+      <a:schemeClr val="accent3">
         <a:alpha val="50000"/>
       </a:schemeClr>
     </dgm:fillClrLst>
     <dgm:linClrLst meth="repeat">
-      <a:schemeClr val="accent3">
-        <a:shade val="80000"/>
-      </a:schemeClr>
+      <a:schemeClr val="lt1"/>
     </dgm:linClrLst>
     <dgm:effectClrLst/>
     <dgm:txLinClrLst/>
@@ -2092,62 +1954,48 @@
   </dgm:styleLbl>
   <dgm:styleLbl name="node2">
     <dgm:fillClrLst meth="repeat">
-      <a:schemeClr val="lt1"/>
+      <a:schemeClr val="accent3"/>
     </dgm:fillClrLst>
     <dgm:linClrLst meth="repeat">
-      <a:schemeClr val="accent3">
-        <a:shade val="80000"/>
-      </a:schemeClr>
+      <a:schemeClr val="lt1"/>
     </dgm:linClrLst>
     <dgm:effectClrLst/>
     <dgm:txLinClrLst/>
-    <dgm:txFillClrLst meth="repeat">
-      <a:schemeClr val="dk1"/>
-    </dgm:txFillClrLst>
+    <dgm:txFillClrLst/>
     <dgm:txEffectClrLst/>
   </dgm:styleLbl>
   <dgm:styleLbl name="node3">
     <dgm:fillClrLst meth="repeat">
-      <a:schemeClr val="lt1"/>
+      <a:schemeClr val="accent3"/>
     </dgm:fillClrLst>
     <dgm:linClrLst meth="repeat">
-      <a:schemeClr val="accent3">
-        <a:shade val="80000"/>
-      </a:schemeClr>
+      <a:schemeClr val="lt1"/>
     </dgm:linClrLst>
     <dgm:effectClrLst/>
     <dgm:txLinClrLst/>
-    <dgm:txFillClrLst meth="repeat">
-      <a:schemeClr val="dk1"/>
-    </dgm:txFillClrLst>
+    <dgm:txFillClrLst/>
     <dgm:txEffectClrLst/>
   </dgm:styleLbl>
   <dgm:styleLbl name="node4">
     <dgm:fillClrLst meth="repeat">
-      <a:schemeClr val="lt1"/>
+      <a:schemeClr val="accent3"/>
     </dgm:fillClrLst>
     <dgm:linClrLst meth="repeat">
-      <a:schemeClr val="accent3">
-        <a:shade val="80000"/>
-      </a:schemeClr>
+      <a:schemeClr val="lt1"/>
     </dgm:linClrLst>
     <dgm:effectClrLst/>
     <dgm:txLinClrLst/>
-    <dgm:txFillClrLst meth="repeat">
-      <a:schemeClr val="dk1"/>
-    </dgm:txFillClrLst>
+    <dgm:txFillClrLst/>
     <dgm:txEffectClrLst/>
   </dgm:styleLbl>
   <dgm:styleLbl name="fgImgPlace1">
     <dgm:fillClrLst meth="repeat">
       <a:schemeClr val="accent3">
-        <a:tint val="40000"/>
+        <a:tint val="50000"/>
       </a:schemeClr>
     </dgm:fillClrLst>
     <dgm:linClrLst meth="repeat">
-      <a:schemeClr val="accent3">
-        <a:shade val="80000"/>
-      </a:schemeClr>
+      <a:schemeClr val="lt1"/>
     </dgm:linClrLst>
     <dgm:effectClrLst/>
     <dgm:txLinClrLst/>
@@ -2159,13 +2007,11 @@
   <dgm:styleLbl name="alignImgPlace1">
     <dgm:fillClrLst meth="repeat">
       <a:schemeClr val="accent3">
-        <a:tint val="40000"/>
+        <a:tint val="50000"/>
       </a:schemeClr>
     </dgm:fillClrLst>
     <dgm:linClrLst meth="repeat">
-      <a:schemeClr val="accent3">
-        <a:shade val="80000"/>
-      </a:schemeClr>
+      <a:schemeClr val="lt1"/>
     </dgm:linClrLst>
     <dgm:effectClrLst/>
     <dgm:txLinClrLst/>
@@ -2177,13 +2023,11 @@
   <dgm:styleLbl name="bgImgPlace1">
     <dgm:fillClrLst meth="repeat">
       <a:schemeClr val="accent3">
-        <a:tint val="40000"/>
+        <a:tint val="50000"/>
       </a:schemeClr>
     </dgm:fillClrLst>
     <dgm:linClrLst meth="repeat">
-      <a:schemeClr val="accent3">
-        <a:shade val="80000"/>
-      </a:schemeClr>
+      <a:schemeClr val="lt1"/>
     </dgm:linClrLst>
     <dgm:effectClrLst/>
     <dgm:txLinClrLst/>
@@ -2205,9 +2049,7 @@
     </dgm:linClrLst>
     <dgm:effectClrLst/>
     <dgm:txLinClrLst/>
-    <dgm:txFillClrLst meth="repeat">
-      <a:schemeClr val="dk1"/>
-    </dgm:txFillClrLst>
+    <dgm:txFillClrLst/>
     <dgm:txEffectClrLst/>
   </dgm:styleLbl>
   <dgm:styleLbl name="fgSibTrans2D1">
@@ -2223,9 +2065,7 @@
     </dgm:linClrLst>
     <dgm:effectClrLst/>
     <dgm:txLinClrLst/>
-    <dgm:txFillClrLst meth="repeat">
-      <a:schemeClr val="dk1"/>
-    </dgm:txFillClrLst>
+    <dgm:txFillClrLst/>
     <dgm:txEffectClrLst/>
   </dgm:styleLbl>
   <dgm:styleLbl name="bgSibTrans2D1">
@@ -2241,9 +2081,7 @@
     </dgm:linClrLst>
     <dgm:effectClrLst/>
     <dgm:txLinClrLst/>
-    <dgm:txFillClrLst meth="repeat">
-      <a:schemeClr val="dk1"/>
-    </dgm:txFillClrLst>
+    <dgm:txFillClrLst/>
     <dgm:txEffectClrLst/>
   </dgm:styleLbl>
   <dgm:styleLbl name="sibTrans1D1">
@@ -2265,7 +2103,9 @@
       <a:schemeClr val="accent3"/>
     </dgm:fillClrLst>
     <dgm:linClrLst meth="repeat">
-      <a:schemeClr val="accent3"/>
+      <a:schemeClr val="accent3">
+        <a:tint val="50000"/>
+      </a:schemeClr>
     </dgm:linClrLst>
     <dgm:effectClrLst/>
     <dgm:txLinClrLst/>
@@ -2276,82 +2116,62 @@
   </dgm:styleLbl>
   <dgm:styleLbl name="asst0">
     <dgm:fillClrLst meth="repeat">
-      <a:schemeClr val="lt1"/>
+      <a:schemeClr val="accent3"/>
     </dgm:fillClrLst>
     <dgm:linClrLst meth="repeat">
-      <a:schemeClr val="accent3">
-        <a:shade val="80000"/>
-      </a:schemeClr>
+      <a:schemeClr val="lt1"/>
     </dgm:linClrLst>
     <dgm:effectClrLst/>
     <dgm:txLinClrLst/>
-    <dgm:txFillClrLst meth="repeat">
-      <a:schemeClr val="dk1"/>
-    </dgm:txFillClrLst>
+    <dgm:txFillClrLst/>
     <dgm:txEffectClrLst/>
   </dgm:styleLbl>
   <dgm:styleLbl name="asst1">
     <dgm:fillClrLst meth="repeat">
-      <a:schemeClr val="lt1"/>
+      <a:schemeClr val="accent3"/>
     </dgm:fillClrLst>
     <dgm:linClrLst meth="repeat">
-      <a:schemeClr val="accent3">
-        <a:shade val="80000"/>
-      </a:schemeClr>
+      <a:schemeClr val="lt1"/>
     </dgm:linClrLst>
     <dgm:effectClrLst/>
     <dgm:txLinClrLst/>
-    <dgm:txFillClrLst meth="repeat">
-      <a:schemeClr val="dk1"/>
-    </dgm:txFillClrLst>
+    <dgm:txFillClrLst/>
     <dgm:txEffectClrLst/>
   </dgm:styleLbl>
   <dgm:styleLbl name="asst2">
     <dgm:fillClrLst meth="repeat">
-      <a:schemeClr val="lt1"/>
+      <a:schemeClr val="accent3"/>
     </dgm:fillClrLst>
     <dgm:linClrLst meth="repeat">
-      <a:schemeClr val="accent3">
-        <a:shade val="80000"/>
-      </a:schemeClr>
+      <a:schemeClr val="lt1"/>
     </dgm:linClrLst>
     <dgm:effectClrLst/>
     <dgm:txLinClrLst/>
-    <dgm:txFillClrLst meth="repeat">
-      <a:schemeClr val="dk1"/>
-    </dgm:txFillClrLst>
+    <dgm:txFillClrLst/>
     <dgm:txEffectClrLst/>
   </dgm:styleLbl>
   <dgm:styleLbl name="asst3">
     <dgm:fillClrLst meth="repeat">
-      <a:schemeClr val="lt1"/>
+      <a:schemeClr val="accent3"/>
     </dgm:fillClrLst>
     <dgm:linClrLst meth="repeat">
-      <a:schemeClr val="accent3">
-        <a:shade val="80000"/>
-      </a:schemeClr>
+      <a:schemeClr val="lt1"/>
     </dgm:linClrLst>
     <dgm:effectClrLst/>
     <dgm:txLinClrLst/>
-    <dgm:txFillClrLst meth="repeat">
-      <a:schemeClr val="dk1"/>
-    </dgm:txFillClrLst>
+    <dgm:txFillClrLst/>
     <dgm:txEffectClrLst/>
   </dgm:styleLbl>
   <dgm:styleLbl name="asst4">
     <dgm:fillClrLst meth="repeat">
-      <a:schemeClr val="lt1"/>
+      <a:schemeClr val="accent3"/>
     </dgm:fillClrLst>
     <dgm:linClrLst meth="repeat">
-      <a:schemeClr val="accent3">
-        <a:shade val="80000"/>
-      </a:schemeClr>
+      <a:schemeClr val="lt1"/>
     </dgm:linClrLst>
     <dgm:effectClrLst/>
     <dgm:txLinClrLst/>
-    <dgm:txFillClrLst meth="repeat">
-      <a:schemeClr val="dk1"/>
-    </dgm:txFillClrLst>
+    <dgm:txFillClrLst/>
     <dgm:txEffectClrLst/>
   </dgm:styleLbl>
   <dgm:styleLbl name="parChTrans2D1">
@@ -2367,7 +2187,9 @@
     </dgm:linClrLst>
     <dgm:effectClrLst/>
     <dgm:txLinClrLst/>
-    <dgm:txFillClrLst/>
+    <dgm:txFillClrLst meth="repeat">
+      <a:schemeClr val="lt1"/>
+    </dgm:txFillClrLst>
     <dgm:txEffectClrLst/>
   </dgm:styleLbl>
   <dgm:styleLbl name="parChTrans2D2">
@@ -2379,7 +2201,9 @@
     </dgm:linClrLst>
     <dgm:effectClrLst/>
     <dgm:txLinClrLst/>
-    <dgm:txFillClrLst/>
+    <dgm:txFillClrLst meth="repeat">
+      <a:schemeClr val="lt1"/>
+    </dgm:txFillClrLst>
     <dgm:txEffectClrLst/>
   </dgm:styleLbl>
   <dgm:styleLbl name="parChTrans2D3">
@@ -2391,7 +2215,9 @@
     </dgm:linClrLst>
     <dgm:effectClrLst/>
     <dgm:txLinClrLst/>
-    <dgm:txFillClrLst/>
+    <dgm:txFillClrLst meth="repeat">
+      <a:schemeClr val="lt1"/>
+    </dgm:txFillClrLst>
     <dgm:txEffectClrLst/>
   </dgm:styleLbl>
   <dgm:styleLbl name="parChTrans2D4">
@@ -2474,9 +2300,8 @@
   </dgm:styleLbl>
   <dgm:styleLbl name="fgAcc1">
     <dgm:fillClrLst meth="repeat">
-      <a:schemeClr val="accent3">
+      <a:schemeClr val="lt1">
         <a:alpha val="90000"/>
-        <a:tint val="40000"/>
       </a:schemeClr>
     </dgm:fillClrLst>
     <dgm:linClrLst meth="repeat">
@@ -2491,9 +2316,8 @@
   </dgm:styleLbl>
   <dgm:styleLbl name="conFgAcc1">
     <dgm:fillClrLst meth="repeat">
-      <a:schemeClr val="accent3">
+      <a:schemeClr val="lt1">
         <a:alpha val="90000"/>
-        <a:tint val="40000"/>
       </a:schemeClr>
     </dgm:fillClrLst>
     <dgm:linClrLst meth="repeat">
@@ -2508,9 +2332,8 @@
   </dgm:styleLbl>
   <dgm:styleLbl name="alignAcc1">
     <dgm:fillClrLst meth="repeat">
-      <a:schemeClr val="accent3">
+      <a:schemeClr val="lt1">
         <a:alpha val="90000"/>
-        <a:tint val="40000"/>
       </a:schemeClr>
     </dgm:fillClrLst>
     <dgm:linClrLst meth="repeat">
@@ -2525,9 +2348,8 @@
   </dgm:styleLbl>
   <dgm:styleLbl name="trAlignAcc1">
     <dgm:fillClrLst meth="repeat">
-      <a:schemeClr val="accent3">
+      <a:schemeClr val="lt1">
         <a:alpha val="40000"/>
-        <a:tint val="40000"/>
       </a:schemeClr>
     </dgm:fillClrLst>
     <dgm:linClrLst meth="repeat">
@@ -2542,9 +2364,8 @@
   </dgm:styleLbl>
   <dgm:styleLbl name="bgAcc1">
     <dgm:fillClrLst meth="repeat">
-      <a:schemeClr val="accent3">
+      <a:schemeClr val="lt1">
         <a:alpha val="90000"/>
-        <a:tint val="40000"/>
       </a:schemeClr>
     </dgm:fillClrLst>
     <dgm:linClrLst meth="repeat">
@@ -2601,7 +2422,7 @@
   </dgm:styleLbl>
   <dgm:styleLbl name="fgAccFollowNode1">
     <dgm:fillClrLst meth="repeat">
-      <a:schemeClr val="lt1">
+      <a:schemeClr val="accent3">
         <a:alpha val="90000"/>
         <a:tint val="40000"/>
       </a:schemeClr>
@@ -2609,6 +2430,7 @@
     <dgm:linClrLst meth="repeat">
       <a:schemeClr val="accent3">
         <a:alpha val="90000"/>
+        <a:tint val="40000"/>
       </a:schemeClr>
     </dgm:linClrLst>
     <dgm:effectClrLst/>
@@ -2620,7 +2442,7 @@
   </dgm:styleLbl>
   <dgm:styleLbl name="alignAccFollowNode1">
     <dgm:fillClrLst meth="repeat">
-      <a:schemeClr val="lt1">
+      <a:schemeClr val="accent3">
         <a:alpha val="90000"/>
         <a:tint val="40000"/>
       </a:schemeClr>
@@ -2628,6 +2450,7 @@
     <dgm:linClrLst meth="repeat">
       <a:schemeClr val="accent3">
         <a:alpha val="90000"/>
+        <a:tint val="40000"/>
       </a:schemeClr>
     </dgm:linClrLst>
     <dgm:effectClrLst/>
@@ -2639,7 +2462,7 @@
   </dgm:styleLbl>
   <dgm:styleLbl name="bgAccFollowNode1">
     <dgm:fillClrLst meth="repeat">
-      <a:schemeClr val="lt1">
+      <a:schemeClr val="accent3">
         <a:alpha val="90000"/>
         <a:tint val="40000"/>
       </a:schemeClr>
@@ -2647,6 +2470,7 @@
     <dgm:linClrLst meth="repeat">
       <a:schemeClr val="accent3">
         <a:alpha val="90000"/>
+        <a:tint val="40000"/>
       </a:schemeClr>
     </dgm:linClrLst>
     <dgm:effectClrLst/>
@@ -2658,9 +2482,8 @@
   </dgm:styleLbl>
   <dgm:styleLbl name="fgAcc0">
     <dgm:fillClrLst meth="repeat">
-      <a:schemeClr val="accent3">
+      <a:schemeClr val="lt1">
         <a:alpha val="90000"/>
-        <a:tint val="40000"/>
       </a:schemeClr>
     </dgm:fillClrLst>
     <dgm:linClrLst meth="repeat">
@@ -2675,9 +2498,8 @@
   </dgm:styleLbl>
   <dgm:styleLbl name="fgAcc2">
     <dgm:fillClrLst meth="repeat">
-      <a:schemeClr val="accent3">
+      <a:schemeClr val="lt1">
         <a:alpha val="90000"/>
-        <a:tint val="40000"/>
       </a:schemeClr>
     </dgm:fillClrLst>
     <dgm:linClrLst meth="repeat">
@@ -2692,9 +2514,8 @@
   </dgm:styleLbl>
   <dgm:styleLbl name="fgAcc3">
     <dgm:fillClrLst meth="repeat">
-      <a:schemeClr val="accent3">
+      <a:schemeClr val="lt1">
         <a:alpha val="90000"/>
-        <a:tint val="40000"/>
       </a:schemeClr>
     </dgm:fillClrLst>
     <dgm:linClrLst meth="repeat">
@@ -2709,9 +2530,8 @@
   </dgm:styleLbl>
   <dgm:styleLbl name="fgAcc4">
     <dgm:fillClrLst meth="repeat">
-      <a:schemeClr val="accent3">
+      <a:schemeClr val="lt1">
         <a:alpha val="90000"/>
-        <a:tint val="40000"/>
       </a:schemeClr>
     </dgm:fillClrLst>
     <dgm:linClrLst meth="repeat">
@@ -2814,7 +2634,7 @@
 <dgm:dataModel xmlns:dgm="http://schemas.openxmlformats.org/drawingml/2006/diagram" xmlns:a="http://schemas.openxmlformats.org/drawingml/2006/main">
   <dgm:ptLst>
     <dgm:pt modelId="{6CC37FB0-11E9-4812-A8EE-2503DAE1CF11}" type="doc">
-      <dgm:prSet loTypeId="urn:microsoft.com/office/officeart/2005/8/layout/vList5" loCatId="list" qsTypeId="urn:microsoft.com/office/officeart/2005/8/quickstyle/simple1" qsCatId="simple" csTypeId="urn:microsoft.com/office/officeart/2005/8/colors/accent3_1" csCatId="accent3" phldr="1"/>
+      <dgm:prSet loTypeId="urn:microsoft.com/office/officeart/2005/8/layout/vList5" loCatId="list" qsTypeId="urn:microsoft.com/office/officeart/2005/8/quickstyle/simple1" qsCatId="simple" csTypeId="urn:microsoft.com/office/officeart/2005/8/colors/accent3_2" csCatId="accent3" phldr="1"/>
       <dgm:spPr/>
       <dgm:t>
         <a:bodyPr/>
@@ -2825,18 +2645,18 @@
       </dgm:t>
     </dgm:pt>
     <dgm:pt modelId="{657B000D-0860-46F7-B498-0DFCF464EA0B}">
-      <dgm:prSet phldrT="[Text]" custT="1"/>
+      <dgm:prSet phldrT="[Text]"/>
       <dgm:spPr/>
       <dgm:t>
         <a:bodyPr/>
         <a:lstStyle/>
         <a:p>
           <a:r>
-            <a:rPr lang="ru-RU" sz="1400" dirty="0" err="1"/>
+            <a:rPr lang="ru-RU" dirty="0" err="1"/>
             <a:t>Стрим</a:t>
           </a:r>
           <a:r>
-            <a:rPr lang="ru-RU" sz="1400" dirty="0"/>
+            <a:rPr lang="ru-RU" dirty="0"/>
             <a:t> из итератора</a:t>
           </a:r>
         </a:p>
@@ -2849,7 +2669,7 @@
         <a:bodyPr/>
         <a:lstStyle/>
         <a:p>
-          <a:endParaRPr lang="ru-RU" sz="2000"/>
+          <a:endParaRPr lang="ru-RU"/>
         </a:p>
       </dgm:t>
     </dgm:pt>
@@ -2860,26 +2680,25 @@
         <a:bodyPr/>
         <a:lstStyle/>
         <a:p>
-          <a:endParaRPr lang="ru-RU" sz="2000"/>
+          <a:endParaRPr lang="ru-RU"/>
         </a:p>
       </dgm:t>
     </dgm:pt>
     <dgm:pt modelId="{44D781FF-3AAD-467D-97D7-B31364E7A950}">
-      <dgm:prSet phldrT="[Text]" custT="1"/>
+      <dgm:prSet phldrT="[Text]"/>
       <dgm:spPr/>
       <dgm:t>
         <a:bodyPr/>
         <a:lstStyle/>
         <a:p>
           <a:r>
-            <a:rPr lang="ru-RU" sz="1800" b="0" i="0" dirty="0" err="1"/>
+            <a:rPr lang="ru-RU" dirty="0" err="1"/>
             <a:t>Стрим</a:t>
           </a:r>
           <a:r>
-            <a:rPr lang="ru-RU" sz="1800" b="0" i="0" dirty="0"/>
+            <a:rPr lang="ru-RU" dirty="0"/>
             <a:t> из значений</a:t>
           </a:r>
-          <a:endParaRPr lang="ru-RU" sz="1800" dirty="0"/>
         </a:p>
       </dgm:t>
     </dgm:pt>
@@ -2890,7 +2709,7 @@
         <a:bodyPr/>
         <a:lstStyle/>
         <a:p>
-          <a:endParaRPr lang="ru-RU" sz="2000"/>
+          <a:endParaRPr lang="ru-RU"/>
         </a:p>
       </dgm:t>
     </dgm:pt>
@@ -2901,22 +2720,21 @@
         <a:bodyPr/>
         <a:lstStyle/>
         <a:p>
-          <a:endParaRPr lang="ru-RU" sz="2000"/>
+          <a:endParaRPr lang="ru-RU"/>
         </a:p>
       </dgm:t>
     </dgm:pt>
     <dgm:pt modelId="{F9116B5D-A59A-4A6B-9582-20C27C39A3F9}">
-      <dgm:prSet phldrT="[Text]" custT="1"/>
+      <dgm:prSet phldrT="[Text]"/>
       <dgm:spPr/>
       <dgm:t>
         <a:bodyPr/>
         <a:lstStyle/>
         <a:p>
           <a:r>
-            <a:rPr lang="ru-RU" sz="2800" dirty="0"/>
+            <a:rPr lang="ru-RU" dirty="0"/>
             <a:t>Классический</a:t>
           </a:r>
-          <a:endParaRPr lang="ru-RU" sz="2000" dirty="0"/>
         </a:p>
       </dgm:t>
     </dgm:pt>
@@ -2927,7 +2745,7 @@
         <a:bodyPr/>
         <a:lstStyle/>
         <a:p>
-          <a:endParaRPr lang="ru-RU" sz="2000"/>
+          <a:endParaRPr lang="ru-RU"/>
         </a:p>
       </dgm:t>
     </dgm:pt>
@@ -2938,30 +2756,26 @@
         <a:bodyPr/>
         <a:lstStyle/>
         <a:p>
-          <a:endParaRPr lang="ru-RU" sz="2000"/>
+          <a:endParaRPr lang="ru-RU"/>
         </a:p>
       </dgm:t>
     </dgm:pt>
     <dgm:pt modelId="{70EB2085-DDD1-4E10-80BE-5E26EB968DFF}">
-      <dgm:prSet phldrT="[Text]" custT="1"/>
+      <dgm:prSet phldrT="[Text]"/>
       <dgm:spPr/>
       <dgm:t>
         <a:bodyPr/>
         <a:lstStyle/>
         <a:p>
           <a:r>
-            <a:rPr lang="en-US" sz="1400" b="0" i="0" dirty="0" err="1"/>
-            <a:t>collection.</a:t>
+            <a:rPr lang="en-US" dirty="0" err="1"/>
+            <a:t>collection.stream</a:t>
           </a:r>
           <a:r>
-            <a:rPr lang="en-US" sz="1400" b="1" i="0" dirty="0" err="1"/>
-            <a:t>stream</a:t>
-          </a:r>
-          <a:r>
-            <a:rPr lang="en-US" sz="1400" b="0" i="0" dirty="0"/>
+            <a:rPr lang="en-US" dirty="0"/>
             <a:t>()</a:t>
           </a:r>
-          <a:endParaRPr lang="ru-RU" sz="1400" dirty="0"/>
+          <a:endParaRPr lang="ru-RU" dirty="0"/>
         </a:p>
       </dgm:t>
     </dgm:pt>
@@ -2972,7 +2786,7 @@
         <a:bodyPr/>
         <a:lstStyle/>
         <a:p>
-          <a:endParaRPr lang="ru-RU" sz="2000"/>
+          <a:endParaRPr lang="ru-RU"/>
         </a:p>
       </dgm:t>
     </dgm:pt>
@@ -2983,26 +2797,26 @@
         <a:bodyPr/>
         <a:lstStyle/>
         <a:p>
-          <a:endParaRPr lang="ru-RU" sz="2000"/>
+          <a:endParaRPr lang="ru-RU"/>
         </a:p>
       </dgm:t>
     </dgm:pt>
     <dgm:pt modelId="{09677645-CF0B-4E37-9A5D-4202B4940E35}">
-      <dgm:prSet phldrT="[Text]" custT="1"/>
+      <dgm:prSet phldrT="[Text]"/>
       <dgm:spPr/>
       <dgm:t>
         <a:bodyPr/>
         <a:lstStyle/>
         <a:p>
           <a:r>
-            <a:rPr lang="en-US" sz="1800" dirty="0" err="1"/>
+            <a:rPr lang="en-US" dirty="0" err="1"/>
             <a:t>Stream.of</a:t>
           </a:r>
           <a:r>
-            <a:rPr lang="en-US" sz="1800" dirty="0"/>
+            <a:rPr lang="en-US" dirty="0"/>
             <a:t>(1,2,3)</a:t>
           </a:r>
-          <a:endParaRPr lang="ru-RU" sz="1800" dirty="0"/>
+          <a:endParaRPr lang="ru-RU" dirty="0"/>
         </a:p>
       </dgm:t>
     </dgm:pt>
@@ -3013,7 +2827,7 @@
         <a:bodyPr/>
         <a:lstStyle/>
         <a:p>
-          <a:endParaRPr lang="ru-RU" sz="2000"/>
+          <a:endParaRPr lang="ru-RU"/>
         </a:p>
       </dgm:t>
     </dgm:pt>
@@ -3024,34 +2838,29 @@
         <a:bodyPr/>
         <a:lstStyle/>
         <a:p>
-          <a:endParaRPr lang="ru-RU" sz="2000"/>
+          <a:endParaRPr lang="ru-RU"/>
         </a:p>
       </dgm:t>
     </dgm:pt>
     <dgm:pt modelId="{91DE480F-74CB-4214-8DE5-DCBD8A979050}">
-      <dgm:prSet phldrT="[Text]" custT="1"/>
+      <dgm:prSet phldrT="[Text]"/>
       <dgm:spPr/>
       <dgm:t>
         <a:bodyPr/>
         <a:lstStyle/>
         <a:p>
           <a:r>
-            <a:rPr lang="en-US" sz="2000" b="1" i="0" dirty="0" err="1"/>
+            <a:rPr lang="en-US" dirty="0" err="1"/>
             <a:t>Arrays.stream</a:t>
           </a:r>
           <a:r>
-            <a:rPr lang="en-US" sz="2000" b="0" i="0" dirty="0"/>
+            <a:rPr lang="en-US" dirty="0"/>
             <a:t>(</a:t>
           </a:r>
           <a:r>
-            <a:rPr lang="ru-RU" sz="2000" b="0" i="1" dirty="0"/>
-            <a:t>массив</a:t>
+            <a:rPr lang="ru-RU" dirty="0"/>
+            <a:t>массив)</a:t>
           </a:r>
-          <a:r>
-            <a:rPr lang="ru-RU" sz="2000" b="0" i="0" dirty="0"/>
-            <a:t>)</a:t>
-          </a:r>
-          <a:endParaRPr lang="ru-RU" sz="2000" dirty="0"/>
         </a:p>
       </dgm:t>
     </dgm:pt>
@@ -3062,7 +2871,7 @@
         <a:bodyPr/>
         <a:lstStyle/>
         <a:p>
-          <a:endParaRPr lang="ru-RU" sz="2000"/>
+          <a:endParaRPr lang="ru-RU"/>
         </a:p>
       </dgm:t>
     </dgm:pt>
@@ -3073,26 +2882,25 @@
         <a:bodyPr/>
         <a:lstStyle/>
         <a:p>
-          <a:endParaRPr lang="ru-RU" sz="2000"/>
+          <a:endParaRPr lang="ru-RU"/>
         </a:p>
       </dgm:t>
     </dgm:pt>
     <dgm:pt modelId="{1E43BE5F-ACA7-40AD-83DE-CBAA5E582D8E}">
-      <dgm:prSet phldrT="[Text]" custT="1"/>
+      <dgm:prSet phldrT="[Text]"/>
       <dgm:spPr/>
       <dgm:t>
         <a:bodyPr/>
         <a:lstStyle/>
         <a:p>
           <a:r>
-            <a:rPr lang="ru-RU" sz="1800" b="0" i="0" dirty="0" err="1"/>
+            <a:rPr lang="ru-RU" dirty="0" err="1"/>
             <a:t>Стрим</a:t>
           </a:r>
           <a:r>
-            <a:rPr lang="ru-RU" sz="1800" b="0" i="0" dirty="0"/>
+            <a:rPr lang="ru-RU" dirty="0"/>
             <a:t> из файла </a:t>
           </a:r>
-          <a:endParaRPr lang="ru-RU" sz="1800" dirty="0"/>
         </a:p>
       </dgm:t>
     </dgm:pt>
@@ -3103,7 +2911,7 @@
         <a:bodyPr/>
         <a:lstStyle/>
         <a:p>
-          <a:endParaRPr lang="ru-RU" sz="2000"/>
+          <a:endParaRPr lang="ru-RU"/>
         </a:p>
       </dgm:t>
     </dgm:pt>
@@ -3114,34 +2922,33 @@
         <a:bodyPr/>
         <a:lstStyle/>
         <a:p>
-          <a:endParaRPr lang="ru-RU" sz="2000"/>
+          <a:endParaRPr lang="ru-RU"/>
         </a:p>
       </dgm:t>
     </dgm:pt>
     <dgm:pt modelId="{FF93CB9E-681E-443A-8088-0C1424A04B51}">
-      <dgm:prSet phldrT="[Text]" custT="1"/>
+      <dgm:prSet phldrT="[Text]"/>
       <dgm:spPr/>
       <dgm:t>
         <a:bodyPr/>
         <a:lstStyle/>
         <a:p>
           <a:r>
-            <a:rPr lang="en-US" sz="1800" b="1" i="0" dirty="0" err="1"/>
+            <a:rPr lang="en-US" dirty="0" err="1"/>
             <a:t>Files.lines</a:t>
           </a:r>
           <a:r>
-            <a:rPr lang="en-US" sz="1800" b="0" i="0" dirty="0"/>
+            <a:rPr lang="en-US" dirty="0"/>
             <a:t>(</a:t>
           </a:r>
           <a:r>
-            <a:rPr lang="ru-RU" sz="1800" b="0" i="1" dirty="0" err="1"/>
+            <a:rPr lang="ru-RU" dirty="0" err="1"/>
             <a:t>путь_к_файлу</a:t>
           </a:r>
           <a:r>
-            <a:rPr lang="ru-RU" sz="1800" b="0" i="0" dirty="0"/>
+            <a:rPr lang="ru-RU" dirty="0"/>
             <a:t>)</a:t>
           </a:r>
-          <a:endParaRPr lang="ru-RU" sz="1800" dirty="0"/>
         </a:p>
       </dgm:t>
     </dgm:pt>
@@ -3152,7 +2959,7 @@
         <a:bodyPr/>
         <a:lstStyle/>
         <a:p>
-          <a:endParaRPr lang="ru-RU" sz="2000"/>
+          <a:endParaRPr lang="ru-RU"/>
         </a:p>
       </dgm:t>
     </dgm:pt>
@@ -3163,26 +2970,26 @@
         <a:bodyPr/>
         <a:lstStyle/>
         <a:p>
-          <a:endParaRPr lang="ru-RU" sz="2000"/>
+          <a:endParaRPr lang="ru-RU"/>
         </a:p>
       </dgm:t>
     </dgm:pt>
     <dgm:pt modelId="{E53D188F-2582-4DB2-8F44-590581F8F51C}">
-      <dgm:prSet phldrT="[Text]" custT="1"/>
+      <dgm:prSet phldrT="[Text]"/>
       <dgm:spPr/>
       <dgm:t>
         <a:bodyPr/>
         <a:lstStyle/>
         <a:p>
           <a:r>
-            <a:rPr lang="ru-RU" sz="1400" b="0" i="0" dirty="0"/>
+            <a:rPr lang="ru-RU" dirty="0"/>
             <a:t>Создание параллельного </a:t>
           </a:r>
           <a:r>
-            <a:rPr lang="ru-RU" sz="1400" b="0" i="0" dirty="0" err="1"/>
+            <a:rPr lang="ru-RU" dirty="0" err="1"/>
             <a:t>стрима</a:t>
           </a:r>
-          <a:endParaRPr lang="ru-RU" sz="1400" dirty="0"/>
+          <a:endParaRPr lang="ru-RU" dirty="0"/>
         </a:p>
       </dgm:t>
     </dgm:pt>
@@ -3193,7 +3000,7 @@
         <a:bodyPr/>
         <a:lstStyle/>
         <a:p>
-          <a:endParaRPr lang="ru-RU" sz="2000"/>
+          <a:endParaRPr lang="ru-RU"/>
         </a:p>
       </dgm:t>
     </dgm:pt>
@@ -3204,30 +3011,26 @@
         <a:bodyPr/>
         <a:lstStyle/>
         <a:p>
-          <a:endParaRPr lang="ru-RU" sz="2000"/>
+          <a:endParaRPr lang="ru-RU"/>
         </a:p>
       </dgm:t>
     </dgm:pt>
     <dgm:pt modelId="{B0C05ECD-C1F2-4AAD-8F39-A4A59F16A0C3}">
-      <dgm:prSet phldrT="[Text]" custT="1"/>
+      <dgm:prSet phldrT="[Text]"/>
       <dgm:spPr/>
       <dgm:t>
         <a:bodyPr/>
         <a:lstStyle/>
         <a:p>
           <a:r>
-            <a:rPr lang="en-US" sz="1400" b="0" i="0" dirty="0" err="1"/>
-            <a:t>collection.</a:t>
+            <a:rPr lang="en-US" dirty="0" err="1"/>
+            <a:t>collection.parallelStream</a:t>
           </a:r>
           <a:r>
-            <a:rPr lang="en-US" sz="1400" b="1" i="0" dirty="0" err="1"/>
-            <a:t>parallelStream</a:t>
-          </a:r>
-          <a:r>
-            <a:rPr lang="en-US" sz="1400" b="0" i="0" dirty="0"/>
+            <a:rPr lang="en-US" dirty="0"/>
             <a:t>()</a:t>
           </a:r>
-          <a:endParaRPr lang="ru-RU" sz="1400" dirty="0"/>
+          <a:endParaRPr lang="ru-RU" dirty="0"/>
         </a:p>
       </dgm:t>
     </dgm:pt>
@@ -3238,7 +3041,7 @@
         <a:bodyPr/>
         <a:lstStyle/>
         <a:p>
-          <a:endParaRPr lang="ru-RU" sz="2000"/>
+          <a:endParaRPr lang="ru-RU"/>
         </a:p>
       </dgm:t>
     </dgm:pt>
@@ -3249,30 +3052,29 @@
         <a:bodyPr/>
         <a:lstStyle/>
         <a:p>
-          <a:endParaRPr lang="ru-RU" sz="2000"/>
+          <a:endParaRPr lang="ru-RU"/>
         </a:p>
       </dgm:t>
     </dgm:pt>
     <dgm:pt modelId="{4C7674A1-1DC0-49D3-8DB2-5B583BF55D7B}">
-      <dgm:prSet phldrT="[Text]" custT="1"/>
+      <dgm:prSet phldrT="[Text]"/>
       <dgm:spPr/>
       <dgm:t>
         <a:bodyPr/>
         <a:lstStyle/>
         <a:p>
           <a:r>
-            <a:rPr lang="en-US" sz="1800" dirty="0"/>
+            <a:rPr lang="en-US" dirty="0"/>
             <a:t>C</a:t>
           </a:r>
           <a:r>
-            <a:rPr lang="ru-RU" sz="2000" b="0" i="0" dirty="0" err="1"/>
+            <a:rPr lang="ru-RU" dirty="0" err="1"/>
             <a:t>трим</a:t>
           </a:r>
           <a:r>
-            <a:rPr lang="ru-RU" sz="2000" b="0" i="0" dirty="0"/>
+            <a:rPr lang="ru-RU" dirty="0"/>
             <a:t> из массива</a:t>
           </a:r>
-          <a:endParaRPr lang="ru-RU" sz="1800" dirty="0"/>
         </a:p>
       </dgm:t>
     </dgm:pt>
@@ -3283,7 +3085,7 @@
         <a:bodyPr/>
         <a:lstStyle/>
         <a:p>
-          <a:endParaRPr lang="ru-RU" sz="2000"/>
+          <a:endParaRPr lang="ru-RU"/>
         </a:p>
       </dgm:t>
     </dgm:pt>
@@ -3294,34 +3096,34 @@
         <a:bodyPr/>
         <a:lstStyle/>
         <a:p>
-          <a:endParaRPr lang="ru-RU" sz="2000"/>
+          <a:endParaRPr lang="ru-RU"/>
         </a:p>
       </dgm:t>
     </dgm:pt>
     <dgm:pt modelId="{C95882E2-D459-4CD1-8644-EF691BB99204}">
-      <dgm:prSet phldrT="[Text]" custT="1"/>
+      <dgm:prSet phldrT="[Text]"/>
       <dgm:spPr/>
       <dgm:t>
         <a:bodyPr/>
         <a:lstStyle/>
         <a:p>
           <a:r>
-            <a:rPr lang="ru-RU" sz="1400" b="0" i="0" dirty="0"/>
+            <a:rPr lang="ru-RU" dirty="0"/>
             <a:t>Создание бесконечных </a:t>
           </a:r>
           <a:r>
-            <a:rPr lang="ru-RU" sz="1400" b="0" i="0" dirty="0" err="1"/>
+            <a:rPr lang="ru-RU" dirty="0" err="1"/>
             <a:t>стрима</a:t>
           </a:r>
           <a:r>
-            <a:rPr lang="ru-RU" sz="1400" b="0" i="0" dirty="0"/>
+            <a:rPr lang="ru-RU" dirty="0"/>
             <a:t> с помощью </a:t>
           </a:r>
           <a:r>
-            <a:rPr lang="ru-RU" sz="1400" b="0" i="0" dirty="0" err="1"/>
+            <a:rPr lang="ru-RU" dirty="0" err="1"/>
             <a:t>Stream.iterate</a:t>
           </a:r>
-          <a:endParaRPr lang="ru-RU" sz="1400" dirty="0"/>
+          <a:endParaRPr lang="ru-RU" dirty="0"/>
         </a:p>
       </dgm:t>
     </dgm:pt>
@@ -3332,7 +3134,7 @@
         <a:bodyPr/>
         <a:lstStyle/>
         <a:p>
-          <a:endParaRPr lang="ru-RU" sz="2000"/>
+          <a:endParaRPr lang="ru-RU"/>
         </a:p>
       </dgm:t>
     </dgm:pt>
@@ -3343,42 +3145,41 @@
         <a:bodyPr/>
         <a:lstStyle/>
         <a:p>
-          <a:endParaRPr lang="ru-RU" sz="2000"/>
+          <a:endParaRPr lang="ru-RU"/>
         </a:p>
       </dgm:t>
     </dgm:pt>
     <dgm:pt modelId="{15CB2C8D-5967-43B2-A486-90CDD14B2C52}">
-      <dgm:prSet phldrT="[Text]" custT="1"/>
+      <dgm:prSet phldrT="[Text]"/>
       <dgm:spPr/>
       <dgm:t>
         <a:bodyPr/>
         <a:lstStyle/>
         <a:p>
           <a:r>
-            <a:rPr lang="en-US" sz="1400" b="1" i="0" dirty="0" err="1"/>
+            <a:rPr lang="en-US" dirty="0" err="1"/>
             <a:t>Stream.iterate</a:t>
           </a:r>
           <a:r>
-            <a:rPr lang="en-US" sz="1400" b="0" i="0" dirty="0"/>
+            <a:rPr lang="en-US" dirty="0"/>
             <a:t>(</a:t>
           </a:r>
           <a:r>
-            <a:rPr lang="ru-RU" sz="1400" b="0" i="1" dirty="0" err="1"/>
+            <a:rPr lang="ru-RU" dirty="0" err="1"/>
             <a:t>начальное_условие</a:t>
           </a:r>
           <a:r>
-            <a:rPr lang="ru-RU" sz="1400" b="0" i="0" dirty="0"/>
+            <a:rPr lang="ru-RU" dirty="0"/>
             <a:t>, </a:t>
           </a:r>
           <a:r>
-            <a:rPr lang="ru-RU" sz="1400" b="0" i="1" dirty="0" err="1"/>
+            <a:rPr lang="ru-RU" dirty="0" err="1"/>
             <a:t>выражение_генерации</a:t>
           </a:r>
           <a:r>
-            <a:rPr lang="ru-RU" sz="1400" b="0" i="0" dirty="0"/>
+            <a:rPr lang="ru-RU" dirty="0"/>
             <a:t>)</a:t>
           </a:r>
-          <a:endParaRPr lang="ru-RU" sz="1400" dirty="0"/>
         </a:p>
       </dgm:t>
     </dgm:pt>
@@ -3389,7 +3190,7 @@
         <a:bodyPr/>
         <a:lstStyle/>
         <a:p>
-          <a:endParaRPr lang="ru-RU" sz="2000"/>
+          <a:endParaRPr lang="ru-RU"/>
         </a:p>
       </dgm:t>
     </dgm:pt>
@@ -3400,34 +3201,34 @@
         <a:bodyPr/>
         <a:lstStyle/>
         <a:p>
-          <a:endParaRPr lang="ru-RU" sz="2000"/>
+          <a:endParaRPr lang="ru-RU"/>
         </a:p>
       </dgm:t>
     </dgm:pt>
     <dgm:pt modelId="{3D072BCE-1700-4D4D-9B2E-63D033578DCF}">
-      <dgm:prSet phldrT="[Text]" custT="1"/>
+      <dgm:prSet phldrT="[Text]"/>
       <dgm:spPr/>
       <dgm:t>
         <a:bodyPr/>
         <a:lstStyle/>
         <a:p>
           <a:r>
-            <a:rPr lang="ru-RU" sz="1400" b="0" i="0" dirty="0"/>
+            <a:rPr lang="ru-RU" dirty="0"/>
             <a:t>Создание бесконечных </a:t>
           </a:r>
           <a:r>
-            <a:rPr lang="ru-RU" sz="1400" b="0" i="0" dirty="0" err="1"/>
+            <a:rPr lang="ru-RU" dirty="0" err="1"/>
             <a:t>стрима</a:t>
           </a:r>
           <a:r>
-            <a:rPr lang="ru-RU" sz="1400" b="0" i="0" dirty="0"/>
+            <a:rPr lang="ru-RU" dirty="0"/>
             <a:t> с помощью </a:t>
           </a:r>
           <a:r>
-            <a:rPr lang="ru-RU" sz="1400" b="0" i="0" dirty="0" err="1"/>
+            <a:rPr lang="ru-RU" dirty="0" err="1"/>
             <a:t>Stream.generate</a:t>
           </a:r>
-          <a:endParaRPr lang="ru-RU" sz="1400" dirty="0"/>
+          <a:endParaRPr lang="ru-RU" dirty="0"/>
         </a:p>
       </dgm:t>
     </dgm:pt>
@@ -3438,7 +3239,7 @@
         <a:bodyPr/>
         <a:lstStyle/>
         <a:p>
-          <a:endParaRPr lang="ru-RU" sz="2000"/>
+          <a:endParaRPr lang="ru-RU"/>
         </a:p>
       </dgm:t>
     </dgm:pt>
@@ -3449,34 +3250,33 @@
         <a:bodyPr/>
         <a:lstStyle/>
         <a:p>
-          <a:endParaRPr lang="ru-RU" sz="2000"/>
+          <a:endParaRPr lang="ru-RU"/>
         </a:p>
       </dgm:t>
     </dgm:pt>
     <dgm:pt modelId="{AEE3FD88-F385-4811-97AC-D5423FB23FBD}">
-      <dgm:prSet phldrT="[Text]" custT="1"/>
+      <dgm:prSet phldrT="[Text]"/>
       <dgm:spPr/>
       <dgm:t>
         <a:bodyPr/>
         <a:lstStyle/>
         <a:p>
           <a:r>
-            <a:rPr lang="en-US" sz="1400" b="1" i="0" dirty="0" err="1"/>
+            <a:rPr lang="en-US" dirty="0" err="1"/>
             <a:t>Stream.generate</a:t>
           </a:r>
           <a:r>
-            <a:rPr lang="en-US" sz="1400" b="0" i="0" dirty="0"/>
+            <a:rPr lang="en-US" dirty="0"/>
             <a:t>(</a:t>
           </a:r>
           <a:r>
-            <a:rPr lang="ru-RU" sz="1400" b="0" i="1" dirty="0" err="1"/>
+            <a:rPr lang="ru-RU" dirty="0" err="1"/>
             <a:t>выражение_генерации</a:t>
           </a:r>
           <a:r>
-            <a:rPr lang="ru-RU" sz="1400" b="0" i="0" dirty="0"/>
+            <a:rPr lang="ru-RU" dirty="0"/>
             <a:t>)</a:t>
           </a:r>
-          <a:endParaRPr lang="ru-RU" sz="1400" dirty="0"/>
         </a:p>
       </dgm:t>
     </dgm:pt>
@@ -3487,7 +3287,7 @@
         <a:bodyPr/>
         <a:lstStyle/>
         <a:p>
-          <a:endParaRPr lang="ru-RU" sz="2000"/>
+          <a:endParaRPr lang="ru-RU"/>
         </a:p>
       </dgm:t>
     </dgm:pt>
@@ -3498,34 +3298,34 @@
         <a:bodyPr/>
         <a:lstStyle/>
         <a:p>
-          <a:endParaRPr lang="ru-RU" sz="2000"/>
+          <a:endParaRPr lang="ru-RU"/>
         </a:p>
       </dgm:t>
     </dgm:pt>
     <dgm:pt modelId="{3E517703-8BC4-4454-B7F9-B3187399719D}">
-      <dgm:prSet phldrT="[Text]" custT="1"/>
+      <dgm:prSet phldrT="[Text]"/>
       <dgm:spPr/>
       <dgm:t>
         <a:bodyPr/>
         <a:lstStyle/>
         <a:p>
           <a:r>
-            <a:rPr lang="en-US" sz="1400" b="1" dirty="0" err="1"/>
+            <a:rPr lang="en-US" dirty="0" err="1"/>
             <a:t>StreamSupport.stream</a:t>
           </a:r>
           <a:r>
-            <a:rPr lang="en-US" sz="1400" dirty="0"/>
+            <a:rPr lang="en-US" dirty="0"/>
             <a:t>(</a:t>
           </a:r>
           <a:r>
-            <a:rPr lang="en-US" sz="1400" dirty="0" err="1"/>
+            <a:rPr lang="en-US" dirty="0" err="1"/>
             <a:t>spliterator</a:t>
           </a:r>
           <a:r>
-            <a:rPr lang="en-US" sz="1400" dirty="0"/>
+            <a:rPr lang="en-US" dirty="0"/>
             <a:t>, false);</a:t>
           </a:r>
-          <a:endParaRPr lang="ru-RU" sz="1400" dirty="0"/>
+          <a:endParaRPr lang="ru-RU" dirty="0"/>
         </a:p>
       </dgm:t>
     </dgm:pt>
@@ -3536,7 +3336,7 @@
         <a:bodyPr/>
         <a:lstStyle/>
         <a:p>
-          <a:endParaRPr lang="ru-RU" sz="2000"/>
+          <a:endParaRPr lang="ru-RU"/>
         </a:p>
       </dgm:t>
     </dgm:pt>
@@ -3547,7 +3347,7 @@
         <a:bodyPr/>
         <a:lstStyle/>
         <a:p>
-          <a:endParaRPr lang="ru-RU" sz="2000"/>
+          <a:endParaRPr lang="ru-RU"/>
         </a:p>
       </dgm:t>
     </dgm:pt>
@@ -3560,10 +3360,24 @@
         </dgm:presLayoutVars>
       </dgm:prSet>
       <dgm:spPr/>
+      <dgm:t>
+        <a:bodyPr/>
+        <a:lstStyle/>
+        <a:p>
+          <a:endParaRPr lang="en-US"/>
+        </a:p>
+      </dgm:t>
     </dgm:pt>
     <dgm:pt modelId="{6CD6F02C-6AF1-4626-B04B-8F1790F98C81}" type="pres">
       <dgm:prSet presAssocID="{F9116B5D-A59A-4A6B-9582-20C27C39A3F9}" presName="linNode" presStyleCnt="0"/>
       <dgm:spPr/>
+      <dgm:t>
+        <a:bodyPr/>
+        <a:lstStyle/>
+        <a:p>
+          <a:endParaRPr lang="en-US"/>
+        </a:p>
+      </dgm:t>
     </dgm:pt>
     <dgm:pt modelId="{2DA1A61E-AC1C-4ACA-8BA9-72ED4C6EA104}" type="pres">
       <dgm:prSet presAssocID="{F9116B5D-A59A-4A6B-9582-20C27C39A3F9}" presName="parentText" presStyleLbl="node1" presStyleIdx="0" presStyleCnt="8">
@@ -3573,6 +3387,13 @@
         </dgm:presLayoutVars>
       </dgm:prSet>
       <dgm:spPr/>
+      <dgm:t>
+        <a:bodyPr/>
+        <a:lstStyle/>
+        <a:p>
+          <a:endParaRPr lang="en-US"/>
+        </a:p>
+      </dgm:t>
     </dgm:pt>
     <dgm:pt modelId="{D943BB31-8736-42FF-A3EA-BF2081889888}" type="pres">
       <dgm:prSet presAssocID="{F9116B5D-A59A-4A6B-9582-20C27C39A3F9}" presName="descendantText" presStyleLbl="alignAccFollowNode1" presStyleIdx="0" presStyleCnt="8">
@@ -3581,14 +3402,35 @@
         </dgm:presLayoutVars>
       </dgm:prSet>
       <dgm:spPr/>
+      <dgm:t>
+        <a:bodyPr/>
+        <a:lstStyle/>
+        <a:p>
+          <a:endParaRPr lang="en-US"/>
+        </a:p>
+      </dgm:t>
     </dgm:pt>
     <dgm:pt modelId="{10342352-B243-4916-98B4-5A20CF80FB9C}" type="pres">
       <dgm:prSet presAssocID="{7D040330-EB09-43D8-8B85-045AED0B47C7}" presName="sp" presStyleCnt="0"/>
       <dgm:spPr/>
+      <dgm:t>
+        <a:bodyPr/>
+        <a:lstStyle/>
+        <a:p>
+          <a:endParaRPr lang="en-US"/>
+        </a:p>
+      </dgm:t>
     </dgm:pt>
     <dgm:pt modelId="{8846E3F9-54DD-4D9D-8789-05743D76815F}" type="pres">
       <dgm:prSet presAssocID="{44D781FF-3AAD-467D-97D7-B31364E7A950}" presName="linNode" presStyleCnt="0"/>
       <dgm:spPr/>
+      <dgm:t>
+        <a:bodyPr/>
+        <a:lstStyle/>
+        <a:p>
+          <a:endParaRPr lang="en-US"/>
+        </a:p>
+      </dgm:t>
     </dgm:pt>
     <dgm:pt modelId="{C7665FA0-929F-4686-8FE2-36D7134B2B59}" type="pres">
       <dgm:prSet presAssocID="{44D781FF-3AAD-467D-97D7-B31364E7A950}" presName="parentText" presStyleLbl="node1" presStyleIdx="1" presStyleCnt="8">
@@ -3598,6 +3440,13 @@
         </dgm:presLayoutVars>
       </dgm:prSet>
       <dgm:spPr/>
+      <dgm:t>
+        <a:bodyPr/>
+        <a:lstStyle/>
+        <a:p>
+          <a:endParaRPr lang="en-US"/>
+        </a:p>
+      </dgm:t>
     </dgm:pt>
     <dgm:pt modelId="{EFD0B837-B800-4361-81FE-21FFE92292CF}" type="pres">
       <dgm:prSet presAssocID="{44D781FF-3AAD-467D-97D7-B31364E7A950}" presName="descendantText" presStyleLbl="alignAccFollowNode1" presStyleIdx="1" presStyleCnt="8">
@@ -3606,14 +3455,35 @@
         </dgm:presLayoutVars>
       </dgm:prSet>
       <dgm:spPr/>
+      <dgm:t>
+        <a:bodyPr/>
+        <a:lstStyle/>
+        <a:p>
+          <a:endParaRPr lang="en-US"/>
+        </a:p>
+      </dgm:t>
     </dgm:pt>
     <dgm:pt modelId="{E902F48F-CFCD-4C29-89F1-4C26ACD2C1CA}" type="pres">
       <dgm:prSet presAssocID="{D915F3CB-A9A1-4964-ACA1-7520695A13B4}" presName="sp" presStyleCnt="0"/>
       <dgm:spPr/>
+      <dgm:t>
+        <a:bodyPr/>
+        <a:lstStyle/>
+        <a:p>
+          <a:endParaRPr lang="en-US"/>
+        </a:p>
+      </dgm:t>
     </dgm:pt>
     <dgm:pt modelId="{F681B95E-8033-416A-A397-DD36F956888D}" type="pres">
       <dgm:prSet presAssocID="{4C7674A1-1DC0-49D3-8DB2-5B583BF55D7B}" presName="linNode" presStyleCnt="0"/>
       <dgm:spPr/>
+      <dgm:t>
+        <a:bodyPr/>
+        <a:lstStyle/>
+        <a:p>
+          <a:endParaRPr lang="en-US"/>
+        </a:p>
+      </dgm:t>
     </dgm:pt>
     <dgm:pt modelId="{229D6907-9BFC-4ED8-A6BC-108EA42BA111}" type="pres">
       <dgm:prSet presAssocID="{4C7674A1-1DC0-49D3-8DB2-5B583BF55D7B}" presName="parentText" presStyleLbl="node1" presStyleIdx="2" presStyleCnt="8">
@@ -3623,6 +3493,13 @@
         </dgm:presLayoutVars>
       </dgm:prSet>
       <dgm:spPr/>
+      <dgm:t>
+        <a:bodyPr/>
+        <a:lstStyle/>
+        <a:p>
+          <a:endParaRPr lang="en-US"/>
+        </a:p>
+      </dgm:t>
     </dgm:pt>
     <dgm:pt modelId="{70650966-29C3-4333-AC02-806013D68E33}" type="pres">
       <dgm:prSet presAssocID="{4C7674A1-1DC0-49D3-8DB2-5B583BF55D7B}" presName="descendantText" presStyleLbl="alignAccFollowNode1" presStyleIdx="2" presStyleCnt="8">
@@ -3631,14 +3508,35 @@
         </dgm:presLayoutVars>
       </dgm:prSet>
       <dgm:spPr/>
+      <dgm:t>
+        <a:bodyPr/>
+        <a:lstStyle/>
+        <a:p>
+          <a:endParaRPr lang="en-US"/>
+        </a:p>
+      </dgm:t>
     </dgm:pt>
     <dgm:pt modelId="{50A7F243-1B16-4490-A057-DB3C2B515C21}" type="pres">
       <dgm:prSet presAssocID="{BBE47162-76D0-4653-8793-4219170896BD}" presName="sp" presStyleCnt="0"/>
       <dgm:spPr/>
+      <dgm:t>
+        <a:bodyPr/>
+        <a:lstStyle/>
+        <a:p>
+          <a:endParaRPr lang="en-US"/>
+        </a:p>
+      </dgm:t>
     </dgm:pt>
     <dgm:pt modelId="{F62BCAF5-3DA5-4810-A8FB-7E9703655BBE}" type="pres">
       <dgm:prSet presAssocID="{1E43BE5F-ACA7-40AD-83DE-CBAA5E582D8E}" presName="linNode" presStyleCnt="0"/>
       <dgm:spPr/>
+      <dgm:t>
+        <a:bodyPr/>
+        <a:lstStyle/>
+        <a:p>
+          <a:endParaRPr lang="en-US"/>
+        </a:p>
+      </dgm:t>
     </dgm:pt>
     <dgm:pt modelId="{54730263-BFC2-4359-B82A-825979BB1958}" type="pres">
       <dgm:prSet presAssocID="{1E43BE5F-ACA7-40AD-83DE-CBAA5E582D8E}" presName="parentText" presStyleLbl="node1" presStyleIdx="3" presStyleCnt="8">
@@ -3648,6 +3546,13 @@
         </dgm:presLayoutVars>
       </dgm:prSet>
       <dgm:spPr/>
+      <dgm:t>
+        <a:bodyPr/>
+        <a:lstStyle/>
+        <a:p>
+          <a:endParaRPr lang="en-US"/>
+        </a:p>
+      </dgm:t>
     </dgm:pt>
     <dgm:pt modelId="{0363D717-9A8D-45A8-82D7-1D241EAA2949}" type="pres">
       <dgm:prSet presAssocID="{1E43BE5F-ACA7-40AD-83DE-CBAA5E582D8E}" presName="descendantText" presStyleLbl="alignAccFollowNode1" presStyleIdx="3" presStyleCnt="8">
@@ -3656,14 +3561,35 @@
         </dgm:presLayoutVars>
       </dgm:prSet>
       <dgm:spPr/>
+      <dgm:t>
+        <a:bodyPr/>
+        <a:lstStyle/>
+        <a:p>
+          <a:endParaRPr lang="en-US"/>
+        </a:p>
+      </dgm:t>
     </dgm:pt>
     <dgm:pt modelId="{A2FE65BD-BAF7-40EB-9849-BF8DEFC7BE18}" type="pres">
       <dgm:prSet presAssocID="{7628696C-B2C8-4231-849D-207AD58D1DEF}" presName="sp" presStyleCnt="0"/>
       <dgm:spPr/>
+      <dgm:t>
+        <a:bodyPr/>
+        <a:lstStyle/>
+        <a:p>
+          <a:endParaRPr lang="en-US"/>
+        </a:p>
+      </dgm:t>
     </dgm:pt>
     <dgm:pt modelId="{1779BA59-309B-4FE5-83FB-4299CE9F8228}" type="pres">
       <dgm:prSet presAssocID="{E53D188F-2582-4DB2-8F44-590581F8F51C}" presName="linNode" presStyleCnt="0"/>
       <dgm:spPr/>
+      <dgm:t>
+        <a:bodyPr/>
+        <a:lstStyle/>
+        <a:p>
+          <a:endParaRPr lang="en-US"/>
+        </a:p>
+      </dgm:t>
     </dgm:pt>
     <dgm:pt modelId="{A5519C89-4B41-42D6-9CD0-8910AFF653E5}" type="pres">
       <dgm:prSet presAssocID="{E53D188F-2582-4DB2-8F44-590581F8F51C}" presName="parentText" presStyleLbl="node1" presStyleIdx="4" presStyleCnt="8">
@@ -3673,6 +3599,13 @@
         </dgm:presLayoutVars>
       </dgm:prSet>
       <dgm:spPr/>
+      <dgm:t>
+        <a:bodyPr/>
+        <a:lstStyle/>
+        <a:p>
+          <a:endParaRPr lang="en-US"/>
+        </a:p>
+      </dgm:t>
     </dgm:pt>
     <dgm:pt modelId="{87466991-897C-475E-A7CF-909FFFF8014E}" type="pres">
       <dgm:prSet presAssocID="{E53D188F-2582-4DB2-8F44-590581F8F51C}" presName="descendantText" presStyleLbl="alignAccFollowNode1" presStyleIdx="4" presStyleCnt="8">
@@ -3681,14 +3614,35 @@
         </dgm:presLayoutVars>
       </dgm:prSet>
       <dgm:spPr/>
+      <dgm:t>
+        <a:bodyPr/>
+        <a:lstStyle/>
+        <a:p>
+          <a:endParaRPr lang="en-US"/>
+        </a:p>
+      </dgm:t>
     </dgm:pt>
     <dgm:pt modelId="{7021EF5B-C3A3-49C1-B8EE-1C8A8E0E67AA}" type="pres">
       <dgm:prSet presAssocID="{0B8865B3-1539-4CF5-B4B2-46A5F4B22E04}" presName="sp" presStyleCnt="0"/>
       <dgm:spPr/>
+      <dgm:t>
+        <a:bodyPr/>
+        <a:lstStyle/>
+        <a:p>
+          <a:endParaRPr lang="en-US"/>
+        </a:p>
+      </dgm:t>
     </dgm:pt>
     <dgm:pt modelId="{12D15E74-E9E0-446D-8711-911B57C39963}" type="pres">
       <dgm:prSet presAssocID="{C95882E2-D459-4CD1-8644-EF691BB99204}" presName="linNode" presStyleCnt="0"/>
       <dgm:spPr/>
+      <dgm:t>
+        <a:bodyPr/>
+        <a:lstStyle/>
+        <a:p>
+          <a:endParaRPr lang="en-US"/>
+        </a:p>
+      </dgm:t>
     </dgm:pt>
     <dgm:pt modelId="{CF61B2AD-10FC-4478-ACDC-42613DF718F7}" type="pres">
       <dgm:prSet presAssocID="{C95882E2-D459-4CD1-8644-EF691BB99204}" presName="parentText" presStyleLbl="node1" presStyleIdx="5" presStyleCnt="8">
@@ -3698,6 +3652,13 @@
         </dgm:presLayoutVars>
       </dgm:prSet>
       <dgm:spPr/>
+      <dgm:t>
+        <a:bodyPr/>
+        <a:lstStyle/>
+        <a:p>
+          <a:endParaRPr lang="en-US"/>
+        </a:p>
+      </dgm:t>
     </dgm:pt>
     <dgm:pt modelId="{3B5413F5-7EC5-4B28-8D38-14A949B7CB23}" type="pres">
       <dgm:prSet presAssocID="{C95882E2-D459-4CD1-8644-EF691BB99204}" presName="descendantText" presStyleLbl="alignAccFollowNode1" presStyleIdx="5" presStyleCnt="8">
@@ -3706,14 +3667,35 @@
         </dgm:presLayoutVars>
       </dgm:prSet>
       <dgm:spPr/>
+      <dgm:t>
+        <a:bodyPr/>
+        <a:lstStyle/>
+        <a:p>
+          <a:endParaRPr lang="en-US"/>
+        </a:p>
+      </dgm:t>
     </dgm:pt>
     <dgm:pt modelId="{811405E2-5489-4C77-831C-9011537D68C7}" type="pres">
       <dgm:prSet presAssocID="{B76BB01B-929D-4814-96FB-D1CFA5733A9F}" presName="sp" presStyleCnt="0"/>
       <dgm:spPr/>
+      <dgm:t>
+        <a:bodyPr/>
+        <a:lstStyle/>
+        <a:p>
+          <a:endParaRPr lang="en-US"/>
+        </a:p>
+      </dgm:t>
     </dgm:pt>
     <dgm:pt modelId="{2461F4DA-0BF1-4031-AE73-62CDE98AEA80}" type="pres">
       <dgm:prSet presAssocID="{3D072BCE-1700-4D4D-9B2E-63D033578DCF}" presName="linNode" presStyleCnt="0"/>
       <dgm:spPr/>
+      <dgm:t>
+        <a:bodyPr/>
+        <a:lstStyle/>
+        <a:p>
+          <a:endParaRPr lang="en-US"/>
+        </a:p>
+      </dgm:t>
     </dgm:pt>
     <dgm:pt modelId="{7F0E7E35-2E34-4092-9F64-FDAEADD2F3D9}" type="pres">
       <dgm:prSet presAssocID="{3D072BCE-1700-4D4D-9B2E-63D033578DCF}" presName="parentText" presStyleLbl="node1" presStyleIdx="6" presStyleCnt="8">
@@ -3723,6 +3705,13 @@
         </dgm:presLayoutVars>
       </dgm:prSet>
       <dgm:spPr/>
+      <dgm:t>
+        <a:bodyPr/>
+        <a:lstStyle/>
+        <a:p>
+          <a:endParaRPr lang="en-US"/>
+        </a:p>
+      </dgm:t>
     </dgm:pt>
     <dgm:pt modelId="{CC65E0B0-6807-4EE9-B682-257AFFF0DB86}" type="pres">
       <dgm:prSet presAssocID="{3D072BCE-1700-4D4D-9B2E-63D033578DCF}" presName="descendantText" presStyleLbl="alignAccFollowNode1" presStyleIdx="6" presStyleCnt="8">
@@ -3731,14 +3720,35 @@
         </dgm:presLayoutVars>
       </dgm:prSet>
       <dgm:spPr/>
+      <dgm:t>
+        <a:bodyPr/>
+        <a:lstStyle/>
+        <a:p>
+          <a:endParaRPr lang="en-US"/>
+        </a:p>
+      </dgm:t>
     </dgm:pt>
     <dgm:pt modelId="{F3295069-EAA1-4A4F-8214-82ABE04AEDF6}" type="pres">
       <dgm:prSet presAssocID="{20A1C5EC-01C0-4881-9CEA-CDB3819CB23F}" presName="sp" presStyleCnt="0"/>
       <dgm:spPr/>
+      <dgm:t>
+        <a:bodyPr/>
+        <a:lstStyle/>
+        <a:p>
+          <a:endParaRPr lang="en-US"/>
+        </a:p>
+      </dgm:t>
     </dgm:pt>
     <dgm:pt modelId="{F932DDF4-E44D-4304-B9A3-B687A631F6E3}" type="pres">
       <dgm:prSet presAssocID="{657B000D-0860-46F7-B498-0DFCF464EA0B}" presName="linNode" presStyleCnt="0"/>
       <dgm:spPr/>
+      <dgm:t>
+        <a:bodyPr/>
+        <a:lstStyle/>
+        <a:p>
+          <a:endParaRPr lang="en-US"/>
+        </a:p>
+      </dgm:t>
     </dgm:pt>
     <dgm:pt modelId="{24DAB81B-56B8-4492-A039-EAEA3357D0C7}" type="pres">
       <dgm:prSet presAssocID="{657B000D-0860-46F7-B498-0DFCF464EA0B}" presName="parentText" presStyleLbl="node1" presStyleIdx="7" presStyleCnt="8">
@@ -3748,6 +3758,13 @@
         </dgm:presLayoutVars>
       </dgm:prSet>
       <dgm:spPr/>
+      <dgm:t>
+        <a:bodyPr/>
+        <a:lstStyle/>
+        <a:p>
+          <a:endParaRPr lang="en-US"/>
+        </a:p>
+      </dgm:t>
     </dgm:pt>
     <dgm:pt modelId="{2A4DA02F-EFCF-4F74-94A0-47B80D767F37}" type="pres">
       <dgm:prSet presAssocID="{657B000D-0860-46F7-B498-0DFCF464EA0B}" presName="descendantText" presStyleLbl="alignAccFollowNode1" presStyleIdx="7" presStyleCnt="8">
@@ -3756,42 +3773,49 @@
         </dgm:presLayoutVars>
       </dgm:prSet>
       <dgm:spPr/>
+      <dgm:t>
+        <a:bodyPr/>
+        <a:lstStyle/>
+        <a:p>
+          <a:endParaRPr lang="en-US"/>
+        </a:p>
+      </dgm:t>
     </dgm:pt>
   </dgm:ptLst>
   <dgm:cxnLst>
+    <dgm:cxn modelId="{1DAA1CE2-3AB5-4111-8D8E-AF559FEFBA38}" srcId="{6CC37FB0-11E9-4812-A8EE-2503DAE1CF11}" destId="{E53D188F-2582-4DB2-8F44-590581F8F51C}" srcOrd="4" destOrd="0" parTransId="{FF08CB1F-DB8C-4DED-9BFB-2970CA4C6349}" sibTransId="{0B8865B3-1539-4CF5-B4B2-46A5F4B22E04}"/>
+    <dgm:cxn modelId="{D52E6D4E-3271-4F6D-85E6-C057DE527813}" srcId="{44D781FF-3AAD-467D-97D7-B31364E7A950}" destId="{09677645-CF0B-4E37-9A5D-4202B4940E35}" srcOrd="0" destOrd="0" parTransId="{F179F289-D8CF-4508-9FAE-E579E6D9508D}" sibTransId="{D3988B33-8D3B-4EC8-B2D4-DBC67315CFD4}"/>
+    <dgm:cxn modelId="{8527AA90-BF51-4BBA-9BA2-3C2234D631DC}" type="presOf" srcId="{E53D188F-2582-4DB2-8F44-590581F8F51C}" destId="{A5519C89-4B41-42D6-9CD0-8910AFF653E5}" srcOrd="0" destOrd="0" presId="urn:microsoft.com/office/officeart/2005/8/layout/vList5"/>
+    <dgm:cxn modelId="{9AA9D3B7-A656-4660-822C-088A5220CFC4}" type="presOf" srcId="{70EB2085-DDD1-4E10-80BE-5E26EB968DFF}" destId="{D943BB31-8736-42FF-A3EA-BF2081889888}" srcOrd="0" destOrd="0" presId="urn:microsoft.com/office/officeart/2005/8/layout/vList5"/>
+    <dgm:cxn modelId="{E4040F3C-818E-47A7-9153-2E5808B70136}" srcId="{E53D188F-2582-4DB2-8F44-590581F8F51C}" destId="{B0C05ECD-C1F2-4AAD-8F39-A4A59F16A0C3}" srcOrd="0" destOrd="0" parTransId="{F4C02B66-996E-4C07-A977-562C5E58D5C6}" sibTransId="{33E08F0C-2F63-4FA1-9F0D-564637E10059}"/>
+    <dgm:cxn modelId="{3078FEE7-37DD-46B2-B094-AEDD2B38EF78}" type="presOf" srcId="{FF93CB9E-681E-443A-8088-0C1424A04B51}" destId="{0363D717-9A8D-45A8-82D7-1D241EAA2949}" srcOrd="0" destOrd="0" presId="urn:microsoft.com/office/officeart/2005/8/layout/vList5"/>
+    <dgm:cxn modelId="{394EECBC-D26E-41D8-86C1-FF045D908990}" type="presOf" srcId="{3E517703-8BC4-4454-B7F9-B3187399719D}" destId="{2A4DA02F-EFCF-4F74-94A0-47B80D767F37}" srcOrd="0" destOrd="0" presId="urn:microsoft.com/office/officeart/2005/8/layout/vList5"/>
+    <dgm:cxn modelId="{C2D5B9CF-F5E2-4F79-A93D-858ADA46CB35}" srcId="{1E43BE5F-ACA7-40AD-83DE-CBAA5E582D8E}" destId="{FF93CB9E-681E-443A-8088-0C1424A04B51}" srcOrd="0" destOrd="0" parTransId="{A02151E0-FAFE-460F-B85A-A11C980E41DD}" sibTransId="{FE16E8C2-B60F-4976-B50C-90D291E5D7DF}"/>
+    <dgm:cxn modelId="{491C0455-F2F5-498B-A1DA-24979EBE04F8}" type="presOf" srcId="{657B000D-0860-46F7-B498-0DFCF464EA0B}" destId="{24DAB81B-56B8-4492-A039-EAEA3357D0C7}" srcOrd="0" destOrd="0" presId="urn:microsoft.com/office/officeart/2005/8/layout/vList5"/>
     <dgm:cxn modelId="{28DC530E-423B-4829-8406-67E38EF8A04E}" srcId="{F9116B5D-A59A-4A6B-9582-20C27C39A3F9}" destId="{70EB2085-DDD1-4E10-80BE-5E26EB968DFF}" srcOrd="0" destOrd="0" parTransId="{7B2C698D-5DE9-4B74-8503-98C1A887CF5C}" sibTransId="{45AE8C70-60AF-4F3B-9A44-161E96B3E230}"/>
-    <dgm:cxn modelId="{95110A23-54DD-4D94-A2AE-36D54DCDCDDB}" type="presOf" srcId="{B0C05ECD-C1F2-4AAD-8F39-A4A59F16A0C3}" destId="{87466991-897C-475E-A7CF-909FFFF8014E}" srcOrd="0" destOrd="0" presId="urn:microsoft.com/office/officeart/2005/8/layout/vList5"/>
+    <dgm:cxn modelId="{61B49BC5-64B8-4362-895A-1E9CB17241FD}" srcId="{6CC37FB0-11E9-4812-A8EE-2503DAE1CF11}" destId="{3D072BCE-1700-4D4D-9B2E-63D033578DCF}" srcOrd="6" destOrd="0" parTransId="{A8E3E3FE-CF97-4139-9F34-3A32FCB4C360}" sibTransId="{20A1C5EC-01C0-4881-9CEA-CDB3819CB23F}"/>
+    <dgm:cxn modelId="{7DFF8477-8654-4D8F-90D8-701C569D81C9}" srcId="{6CC37FB0-11E9-4812-A8EE-2503DAE1CF11}" destId="{F9116B5D-A59A-4A6B-9582-20C27C39A3F9}" srcOrd="0" destOrd="0" parTransId="{330F701E-26B3-4722-A26F-F0BD367D56D0}" sibTransId="{7D040330-EB09-43D8-8B85-045AED0B47C7}"/>
+    <dgm:cxn modelId="{E96B11EE-1F52-4583-AF23-8B8B94DAEA7E}" type="presOf" srcId="{4C7674A1-1DC0-49D3-8DB2-5B583BF55D7B}" destId="{229D6907-9BFC-4ED8-A6BC-108EA42BA111}" srcOrd="0" destOrd="0" presId="urn:microsoft.com/office/officeart/2005/8/layout/vList5"/>
+    <dgm:cxn modelId="{7FD85BB7-8929-467C-BD05-039DAC29994F}" type="presOf" srcId="{3D072BCE-1700-4D4D-9B2E-63D033578DCF}" destId="{7F0E7E35-2E34-4092-9F64-FDAEADD2F3D9}" srcOrd="0" destOrd="0" presId="urn:microsoft.com/office/officeart/2005/8/layout/vList5"/>
+    <dgm:cxn modelId="{6D9ECB41-F27D-4FF0-AC34-38AAEE4010E3}" srcId="{3D072BCE-1700-4D4D-9B2E-63D033578DCF}" destId="{AEE3FD88-F385-4811-97AC-D5423FB23FBD}" srcOrd="0" destOrd="0" parTransId="{3C29FE02-A9E0-429F-9F33-52EF28BD06A5}" sibTransId="{06E6D073-E27A-4315-B2AE-89160672C14A}"/>
+    <dgm:cxn modelId="{3D0A77E8-97BA-404F-BD6C-5388ADE3945A}" type="presOf" srcId="{91DE480F-74CB-4214-8DE5-DCBD8A979050}" destId="{70650966-29C3-4333-AC02-806013D68E33}" srcOrd="0" destOrd="0" presId="urn:microsoft.com/office/officeart/2005/8/layout/vList5"/>
+    <dgm:cxn modelId="{D19192A6-7194-424D-94BA-8090120887FC}" type="presOf" srcId="{44D781FF-3AAD-467D-97D7-B31364E7A950}" destId="{C7665FA0-929F-4686-8FE2-36D7134B2B59}" srcOrd="0" destOrd="0" presId="urn:microsoft.com/office/officeart/2005/8/layout/vList5"/>
+    <dgm:cxn modelId="{DDEB9EF7-ACF6-48F4-AC51-02FB0CC5B6EA}" srcId="{6CC37FB0-11E9-4812-A8EE-2503DAE1CF11}" destId="{44D781FF-3AAD-467D-97D7-B31364E7A950}" srcOrd="1" destOrd="0" parTransId="{B86648BE-1454-4084-8C09-C03BBA8AB8CC}" sibTransId="{D915F3CB-A9A1-4964-ACA1-7520695A13B4}"/>
+    <dgm:cxn modelId="{173B62D5-146A-47A1-9C4F-3B14D864A8A8}" srcId="{4C7674A1-1DC0-49D3-8DB2-5B583BF55D7B}" destId="{91DE480F-74CB-4214-8DE5-DCBD8A979050}" srcOrd="0" destOrd="0" parTransId="{2B81FF56-35BC-4F6C-BCBB-D5CB1625F6D9}" sibTransId="{A5AAC704-6564-436C-A6A6-CB6CA0DB78B0}"/>
+    <dgm:cxn modelId="{93FE17CE-4679-4B00-9DEB-8A482977CE75}" type="presOf" srcId="{C95882E2-D459-4CD1-8644-EF691BB99204}" destId="{CF61B2AD-10FC-4478-ACDC-42613DF718F7}" srcOrd="0" destOrd="0" presId="urn:microsoft.com/office/officeart/2005/8/layout/vList5"/>
+    <dgm:cxn modelId="{A973274F-DFA4-4D36-81EE-5E6A6C611E8B}" type="presOf" srcId="{09677645-CF0B-4E37-9A5D-4202B4940E35}" destId="{EFD0B837-B800-4361-81FE-21FFE92292CF}" srcOrd="0" destOrd="0" presId="urn:microsoft.com/office/officeart/2005/8/layout/vList5"/>
+    <dgm:cxn modelId="{5B4377F3-25D2-48F2-9F81-7104D86BC1A6}" srcId="{6CC37FB0-11E9-4812-A8EE-2503DAE1CF11}" destId="{1E43BE5F-ACA7-40AD-83DE-CBAA5E582D8E}" srcOrd="3" destOrd="0" parTransId="{24F4A111-3170-422D-8C1C-9A9C56688ACF}" sibTransId="{7628696C-B2C8-4231-849D-207AD58D1DEF}"/>
+    <dgm:cxn modelId="{7AC942FD-1C38-410A-9FCA-7D6D4ED433D7}" type="presOf" srcId="{F9116B5D-A59A-4A6B-9582-20C27C39A3F9}" destId="{2DA1A61E-AC1C-4ACA-8BA9-72ED4C6EA104}" srcOrd="0" destOrd="0" presId="urn:microsoft.com/office/officeart/2005/8/layout/vList5"/>
     <dgm:cxn modelId="{69A22032-B0F6-4651-A19D-E71B98929436}" type="presOf" srcId="{6CC37FB0-11E9-4812-A8EE-2503DAE1CF11}" destId="{1E73B93B-75E1-4946-9178-09D1B8C2DD2B}" srcOrd="0" destOrd="0" presId="urn:microsoft.com/office/officeart/2005/8/layout/vList5"/>
-    <dgm:cxn modelId="{E4040F3C-818E-47A7-9153-2E5808B70136}" srcId="{E53D188F-2582-4DB2-8F44-590581F8F51C}" destId="{B0C05ECD-C1F2-4AAD-8F39-A4A59F16A0C3}" srcOrd="0" destOrd="0" parTransId="{F4C02B66-996E-4C07-A977-562C5E58D5C6}" sibTransId="{33E08F0C-2F63-4FA1-9F0D-564637E10059}"/>
-    <dgm:cxn modelId="{6D9ECB41-F27D-4FF0-AC34-38AAEE4010E3}" srcId="{3D072BCE-1700-4D4D-9B2E-63D033578DCF}" destId="{AEE3FD88-F385-4811-97AC-D5423FB23FBD}" srcOrd="0" destOrd="0" parTransId="{3C29FE02-A9E0-429F-9F33-52EF28BD06A5}" sibTransId="{06E6D073-E27A-4315-B2AE-89160672C14A}"/>
     <dgm:cxn modelId="{B5502668-F6B0-4ACE-B064-C8975FE6EC2E}" type="presOf" srcId="{AEE3FD88-F385-4811-97AC-D5423FB23FBD}" destId="{CC65E0B0-6807-4EE9-B682-257AFFF0DB86}" srcOrd="0" destOrd="0" presId="urn:microsoft.com/office/officeart/2005/8/layout/vList5"/>
+    <dgm:cxn modelId="{1E272BFA-50B7-4FB8-8B03-0DB9BD5471B8}" srcId="{657B000D-0860-46F7-B498-0DFCF464EA0B}" destId="{3E517703-8BC4-4454-B7F9-B3187399719D}" srcOrd="0" destOrd="0" parTransId="{DC5093F1-FA3A-4CA3-8807-1D9E19ACC3EF}" sibTransId="{CCE07668-918D-45A6-B55C-6DC66078394A}"/>
     <dgm:cxn modelId="{82BC434B-6E4E-4679-A89D-3B3586EB7378}" type="presOf" srcId="{1E43BE5F-ACA7-40AD-83DE-CBAA5E582D8E}" destId="{54730263-BFC2-4359-B82A-825979BB1958}" srcOrd="0" destOrd="0" presId="urn:microsoft.com/office/officeart/2005/8/layout/vList5"/>
-    <dgm:cxn modelId="{D52E6D4E-3271-4F6D-85E6-C057DE527813}" srcId="{44D781FF-3AAD-467D-97D7-B31364E7A950}" destId="{09677645-CF0B-4E37-9A5D-4202B4940E35}" srcOrd="0" destOrd="0" parTransId="{F179F289-D8CF-4508-9FAE-E579E6D9508D}" sibTransId="{D3988B33-8D3B-4EC8-B2D4-DBC67315CFD4}"/>
-    <dgm:cxn modelId="{A973274F-DFA4-4D36-81EE-5E6A6C611E8B}" type="presOf" srcId="{09677645-CF0B-4E37-9A5D-4202B4940E35}" destId="{EFD0B837-B800-4361-81FE-21FFE92292CF}" srcOrd="0" destOrd="0" presId="urn:microsoft.com/office/officeart/2005/8/layout/vList5"/>
-    <dgm:cxn modelId="{491C0455-F2F5-498B-A1DA-24979EBE04F8}" type="presOf" srcId="{657B000D-0860-46F7-B498-0DFCF464EA0B}" destId="{24DAB81B-56B8-4492-A039-EAEA3357D0C7}" srcOrd="0" destOrd="0" presId="urn:microsoft.com/office/officeart/2005/8/layout/vList5"/>
-    <dgm:cxn modelId="{BEF32D56-FD4E-44BB-86C0-D76D1E97C1F8}" type="presOf" srcId="{15CB2C8D-5967-43B2-A486-90CDD14B2C52}" destId="{3B5413F5-7EC5-4B28-8D38-14A949B7CB23}" srcOrd="0" destOrd="0" presId="urn:microsoft.com/office/officeart/2005/8/layout/vList5"/>
-    <dgm:cxn modelId="{7DFF8477-8654-4D8F-90D8-701C569D81C9}" srcId="{6CC37FB0-11E9-4812-A8EE-2503DAE1CF11}" destId="{F9116B5D-A59A-4A6B-9582-20C27C39A3F9}" srcOrd="0" destOrd="0" parTransId="{330F701E-26B3-4722-A26F-F0BD367D56D0}" sibTransId="{7D040330-EB09-43D8-8B85-045AED0B47C7}"/>
-    <dgm:cxn modelId="{8527AA90-BF51-4BBA-9BA2-3C2234D631DC}" type="presOf" srcId="{E53D188F-2582-4DB2-8F44-590581F8F51C}" destId="{A5519C89-4B41-42D6-9CD0-8910AFF653E5}" srcOrd="0" destOrd="0" presId="urn:microsoft.com/office/officeart/2005/8/layout/vList5"/>
-    <dgm:cxn modelId="{D19192A6-7194-424D-94BA-8090120887FC}" type="presOf" srcId="{44D781FF-3AAD-467D-97D7-B31364E7A950}" destId="{C7665FA0-929F-4686-8FE2-36D7134B2B59}" srcOrd="0" destOrd="0" presId="urn:microsoft.com/office/officeart/2005/8/layout/vList5"/>
     <dgm:cxn modelId="{9CDBEAAB-B2B9-4088-9DD1-9451DB380044}" srcId="{6CC37FB0-11E9-4812-A8EE-2503DAE1CF11}" destId="{4C7674A1-1DC0-49D3-8DB2-5B583BF55D7B}" srcOrd="2" destOrd="0" parTransId="{5ECD89D2-C12B-49A7-8070-FBF429DE5D94}" sibTransId="{BBE47162-76D0-4653-8793-4219170896BD}"/>
     <dgm:cxn modelId="{3B8D2DAC-4132-4E8A-A026-7B0820E94806}" srcId="{C95882E2-D459-4CD1-8644-EF691BB99204}" destId="{15CB2C8D-5967-43B2-A486-90CDD14B2C52}" srcOrd="0" destOrd="0" parTransId="{177EB3AA-6ADC-4658-A6AC-F1ABDB18AD34}" sibTransId="{442FB540-A8F2-4C38-AC1D-B28BD9DE8C55}"/>
+    <dgm:cxn modelId="{BEF32D56-FD4E-44BB-86C0-D76D1E97C1F8}" type="presOf" srcId="{15CB2C8D-5967-43B2-A486-90CDD14B2C52}" destId="{3B5413F5-7EC5-4B28-8D38-14A949B7CB23}" srcOrd="0" destOrd="0" presId="urn:microsoft.com/office/officeart/2005/8/layout/vList5"/>
+    <dgm:cxn modelId="{A93599D5-F02F-4384-BB8F-3C30FA897851}" srcId="{6CC37FB0-11E9-4812-A8EE-2503DAE1CF11}" destId="{657B000D-0860-46F7-B498-0DFCF464EA0B}" srcOrd="7" destOrd="0" parTransId="{27B60E74-675C-4B9E-92BB-3886331CACEA}" sibTransId="{773C6B0F-CF29-4AAF-91F5-4E5714F8C6D1}"/>
     <dgm:cxn modelId="{153D61B0-8AD7-42DE-A934-681A9D13537B}" srcId="{6CC37FB0-11E9-4812-A8EE-2503DAE1CF11}" destId="{C95882E2-D459-4CD1-8644-EF691BB99204}" srcOrd="5" destOrd="0" parTransId="{93968DFF-AD01-48D8-8390-853EE8DE4B24}" sibTransId="{B76BB01B-929D-4814-96FB-D1CFA5733A9F}"/>
-    <dgm:cxn modelId="{7FD85BB7-8929-467C-BD05-039DAC29994F}" type="presOf" srcId="{3D072BCE-1700-4D4D-9B2E-63D033578DCF}" destId="{7F0E7E35-2E34-4092-9F64-FDAEADD2F3D9}" srcOrd="0" destOrd="0" presId="urn:microsoft.com/office/officeart/2005/8/layout/vList5"/>
-    <dgm:cxn modelId="{9AA9D3B7-A656-4660-822C-088A5220CFC4}" type="presOf" srcId="{70EB2085-DDD1-4E10-80BE-5E26EB968DFF}" destId="{D943BB31-8736-42FF-A3EA-BF2081889888}" srcOrd="0" destOrd="0" presId="urn:microsoft.com/office/officeart/2005/8/layout/vList5"/>
-    <dgm:cxn modelId="{394EECBC-D26E-41D8-86C1-FF045D908990}" type="presOf" srcId="{3E517703-8BC4-4454-B7F9-B3187399719D}" destId="{2A4DA02F-EFCF-4F74-94A0-47B80D767F37}" srcOrd="0" destOrd="0" presId="urn:microsoft.com/office/officeart/2005/8/layout/vList5"/>
-    <dgm:cxn modelId="{61B49BC5-64B8-4362-895A-1E9CB17241FD}" srcId="{6CC37FB0-11E9-4812-A8EE-2503DAE1CF11}" destId="{3D072BCE-1700-4D4D-9B2E-63D033578DCF}" srcOrd="6" destOrd="0" parTransId="{A8E3E3FE-CF97-4139-9F34-3A32FCB4C360}" sibTransId="{20A1C5EC-01C0-4881-9CEA-CDB3819CB23F}"/>
-    <dgm:cxn modelId="{93FE17CE-4679-4B00-9DEB-8A482977CE75}" type="presOf" srcId="{C95882E2-D459-4CD1-8644-EF691BB99204}" destId="{CF61B2AD-10FC-4478-ACDC-42613DF718F7}" srcOrd="0" destOrd="0" presId="urn:microsoft.com/office/officeart/2005/8/layout/vList5"/>
-    <dgm:cxn modelId="{C2D5B9CF-F5E2-4F79-A93D-858ADA46CB35}" srcId="{1E43BE5F-ACA7-40AD-83DE-CBAA5E582D8E}" destId="{FF93CB9E-681E-443A-8088-0C1424A04B51}" srcOrd="0" destOrd="0" parTransId="{A02151E0-FAFE-460F-B85A-A11C980E41DD}" sibTransId="{FE16E8C2-B60F-4976-B50C-90D291E5D7DF}"/>
-    <dgm:cxn modelId="{173B62D5-146A-47A1-9C4F-3B14D864A8A8}" srcId="{4C7674A1-1DC0-49D3-8DB2-5B583BF55D7B}" destId="{91DE480F-74CB-4214-8DE5-DCBD8A979050}" srcOrd="0" destOrd="0" parTransId="{2B81FF56-35BC-4F6C-BCBB-D5CB1625F6D9}" sibTransId="{A5AAC704-6564-436C-A6A6-CB6CA0DB78B0}"/>
-    <dgm:cxn modelId="{A93599D5-F02F-4384-BB8F-3C30FA897851}" srcId="{6CC37FB0-11E9-4812-A8EE-2503DAE1CF11}" destId="{657B000D-0860-46F7-B498-0DFCF464EA0B}" srcOrd="7" destOrd="0" parTransId="{27B60E74-675C-4B9E-92BB-3886331CACEA}" sibTransId="{773C6B0F-CF29-4AAF-91F5-4E5714F8C6D1}"/>
-    <dgm:cxn modelId="{1DAA1CE2-3AB5-4111-8D8E-AF559FEFBA38}" srcId="{6CC37FB0-11E9-4812-A8EE-2503DAE1CF11}" destId="{E53D188F-2582-4DB2-8F44-590581F8F51C}" srcOrd="4" destOrd="0" parTransId="{FF08CB1F-DB8C-4DED-9BFB-2970CA4C6349}" sibTransId="{0B8865B3-1539-4CF5-B4B2-46A5F4B22E04}"/>
-    <dgm:cxn modelId="{3078FEE7-37DD-46B2-B094-AEDD2B38EF78}" type="presOf" srcId="{FF93CB9E-681E-443A-8088-0C1424A04B51}" destId="{0363D717-9A8D-45A8-82D7-1D241EAA2949}" srcOrd="0" destOrd="0" presId="urn:microsoft.com/office/officeart/2005/8/layout/vList5"/>
-    <dgm:cxn modelId="{3D0A77E8-97BA-404F-BD6C-5388ADE3945A}" type="presOf" srcId="{91DE480F-74CB-4214-8DE5-DCBD8A979050}" destId="{70650966-29C3-4333-AC02-806013D68E33}" srcOrd="0" destOrd="0" presId="urn:microsoft.com/office/officeart/2005/8/layout/vList5"/>
-    <dgm:cxn modelId="{E96B11EE-1F52-4583-AF23-8B8B94DAEA7E}" type="presOf" srcId="{4C7674A1-1DC0-49D3-8DB2-5B583BF55D7B}" destId="{229D6907-9BFC-4ED8-A6BC-108EA42BA111}" srcOrd="0" destOrd="0" presId="urn:microsoft.com/office/officeart/2005/8/layout/vList5"/>
-    <dgm:cxn modelId="{5B4377F3-25D2-48F2-9F81-7104D86BC1A6}" srcId="{6CC37FB0-11E9-4812-A8EE-2503DAE1CF11}" destId="{1E43BE5F-ACA7-40AD-83DE-CBAA5E582D8E}" srcOrd="3" destOrd="0" parTransId="{24F4A111-3170-422D-8C1C-9A9C56688ACF}" sibTransId="{7628696C-B2C8-4231-849D-207AD58D1DEF}"/>
-    <dgm:cxn modelId="{DDEB9EF7-ACF6-48F4-AC51-02FB0CC5B6EA}" srcId="{6CC37FB0-11E9-4812-A8EE-2503DAE1CF11}" destId="{44D781FF-3AAD-467D-97D7-B31364E7A950}" srcOrd="1" destOrd="0" parTransId="{B86648BE-1454-4084-8C09-C03BBA8AB8CC}" sibTransId="{D915F3CB-A9A1-4964-ACA1-7520695A13B4}"/>
-    <dgm:cxn modelId="{1E272BFA-50B7-4FB8-8B03-0DB9BD5471B8}" srcId="{657B000D-0860-46F7-B498-0DFCF464EA0B}" destId="{3E517703-8BC4-4454-B7F9-B3187399719D}" srcOrd="0" destOrd="0" parTransId="{DC5093F1-FA3A-4CA3-8807-1D9E19ACC3EF}" sibTransId="{CCE07668-918D-45A6-B55C-6DC66078394A}"/>
-    <dgm:cxn modelId="{7AC942FD-1C38-410A-9FCA-7D6D4ED433D7}" type="presOf" srcId="{F9116B5D-A59A-4A6B-9582-20C27C39A3F9}" destId="{2DA1A61E-AC1C-4ACA-8BA9-72ED4C6EA104}" srcOrd="0" destOrd="0" presId="urn:microsoft.com/office/officeart/2005/8/layout/vList5"/>
+    <dgm:cxn modelId="{95110A23-54DD-4D94-A2AE-36D54DCDCDDB}" type="presOf" srcId="{B0C05ECD-C1F2-4AAD-8F39-A4A59F16A0C3}" destId="{87466991-897C-475E-A7CF-909FFFF8014E}" srcOrd="0" destOrd="0" presId="urn:microsoft.com/office/officeart/2005/8/layout/vList5"/>
     <dgm:cxn modelId="{1A41070F-4CC2-48B1-A6C3-65D45B864D2B}" type="presParOf" srcId="{1E73B93B-75E1-4946-9178-09D1B8C2DD2B}" destId="{6CD6F02C-6AF1-4626-B04B-8F1790F98C81}" srcOrd="0" destOrd="0" presId="urn:microsoft.com/office/officeart/2005/8/layout/vList5"/>
     <dgm:cxn modelId="{C6CAEF90-E84A-485F-9264-720550CB7C3D}" type="presParOf" srcId="{6CD6F02C-6AF1-4626-B04B-8F1790F98C81}" destId="{2DA1A61E-AC1C-4ACA-8BA9-72ED4C6EA104}" srcOrd="0" destOrd="0" presId="urn:microsoft.com/office/officeart/2005/8/layout/vList5"/>
     <dgm:cxn modelId="{F009F100-7D42-4963-B790-29DDC878266A}" type="presParOf" srcId="{6CD6F02C-6AF1-4626-B04B-8F1790F98C81}" destId="{D943BB31-8736-42FF-A3EA-BF2081889888}" srcOrd="1" destOrd="0" presId="urn:microsoft.com/office/officeart/2005/8/layout/vList5"/>
@@ -3838,7 +3862,7 @@
 <dgm:dataModel xmlns:dgm="http://schemas.openxmlformats.org/drawingml/2006/diagram" xmlns:a="http://schemas.openxmlformats.org/drawingml/2006/main">
   <dgm:ptLst>
     <dgm:pt modelId="{6CC37FB0-11E9-4812-A8EE-2503DAE1CF11}" type="doc">
-      <dgm:prSet loTypeId="urn:microsoft.com/office/officeart/2005/8/layout/vList5" loCatId="list" qsTypeId="urn:microsoft.com/office/officeart/2005/8/quickstyle/simple1" qsCatId="simple" csTypeId="urn:microsoft.com/office/officeart/2005/8/colors/accent3_1" csCatId="accent3" phldr="1"/>
+      <dgm:prSet loTypeId="urn:microsoft.com/office/officeart/2005/8/layout/vList5" loCatId="list" qsTypeId="urn:microsoft.com/office/officeart/2005/8/quickstyle/simple1" qsCatId="simple" csTypeId="urn:microsoft.com/office/officeart/2005/8/colors/accent3_2" csCatId="accent3" phldr="1"/>
       <dgm:spPr/>
       <dgm:t>
         <a:bodyPr/>
@@ -3849,18 +3873,18 @@
       </dgm:t>
     </dgm:pt>
     <dgm:pt modelId="{657B000D-0860-46F7-B498-0DFCF464EA0B}">
-      <dgm:prSet phldrT="[Text]" custT="1"/>
+      <dgm:prSet phldrT="[Text]"/>
       <dgm:spPr/>
       <dgm:t>
         <a:bodyPr/>
         <a:lstStyle/>
         <a:p>
           <a:r>
-            <a:rPr lang="ru-RU" sz="1600" dirty="0" err="1"/>
+            <a:rPr lang="ru-RU" dirty="0" err="1"/>
             <a:t>Стрим</a:t>
           </a:r>
           <a:r>
-            <a:rPr lang="ru-RU" sz="1600" dirty="0"/>
+            <a:rPr lang="ru-RU" dirty="0"/>
             <a:t> из итератора</a:t>
           </a:r>
         </a:p>
@@ -3873,7 +3897,7 @@
         <a:bodyPr/>
         <a:lstStyle/>
         <a:p>
-          <a:endParaRPr lang="ru-RU" sz="1600"/>
+          <a:endParaRPr lang="ru-RU"/>
         </a:p>
       </dgm:t>
     </dgm:pt>
@@ -3884,22 +3908,22 @@
         <a:bodyPr/>
         <a:lstStyle/>
         <a:p>
-          <a:endParaRPr lang="ru-RU" sz="1600"/>
+          <a:endParaRPr lang="ru-RU"/>
         </a:p>
       </dgm:t>
     </dgm:pt>
     <dgm:pt modelId="{44D781FF-3AAD-467D-97D7-B31364E7A950}">
-      <dgm:prSet phldrT="[Text]" custT="1"/>
+      <dgm:prSet phldrT="[Text]"/>
       <dgm:spPr/>
       <dgm:t>
         <a:bodyPr/>
         <a:lstStyle/>
         <a:p>
           <a:r>
-            <a:rPr lang="en-US" sz="1600" b="0" i="0" dirty="0"/>
+            <a:rPr lang="en-US" dirty="0"/>
             <a:t>skip</a:t>
           </a:r>
-          <a:endParaRPr lang="ru-RU" sz="1600" dirty="0"/>
+          <a:endParaRPr lang="ru-RU" dirty="0"/>
         </a:p>
       </dgm:t>
     </dgm:pt>
@@ -3910,7 +3934,7 @@
         <a:bodyPr/>
         <a:lstStyle/>
         <a:p>
-          <a:endParaRPr lang="ru-RU" sz="1600"/>
+          <a:endParaRPr lang="ru-RU"/>
         </a:p>
       </dgm:t>
     </dgm:pt>
@@ -3921,22 +3945,22 @@
         <a:bodyPr/>
         <a:lstStyle/>
         <a:p>
-          <a:endParaRPr lang="ru-RU" sz="1600"/>
+          <a:endParaRPr lang="ru-RU"/>
         </a:p>
       </dgm:t>
     </dgm:pt>
     <dgm:pt modelId="{F9116B5D-A59A-4A6B-9582-20C27C39A3F9}">
-      <dgm:prSet phldrT="[Text]" custT="1"/>
+      <dgm:prSet phldrT="[Text]"/>
       <dgm:spPr/>
       <dgm:t>
         <a:bodyPr/>
         <a:lstStyle/>
         <a:p>
           <a:r>
-            <a:rPr lang="en-US" sz="1600" dirty="0"/>
+            <a:rPr lang="en-US" dirty="0"/>
             <a:t>filter</a:t>
           </a:r>
-          <a:endParaRPr lang="ru-RU" sz="1600" dirty="0"/>
+          <a:endParaRPr lang="ru-RU" dirty="0"/>
         </a:p>
       </dgm:t>
     </dgm:pt>
@@ -3947,7 +3971,7 @@
         <a:bodyPr/>
         <a:lstStyle/>
         <a:p>
-          <a:endParaRPr lang="ru-RU" sz="1600"/>
+          <a:endParaRPr lang="ru-RU"/>
         </a:p>
       </dgm:t>
     </dgm:pt>
@@ -3958,30 +3982,29 @@
         <a:bodyPr/>
         <a:lstStyle/>
         <a:p>
-          <a:endParaRPr lang="ru-RU" sz="1600"/>
+          <a:endParaRPr lang="ru-RU"/>
         </a:p>
       </dgm:t>
     </dgm:pt>
     <dgm:pt modelId="{70EB2085-DDD1-4E10-80BE-5E26EB968DFF}">
-      <dgm:prSet phldrT="[Text]" custT="1"/>
+      <dgm:prSet phldrT="[Text]"/>
       <dgm:spPr/>
       <dgm:t>
         <a:bodyPr/>
         <a:lstStyle/>
         <a:p>
           <a:r>
-            <a:rPr lang="ru-RU" sz="1600" b="0" i="0" dirty="0"/>
+            <a:rPr lang="ru-RU" dirty="0"/>
             <a:t>Отфильтровывает записи</a:t>
           </a:r>
           <a:r>
-            <a:rPr lang="en-US" sz="1600" b="0" i="0" dirty="0"/>
+            <a:rPr lang="en-US" dirty="0"/>
             <a:t> </a:t>
           </a:r>
           <a:r>
-            <a:rPr lang="ru-RU" sz="1600" b="0" i="0" dirty="0"/>
+            <a:rPr lang="ru-RU" dirty="0"/>
             <a:t>по условию</a:t>
           </a:r>
-          <a:endParaRPr lang="ru-RU" sz="1600" dirty="0"/>
         </a:p>
       </dgm:t>
     </dgm:pt>
@@ -3992,7 +4015,7 @@
         <a:bodyPr/>
         <a:lstStyle/>
         <a:p>
-          <a:endParaRPr lang="ru-RU" sz="1600"/>
+          <a:endParaRPr lang="ru-RU"/>
         </a:p>
       </dgm:t>
     </dgm:pt>
@@ -4003,30 +4026,30 @@
         <a:bodyPr/>
         <a:lstStyle/>
         <a:p>
-          <a:endParaRPr lang="ru-RU" sz="1600"/>
+          <a:endParaRPr lang="ru-RU"/>
         </a:p>
       </dgm:t>
     </dgm:pt>
     <dgm:pt modelId="{1E43BE5F-ACA7-40AD-83DE-CBAA5E582D8E}">
-      <dgm:prSet phldrT="[Text]" custT="1"/>
+      <dgm:prSet phldrT="[Text]"/>
       <dgm:spPr/>
       <dgm:t>
         <a:bodyPr/>
         <a:lstStyle/>
         <a:p>
           <a:r>
-            <a:rPr lang="en-US" sz="1600" dirty="0"/>
+            <a:rPr lang="en-US" dirty="0"/>
             <a:t>map (</a:t>
           </a:r>
           <a:r>
-            <a:rPr lang="en-US" sz="1600" dirty="0" err="1"/>
+            <a:rPr lang="en-US" dirty="0" err="1"/>
             <a:t>mapToInt</a:t>
           </a:r>
           <a:r>
-            <a:rPr lang="en-US" sz="1600" dirty="0"/>
+            <a:rPr lang="en-US" dirty="0"/>
             <a:t> etc.)</a:t>
           </a:r>
-          <a:endParaRPr lang="ru-RU" sz="1600" dirty="0"/>
+          <a:endParaRPr lang="ru-RU" dirty="0"/>
         </a:p>
       </dgm:t>
     </dgm:pt>
@@ -4037,7 +4060,7 @@
         <a:bodyPr/>
         <a:lstStyle/>
         <a:p>
-          <a:endParaRPr lang="ru-RU" sz="1600"/>
+          <a:endParaRPr lang="ru-RU"/>
         </a:p>
       </dgm:t>
     </dgm:pt>
@@ -4048,26 +4071,26 @@
         <a:bodyPr/>
         <a:lstStyle/>
         <a:p>
-          <a:endParaRPr lang="ru-RU" sz="1600"/>
+          <a:endParaRPr lang="ru-RU"/>
         </a:p>
       </dgm:t>
     </dgm:pt>
     <dgm:pt modelId="{FF93CB9E-681E-443A-8088-0C1424A04B51}">
-      <dgm:prSet phldrT="[Text]" custT="1"/>
+      <dgm:prSet phldrT="[Text]"/>
       <dgm:spPr/>
       <dgm:t>
         <a:bodyPr/>
         <a:lstStyle/>
         <a:p>
           <a:r>
-            <a:rPr lang="ru-RU" sz="1600" b="0" i="0" dirty="0"/>
+            <a:rPr lang="ru-RU" dirty="0"/>
             <a:t>Преобразует каждый элемент </a:t>
           </a:r>
           <a:r>
-            <a:rPr lang="ru-RU" sz="1600" b="0" i="0" dirty="0" err="1"/>
+            <a:rPr lang="ru-RU" dirty="0" err="1"/>
             <a:t>стрима</a:t>
           </a:r>
-          <a:endParaRPr lang="ru-RU" sz="1600" dirty="0"/>
+          <a:endParaRPr lang="ru-RU" dirty="0"/>
         </a:p>
       </dgm:t>
     </dgm:pt>
@@ -4078,7 +4101,7 @@
         <a:bodyPr/>
         <a:lstStyle/>
         <a:p>
-          <a:endParaRPr lang="ru-RU" sz="1600"/>
+          <a:endParaRPr lang="ru-RU"/>
         </a:p>
       </dgm:t>
     </dgm:pt>
@@ -4089,22 +4112,22 @@
         <a:bodyPr/>
         <a:lstStyle/>
         <a:p>
-          <a:endParaRPr lang="ru-RU" sz="1600"/>
+          <a:endParaRPr lang="ru-RU"/>
         </a:p>
       </dgm:t>
     </dgm:pt>
     <dgm:pt modelId="{E53D188F-2582-4DB2-8F44-590581F8F51C}">
-      <dgm:prSet phldrT="[Text]" custT="1"/>
+      <dgm:prSet phldrT="[Text]"/>
       <dgm:spPr/>
       <dgm:t>
         <a:bodyPr/>
         <a:lstStyle/>
         <a:p>
           <a:r>
-            <a:rPr lang="en-US" sz="1600" b="0" i="0" dirty="0"/>
+            <a:rPr lang="en-US" dirty="0"/>
             <a:t>peek</a:t>
           </a:r>
-          <a:endParaRPr lang="ru-RU" sz="1600" dirty="0"/>
+          <a:endParaRPr lang="ru-RU" dirty="0"/>
         </a:p>
       </dgm:t>
     </dgm:pt>
@@ -4115,7 +4138,7 @@
         <a:bodyPr/>
         <a:lstStyle/>
         <a:p>
-          <a:endParaRPr lang="ru-RU" sz="1600"/>
+          <a:endParaRPr lang="ru-RU"/>
         </a:p>
       </dgm:t>
     </dgm:pt>
@@ -4126,22 +4149,22 @@
         <a:bodyPr/>
         <a:lstStyle/>
         <a:p>
-          <a:endParaRPr lang="ru-RU" sz="1600"/>
+          <a:endParaRPr lang="ru-RU"/>
         </a:p>
       </dgm:t>
     </dgm:pt>
     <dgm:pt modelId="{B0C05ECD-C1F2-4AAD-8F39-A4A59F16A0C3}">
-      <dgm:prSet phldrT="[Text]" custT="1"/>
+      <dgm:prSet phldrT="[Text]"/>
       <dgm:spPr/>
       <dgm:t>
         <a:bodyPr/>
         <a:lstStyle/>
         <a:p>
           <a:r>
-            <a:rPr lang="ru-RU" sz="1600" b="0" i="0"/>
+            <a:rPr lang="ru-RU"/>
             <a:t>Возвращает тот же стрим, но применяет функцию к каждому элементу стрима</a:t>
           </a:r>
-          <a:endParaRPr lang="ru-RU" sz="1600" dirty="0"/>
+          <a:endParaRPr lang="ru-RU" dirty="0"/>
         </a:p>
       </dgm:t>
     </dgm:pt>
@@ -4152,7 +4175,7 @@
         <a:bodyPr/>
         <a:lstStyle/>
         <a:p>
-          <a:endParaRPr lang="ru-RU" sz="1600"/>
+          <a:endParaRPr lang="ru-RU"/>
         </a:p>
       </dgm:t>
     </dgm:pt>
@@ -4163,22 +4186,22 @@
         <a:bodyPr/>
         <a:lstStyle/>
         <a:p>
-          <a:endParaRPr lang="ru-RU" sz="1600"/>
+          <a:endParaRPr lang="ru-RU"/>
         </a:p>
       </dgm:t>
     </dgm:pt>
     <dgm:pt modelId="{4C7674A1-1DC0-49D3-8DB2-5B583BF55D7B}">
-      <dgm:prSet phldrT="[Text]" custT="1"/>
+      <dgm:prSet phldrT="[Text]"/>
       <dgm:spPr/>
       <dgm:t>
         <a:bodyPr/>
         <a:lstStyle/>
         <a:p>
           <a:r>
-            <a:rPr lang="en-US" sz="1600" b="1" i="0" dirty="0"/>
+            <a:rPr lang="en-US" dirty="0"/>
             <a:t>distinct</a:t>
           </a:r>
-          <a:endParaRPr lang="ru-RU" sz="1600" dirty="0"/>
+          <a:endParaRPr lang="ru-RU" dirty="0"/>
         </a:p>
       </dgm:t>
     </dgm:pt>
@@ -4189,7 +4212,7 @@
         <a:bodyPr/>
         <a:lstStyle/>
         <a:p>
-          <a:endParaRPr lang="ru-RU" sz="1600"/>
+          <a:endParaRPr lang="ru-RU"/>
         </a:p>
       </dgm:t>
     </dgm:pt>
@@ -4200,22 +4223,22 @@
         <a:bodyPr/>
         <a:lstStyle/>
         <a:p>
-          <a:endParaRPr lang="ru-RU" sz="1600"/>
+          <a:endParaRPr lang="ru-RU"/>
         </a:p>
       </dgm:t>
     </dgm:pt>
     <dgm:pt modelId="{C95882E2-D459-4CD1-8644-EF691BB99204}">
-      <dgm:prSet phldrT="[Text]" custT="1"/>
+      <dgm:prSet phldrT="[Text]"/>
       <dgm:spPr/>
       <dgm:t>
         <a:bodyPr/>
         <a:lstStyle/>
         <a:p>
           <a:r>
-            <a:rPr lang="en-US" sz="1600" b="0" i="0" dirty="0"/>
+            <a:rPr lang="en-US" dirty="0"/>
             <a:t>limit</a:t>
           </a:r>
-          <a:endParaRPr lang="ru-RU" sz="1600" dirty="0"/>
+          <a:endParaRPr lang="ru-RU" dirty="0"/>
         </a:p>
       </dgm:t>
     </dgm:pt>
@@ -4226,7 +4249,7 @@
         <a:bodyPr/>
         <a:lstStyle/>
         <a:p>
-          <a:endParaRPr lang="ru-RU" sz="1600"/>
+          <a:endParaRPr lang="ru-RU"/>
         </a:p>
       </dgm:t>
     </dgm:pt>
@@ -4237,22 +4260,21 @@
         <a:bodyPr/>
         <a:lstStyle/>
         <a:p>
-          <a:endParaRPr lang="ru-RU" sz="1600"/>
+          <a:endParaRPr lang="ru-RU"/>
         </a:p>
       </dgm:t>
     </dgm:pt>
     <dgm:pt modelId="{15CB2C8D-5967-43B2-A486-90CDD14B2C52}">
-      <dgm:prSet phldrT="[Text]" custT="1"/>
+      <dgm:prSet phldrT="[Text]"/>
       <dgm:spPr/>
       <dgm:t>
         <a:bodyPr/>
         <a:lstStyle/>
         <a:p>
           <a:r>
-            <a:rPr lang="ru-RU" sz="1600" b="0" i="0" dirty="0"/>
+            <a:rPr lang="ru-RU" dirty="0"/>
             <a:t>Позволяет ограничить выборку определенным количеством первых элементов</a:t>
           </a:r>
-          <a:endParaRPr lang="ru-RU" sz="1600" dirty="0"/>
         </a:p>
       </dgm:t>
     </dgm:pt>
@@ -4263,7 +4285,7 @@
         <a:bodyPr/>
         <a:lstStyle/>
         <a:p>
-          <a:endParaRPr lang="ru-RU" sz="1600"/>
+          <a:endParaRPr lang="ru-RU"/>
         </a:p>
       </dgm:t>
     </dgm:pt>
@@ -4274,22 +4296,22 @@
         <a:bodyPr/>
         <a:lstStyle/>
         <a:p>
-          <a:endParaRPr lang="ru-RU" sz="1600"/>
+          <a:endParaRPr lang="ru-RU"/>
         </a:p>
       </dgm:t>
     </dgm:pt>
     <dgm:pt modelId="{3D072BCE-1700-4D4D-9B2E-63D033578DCF}">
-      <dgm:prSet phldrT="[Text]" custT="1"/>
+      <dgm:prSet phldrT="[Text]"/>
       <dgm:spPr/>
       <dgm:t>
         <a:bodyPr/>
         <a:lstStyle/>
         <a:p>
           <a:r>
-            <a:rPr lang="en-US" sz="1600" b="0" i="0" dirty="0"/>
+            <a:rPr lang="en-US" dirty="0"/>
             <a:t>sorted</a:t>
           </a:r>
-          <a:endParaRPr lang="ru-RU" sz="1600" dirty="0"/>
+          <a:endParaRPr lang="ru-RU" dirty="0"/>
         </a:p>
       </dgm:t>
     </dgm:pt>
@@ -4300,7 +4322,7 @@
         <a:bodyPr/>
         <a:lstStyle/>
         <a:p>
-          <a:endParaRPr lang="ru-RU" sz="1600"/>
+          <a:endParaRPr lang="ru-RU"/>
         </a:p>
       </dgm:t>
     </dgm:pt>
@@ -4311,26 +4333,26 @@
         <a:bodyPr/>
         <a:lstStyle/>
         <a:p>
-          <a:endParaRPr lang="ru-RU" sz="1600"/>
+          <a:endParaRPr lang="ru-RU"/>
         </a:p>
       </dgm:t>
     </dgm:pt>
     <dgm:pt modelId="{AEE3FD88-F385-4811-97AC-D5423FB23FBD}">
-      <dgm:prSet phldrT="[Text]" custT="1"/>
+      <dgm:prSet phldrT="[Text]"/>
       <dgm:spPr/>
       <dgm:t>
         <a:bodyPr/>
         <a:lstStyle/>
         <a:p>
           <a:r>
-            <a:rPr lang="ru-RU" sz="1600" b="0" i="0" dirty="0"/>
+            <a:rPr lang="ru-RU" dirty="0"/>
             <a:t>Позволяет сортировать значения либо в натуральном порядке, либо задавая </a:t>
           </a:r>
           <a:r>
-            <a:rPr lang="ru-RU" sz="1600" b="0" i="0" dirty="0" err="1"/>
+            <a:rPr lang="ru-RU" dirty="0" err="1"/>
             <a:t>Comparator</a:t>
           </a:r>
-          <a:endParaRPr lang="ru-RU" sz="1600" dirty="0"/>
+          <a:endParaRPr lang="ru-RU" dirty="0"/>
         </a:p>
       </dgm:t>
     </dgm:pt>
@@ -4341,7 +4363,7 @@
         <a:bodyPr/>
         <a:lstStyle/>
         <a:p>
-          <a:endParaRPr lang="ru-RU" sz="1600"/>
+          <a:endParaRPr lang="ru-RU"/>
         </a:p>
       </dgm:t>
     </dgm:pt>
@@ -4352,34 +4374,34 @@
         <a:bodyPr/>
         <a:lstStyle/>
         <a:p>
-          <a:endParaRPr lang="ru-RU" sz="1600"/>
+          <a:endParaRPr lang="ru-RU"/>
         </a:p>
       </dgm:t>
     </dgm:pt>
     <dgm:pt modelId="{3E517703-8BC4-4454-B7F9-B3187399719D}">
-      <dgm:prSet phldrT="[Text]" custT="1"/>
+      <dgm:prSet phldrT="[Text]"/>
       <dgm:spPr/>
       <dgm:t>
         <a:bodyPr/>
         <a:lstStyle/>
         <a:p>
           <a:r>
-            <a:rPr lang="en-US" sz="1600" b="1" dirty="0" err="1"/>
+            <a:rPr lang="en-US" dirty="0" err="1"/>
             <a:t>StreamSupport.stream</a:t>
           </a:r>
           <a:r>
-            <a:rPr lang="en-US" sz="1600" dirty="0"/>
+            <a:rPr lang="en-US" dirty="0"/>
             <a:t>(</a:t>
           </a:r>
           <a:r>
-            <a:rPr lang="en-US" sz="1600" dirty="0" err="1"/>
+            <a:rPr lang="en-US" dirty="0" err="1"/>
             <a:t>spliterator</a:t>
           </a:r>
           <a:r>
-            <a:rPr lang="en-US" sz="1600" dirty="0"/>
+            <a:rPr lang="en-US" dirty="0"/>
             <a:t>, false);</a:t>
           </a:r>
-          <a:endParaRPr lang="ru-RU" sz="1600" dirty="0"/>
+          <a:endParaRPr lang="ru-RU" dirty="0"/>
         </a:p>
       </dgm:t>
     </dgm:pt>
@@ -4390,7 +4412,7 @@
         <a:bodyPr/>
         <a:lstStyle/>
         <a:p>
-          <a:endParaRPr lang="ru-RU" sz="1600"/>
+          <a:endParaRPr lang="ru-RU"/>
         </a:p>
       </dgm:t>
     </dgm:pt>
@@ -4401,22 +4423,21 @@
         <a:bodyPr/>
         <a:lstStyle/>
         <a:p>
-          <a:endParaRPr lang="ru-RU" sz="1600"/>
+          <a:endParaRPr lang="ru-RU"/>
         </a:p>
       </dgm:t>
     </dgm:pt>
     <dgm:pt modelId="{7C1A2B3D-EC6A-48CE-B184-E1993C998FFC}">
-      <dgm:prSet phldrT="[Text]" custT="1"/>
+      <dgm:prSet phldrT="[Text]"/>
       <dgm:spPr/>
       <dgm:t>
         <a:bodyPr/>
         <a:lstStyle/>
         <a:p>
           <a:r>
-            <a:rPr lang="ru-RU" sz="1600" b="0" i="0" dirty="0"/>
+            <a:rPr lang="ru-RU" dirty="0"/>
             <a:t>Позволяет пропустить N первых элементов</a:t>
           </a:r>
-          <a:endParaRPr lang="ru-RU" sz="1600" dirty="0"/>
         </a:p>
       </dgm:t>
     </dgm:pt>
@@ -4427,7 +4448,7 @@
         <a:bodyPr/>
         <a:lstStyle/>
         <a:p>
-          <a:endParaRPr lang="ru-RU" sz="1600"/>
+          <a:endParaRPr lang="ru-RU"/>
         </a:p>
       </dgm:t>
     </dgm:pt>
@@ -4438,38 +4459,37 @@
         <a:bodyPr/>
         <a:lstStyle/>
         <a:p>
-          <a:endParaRPr lang="ru-RU" sz="1600"/>
+          <a:endParaRPr lang="ru-RU"/>
         </a:p>
       </dgm:t>
     </dgm:pt>
     <dgm:pt modelId="{18DC16AA-54C2-4481-A4CD-FC9DE1422C1E}">
-      <dgm:prSet phldrT="[Text]" custT="1"/>
+      <dgm:prSet phldrT="[Text]"/>
       <dgm:spPr/>
       <dgm:t>
         <a:bodyPr/>
         <a:lstStyle/>
         <a:p>
           <a:r>
-            <a:rPr lang="ru-RU" sz="1600" b="0" i="0" dirty="0"/>
+            <a:rPr lang="ru-RU" dirty="0"/>
             <a:t>Возвращает </a:t>
           </a:r>
           <a:r>
-            <a:rPr lang="ru-RU" sz="1600" b="0" i="0" dirty="0" err="1"/>
+            <a:rPr lang="ru-RU" dirty="0" err="1"/>
             <a:t>стрим</a:t>
           </a:r>
           <a:r>
-            <a:rPr lang="ru-RU" sz="1600" b="0" i="0" dirty="0"/>
+            <a:rPr lang="ru-RU" dirty="0"/>
             <a:t> без дубликатов (для метода </a:t>
           </a:r>
           <a:r>
-            <a:rPr lang="ru-RU" sz="1600" b="0" i="0" dirty="0" err="1"/>
+            <a:rPr lang="ru-RU" dirty="0" err="1"/>
             <a:t>equals</a:t>
           </a:r>
           <a:r>
-            <a:rPr lang="ru-RU" sz="1600" b="0" i="0" dirty="0"/>
+            <a:rPr lang="ru-RU" dirty="0"/>
             <a:t>)</a:t>
           </a:r>
-          <a:endParaRPr lang="ru-RU" sz="1600" dirty="0"/>
         </a:p>
       </dgm:t>
     </dgm:pt>
@@ -4480,7 +4500,7 @@
         <a:bodyPr/>
         <a:lstStyle/>
         <a:p>
-          <a:endParaRPr lang="ru-RU" sz="1600"/>
+          <a:endParaRPr lang="ru-RU"/>
         </a:p>
       </dgm:t>
     </dgm:pt>
@@ -4491,34 +4511,34 @@
         <a:bodyPr/>
         <a:lstStyle/>
         <a:p>
-          <a:endParaRPr lang="ru-RU" sz="1600"/>
+          <a:endParaRPr lang="ru-RU"/>
         </a:p>
       </dgm:t>
     </dgm:pt>
     <dgm:pt modelId="{B0DBCEA2-02FB-4CDA-89F4-D67D4219F93C}">
-      <dgm:prSet phldrT="[Text]" custT="1"/>
+      <dgm:prSet phldrT="[Text]"/>
       <dgm:spPr/>
       <dgm:t>
         <a:bodyPr/>
         <a:lstStyle/>
         <a:p>
           <a:r>
-            <a:rPr lang="en-US" sz="1600" dirty="0" err="1"/>
+            <a:rPr lang="en-US" dirty="0" err="1"/>
             <a:t>flatMap</a:t>
           </a:r>
           <a:r>
-            <a:rPr lang="en-US" sz="1600" dirty="0"/>
+            <a:rPr lang="en-US" dirty="0"/>
             <a:t> (</a:t>
           </a:r>
           <a:r>
-            <a:rPr lang="en-US" sz="1600" dirty="0" err="1"/>
+            <a:rPr lang="en-US" dirty="0" err="1"/>
             <a:t>flatMapToInt</a:t>
           </a:r>
           <a:r>
-            <a:rPr lang="en-US" sz="1600" dirty="0"/>
+            <a:rPr lang="en-US" dirty="0"/>
             <a:t>, etc.)</a:t>
           </a:r>
-          <a:endParaRPr lang="ru-RU" sz="1600" dirty="0"/>
+          <a:endParaRPr lang="ru-RU" dirty="0"/>
         </a:p>
       </dgm:t>
     </dgm:pt>
@@ -4529,7 +4549,7 @@
         <a:bodyPr/>
         <a:lstStyle/>
         <a:p>
-          <a:endParaRPr lang="ru-RU" sz="1600"/>
+          <a:endParaRPr lang="ru-RU"/>
         </a:p>
       </dgm:t>
     </dgm:pt>
@@ -4540,30 +4560,29 @@
         <a:bodyPr/>
         <a:lstStyle/>
         <a:p>
-          <a:endParaRPr lang="ru-RU" sz="1600"/>
+          <a:endParaRPr lang="ru-RU"/>
         </a:p>
       </dgm:t>
     </dgm:pt>
     <dgm:pt modelId="{789D26A5-2B7C-4E5F-AC16-41D26CD022E0}">
-      <dgm:prSet phldrT="[Text]" custT="1"/>
+      <dgm:prSet phldrT="[Text]"/>
       <dgm:spPr/>
       <dgm:t>
         <a:bodyPr/>
         <a:lstStyle/>
         <a:p>
           <a:r>
-            <a:rPr lang="ru-RU" sz="1600" b="0" i="0" dirty="0"/>
+            <a:rPr lang="ru-RU" dirty="0"/>
             <a:t>Похоже на </a:t>
           </a:r>
           <a:r>
-            <a:rPr lang="ru-RU" sz="1600" b="0" i="0" dirty="0" err="1"/>
+            <a:rPr lang="ru-RU" dirty="0" err="1"/>
             <a:t>map</a:t>
           </a:r>
           <a:r>
-            <a:rPr lang="ru-RU" sz="1600" b="0" i="0" dirty="0"/>
+            <a:rPr lang="ru-RU" dirty="0"/>
             <a:t>, но может создавать из одного элемента несколько</a:t>
           </a:r>
-          <a:endParaRPr lang="ru-RU" sz="1600" dirty="0"/>
         </a:p>
       </dgm:t>
     </dgm:pt>
@@ -4574,7 +4593,7 @@
         <a:bodyPr/>
         <a:lstStyle/>
         <a:p>
-          <a:endParaRPr lang="ru-RU" sz="1600"/>
+          <a:endParaRPr lang="ru-RU"/>
         </a:p>
       </dgm:t>
     </dgm:pt>
@@ -4585,7 +4604,7 @@
         <a:bodyPr/>
         <a:lstStyle/>
         <a:p>
-          <a:endParaRPr lang="ru-RU" sz="1600"/>
+          <a:endParaRPr lang="ru-RU"/>
         </a:p>
       </dgm:t>
     </dgm:pt>
@@ -4598,10 +4617,24 @@
         </dgm:presLayoutVars>
       </dgm:prSet>
       <dgm:spPr/>
+      <dgm:t>
+        <a:bodyPr/>
+        <a:lstStyle/>
+        <a:p>
+          <a:endParaRPr lang="en-US"/>
+        </a:p>
+      </dgm:t>
     </dgm:pt>
     <dgm:pt modelId="{6CD6F02C-6AF1-4626-B04B-8F1790F98C81}" type="pres">
       <dgm:prSet presAssocID="{F9116B5D-A59A-4A6B-9582-20C27C39A3F9}" presName="linNode" presStyleCnt="0"/>
       <dgm:spPr/>
+      <dgm:t>
+        <a:bodyPr/>
+        <a:lstStyle/>
+        <a:p>
+          <a:endParaRPr lang="en-US"/>
+        </a:p>
+      </dgm:t>
     </dgm:pt>
     <dgm:pt modelId="{2DA1A61E-AC1C-4ACA-8BA9-72ED4C6EA104}" type="pres">
       <dgm:prSet presAssocID="{F9116B5D-A59A-4A6B-9582-20C27C39A3F9}" presName="parentText" presStyleLbl="node1" presStyleIdx="0" presStyleCnt="9">
@@ -4611,6 +4644,13 @@
         </dgm:presLayoutVars>
       </dgm:prSet>
       <dgm:spPr/>
+      <dgm:t>
+        <a:bodyPr/>
+        <a:lstStyle/>
+        <a:p>
+          <a:endParaRPr lang="en-US"/>
+        </a:p>
+      </dgm:t>
     </dgm:pt>
     <dgm:pt modelId="{D943BB31-8736-42FF-A3EA-BF2081889888}" type="pres">
       <dgm:prSet presAssocID="{F9116B5D-A59A-4A6B-9582-20C27C39A3F9}" presName="descendantText" presStyleLbl="alignAccFollowNode1" presStyleIdx="0" presStyleCnt="9">
@@ -4619,14 +4659,35 @@
         </dgm:presLayoutVars>
       </dgm:prSet>
       <dgm:spPr/>
+      <dgm:t>
+        <a:bodyPr/>
+        <a:lstStyle/>
+        <a:p>
+          <a:endParaRPr lang="en-US"/>
+        </a:p>
+      </dgm:t>
     </dgm:pt>
     <dgm:pt modelId="{10342352-B243-4916-98B4-5A20CF80FB9C}" type="pres">
       <dgm:prSet presAssocID="{7D040330-EB09-43D8-8B85-045AED0B47C7}" presName="sp" presStyleCnt="0"/>
       <dgm:spPr/>
+      <dgm:t>
+        <a:bodyPr/>
+        <a:lstStyle/>
+        <a:p>
+          <a:endParaRPr lang="en-US"/>
+        </a:p>
+      </dgm:t>
     </dgm:pt>
     <dgm:pt modelId="{8846E3F9-54DD-4D9D-8789-05743D76815F}" type="pres">
       <dgm:prSet presAssocID="{44D781FF-3AAD-467D-97D7-B31364E7A950}" presName="linNode" presStyleCnt="0"/>
       <dgm:spPr/>
+      <dgm:t>
+        <a:bodyPr/>
+        <a:lstStyle/>
+        <a:p>
+          <a:endParaRPr lang="en-US"/>
+        </a:p>
+      </dgm:t>
     </dgm:pt>
     <dgm:pt modelId="{C7665FA0-929F-4686-8FE2-36D7134B2B59}" type="pres">
       <dgm:prSet presAssocID="{44D781FF-3AAD-467D-97D7-B31364E7A950}" presName="parentText" presStyleLbl="node1" presStyleIdx="1" presStyleCnt="9">
@@ -4636,6 +4697,13 @@
         </dgm:presLayoutVars>
       </dgm:prSet>
       <dgm:spPr/>
+      <dgm:t>
+        <a:bodyPr/>
+        <a:lstStyle/>
+        <a:p>
+          <a:endParaRPr lang="en-US"/>
+        </a:p>
+      </dgm:t>
     </dgm:pt>
     <dgm:pt modelId="{EFD0B837-B800-4361-81FE-21FFE92292CF}" type="pres">
       <dgm:prSet presAssocID="{44D781FF-3AAD-467D-97D7-B31364E7A950}" presName="descendantText" presStyleLbl="alignAccFollowNode1" presStyleIdx="1" presStyleCnt="9">
@@ -4644,14 +4712,35 @@
         </dgm:presLayoutVars>
       </dgm:prSet>
       <dgm:spPr/>
+      <dgm:t>
+        <a:bodyPr/>
+        <a:lstStyle/>
+        <a:p>
+          <a:endParaRPr lang="en-US"/>
+        </a:p>
+      </dgm:t>
     </dgm:pt>
     <dgm:pt modelId="{E902F48F-CFCD-4C29-89F1-4C26ACD2C1CA}" type="pres">
       <dgm:prSet presAssocID="{D915F3CB-A9A1-4964-ACA1-7520695A13B4}" presName="sp" presStyleCnt="0"/>
       <dgm:spPr/>
+      <dgm:t>
+        <a:bodyPr/>
+        <a:lstStyle/>
+        <a:p>
+          <a:endParaRPr lang="en-US"/>
+        </a:p>
+      </dgm:t>
     </dgm:pt>
     <dgm:pt modelId="{F681B95E-8033-416A-A397-DD36F956888D}" type="pres">
       <dgm:prSet presAssocID="{4C7674A1-1DC0-49D3-8DB2-5B583BF55D7B}" presName="linNode" presStyleCnt="0"/>
       <dgm:spPr/>
+      <dgm:t>
+        <a:bodyPr/>
+        <a:lstStyle/>
+        <a:p>
+          <a:endParaRPr lang="en-US"/>
+        </a:p>
+      </dgm:t>
     </dgm:pt>
     <dgm:pt modelId="{229D6907-9BFC-4ED8-A6BC-108EA42BA111}" type="pres">
       <dgm:prSet presAssocID="{4C7674A1-1DC0-49D3-8DB2-5B583BF55D7B}" presName="parentText" presStyleLbl="node1" presStyleIdx="2" presStyleCnt="9">
@@ -4661,6 +4750,13 @@
         </dgm:presLayoutVars>
       </dgm:prSet>
       <dgm:spPr/>
+      <dgm:t>
+        <a:bodyPr/>
+        <a:lstStyle/>
+        <a:p>
+          <a:endParaRPr lang="en-US"/>
+        </a:p>
+      </dgm:t>
     </dgm:pt>
     <dgm:pt modelId="{70650966-29C3-4333-AC02-806013D68E33}" type="pres">
       <dgm:prSet presAssocID="{4C7674A1-1DC0-49D3-8DB2-5B583BF55D7B}" presName="descendantText" presStyleLbl="alignAccFollowNode1" presStyleIdx="2" presStyleCnt="9">
@@ -4669,14 +4765,35 @@
         </dgm:presLayoutVars>
       </dgm:prSet>
       <dgm:spPr/>
+      <dgm:t>
+        <a:bodyPr/>
+        <a:lstStyle/>
+        <a:p>
+          <a:endParaRPr lang="en-US"/>
+        </a:p>
+      </dgm:t>
     </dgm:pt>
     <dgm:pt modelId="{50A7F243-1B16-4490-A057-DB3C2B515C21}" type="pres">
       <dgm:prSet presAssocID="{BBE47162-76D0-4653-8793-4219170896BD}" presName="sp" presStyleCnt="0"/>
       <dgm:spPr/>
+      <dgm:t>
+        <a:bodyPr/>
+        <a:lstStyle/>
+        <a:p>
+          <a:endParaRPr lang="en-US"/>
+        </a:p>
+      </dgm:t>
     </dgm:pt>
     <dgm:pt modelId="{F62BCAF5-3DA5-4810-A8FB-7E9703655BBE}" type="pres">
       <dgm:prSet presAssocID="{1E43BE5F-ACA7-40AD-83DE-CBAA5E582D8E}" presName="linNode" presStyleCnt="0"/>
       <dgm:spPr/>
+      <dgm:t>
+        <a:bodyPr/>
+        <a:lstStyle/>
+        <a:p>
+          <a:endParaRPr lang="en-US"/>
+        </a:p>
+      </dgm:t>
     </dgm:pt>
     <dgm:pt modelId="{54730263-BFC2-4359-B82A-825979BB1958}" type="pres">
       <dgm:prSet presAssocID="{1E43BE5F-ACA7-40AD-83DE-CBAA5E582D8E}" presName="parentText" presStyleLbl="node1" presStyleIdx="3" presStyleCnt="9">
@@ -4686,6 +4803,13 @@
         </dgm:presLayoutVars>
       </dgm:prSet>
       <dgm:spPr/>
+      <dgm:t>
+        <a:bodyPr/>
+        <a:lstStyle/>
+        <a:p>
+          <a:endParaRPr lang="en-US"/>
+        </a:p>
+      </dgm:t>
     </dgm:pt>
     <dgm:pt modelId="{0363D717-9A8D-45A8-82D7-1D241EAA2949}" type="pres">
       <dgm:prSet presAssocID="{1E43BE5F-ACA7-40AD-83DE-CBAA5E582D8E}" presName="descendantText" presStyleLbl="alignAccFollowNode1" presStyleIdx="3" presStyleCnt="9">
@@ -4694,14 +4818,35 @@
         </dgm:presLayoutVars>
       </dgm:prSet>
       <dgm:spPr/>
+      <dgm:t>
+        <a:bodyPr/>
+        <a:lstStyle/>
+        <a:p>
+          <a:endParaRPr lang="en-US"/>
+        </a:p>
+      </dgm:t>
     </dgm:pt>
     <dgm:pt modelId="{A2FE65BD-BAF7-40EB-9849-BF8DEFC7BE18}" type="pres">
       <dgm:prSet presAssocID="{7628696C-B2C8-4231-849D-207AD58D1DEF}" presName="sp" presStyleCnt="0"/>
       <dgm:spPr/>
+      <dgm:t>
+        <a:bodyPr/>
+        <a:lstStyle/>
+        <a:p>
+          <a:endParaRPr lang="en-US"/>
+        </a:p>
+      </dgm:t>
     </dgm:pt>
     <dgm:pt modelId="{381760EB-47D1-4708-B38A-63C7C06C8F74}" type="pres">
       <dgm:prSet presAssocID="{B0DBCEA2-02FB-4CDA-89F4-D67D4219F93C}" presName="linNode" presStyleCnt="0"/>
       <dgm:spPr/>
+      <dgm:t>
+        <a:bodyPr/>
+        <a:lstStyle/>
+        <a:p>
+          <a:endParaRPr lang="en-US"/>
+        </a:p>
+      </dgm:t>
     </dgm:pt>
     <dgm:pt modelId="{A12DE59A-2A6C-41EA-921B-8D1BF9D32046}" type="pres">
       <dgm:prSet presAssocID="{B0DBCEA2-02FB-4CDA-89F4-D67D4219F93C}" presName="parentText" presStyleLbl="node1" presStyleIdx="4" presStyleCnt="9">
@@ -4711,6 +4856,13 @@
         </dgm:presLayoutVars>
       </dgm:prSet>
       <dgm:spPr/>
+      <dgm:t>
+        <a:bodyPr/>
+        <a:lstStyle/>
+        <a:p>
+          <a:endParaRPr lang="en-US"/>
+        </a:p>
+      </dgm:t>
     </dgm:pt>
     <dgm:pt modelId="{99B771A8-C2D2-4748-9C2C-B2DA86D3DB0E}" type="pres">
       <dgm:prSet presAssocID="{B0DBCEA2-02FB-4CDA-89F4-D67D4219F93C}" presName="descendantText" presStyleLbl="alignAccFollowNode1" presStyleIdx="4" presStyleCnt="9">
@@ -4719,14 +4871,35 @@
         </dgm:presLayoutVars>
       </dgm:prSet>
       <dgm:spPr/>
+      <dgm:t>
+        <a:bodyPr/>
+        <a:lstStyle/>
+        <a:p>
+          <a:endParaRPr lang="en-US"/>
+        </a:p>
+      </dgm:t>
     </dgm:pt>
     <dgm:pt modelId="{283EAEC0-8203-4D1F-A594-F957D1C3FAB2}" type="pres">
       <dgm:prSet presAssocID="{91D998C8-CA15-47DB-B3B2-4DDD450CAA59}" presName="sp" presStyleCnt="0"/>
       <dgm:spPr/>
+      <dgm:t>
+        <a:bodyPr/>
+        <a:lstStyle/>
+        <a:p>
+          <a:endParaRPr lang="en-US"/>
+        </a:p>
+      </dgm:t>
     </dgm:pt>
     <dgm:pt modelId="{1779BA59-309B-4FE5-83FB-4299CE9F8228}" type="pres">
       <dgm:prSet presAssocID="{E53D188F-2582-4DB2-8F44-590581F8F51C}" presName="linNode" presStyleCnt="0"/>
       <dgm:spPr/>
+      <dgm:t>
+        <a:bodyPr/>
+        <a:lstStyle/>
+        <a:p>
+          <a:endParaRPr lang="en-US"/>
+        </a:p>
+      </dgm:t>
     </dgm:pt>
     <dgm:pt modelId="{A5519C89-4B41-42D6-9CD0-8910AFF653E5}" type="pres">
       <dgm:prSet presAssocID="{E53D188F-2582-4DB2-8F44-590581F8F51C}" presName="parentText" presStyleLbl="node1" presStyleIdx="5" presStyleCnt="9">
@@ -4736,6 +4909,13 @@
         </dgm:presLayoutVars>
       </dgm:prSet>
       <dgm:spPr/>
+      <dgm:t>
+        <a:bodyPr/>
+        <a:lstStyle/>
+        <a:p>
+          <a:endParaRPr lang="en-US"/>
+        </a:p>
+      </dgm:t>
     </dgm:pt>
     <dgm:pt modelId="{87466991-897C-475E-A7CF-909FFFF8014E}" type="pres">
       <dgm:prSet presAssocID="{E53D188F-2582-4DB2-8F44-590581F8F51C}" presName="descendantText" presStyleLbl="alignAccFollowNode1" presStyleIdx="5" presStyleCnt="9">
@@ -4744,14 +4924,35 @@
         </dgm:presLayoutVars>
       </dgm:prSet>
       <dgm:spPr/>
+      <dgm:t>
+        <a:bodyPr/>
+        <a:lstStyle/>
+        <a:p>
+          <a:endParaRPr lang="en-US"/>
+        </a:p>
+      </dgm:t>
     </dgm:pt>
     <dgm:pt modelId="{7021EF5B-C3A3-49C1-B8EE-1C8A8E0E67AA}" type="pres">
       <dgm:prSet presAssocID="{0B8865B3-1539-4CF5-B4B2-46A5F4B22E04}" presName="sp" presStyleCnt="0"/>
       <dgm:spPr/>
+      <dgm:t>
+        <a:bodyPr/>
+        <a:lstStyle/>
+        <a:p>
+          <a:endParaRPr lang="en-US"/>
+        </a:p>
+      </dgm:t>
     </dgm:pt>
     <dgm:pt modelId="{12D15E74-E9E0-446D-8711-911B57C39963}" type="pres">
       <dgm:prSet presAssocID="{C95882E2-D459-4CD1-8644-EF691BB99204}" presName="linNode" presStyleCnt="0"/>
       <dgm:spPr/>
+      <dgm:t>
+        <a:bodyPr/>
+        <a:lstStyle/>
+        <a:p>
+          <a:endParaRPr lang="en-US"/>
+        </a:p>
+      </dgm:t>
     </dgm:pt>
     <dgm:pt modelId="{CF61B2AD-10FC-4478-ACDC-42613DF718F7}" type="pres">
       <dgm:prSet presAssocID="{C95882E2-D459-4CD1-8644-EF691BB99204}" presName="parentText" presStyleLbl="node1" presStyleIdx="6" presStyleCnt="9">
@@ -4761,6 +4962,13 @@
         </dgm:presLayoutVars>
       </dgm:prSet>
       <dgm:spPr/>
+      <dgm:t>
+        <a:bodyPr/>
+        <a:lstStyle/>
+        <a:p>
+          <a:endParaRPr lang="en-US"/>
+        </a:p>
+      </dgm:t>
     </dgm:pt>
     <dgm:pt modelId="{3B5413F5-7EC5-4B28-8D38-14A949B7CB23}" type="pres">
       <dgm:prSet presAssocID="{C95882E2-D459-4CD1-8644-EF691BB99204}" presName="descendantText" presStyleLbl="alignAccFollowNode1" presStyleIdx="6" presStyleCnt="9">
@@ -4769,14 +4977,35 @@
         </dgm:presLayoutVars>
       </dgm:prSet>
       <dgm:spPr/>
+      <dgm:t>
+        <a:bodyPr/>
+        <a:lstStyle/>
+        <a:p>
+          <a:endParaRPr lang="en-US"/>
+        </a:p>
+      </dgm:t>
     </dgm:pt>
     <dgm:pt modelId="{811405E2-5489-4C77-831C-9011537D68C7}" type="pres">
       <dgm:prSet presAssocID="{B76BB01B-929D-4814-96FB-D1CFA5733A9F}" presName="sp" presStyleCnt="0"/>
       <dgm:spPr/>
+      <dgm:t>
+        <a:bodyPr/>
+        <a:lstStyle/>
+        <a:p>
+          <a:endParaRPr lang="en-US"/>
+        </a:p>
+      </dgm:t>
     </dgm:pt>
     <dgm:pt modelId="{2461F4DA-0BF1-4031-AE73-62CDE98AEA80}" type="pres">
       <dgm:prSet presAssocID="{3D072BCE-1700-4D4D-9B2E-63D033578DCF}" presName="linNode" presStyleCnt="0"/>
       <dgm:spPr/>
+      <dgm:t>
+        <a:bodyPr/>
+        <a:lstStyle/>
+        <a:p>
+          <a:endParaRPr lang="en-US"/>
+        </a:p>
+      </dgm:t>
     </dgm:pt>
     <dgm:pt modelId="{7F0E7E35-2E34-4092-9F64-FDAEADD2F3D9}" type="pres">
       <dgm:prSet presAssocID="{3D072BCE-1700-4D4D-9B2E-63D033578DCF}" presName="parentText" presStyleLbl="node1" presStyleIdx="7" presStyleCnt="9">
@@ -4786,6 +5015,13 @@
         </dgm:presLayoutVars>
       </dgm:prSet>
       <dgm:spPr/>
+      <dgm:t>
+        <a:bodyPr/>
+        <a:lstStyle/>
+        <a:p>
+          <a:endParaRPr lang="en-US"/>
+        </a:p>
+      </dgm:t>
     </dgm:pt>
     <dgm:pt modelId="{CC65E0B0-6807-4EE9-B682-257AFFF0DB86}" type="pres">
       <dgm:prSet presAssocID="{3D072BCE-1700-4D4D-9B2E-63D033578DCF}" presName="descendantText" presStyleLbl="alignAccFollowNode1" presStyleIdx="7" presStyleCnt="9">
@@ -4794,14 +5030,35 @@
         </dgm:presLayoutVars>
       </dgm:prSet>
       <dgm:spPr/>
+      <dgm:t>
+        <a:bodyPr/>
+        <a:lstStyle/>
+        <a:p>
+          <a:endParaRPr lang="en-US"/>
+        </a:p>
+      </dgm:t>
     </dgm:pt>
     <dgm:pt modelId="{F3295069-EAA1-4A4F-8214-82ABE04AEDF6}" type="pres">
       <dgm:prSet presAssocID="{20A1C5EC-01C0-4881-9CEA-CDB3819CB23F}" presName="sp" presStyleCnt="0"/>
       <dgm:spPr/>
+      <dgm:t>
+        <a:bodyPr/>
+        <a:lstStyle/>
+        <a:p>
+          <a:endParaRPr lang="en-US"/>
+        </a:p>
+      </dgm:t>
     </dgm:pt>
     <dgm:pt modelId="{F932DDF4-E44D-4304-B9A3-B687A631F6E3}" type="pres">
       <dgm:prSet presAssocID="{657B000D-0860-46F7-B498-0DFCF464EA0B}" presName="linNode" presStyleCnt="0"/>
       <dgm:spPr/>
+      <dgm:t>
+        <a:bodyPr/>
+        <a:lstStyle/>
+        <a:p>
+          <a:endParaRPr lang="en-US"/>
+        </a:p>
+      </dgm:t>
     </dgm:pt>
     <dgm:pt modelId="{24DAB81B-56B8-4492-A039-EAEA3357D0C7}" type="pres">
       <dgm:prSet presAssocID="{657B000D-0860-46F7-B498-0DFCF464EA0B}" presName="parentText" presStyleLbl="node1" presStyleIdx="8" presStyleCnt="9">
@@ -4811,6 +5068,13 @@
         </dgm:presLayoutVars>
       </dgm:prSet>
       <dgm:spPr/>
+      <dgm:t>
+        <a:bodyPr/>
+        <a:lstStyle/>
+        <a:p>
+          <a:endParaRPr lang="en-US"/>
+        </a:p>
+      </dgm:t>
     </dgm:pt>
     <dgm:pt modelId="{2A4DA02F-EFCF-4F74-94A0-47B80D767F37}" type="pres">
       <dgm:prSet presAssocID="{657B000D-0860-46F7-B498-0DFCF464EA0B}" presName="descendantText" presStyleLbl="alignAccFollowNode1" presStyleIdx="8" presStyleCnt="9">
@@ -4819,46 +5083,53 @@
         </dgm:presLayoutVars>
       </dgm:prSet>
       <dgm:spPr/>
+      <dgm:t>
+        <a:bodyPr/>
+        <a:lstStyle/>
+        <a:p>
+          <a:endParaRPr lang="en-US"/>
+        </a:p>
+      </dgm:t>
     </dgm:pt>
   </dgm:ptLst>
   <dgm:cxnLst>
-    <dgm:cxn modelId="{2C73AD02-A503-4C6B-B0DF-0866C766CFEE}" srcId="{44D781FF-3AAD-467D-97D7-B31364E7A950}" destId="{7C1A2B3D-EC6A-48CE-B184-E1993C998FFC}" srcOrd="0" destOrd="0" parTransId="{054581D7-12F3-4F32-8776-1A22D3704DF9}" sibTransId="{19B594D8-75E5-4914-B581-553526B54881}"/>
-    <dgm:cxn modelId="{00ADC105-B29A-4228-A4BF-BC6961E2A067}" type="presOf" srcId="{FF93CB9E-681E-443A-8088-0C1424A04B51}" destId="{0363D717-9A8D-45A8-82D7-1D241EAA2949}" srcOrd="0" destOrd="0" presId="urn:microsoft.com/office/officeart/2005/8/layout/vList5"/>
+    <dgm:cxn modelId="{153D61B0-8AD7-42DE-A934-681A9D13537B}" srcId="{6CC37FB0-11E9-4812-A8EE-2503DAE1CF11}" destId="{C95882E2-D459-4CD1-8644-EF691BB99204}" srcOrd="6" destOrd="0" parTransId="{93968DFF-AD01-48D8-8390-853EE8DE4B24}" sibTransId="{B76BB01B-929D-4814-96FB-D1CFA5733A9F}"/>
+    <dgm:cxn modelId="{9CDBEAAB-B2B9-4088-9DD1-9451DB380044}" srcId="{6CC37FB0-11E9-4812-A8EE-2503DAE1CF11}" destId="{4C7674A1-1DC0-49D3-8DB2-5B583BF55D7B}" srcOrd="2" destOrd="0" parTransId="{5ECD89D2-C12B-49A7-8070-FBF429DE5D94}" sibTransId="{BBE47162-76D0-4653-8793-4219170896BD}"/>
+    <dgm:cxn modelId="{61B49BC5-64B8-4362-895A-1E9CB17241FD}" srcId="{6CC37FB0-11E9-4812-A8EE-2503DAE1CF11}" destId="{3D072BCE-1700-4D4D-9B2E-63D033578DCF}" srcOrd="7" destOrd="0" parTransId="{A8E3E3FE-CF97-4139-9F34-3A32FCB4C360}" sibTransId="{20A1C5EC-01C0-4881-9CEA-CDB3819CB23F}"/>
+    <dgm:cxn modelId="{3B8D2DAC-4132-4E8A-A026-7B0820E94806}" srcId="{C95882E2-D459-4CD1-8644-EF691BB99204}" destId="{15CB2C8D-5967-43B2-A486-90CDD14B2C52}" srcOrd="0" destOrd="0" parTransId="{177EB3AA-6ADC-4658-A6AC-F1ABDB18AD34}" sibTransId="{442FB540-A8F2-4C38-AC1D-B28BD9DE8C55}"/>
+    <dgm:cxn modelId="{28DC530E-423B-4829-8406-67E38EF8A04E}" srcId="{F9116B5D-A59A-4A6B-9582-20C27C39A3F9}" destId="{70EB2085-DDD1-4E10-80BE-5E26EB968DFF}" srcOrd="0" destOrd="0" parTransId="{7B2C698D-5DE9-4B74-8503-98C1A887CF5C}" sibTransId="{45AE8C70-60AF-4F3B-9A44-161E96B3E230}"/>
+    <dgm:cxn modelId="{E4040F3C-818E-47A7-9153-2E5808B70136}" srcId="{E53D188F-2582-4DB2-8F44-590581F8F51C}" destId="{B0C05ECD-C1F2-4AAD-8F39-A4A59F16A0C3}" srcOrd="0" destOrd="0" parTransId="{F4C02B66-996E-4C07-A977-562C5E58D5C6}" sibTransId="{33E08F0C-2F63-4FA1-9F0D-564637E10059}"/>
+    <dgm:cxn modelId="{7DFF8477-8654-4D8F-90D8-701C569D81C9}" srcId="{6CC37FB0-11E9-4812-A8EE-2503DAE1CF11}" destId="{F9116B5D-A59A-4A6B-9582-20C27C39A3F9}" srcOrd="0" destOrd="0" parTransId="{330F701E-26B3-4722-A26F-F0BD367D56D0}" sibTransId="{7D040330-EB09-43D8-8B85-045AED0B47C7}"/>
     <dgm:cxn modelId="{7BA7CD06-5B25-405B-A9F5-D849BAF54F88}" type="presOf" srcId="{15CB2C8D-5967-43B2-A486-90CDD14B2C52}" destId="{3B5413F5-7EC5-4B28-8D38-14A949B7CB23}" srcOrd="0" destOrd="0" presId="urn:microsoft.com/office/officeart/2005/8/layout/vList5"/>
-    <dgm:cxn modelId="{28DC530E-423B-4829-8406-67E38EF8A04E}" srcId="{F9116B5D-A59A-4A6B-9582-20C27C39A3F9}" destId="{70EB2085-DDD1-4E10-80BE-5E26EB968DFF}" srcOrd="0" destOrd="0" parTransId="{7B2C698D-5DE9-4B74-8503-98C1A887CF5C}" sibTransId="{45AE8C70-60AF-4F3B-9A44-161E96B3E230}"/>
-    <dgm:cxn modelId="{07C79115-BDBD-47F5-BF02-1F787F7DD616}" type="presOf" srcId="{44D781FF-3AAD-467D-97D7-B31364E7A950}" destId="{C7665FA0-929F-4686-8FE2-36D7134B2B59}" srcOrd="0" destOrd="0" presId="urn:microsoft.com/office/officeart/2005/8/layout/vList5"/>
-    <dgm:cxn modelId="{91850021-BE81-462A-8EEA-29101059AEC2}" type="presOf" srcId="{6CC37FB0-11E9-4812-A8EE-2503DAE1CF11}" destId="{1E73B93B-75E1-4946-9178-09D1B8C2DD2B}" srcOrd="0" destOrd="0" presId="urn:microsoft.com/office/officeart/2005/8/layout/vList5"/>
-    <dgm:cxn modelId="{E4040F3C-818E-47A7-9153-2E5808B70136}" srcId="{E53D188F-2582-4DB2-8F44-590581F8F51C}" destId="{B0C05ECD-C1F2-4AAD-8F39-A4A59F16A0C3}" srcOrd="0" destOrd="0" parTransId="{F4C02B66-996E-4C07-A977-562C5E58D5C6}" sibTransId="{33E08F0C-2F63-4FA1-9F0D-564637E10059}"/>
-    <dgm:cxn modelId="{6D9ECB41-F27D-4FF0-AC34-38AAEE4010E3}" srcId="{3D072BCE-1700-4D4D-9B2E-63D033578DCF}" destId="{AEE3FD88-F385-4811-97AC-D5423FB23FBD}" srcOrd="0" destOrd="0" parTransId="{3C29FE02-A9E0-429F-9F33-52EF28BD06A5}" sibTransId="{06E6D073-E27A-4315-B2AE-89160672C14A}"/>
-    <dgm:cxn modelId="{B830FE63-6D0C-4C7B-BD93-20FD0C5AA228}" srcId="{6CC37FB0-11E9-4812-A8EE-2503DAE1CF11}" destId="{B0DBCEA2-02FB-4CDA-89F4-D67D4219F93C}" srcOrd="4" destOrd="0" parTransId="{99A717B9-7BFC-46EF-AF49-E2C54F441FC4}" sibTransId="{91D998C8-CA15-47DB-B3B2-4DDD450CAA59}"/>
-    <dgm:cxn modelId="{C5053447-EC40-4832-AEB3-73E2AB32B255}" type="presOf" srcId="{18DC16AA-54C2-4481-A4CD-FC9DE1422C1E}" destId="{70650966-29C3-4333-AC02-806013D68E33}" srcOrd="0" destOrd="0" presId="urn:microsoft.com/office/officeart/2005/8/layout/vList5"/>
-    <dgm:cxn modelId="{AE14FB48-820B-4938-8C31-DB6A9111C814}" srcId="{B0DBCEA2-02FB-4CDA-89F4-D67D4219F93C}" destId="{789D26A5-2B7C-4E5F-AC16-41D26CD022E0}" srcOrd="0" destOrd="0" parTransId="{461E2DA6-AB88-49DC-AFBC-4AE75F3809EC}" sibTransId="{B824A498-2AAD-41BD-9674-A27F71FA08D2}"/>
-    <dgm:cxn modelId="{E52FED4B-E04B-4D1B-9035-4856103E9315}" type="presOf" srcId="{3D072BCE-1700-4D4D-9B2E-63D033578DCF}" destId="{7F0E7E35-2E34-4092-9F64-FDAEADD2F3D9}" srcOrd="0" destOrd="0" presId="urn:microsoft.com/office/officeart/2005/8/layout/vList5"/>
-    <dgm:cxn modelId="{798D8B4C-0246-4D0C-B3E3-5121678079EF}" type="presOf" srcId="{657B000D-0860-46F7-B498-0DFCF464EA0B}" destId="{24DAB81B-56B8-4492-A039-EAEA3357D0C7}" srcOrd="0" destOrd="0" presId="urn:microsoft.com/office/officeart/2005/8/layout/vList5"/>
-    <dgm:cxn modelId="{9A94254F-080B-4E6C-B7AF-07FD6F009CD8}" type="presOf" srcId="{C95882E2-D459-4CD1-8644-EF691BB99204}" destId="{CF61B2AD-10FC-4478-ACDC-42613DF718F7}" srcOrd="0" destOrd="0" presId="urn:microsoft.com/office/officeart/2005/8/layout/vList5"/>
-    <dgm:cxn modelId="{B93EBD75-F4BA-474B-8687-D81BCB215D27}" type="presOf" srcId="{AEE3FD88-F385-4811-97AC-D5423FB23FBD}" destId="{CC65E0B0-6807-4EE9-B682-257AFFF0DB86}" srcOrd="0" destOrd="0" presId="urn:microsoft.com/office/officeart/2005/8/layout/vList5"/>
-    <dgm:cxn modelId="{8B079956-F24E-483A-8470-461E541765EB}" type="presOf" srcId="{7C1A2B3D-EC6A-48CE-B184-E1993C998FFC}" destId="{EFD0B837-B800-4361-81FE-21FFE92292CF}" srcOrd="0" destOrd="0" presId="urn:microsoft.com/office/officeart/2005/8/layout/vList5"/>
-    <dgm:cxn modelId="{7DFF8477-8654-4D8F-90D8-701C569D81C9}" srcId="{6CC37FB0-11E9-4812-A8EE-2503DAE1CF11}" destId="{F9116B5D-A59A-4A6B-9582-20C27C39A3F9}" srcOrd="0" destOrd="0" parTransId="{330F701E-26B3-4722-A26F-F0BD367D56D0}" sibTransId="{7D040330-EB09-43D8-8B85-045AED0B47C7}"/>
-    <dgm:cxn modelId="{00C8508B-ACBC-449D-BB5E-22FA3C056B2E}" type="presOf" srcId="{789D26A5-2B7C-4E5F-AC16-41D26CD022E0}" destId="{99B771A8-C2D2-4748-9C2C-B2DA86D3DB0E}" srcOrd="0" destOrd="0" presId="urn:microsoft.com/office/officeart/2005/8/layout/vList5"/>
-    <dgm:cxn modelId="{06235DA3-FD80-483A-A036-3488DCFDF80A}" type="presOf" srcId="{4C7674A1-1DC0-49D3-8DB2-5B583BF55D7B}" destId="{229D6907-9BFC-4ED8-A6BC-108EA42BA111}" srcOrd="0" destOrd="0" presId="urn:microsoft.com/office/officeart/2005/8/layout/vList5"/>
-    <dgm:cxn modelId="{9CDBEAAB-B2B9-4088-9DD1-9451DB380044}" srcId="{6CC37FB0-11E9-4812-A8EE-2503DAE1CF11}" destId="{4C7674A1-1DC0-49D3-8DB2-5B583BF55D7B}" srcOrd="2" destOrd="0" parTransId="{5ECD89D2-C12B-49A7-8070-FBF429DE5D94}" sibTransId="{BBE47162-76D0-4653-8793-4219170896BD}"/>
-    <dgm:cxn modelId="{3B8D2DAC-4132-4E8A-A026-7B0820E94806}" srcId="{C95882E2-D459-4CD1-8644-EF691BB99204}" destId="{15CB2C8D-5967-43B2-A486-90CDD14B2C52}" srcOrd="0" destOrd="0" parTransId="{177EB3AA-6ADC-4658-A6AC-F1ABDB18AD34}" sibTransId="{442FB540-A8F2-4C38-AC1D-B28BD9DE8C55}"/>
-    <dgm:cxn modelId="{153D61B0-8AD7-42DE-A934-681A9D13537B}" srcId="{6CC37FB0-11E9-4812-A8EE-2503DAE1CF11}" destId="{C95882E2-D459-4CD1-8644-EF691BB99204}" srcOrd="6" destOrd="0" parTransId="{93968DFF-AD01-48D8-8390-853EE8DE4B24}" sibTransId="{B76BB01B-929D-4814-96FB-D1CFA5733A9F}"/>
-    <dgm:cxn modelId="{169081B5-1458-4250-8FC2-C62EDBBB20C8}" type="presOf" srcId="{70EB2085-DDD1-4E10-80BE-5E26EB968DFF}" destId="{D943BB31-8736-42FF-A3EA-BF2081889888}" srcOrd="0" destOrd="0" presId="urn:microsoft.com/office/officeart/2005/8/layout/vList5"/>
-    <dgm:cxn modelId="{F03379BA-F8B6-4CB1-BFF3-A86B4DC99215}" type="presOf" srcId="{F9116B5D-A59A-4A6B-9582-20C27C39A3F9}" destId="{2DA1A61E-AC1C-4ACA-8BA9-72ED4C6EA104}" srcOrd="0" destOrd="0" presId="urn:microsoft.com/office/officeart/2005/8/layout/vList5"/>
-    <dgm:cxn modelId="{D1E9DAC3-F2A9-4D17-8385-3DC3FDBD53F4}" type="presOf" srcId="{B0DBCEA2-02FB-4CDA-89F4-D67D4219F93C}" destId="{A12DE59A-2A6C-41EA-921B-8D1BF9D32046}" srcOrd="0" destOrd="0" presId="urn:microsoft.com/office/officeart/2005/8/layout/vList5"/>
-    <dgm:cxn modelId="{61B49BC5-64B8-4362-895A-1E9CB17241FD}" srcId="{6CC37FB0-11E9-4812-A8EE-2503DAE1CF11}" destId="{3D072BCE-1700-4D4D-9B2E-63D033578DCF}" srcOrd="7" destOrd="0" parTransId="{A8E3E3FE-CF97-4139-9F34-3A32FCB4C360}" sibTransId="{20A1C5EC-01C0-4881-9CEA-CDB3819CB23F}"/>
-    <dgm:cxn modelId="{881593CD-5B6E-4BB4-BB44-22C9A17D951B}" srcId="{4C7674A1-1DC0-49D3-8DB2-5B583BF55D7B}" destId="{18DC16AA-54C2-4481-A4CD-FC9DE1422C1E}" srcOrd="0" destOrd="0" parTransId="{039A3933-5F96-41CA-B2A3-DF9A44B40FA8}" sibTransId="{FFA4E458-2EBA-415B-9D5F-11247DE53BF1}"/>
-    <dgm:cxn modelId="{294E21CF-A817-4D60-BB79-4B0DB7F470CD}" type="presOf" srcId="{3E517703-8BC4-4454-B7F9-B3187399719D}" destId="{2A4DA02F-EFCF-4F74-94A0-47B80D767F37}" srcOrd="0" destOrd="0" presId="urn:microsoft.com/office/officeart/2005/8/layout/vList5"/>
-    <dgm:cxn modelId="{C2D5B9CF-F5E2-4F79-A93D-858ADA46CB35}" srcId="{1E43BE5F-ACA7-40AD-83DE-CBAA5E582D8E}" destId="{FF93CB9E-681E-443A-8088-0C1424A04B51}" srcOrd="0" destOrd="0" parTransId="{A02151E0-FAFE-460F-B85A-A11C980E41DD}" sibTransId="{FE16E8C2-B60F-4976-B50C-90D291E5D7DF}"/>
     <dgm:cxn modelId="{A93599D5-F02F-4384-BB8F-3C30FA897851}" srcId="{6CC37FB0-11E9-4812-A8EE-2503DAE1CF11}" destId="{657B000D-0860-46F7-B498-0DFCF464EA0B}" srcOrd="8" destOrd="0" parTransId="{27B60E74-675C-4B9E-92BB-3886331CACEA}" sibTransId="{773C6B0F-CF29-4AAF-91F5-4E5714F8C6D1}"/>
     <dgm:cxn modelId="{BCEF84DC-FA1E-48CF-A883-7DC50F8A95BC}" type="presOf" srcId="{E53D188F-2582-4DB2-8F44-590581F8F51C}" destId="{A5519C89-4B41-42D6-9CD0-8910AFF653E5}" srcOrd="0" destOrd="0" presId="urn:microsoft.com/office/officeart/2005/8/layout/vList5"/>
+    <dgm:cxn modelId="{169081B5-1458-4250-8FC2-C62EDBBB20C8}" type="presOf" srcId="{70EB2085-DDD1-4E10-80BE-5E26EB968DFF}" destId="{D943BB31-8736-42FF-A3EA-BF2081889888}" srcOrd="0" destOrd="0" presId="urn:microsoft.com/office/officeart/2005/8/layout/vList5"/>
+    <dgm:cxn modelId="{5253CCEF-527A-4050-A65A-6E7E77BCFC30}" type="presOf" srcId="{1E43BE5F-ACA7-40AD-83DE-CBAA5E582D8E}" destId="{54730263-BFC2-4359-B82A-825979BB1958}" srcOrd="0" destOrd="0" presId="urn:microsoft.com/office/officeart/2005/8/layout/vList5"/>
+    <dgm:cxn modelId="{DDEB9EF7-ACF6-48F4-AC51-02FB0CC5B6EA}" srcId="{6CC37FB0-11E9-4812-A8EE-2503DAE1CF11}" destId="{44D781FF-3AAD-467D-97D7-B31364E7A950}" srcOrd="1" destOrd="0" parTransId="{B86648BE-1454-4084-8C09-C03BBA8AB8CC}" sibTransId="{D915F3CB-A9A1-4964-ACA1-7520695A13B4}"/>
+    <dgm:cxn modelId="{8B079956-F24E-483A-8470-461E541765EB}" type="presOf" srcId="{7C1A2B3D-EC6A-48CE-B184-E1993C998FFC}" destId="{EFD0B837-B800-4361-81FE-21FFE92292CF}" srcOrd="0" destOrd="0" presId="urn:microsoft.com/office/officeart/2005/8/layout/vList5"/>
+    <dgm:cxn modelId="{AE14FB48-820B-4938-8C31-DB6A9111C814}" srcId="{B0DBCEA2-02FB-4CDA-89F4-D67D4219F93C}" destId="{789D26A5-2B7C-4E5F-AC16-41D26CD022E0}" srcOrd="0" destOrd="0" parTransId="{461E2DA6-AB88-49DC-AFBC-4AE75F3809EC}" sibTransId="{B824A498-2AAD-41BD-9674-A27F71FA08D2}"/>
+    <dgm:cxn modelId="{B93EBD75-F4BA-474B-8687-D81BCB215D27}" type="presOf" srcId="{AEE3FD88-F385-4811-97AC-D5423FB23FBD}" destId="{CC65E0B0-6807-4EE9-B682-257AFFF0DB86}" srcOrd="0" destOrd="0" presId="urn:microsoft.com/office/officeart/2005/8/layout/vList5"/>
+    <dgm:cxn modelId="{06235DA3-FD80-483A-A036-3488DCFDF80A}" type="presOf" srcId="{4C7674A1-1DC0-49D3-8DB2-5B583BF55D7B}" destId="{229D6907-9BFC-4ED8-A6BC-108EA42BA111}" srcOrd="0" destOrd="0" presId="urn:microsoft.com/office/officeart/2005/8/layout/vList5"/>
+    <dgm:cxn modelId="{1E272BFA-50B7-4FB8-8B03-0DB9BD5471B8}" srcId="{657B000D-0860-46F7-B498-0DFCF464EA0B}" destId="{3E517703-8BC4-4454-B7F9-B3187399719D}" srcOrd="0" destOrd="0" parTransId="{DC5093F1-FA3A-4CA3-8807-1D9E19ACC3EF}" sibTransId="{CCE07668-918D-45A6-B55C-6DC66078394A}"/>
+    <dgm:cxn modelId="{9A94254F-080B-4E6C-B7AF-07FD6F009CD8}" type="presOf" srcId="{C95882E2-D459-4CD1-8644-EF691BB99204}" destId="{CF61B2AD-10FC-4478-ACDC-42613DF718F7}" srcOrd="0" destOrd="0" presId="urn:microsoft.com/office/officeart/2005/8/layout/vList5"/>
+    <dgm:cxn modelId="{C5053447-EC40-4832-AEB3-73E2AB32B255}" type="presOf" srcId="{18DC16AA-54C2-4481-A4CD-FC9DE1422C1E}" destId="{70650966-29C3-4333-AC02-806013D68E33}" srcOrd="0" destOrd="0" presId="urn:microsoft.com/office/officeart/2005/8/layout/vList5"/>
+    <dgm:cxn modelId="{798D8B4C-0246-4D0C-B3E3-5121678079EF}" type="presOf" srcId="{657B000D-0860-46F7-B498-0DFCF464EA0B}" destId="{24DAB81B-56B8-4492-A039-EAEA3357D0C7}" srcOrd="0" destOrd="0" presId="urn:microsoft.com/office/officeart/2005/8/layout/vList5"/>
+    <dgm:cxn modelId="{91850021-BE81-462A-8EEA-29101059AEC2}" type="presOf" srcId="{6CC37FB0-11E9-4812-A8EE-2503DAE1CF11}" destId="{1E73B93B-75E1-4946-9178-09D1B8C2DD2B}" srcOrd="0" destOrd="0" presId="urn:microsoft.com/office/officeart/2005/8/layout/vList5"/>
+    <dgm:cxn modelId="{D1E9DAC3-F2A9-4D17-8385-3DC3FDBD53F4}" type="presOf" srcId="{B0DBCEA2-02FB-4CDA-89F4-D67D4219F93C}" destId="{A12DE59A-2A6C-41EA-921B-8D1BF9D32046}" srcOrd="0" destOrd="0" presId="urn:microsoft.com/office/officeart/2005/8/layout/vList5"/>
     <dgm:cxn modelId="{49E7F0E1-EFCD-472C-AE0B-D26E3B76BC6D}" type="presOf" srcId="{B0C05ECD-C1F2-4AAD-8F39-A4A59F16A0C3}" destId="{87466991-897C-475E-A7CF-909FFFF8014E}" srcOrd="0" destOrd="0" presId="urn:microsoft.com/office/officeart/2005/8/layout/vList5"/>
+    <dgm:cxn modelId="{B830FE63-6D0C-4C7B-BD93-20FD0C5AA228}" srcId="{6CC37FB0-11E9-4812-A8EE-2503DAE1CF11}" destId="{B0DBCEA2-02FB-4CDA-89F4-D67D4219F93C}" srcOrd="4" destOrd="0" parTransId="{99A717B9-7BFC-46EF-AF49-E2C54F441FC4}" sibTransId="{91D998C8-CA15-47DB-B3B2-4DDD450CAA59}"/>
     <dgm:cxn modelId="{1DAA1CE2-3AB5-4111-8D8E-AF559FEFBA38}" srcId="{6CC37FB0-11E9-4812-A8EE-2503DAE1CF11}" destId="{E53D188F-2582-4DB2-8F44-590581F8F51C}" srcOrd="5" destOrd="0" parTransId="{FF08CB1F-DB8C-4DED-9BFB-2970CA4C6349}" sibTransId="{0B8865B3-1539-4CF5-B4B2-46A5F4B22E04}"/>
-    <dgm:cxn modelId="{5253CCEF-527A-4050-A65A-6E7E77BCFC30}" type="presOf" srcId="{1E43BE5F-ACA7-40AD-83DE-CBAA5E582D8E}" destId="{54730263-BFC2-4359-B82A-825979BB1958}" srcOrd="0" destOrd="0" presId="urn:microsoft.com/office/officeart/2005/8/layout/vList5"/>
+    <dgm:cxn modelId="{294E21CF-A817-4D60-BB79-4B0DB7F470CD}" type="presOf" srcId="{3E517703-8BC4-4454-B7F9-B3187399719D}" destId="{2A4DA02F-EFCF-4F74-94A0-47B80D767F37}" srcOrd="0" destOrd="0" presId="urn:microsoft.com/office/officeart/2005/8/layout/vList5"/>
+    <dgm:cxn modelId="{07C79115-BDBD-47F5-BF02-1F787F7DD616}" type="presOf" srcId="{44D781FF-3AAD-467D-97D7-B31364E7A950}" destId="{C7665FA0-929F-4686-8FE2-36D7134B2B59}" srcOrd="0" destOrd="0" presId="urn:microsoft.com/office/officeart/2005/8/layout/vList5"/>
+    <dgm:cxn modelId="{F03379BA-F8B6-4CB1-BFF3-A86B4DC99215}" type="presOf" srcId="{F9116B5D-A59A-4A6B-9582-20C27C39A3F9}" destId="{2DA1A61E-AC1C-4ACA-8BA9-72ED4C6EA104}" srcOrd="0" destOrd="0" presId="urn:microsoft.com/office/officeart/2005/8/layout/vList5"/>
+    <dgm:cxn modelId="{E52FED4B-E04B-4D1B-9035-4856103E9315}" type="presOf" srcId="{3D072BCE-1700-4D4D-9B2E-63D033578DCF}" destId="{7F0E7E35-2E34-4092-9F64-FDAEADD2F3D9}" srcOrd="0" destOrd="0" presId="urn:microsoft.com/office/officeart/2005/8/layout/vList5"/>
+    <dgm:cxn modelId="{881593CD-5B6E-4BB4-BB44-22C9A17D951B}" srcId="{4C7674A1-1DC0-49D3-8DB2-5B583BF55D7B}" destId="{18DC16AA-54C2-4481-A4CD-FC9DE1422C1E}" srcOrd="0" destOrd="0" parTransId="{039A3933-5F96-41CA-B2A3-DF9A44B40FA8}" sibTransId="{FFA4E458-2EBA-415B-9D5F-11247DE53BF1}"/>
+    <dgm:cxn modelId="{C2D5B9CF-F5E2-4F79-A93D-858ADA46CB35}" srcId="{1E43BE5F-ACA7-40AD-83DE-CBAA5E582D8E}" destId="{FF93CB9E-681E-443A-8088-0C1424A04B51}" srcOrd="0" destOrd="0" parTransId="{A02151E0-FAFE-460F-B85A-A11C980E41DD}" sibTransId="{FE16E8C2-B60F-4976-B50C-90D291E5D7DF}"/>
+    <dgm:cxn modelId="{00ADC105-B29A-4228-A4BF-BC6961E2A067}" type="presOf" srcId="{FF93CB9E-681E-443A-8088-0C1424A04B51}" destId="{0363D717-9A8D-45A8-82D7-1D241EAA2949}" srcOrd="0" destOrd="0" presId="urn:microsoft.com/office/officeart/2005/8/layout/vList5"/>
+    <dgm:cxn modelId="{6D9ECB41-F27D-4FF0-AC34-38AAEE4010E3}" srcId="{3D072BCE-1700-4D4D-9B2E-63D033578DCF}" destId="{AEE3FD88-F385-4811-97AC-D5423FB23FBD}" srcOrd="0" destOrd="0" parTransId="{3C29FE02-A9E0-429F-9F33-52EF28BD06A5}" sibTransId="{06E6D073-E27A-4315-B2AE-89160672C14A}"/>
+    <dgm:cxn modelId="{00C8508B-ACBC-449D-BB5E-22FA3C056B2E}" type="presOf" srcId="{789D26A5-2B7C-4E5F-AC16-41D26CD022E0}" destId="{99B771A8-C2D2-4748-9C2C-B2DA86D3DB0E}" srcOrd="0" destOrd="0" presId="urn:microsoft.com/office/officeart/2005/8/layout/vList5"/>
+    <dgm:cxn modelId="{2C73AD02-A503-4C6B-B0DF-0866C766CFEE}" srcId="{44D781FF-3AAD-467D-97D7-B31364E7A950}" destId="{7C1A2B3D-EC6A-48CE-B184-E1993C998FFC}" srcOrd="0" destOrd="0" parTransId="{054581D7-12F3-4F32-8776-1A22D3704DF9}" sibTransId="{19B594D8-75E5-4914-B581-553526B54881}"/>
     <dgm:cxn modelId="{5B4377F3-25D2-48F2-9F81-7104D86BC1A6}" srcId="{6CC37FB0-11E9-4812-A8EE-2503DAE1CF11}" destId="{1E43BE5F-ACA7-40AD-83DE-CBAA5E582D8E}" srcOrd="3" destOrd="0" parTransId="{24F4A111-3170-422D-8C1C-9A9C56688ACF}" sibTransId="{7628696C-B2C8-4231-849D-207AD58D1DEF}"/>
-    <dgm:cxn modelId="{DDEB9EF7-ACF6-48F4-AC51-02FB0CC5B6EA}" srcId="{6CC37FB0-11E9-4812-A8EE-2503DAE1CF11}" destId="{44D781FF-3AAD-467D-97D7-B31364E7A950}" srcOrd="1" destOrd="0" parTransId="{B86648BE-1454-4084-8C09-C03BBA8AB8CC}" sibTransId="{D915F3CB-A9A1-4964-ACA1-7520695A13B4}"/>
-    <dgm:cxn modelId="{1E272BFA-50B7-4FB8-8B03-0DB9BD5471B8}" srcId="{657B000D-0860-46F7-B498-0DFCF464EA0B}" destId="{3E517703-8BC4-4454-B7F9-B3187399719D}" srcOrd="0" destOrd="0" parTransId="{DC5093F1-FA3A-4CA3-8807-1D9E19ACC3EF}" sibTransId="{CCE07668-918D-45A6-B55C-6DC66078394A}"/>
     <dgm:cxn modelId="{BCD19560-5970-4C30-BAD9-FEAAEB2ADEEA}" type="presParOf" srcId="{1E73B93B-75E1-4946-9178-09D1B8C2DD2B}" destId="{6CD6F02C-6AF1-4626-B04B-8F1790F98C81}" srcOrd="0" destOrd="0" presId="urn:microsoft.com/office/officeart/2005/8/layout/vList5"/>
     <dgm:cxn modelId="{6E286E4D-0073-4E62-AC5C-12DAD15E4641}" type="presParOf" srcId="{6CD6F02C-6AF1-4626-B04B-8F1790F98C81}" destId="{2DA1A61E-AC1C-4ACA-8BA9-72ED4C6EA104}" srcOrd="0" destOrd="0" presId="urn:microsoft.com/office/officeart/2005/8/layout/vList5"/>
     <dgm:cxn modelId="{FF8DBD97-D9E3-48AD-982B-E8DFAAF20E79}" type="presParOf" srcId="{6CD6F02C-6AF1-4626-B04B-8F1790F98C81}" destId="{D943BB31-8736-42FF-A3EA-BF2081889888}" srcOrd="1" destOrd="0" presId="urn:microsoft.com/office/officeart/2005/8/layout/vList5"/>
@@ -4909,7 +5180,7 @@
 <dgm:dataModel xmlns:dgm="http://schemas.openxmlformats.org/drawingml/2006/diagram" xmlns:a="http://schemas.openxmlformats.org/drawingml/2006/main">
   <dgm:ptLst>
     <dgm:pt modelId="{6CC37FB0-11E9-4812-A8EE-2503DAE1CF11}" type="doc">
-      <dgm:prSet loTypeId="urn:microsoft.com/office/officeart/2005/8/layout/vList5" loCatId="list" qsTypeId="urn:microsoft.com/office/officeart/2005/8/quickstyle/simple1" qsCatId="simple" csTypeId="urn:microsoft.com/office/officeart/2005/8/colors/accent3_1" csCatId="accent3" phldr="1"/>
+      <dgm:prSet loTypeId="urn:microsoft.com/office/officeart/2005/8/layout/vList5" loCatId="list" qsTypeId="urn:microsoft.com/office/officeart/2005/8/quickstyle/simple1" qsCatId="simple" csTypeId="urn:microsoft.com/office/officeart/2005/8/colors/accent3_2" csCatId="accent3" phldr="1"/>
       <dgm:spPr/>
       <dgm:t>
         <a:bodyPr/>
@@ -4920,25 +5191,25 @@
       </dgm:t>
     </dgm:pt>
     <dgm:pt modelId="{F9116B5D-A59A-4A6B-9582-20C27C39A3F9}">
-      <dgm:prSet phldrT="[Text]" custT="1"/>
+      <dgm:prSet phldrT="[Text]"/>
       <dgm:spPr/>
       <dgm:t>
         <a:bodyPr/>
         <a:lstStyle/>
         <a:p>
           <a:r>
-            <a:rPr lang="en-US" sz="1600" b="1" i="0" dirty="0" err="1"/>
+            <a:rPr lang="en-US" dirty="0" err="1"/>
             <a:t>findFirst</a:t>
           </a:r>
           <a:r>
-            <a:rPr lang="ru-RU" sz="1600" b="1" i="0" dirty="0"/>
+            <a:rPr lang="ru-RU" dirty="0"/>
             <a:t> \ </a:t>
           </a:r>
           <a:r>
-            <a:rPr lang="en-US" sz="1600" b="1" i="0" dirty="0" err="1"/>
+            <a:rPr lang="en-US" dirty="0" err="1"/>
             <a:t>findAny</a:t>
           </a:r>
-          <a:endParaRPr lang="ru-RU" sz="1600" dirty="0"/>
+          <a:endParaRPr lang="ru-RU" dirty="0"/>
         </a:p>
       </dgm:t>
     </dgm:pt>
@@ -4949,7 +5220,7 @@
         <a:bodyPr/>
         <a:lstStyle/>
         <a:p>
-          <a:endParaRPr lang="ru-RU" sz="1600"/>
+          <a:endParaRPr lang="ru-RU"/>
         </a:p>
       </dgm:t>
     </dgm:pt>
@@ -4960,38 +5231,37 @@
         <a:bodyPr/>
         <a:lstStyle/>
         <a:p>
-          <a:endParaRPr lang="ru-RU" sz="1600"/>
+          <a:endParaRPr lang="ru-RU"/>
         </a:p>
       </dgm:t>
     </dgm:pt>
     <dgm:pt modelId="{70EB2085-DDD1-4E10-80BE-5E26EB968DFF}">
-      <dgm:prSet phldrT="[Text]" custT="1"/>
+      <dgm:prSet phldrT="[Text]"/>
       <dgm:spPr/>
       <dgm:t>
         <a:bodyPr/>
         <a:lstStyle/>
         <a:p>
           <a:r>
-            <a:rPr lang="ru-RU" sz="1600" b="0" i="0" dirty="0"/>
+            <a:rPr lang="ru-RU" dirty="0"/>
             <a:t>Возвращает первый \ любой подходящий элемент из </a:t>
           </a:r>
           <a:r>
-            <a:rPr lang="ru-RU" sz="1600" b="0" i="0" dirty="0" err="1"/>
+            <a:rPr lang="ru-RU" dirty="0" err="1"/>
             <a:t>стрима</a:t>
           </a:r>
           <a:r>
-            <a:rPr lang="ru-RU" sz="1600" b="0" i="0" dirty="0"/>
+            <a:rPr lang="ru-RU" dirty="0"/>
             <a:t> (возвращает </a:t>
           </a:r>
           <a:r>
-            <a:rPr lang="ru-RU" sz="1600" b="0" i="0" dirty="0" err="1"/>
+            <a:rPr lang="ru-RU" dirty="0" err="1"/>
             <a:t>Optional</a:t>
           </a:r>
           <a:r>
-            <a:rPr lang="ru-RU" sz="1600" b="0" i="0" dirty="0"/>
+            <a:rPr lang="ru-RU" dirty="0"/>
             <a:t>)</a:t>
           </a:r>
-          <a:endParaRPr lang="ru-RU" sz="1600" dirty="0"/>
         </a:p>
       </dgm:t>
     </dgm:pt>
@@ -5002,7 +5272,7 @@
         <a:bodyPr/>
         <a:lstStyle/>
         <a:p>
-          <a:endParaRPr lang="ru-RU" sz="1600"/>
+          <a:endParaRPr lang="ru-RU"/>
         </a:p>
       </dgm:t>
     </dgm:pt>
@@ -5013,38 +5283,38 @@
         <a:bodyPr/>
         <a:lstStyle/>
         <a:p>
-          <a:endParaRPr lang="ru-RU" sz="1600"/>
+          <a:endParaRPr lang="ru-RU"/>
         </a:p>
       </dgm:t>
     </dgm:pt>
     <dgm:pt modelId="{4C7674A1-1DC0-49D3-8DB2-5B583BF55D7B}">
-      <dgm:prSet phldrT="[Text]" custT="1"/>
+      <dgm:prSet phldrT="[Text]"/>
       <dgm:spPr/>
       <dgm:t>
         <a:bodyPr/>
         <a:lstStyle/>
         <a:p>
           <a:r>
-            <a:rPr lang="en-US" sz="1600" b="1" i="0" dirty="0" err="1"/>
+            <a:rPr lang="en-US" dirty="0" err="1"/>
             <a:t>anyMatch</a:t>
           </a:r>
           <a:r>
-            <a:rPr lang="en-US" sz="1600" b="1" i="0" dirty="0"/>
+            <a:rPr lang="en-US" dirty="0"/>
             <a:t> \ </a:t>
           </a:r>
           <a:r>
-            <a:rPr lang="en-US" sz="1600" b="1" i="0" dirty="0" err="1"/>
+            <a:rPr lang="en-US" dirty="0" err="1"/>
             <a:t>noneMatch</a:t>
           </a:r>
           <a:r>
-            <a:rPr lang="en-US" sz="1600" b="1" i="0" dirty="0"/>
+            <a:rPr lang="en-US" dirty="0"/>
             <a:t> \ </a:t>
           </a:r>
           <a:r>
-            <a:rPr lang="en-US" sz="1600" b="1" i="0" dirty="0" err="1"/>
+            <a:rPr lang="en-US" dirty="0" err="1"/>
             <a:t>allMatch</a:t>
           </a:r>
-          <a:endParaRPr lang="ru-RU" sz="1600" dirty="0"/>
+          <a:endParaRPr lang="ru-RU" dirty="0"/>
         </a:p>
       </dgm:t>
     </dgm:pt>
@@ -5055,7 +5325,7 @@
         <a:bodyPr/>
         <a:lstStyle/>
         <a:p>
-          <a:endParaRPr lang="ru-RU" sz="1600"/>
+          <a:endParaRPr lang="ru-RU"/>
         </a:p>
       </dgm:t>
     </dgm:pt>
@@ -5066,22 +5336,22 @@
         <a:bodyPr/>
         <a:lstStyle/>
         <a:p>
-          <a:endParaRPr lang="ru-RU" sz="1600"/>
+          <a:endParaRPr lang="ru-RU"/>
         </a:p>
       </dgm:t>
     </dgm:pt>
     <dgm:pt modelId="{7C1A2B3D-EC6A-48CE-B184-E1993C998FFC}">
-      <dgm:prSet phldrT="[Text]" custT="1"/>
+      <dgm:prSet phldrT="[Text]"/>
       <dgm:spPr/>
       <dgm:t>
         <a:bodyPr/>
         <a:lstStyle/>
         <a:p>
           <a:r>
-            <a:rPr lang="en-US" sz="1600" b="0" i="0" dirty="0"/>
+            <a:rPr lang="en-US" dirty="0"/>
             <a:t>count</a:t>
           </a:r>
-          <a:endParaRPr lang="ru-RU" sz="1600" dirty="0"/>
+          <a:endParaRPr lang="ru-RU" dirty="0"/>
         </a:p>
       </dgm:t>
     </dgm:pt>
@@ -5092,7 +5362,7 @@
         <a:bodyPr/>
         <a:lstStyle/>
         <a:p>
-          <a:endParaRPr lang="ru-RU" sz="1600"/>
+          <a:endParaRPr lang="ru-RU"/>
         </a:p>
       </dgm:t>
     </dgm:pt>
@@ -5103,38 +5373,37 @@
         <a:bodyPr/>
         <a:lstStyle/>
         <a:p>
-          <a:endParaRPr lang="ru-RU" sz="1600"/>
+          <a:endParaRPr lang="ru-RU"/>
         </a:p>
       </dgm:t>
     </dgm:pt>
     <dgm:pt modelId="{18DC16AA-54C2-4481-A4CD-FC9DE1422C1E}">
-      <dgm:prSet phldrT="[Text]" custT="1"/>
+      <dgm:prSet phldrT="[Text]"/>
       <dgm:spPr/>
       <dgm:t>
         <a:bodyPr/>
         <a:lstStyle/>
         <a:p>
           <a:r>
-            <a:rPr lang="ru-RU" sz="1600" b="0" i="0" dirty="0"/>
+            <a:rPr lang="ru-RU" dirty="0"/>
             <a:t>Возвращает </a:t>
           </a:r>
           <a:r>
-            <a:rPr lang="ru-RU" sz="1600" b="0" i="0" dirty="0" err="1"/>
+            <a:rPr lang="ru-RU" dirty="0" err="1"/>
             <a:t>true</a:t>
           </a:r>
           <a:r>
-            <a:rPr lang="ru-RU" sz="1600" b="0" i="0" dirty="0"/>
+            <a:rPr lang="ru-RU" dirty="0"/>
             <a:t>, если условие выполняется хотя бы для одного элемента</a:t>
           </a:r>
           <a:r>
-            <a:rPr lang="en-US" sz="1600" b="0" i="0" dirty="0"/>
+            <a:rPr lang="en-US" dirty="0"/>
             <a:t> \ </a:t>
           </a:r>
           <a:r>
-            <a:rPr lang="ru-RU" sz="1600" b="0" i="0" dirty="0"/>
+            <a:rPr lang="ru-RU" dirty="0"/>
             <a:t>ни для одного \ для всех</a:t>
           </a:r>
-          <a:endParaRPr lang="ru-RU" sz="1600" dirty="0"/>
         </a:p>
       </dgm:t>
     </dgm:pt>
@@ -5145,7 +5414,7 @@
         <a:bodyPr/>
         <a:lstStyle/>
         <a:p>
-          <a:endParaRPr lang="ru-RU" sz="1600"/>
+          <a:endParaRPr lang="ru-RU"/>
         </a:p>
       </dgm:t>
     </dgm:pt>
@@ -5156,22 +5425,22 @@
         <a:bodyPr/>
         <a:lstStyle/>
         <a:p>
-          <a:endParaRPr lang="ru-RU" sz="1600"/>
+          <a:endParaRPr lang="ru-RU"/>
         </a:p>
       </dgm:t>
     </dgm:pt>
     <dgm:pt modelId="{D555C955-066A-4BD0-A6EC-ECE713230D47}">
-      <dgm:prSet phldrT="[Text]" custT="1"/>
+      <dgm:prSet phldrT="[Text]"/>
       <dgm:spPr/>
       <dgm:t>
         <a:bodyPr/>
         <a:lstStyle/>
         <a:p>
           <a:r>
-            <a:rPr lang="en-US" sz="1600" dirty="0"/>
+            <a:rPr lang="en-US" dirty="0"/>
             <a:t>collect</a:t>
           </a:r>
-          <a:endParaRPr lang="ru-RU" sz="1600" dirty="0"/>
+          <a:endParaRPr lang="ru-RU" dirty="0"/>
         </a:p>
       </dgm:t>
     </dgm:pt>
@@ -5198,17 +5467,16 @@
       </dgm:t>
     </dgm:pt>
     <dgm:pt modelId="{D0D8BD50-10D7-4A0C-B098-838FBEB53ECF}">
-      <dgm:prSet phldrT="[Text]" custT="1"/>
+      <dgm:prSet phldrT="[Text]"/>
       <dgm:spPr/>
       <dgm:t>
         <a:bodyPr/>
         <a:lstStyle/>
         <a:p>
           <a:r>
-            <a:rPr lang="ru-RU" sz="1600" b="0" i="0" dirty="0"/>
+            <a:rPr lang="ru-RU" dirty="0"/>
             <a:t>Представление результатов в виде коллекций и других структур данных</a:t>
           </a:r>
-          <a:endParaRPr lang="ru-RU" sz="1600" dirty="0"/>
         </a:p>
       </dgm:t>
     </dgm:pt>
@@ -5235,21 +5503,21 @@
       </dgm:t>
     </dgm:pt>
     <dgm:pt modelId="{FF349E62-0562-419C-BC43-DD7AFE4F7856}">
-      <dgm:prSet phldrT="[Text]" custT="1"/>
+      <dgm:prSet phldrT="[Text]"/>
       <dgm:spPr/>
       <dgm:t>
         <a:bodyPr/>
         <a:lstStyle/>
         <a:p>
           <a:r>
-            <a:rPr lang="ru-RU" sz="1600" b="0" i="0" dirty="0"/>
+            <a:rPr lang="ru-RU" dirty="0"/>
             <a:t>Возвращает количество элементов в </a:t>
           </a:r>
           <a:r>
-            <a:rPr lang="ru-RU" sz="1600" b="0" i="0" dirty="0" err="1"/>
+            <a:rPr lang="ru-RU" dirty="0" err="1"/>
             <a:t>стриме</a:t>
           </a:r>
-          <a:endParaRPr lang="ru-RU" sz="1600" dirty="0"/>
+          <a:endParaRPr lang="ru-RU" dirty="0"/>
         </a:p>
       </dgm:t>
     </dgm:pt>
@@ -5276,25 +5544,25 @@
       </dgm:t>
     </dgm:pt>
     <dgm:pt modelId="{4278D357-00CC-40DC-ACBB-8D36B7FA785D}">
-      <dgm:prSet phldrT="[Text]" custT="1"/>
+      <dgm:prSet phldrT="[Text]"/>
       <dgm:spPr/>
       <dgm:t>
         <a:bodyPr/>
         <a:lstStyle/>
         <a:p>
           <a:r>
-            <a:rPr lang="en-US" sz="1600" dirty="0"/>
+            <a:rPr lang="en-US" dirty="0"/>
             <a:t>min</a:t>
           </a:r>
           <a:r>
-            <a:rPr lang="ru-RU" sz="1600" dirty="0"/>
+            <a:rPr lang="ru-RU" dirty="0"/>
             <a:t> \ </a:t>
           </a:r>
           <a:r>
-            <a:rPr lang="en-US" sz="1600" dirty="0"/>
+            <a:rPr lang="en-US" dirty="0"/>
             <a:t>max</a:t>
           </a:r>
-          <a:endParaRPr lang="ru-RU" sz="1600" dirty="0"/>
+          <a:endParaRPr lang="ru-RU" dirty="0"/>
         </a:p>
       </dgm:t>
     </dgm:pt>
@@ -5321,25 +5589,24 @@
       </dgm:t>
     </dgm:pt>
     <dgm:pt modelId="{156849F2-5576-4AAF-BD90-A8BCFFF01811}">
-      <dgm:prSet phldrT="[Text]" custT="1"/>
+      <dgm:prSet phldrT="[Text]"/>
       <dgm:spPr/>
       <dgm:t>
         <a:bodyPr/>
         <a:lstStyle/>
         <a:p>
           <a:r>
-            <a:rPr lang="ru-RU" sz="1600" b="0" i="0" dirty="0"/>
+            <a:rPr lang="ru-RU" dirty="0"/>
             <a:t>Возвращает минимальный</a:t>
           </a:r>
           <a:r>
-            <a:rPr lang="en-US" sz="1600" b="0" i="0" dirty="0"/>
+            <a:rPr lang="en-US" dirty="0"/>
             <a:t> \ </a:t>
           </a:r>
           <a:r>
-            <a:rPr lang="ru-RU" sz="1600" b="0" i="0" dirty="0"/>
+            <a:rPr lang="ru-RU" dirty="0"/>
             <a:t>максимальный элемент, в качестве условия использует компаратор</a:t>
           </a:r>
-          <a:endParaRPr lang="ru-RU" sz="1600" dirty="0"/>
         </a:p>
       </dgm:t>
     </dgm:pt>
@@ -5366,17 +5633,17 @@
       </dgm:t>
     </dgm:pt>
     <dgm:pt modelId="{BBB58F2D-C410-4F5E-B8D5-5E7CD326E80B}">
-      <dgm:prSet phldrT="[Text]" custT="1"/>
+      <dgm:prSet phldrT="[Text]"/>
       <dgm:spPr/>
       <dgm:t>
         <a:bodyPr/>
         <a:lstStyle/>
         <a:p>
           <a:r>
-            <a:rPr lang="en-US" sz="1600" dirty="0" err="1"/>
+            <a:rPr lang="en-US" dirty="0" err="1"/>
             <a:t>forEach</a:t>
           </a:r>
-          <a:endParaRPr lang="ru-RU" sz="1600" dirty="0"/>
+          <a:endParaRPr lang="ru-RU" dirty="0"/>
         </a:p>
       </dgm:t>
     </dgm:pt>
@@ -5403,25 +5670,24 @@
       </dgm:t>
     </dgm:pt>
     <dgm:pt modelId="{947CF8D4-3080-4CD9-B857-966292AAE809}">
-      <dgm:prSet phldrT="[Text]" custT="1"/>
+      <dgm:prSet phldrT="[Text]"/>
       <dgm:spPr/>
       <dgm:t>
         <a:bodyPr/>
         <a:lstStyle/>
         <a:p>
           <a:r>
-            <a:rPr lang="ru-RU" sz="1600" b="0" i="0" dirty="0"/>
+            <a:rPr lang="ru-RU" dirty="0"/>
             <a:t>Применяет функцию к каждому объекту </a:t>
           </a:r>
           <a:r>
-            <a:rPr lang="ru-RU" sz="1600" b="0" i="0" dirty="0" err="1"/>
+            <a:rPr lang="ru-RU" dirty="0" err="1"/>
             <a:t>стрима</a:t>
           </a:r>
           <a:r>
-            <a:rPr lang="ru-RU" sz="1600" b="0" i="0" dirty="0"/>
+            <a:rPr lang="ru-RU" dirty="0"/>
             <a:t>, порядок при параллельном выполнении не гарантируется</a:t>
           </a:r>
-          <a:endParaRPr lang="ru-RU" sz="1600" dirty="0"/>
         </a:p>
       </dgm:t>
     </dgm:pt>
@@ -5448,17 +5714,17 @@
       </dgm:t>
     </dgm:pt>
     <dgm:pt modelId="{C3A26ACF-913D-4D0A-8806-C3D6E48D45E2}">
-      <dgm:prSet phldrT="[Text]" custT="1"/>
+      <dgm:prSet phldrT="[Text]"/>
       <dgm:spPr/>
       <dgm:t>
         <a:bodyPr/>
         <a:lstStyle/>
         <a:p>
           <a:r>
-            <a:rPr lang="en-US" sz="1600" dirty="0" err="1"/>
+            <a:rPr lang="en-US" dirty="0" err="1"/>
             <a:t>toArray</a:t>
           </a:r>
-          <a:endParaRPr lang="ru-RU" sz="1600" dirty="0"/>
+          <a:endParaRPr lang="ru-RU" dirty="0"/>
         </a:p>
       </dgm:t>
     </dgm:pt>
@@ -5485,21 +5751,21 @@
       </dgm:t>
     </dgm:pt>
     <dgm:pt modelId="{116FFFBB-4FC3-4AE0-9E11-B7B9478FD8CF}">
-      <dgm:prSet phldrT="[Text]" custT="1"/>
+      <dgm:prSet phldrT="[Text]"/>
       <dgm:spPr/>
       <dgm:t>
         <a:bodyPr/>
         <a:lstStyle/>
         <a:p>
           <a:r>
-            <a:rPr lang="ru-RU" sz="1600" b="0" i="0" dirty="0"/>
+            <a:rPr lang="ru-RU" dirty="0"/>
             <a:t>Возвращает массив значений </a:t>
           </a:r>
           <a:r>
-            <a:rPr lang="ru-RU" sz="1600" b="0" i="0" dirty="0" err="1"/>
+            <a:rPr lang="ru-RU" dirty="0" err="1"/>
             <a:t>стрима</a:t>
           </a:r>
-          <a:endParaRPr lang="ru-RU" sz="1600" dirty="0"/>
+          <a:endParaRPr lang="ru-RU" dirty="0"/>
         </a:p>
       </dgm:t>
     </dgm:pt>
@@ -5526,17 +5792,17 @@
       </dgm:t>
     </dgm:pt>
     <dgm:pt modelId="{10C51D06-F4DF-4180-8E7A-67B4D5C630AA}">
-      <dgm:prSet phldrT="[Text]" custT="1"/>
+      <dgm:prSet phldrT="[Text]"/>
       <dgm:spPr/>
       <dgm:t>
         <a:bodyPr/>
         <a:lstStyle/>
         <a:p>
           <a:r>
-            <a:rPr lang="en-US" sz="1600" dirty="0"/>
+            <a:rPr lang="en-US" dirty="0"/>
             <a:t>reduce</a:t>
           </a:r>
-          <a:endParaRPr lang="ru-RU" sz="1600" dirty="0"/>
+          <a:endParaRPr lang="ru-RU" dirty="0"/>
         </a:p>
       </dgm:t>
     </dgm:pt>
@@ -5563,17 +5829,16 @@
       </dgm:t>
     </dgm:pt>
     <dgm:pt modelId="{E22F5DBE-C713-42A7-BC93-5F10E129D7B3}">
-      <dgm:prSet phldrT="[Text]" custT="1"/>
+      <dgm:prSet phldrT="[Text]"/>
       <dgm:spPr/>
       <dgm:t>
         <a:bodyPr/>
         <a:lstStyle/>
         <a:p>
           <a:r>
-            <a:rPr lang="ru-RU" sz="1600" b="0" i="0" dirty="0"/>
+            <a:rPr lang="ru-RU" dirty="0"/>
             <a:t>Позволяет выполнять агрегатные функции на всей коллекцией и возвращать один результат</a:t>
           </a:r>
-          <a:endParaRPr lang="ru-RU" sz="1600" dirty="0"/>
         </a:p>
       </dgm:t>
     </dgm:pt>
@@ -5608,10 +5873,24 @@
         </dgm:presLayoutVars>
       </dgm:prSet>
       <dgm:spPr/>
+      <dgm:t>
+        <a:bodyPr/>
+        <a:lstStyle/>
+        <a:p>
+          <a:endParaRPr lang="en-US"/>
+        </a:p>
+      </dgm:t>
     </dgm:pt>
     <dgm:pt modelId="{6CD6F02C-6AF1-4626-B04B-8F1790F98C81}" type="pres">
       <dgm:prSet presAssocID="{F9116B5D-A59A-4A6B-9582-20C27C39A3F9}" presName="linNode" presStyleCnt="0"/>
       <dgm:spPr/>
+      <dgm:t>
+        <a:bodyPr/>
+        <a:lstStyle/>
+        <a:p>
+          <a:endParaRPr lang="en-US"/>
+        </a:p>
+      </dgm:t>
     </dgm:pt>
     <dgm:pt modelId="{2DA1A61E-AC1C-4ACA-8BA9-72ED4C6EA104}" type="pres">
       <dgm:prSet presAssocID="{F9116B5D-A59A-4A6B-9582-20C27C39A3F9}" presName="parentText" presStyleLbl="node1" presStyleIdx="0" presStyleCnt="8">
@@ -5621,6 +5900,13 @@
         </dgm:presLayoutVars>
       </dgm:prSet>
       <dgm:spPr/>
+      <dgm:t>
+        <a:bodyPr/>
+        <a:lstStyle/>
+        <a:p>
+          <a:endParaRPr lang="en-US"/>
+        </a:p>
+      </dgm:t>
     </dgm:pt>
     <dgm:pt modelId="{D943BB31-8736-42FF-A3EA-BF2081889888}" type="pres">
       <dgm:prSet presAssocID="{F9116B5D-A59A-4A6B-9582-20C27C39A3F9}" presName="descendantText" presStyleLbl="alignAccFollowNode1" presStyleIdx="0" presStyleCnt="8">
@@ -5629,14 +5915,35 @@
         </dgm:presLayoutVars>
       </dgm:prSet>
       <dgm:spPr/>
+      <dgm:t>
+        <a:bodyPr/>
+        <a:lstStyle/>
+        <a:p>
+          <a:endParaRPr lang="en-US"/>
+        </a:p>
+      </dgm:t>
     </dgm:pt>
     <dgm:pt modelId="{10342352-B243-4916-98B4-5A20CF80FB9C}" type="pres">
       <dgm:prSet presAssocID="{7D040330-EB09-43D8-8B85-045AED0B47C7}" presName="sp" presStyleCnt="0"/>
       <dgm:spPr/>
+      <dgm:t>
+        <a:bodyPr/>
+        <a:lstStyle/>
+        <a:p>
+          <a:endParaRPr lang="en-US"/>
+        </a:p>
+      </dgm:t>
     </dgm:pt>
     <dgm:pt modelId="{EF84211F-0854-40EE-A12E-31E469736B48}" type="pres">
       <dgm:prSet presAssocID="{D555C955-066A-4BD0-A6EC-ECE713230D47}" presName="linNode" presStyleCnt="0"/>
       <dgm:spPr/>
+      <dgm:t>
+        <a:bodyPr/>
+        <a:lstStyle/>
+        <a:p>
+          <a:endParaRPr lang="en-US"/>
+        </a:p>
+      </dgm:t>
     </dgm:pt>
     <dgm:pt modelId="{2F6B2AE7-4456-4E39-A052-6B324E94F6D4}" type="pres">
       <dgm:prSet presAssocID="{D555C955-066A-4BD0-A6EC-ECE713230D47}" presName="parentText" presStyleLbl="node1" presStyleIdx="1" presStyleCnt="8">
@@ -5646,6 +5953,13 @@
         </dgm:presLayoutVars>
       </dgm:prSet>
       <dgm:spPr/>
+      <dgm:t>
+        <a:bodyPr/>
+        <a:lstStyle/>
+        <a:p>
+          <a:endParaRPr lang="en-US"/>
+        </a:p>
+      </dgm:t>
     </dgm:pt>
     <dgm:pt modelId="{C31A0B76-A80A-4DFC-BBD8-20EF3760A846}" type="pres">
       <dgm:prSet presAssocID="{D555C955-066A-4BD0-A6EC-ECE713230D47}" presName="descendantText" presStyleLbl="alignAccFollowNode1" presStyleIdx="1" presStyleCnt="8">
@@ -5654,14 +5968,35 @@
         </dgm:presLayoutVars>
       </dgm:prSet>
       <dgm:spPr/>
+      <dgm:t>
+        <a:bodyPr/>
+        <a:lstStyle/>
+        <a:p>
+          <a:endParaRPr lang="en-US"/>
+        </a:p>
+      </dgm:t>
     </dgm:pt>
     <dgm:pt modelId="{9E17A5D6-F8FE-4E5C-B73E-C9BC60EE372B}" type="pres">
       <dgm:prSet presAssocID="{B7EC294C-8669-42E7-A98C-66A1759625EE}" presName="sp" presStyleCnt="0"/>
       <dgm:spPr/>
+      <dgm:t>
+        <a:bodyPr/>
+        <a:lstStyle/>
+        <a:p>
+          <a:endParaRPr lang="en-US"/>
+        </a:p>
+      </dgm:t>
     </dgm:pt>
     <dgm:pt modelId="{39F983A8-B2AA-4A72-85DE-F10B0323ED10}" type="pres">
       <dgm:prSet presAssocID="{7C1A2B3D-EC6A-48CE-B184-E1993C998FFC}" presName="linNode" presStyleCnt="0"/>
       <dgm:spPr/>
+      <dgm:t>
+        <a:bodyPr/>
+        <a:lstStyle/>
+        <a:p>
+          <a:endParaRPr lang="en-US"/>
+        </a:p>
+      </dgm:t>
     </dgm:pt>
     <dgm:pt modelId="{A3EA223F-FD4C-414B-8238-AB5BA0479EBE}" type="pres">
       <dgm:prSet presAssocID="{7C1A2B3D-EC6A-48CE-B184-E1993C998FFC}" presName="parentText" presStyleLbl="node1" presStyleIdx="2" presStyleCnt="8">
@@ -5671,6 +6006,13 @@
         </dgm:presLayoutVars>
       </dgm:prSet>
       <dgm:spPr/>
+      <dgm:t>
+        <a:bodyPr/>
+        <a:lstStyle/>
+        <a:p>
+          <a:endParaRPr lang="en-US"/>
+        </a:p>
+      </dgm:t>
     </dgm:pt>
     <dgm:pt modelId="{1DA9BBCB-DB48-4CFB-BCEE-C09DCBBF9AB0}" type="pres">
       <dgm:prSet presAssocID="{7C1A2B3D-EC6A-48CE-B184-E1993C998FFC}" presName="descendantText" presStyleLbl="alignAccFollowNode1" presStyleIdx="2" presStyleCnt="8">
@@ -5679,14 +6021,35 @@
         </dgm:presLayoutVars>
       </dgm:prSet>
       <dgm:spPr/>
+      <dgm:t>
+        <a:bodyPr/>
+        <a:lstStyle/>
+        <a:p>
+          <a:endParaRPr lang="en-US"/>
+        </a:p>
+      </dgm:t>
     </dgm:pt>
     <dgm:pt modelId="{44BA9FD4-BAF1-4914-B4D5-F205CCB2C863}" type="pres">
       <dgm:prSet presAssocID="{19B594D8-75E5-4914-B581-553526B54881}" presName="sp" presStyleCnt="0"/>
       <dgm:spPr/>
+      <dgm:t>
+        <a:bodyPr/>
+        <a:lstStyle/>
+        <a:p>
+          <a:endParaRPr lang="en-US"/>
+        </a:p>
+      </dgm:t>
     </dgm:pt>
     <dgm:pt modelId="{F681B95E-8033-416A-A397-DD36F956888D}" type="pres">
       <dgm:prSet presAssocID="{4C7674A1-1DC0-49D3-8DB2-5B583BF55D7B}" presName="linNode" presStyleCnt="0"/>
       <dgm:spPr/>
+      <dgm:t>
+        <a:bodyPr/>
+        <a:lstStyle/>
+        <a:p>
+          <a:endParaRPr lang="en-US"/>
+        </a:p>
+      </dgm:t>
     </dgm:pt>
     <dgm:pt modelId="{229D6907-9BFC-4ED8-A6BC-108EA42BA111}" type="pres">
       <dgm:prSet presAssocID="{4C7674A1-1DC0-49D3-8DB2-5B583BF55D7B}" presName="parentText" presStyleLbl="node1" presStyleIdx="3" presStyleCnt="8">
@@ -5696,6 +6059,13 @@
         </dgm:presLayoutVars>
       </dgm:prSet>
       <dgm:spPr/>
+      <dgm:t>
+        <a:bodyPr/>
+        <a:lstStyle/>
+        <a:p>
+          <a:endParaRPr lang="en-US"/>
+        </a:p>
+      </dgm:t>
     </dgm:pt>
     <dgm:pt modelId="{70650966-29C3-4333-AC02-806013D68E33}" type="pres">
       <dgm:prSet presAssocID="{4C7674A1-1DC0-49D3-8DB2-5B583BF55D7B}" presName="descendantText" presStyleLbl="alignAccFollowNode1" presStyleIdx="3" presStyleCnt="8">
@@ -5704,14 +6074,35 @@
         </dgm:presLayoutVars>
       </dgm:prSet>
       <dgm:spPr/>
+      <dgm:t>
+        <a:bodyPr/>
+        <a:lstStyle/>
+        <a:p>
+          <a:endParaRPr lang="en-US"/>
+        </a:p>
+      </dgm:t>
     </dgm:pt>
     <dgm:pt modelId="{50A7F243-1B16-4490-A057-DB3C2B515C21}" type="pres">
       <dgm:prSet presAssocID="{BBE47162-76D0-4653-8793-4219170896BD}" presName="sp" presStyleCnt="0"/>
       <dgm:spPr/>
+      <dgm:t>
+        <a:bodyPr/>
+        <a:lstStyle/>
+        <a:p>
+          <a:endParaRPr lang="en-US"/>
+        </a:p>
+      </dgm:t>
     </dgm:pt>
     <dgm:pt modelId="{730117F2-3E2D-4938-9319-6649B1C49419}" type="pres">
       <dgm:prSet presAssocID="{4278D357-00CC-40DC-ACBB-8D36B7FA785D}" presName="linNode" presStyleCnt="0"/>
       <dgm:spPr/>
+      <dgm:t>
+        <a:bodyPr/>
+        <a:lstStyle/>
+        <a:p>
+          <a:endParaRPr lang="en-US"/>
+        </a:p>
+      </dgm:t>
     </dgm:pt>
     <dgm:pt modelId="{427ED4A9-E43E-4444-A8F4-AD4B05AC07D6}" type="pres">
       <dgm:prSet presAssocID="{4278D357-00CC-40DC-ACBB-8D36B7FA785D}" presName="parentText" presStyleLbl="node1" presStyleIdx="4" presStyleCnt="8">
@@ -5721,6 +6112,13 @@
         </dgm:presLayoutVars>
       </dgm:prSet>
       <dgm:spPr/>
+      <dgm:t>
+        <a:bodyPr/>
+        <a:lstStyle/>
+        <a:p>
+          <a:endParaRPr lang="en-US"/>
+        </a:p>
+      </dgm:t>
     </dgm:pt>
     <dgm:pt modelId="{6957DDBD-229D-4374-9845-A50B461B3C33}" type="pres">
       <dgm:prSet presAssocID="{4278D357-00CC-40DC-ACBB-8D36B7FA785D}" presName="descendantText" presStyleLbl="alignAccFollowNode1" presStyleIdx="4" presStyleCnt="8">
@@ -5729,14 +6127,35 @@
         </dgm:presLayoutVars>
       </dgm:prSet>
       <dgm:spPr/>
+      <dgm:t>
+        <a:bodyPr/>
+        <a:lstStyle/>
+        <a:p>
+          <a:endParaRPr lang="en-US"/>
+        </a:p>
+      </dgm:t>
     </dgm:pt>
     <dgm:pt modelId="{5E635D65-811B-4A26-A833-90661717FA53}" type="pres">
       <dgm:prSet presAssocID="{AC049536-5D5F-4BD9-A35D-F8BF3118D04F}" presName="sp" presStyleCnt="0"/>
       <dgm:spPr/>
+      <dgm:t>
+        <a:bodyPr/>
+        <a:lstStyle/>
+        <a:p>
+          <a:endParaRPr lang="en-US"/>
+        </a:p>
+      </dgm:t>
     </dgm:pt>
     <dgm:pt modelId="{2DF58259-D9B6-4E4B-B5A9-E17877747A83}" type="pres">
       <dgm:prSet presAssocID="{BBB58F2D-C410-4F5E-B8D5-5E7CD326E80B}" presName="linNode" presStyleCnt="0"/>
       <dgm:spPr/>
+      <dgm:t>
+        <a:bodyPr/>
+        <a:lstStyle/>
+        <a:p>
+          <a:endParaRPr lang="en-US"/>
+        </a:p>
+      </dgm:t>
     </dgm:pt>
     <dgm:pt modelId="{C5182AB9-A06D-4AAD-AF57-004932870EAA}" type="pres">
       <dgm:prSet presAssocID="{BBB58F2D-C410-4F5E-B8D5-5E7CD326E80B}" presName="parentText" presStyleLbl="node1" presStyleIdx="5" presStyleCnt="8">
@@ -5746,6 +6165,13 @@
         </dgm:presLayoutVars>
       </dgm:prSet>
       <dgm:spPr/>
+      <dgm:t>
+        <a:bodyPr/>
+        <a:lstStyle/>
+        <a:p>
+          <a:endParaRPr lang="en-US"/>
+        </a:p>
+      </dgm:t>
     </dgm:pt>
     <dgm:pt modelId="{D36C7B2E-1090-4228-A19F-42EA4F16BE23}" type="pres">
       <dgm:prSet presAssocID="{BBB58F2D-C410-4F5E-B8D5-5E7CD326E80B}" presName="descendantText" presStyleLbl="alignAccFollowNode1" presStyleIdx="5" presStyleCnt="8">
@@ -5754,14 +6180,35 @@
         </dgm:presLayoutVars>
       </dgm:prSet>
       <dgm:spPr/>
+      <dgm:t>
+        <a:bodyPr/>
+        <a:lstStyle/>
+        <a:p>
+          <a:endParaRPr lang="en-US"/>
+        </a:p>
+      </dgm:t>
     </dgm:pt>
     <dgm:pt modelId="{79FDC334-508F-42D7-99BE-CA868EDCD703}" type="pres">
       <dgm:prSet presAssocID="{6876C782-9E16-42ED-A6CC-F37EE64011FB}" presName="sp" presStyleCnt="0"/>
       <dgm:spPr/>
+      <dgm:t>
+        <a:bodyPr/>
+        <a:lstStyle/>
+        <a:p>
+          <a:endParaRPr lang="en-US"/>
+        </a:p>
+      </dgm:t>
     </dgm:pt>
     <dgm:pt modelId="{7869B477-D369-41F7-B858-634570304F98}" type="pres">
       <dgm:prSet presAssocID="{C3A26ACF-913D-4D0A-8806-C3D6E48D45E2}" presName="linNode" presStyleCnt="0"/>
       <dgm:spPr/>
+      <dgm:t>
+        <a:bodyPr/>
+        <a:lstStyle/>
+        <a:p>
+          <a:endParaRPr lang="en-US"/>
+        </a:p>
+      </dgm:t>
     </dgm:pt>
     <dgm:pt modelId="{A41241E2-6BDE-4B22-A8DE-600DF538679F}" type="pres">
       <dgm:prSet presAssocID="{C3A26ACF-913D-4D0A-8806-C3D6E48D45E2}" presName="parentText" presStyleLbl="node1" presStyleIdx="6" presStyleCnt="8">
@@ -5771,6 +6218,13 @@
         </dgm:presLayoutVars>
       </dgm:prSet>
       <dgm:spPr/>
+      <dgm:t>
+        <a:bodyPr/>
+        <a:lstStyle/>
+        <a:p>
+          <a:endParaRPr lang="en-US"/>
+        </a:p>
+      </dgm:t>
     </dgm:pt>
     <dgm:pt modelId="{AC54D8B1-834A-44CE-B731-DF991848410F}" type="pres">
       <dgm:prSet presAssocID="{C3A26ACF-913D-4D0A-8806-C3D6E48D45E2}" presName="descendantText" presStyleLbl="alignAccFollowNode1" presStyleIdx="6" presStyleCnt="8">
@@ -5779,14 +6233,35 @@
         </dgm:presLayoutVars>
       </dgm:prSet>
       <dgm:spPr/>
+      <dgm:t>
+        <a:bodyPr/>
+        <a:lstStyle/>
+        <a:p>
+          <a:endParaRPr lang="en-US"/>
+        </a:p>
+      </dgm:t>
     </dgm:pt>
     <dgm:pt modelId="{CF929FAE-F850-47E0-BD32-B9351ED851B5}" type="pres">
       <dgm:prSet presAssocID="{B736E89F-AC90-4350-B172-D942E152A98C}" presName="sp" presStyleCnt="0"/>
       <dgm:spPr/>
+      <dgm:t>
+        <a:bodyPr/>
+        <a:lstStyle/>
+        <a:p>
+          <a:endParaRPr lang="en-US"/>
+        </a:p>
+      </dgm:t>
     </dgm:pt>
     <dgm:pt modelId="{2C328BF5-355B-4CB3-AAD0-4892734490E4}" type="pres">
       <dgm:prSet presAssocID="{10C51D06-F4DF-4180-8E7A-67B4D5C630AA}" presName="linNode" presStyleCnt="0"/>
       <dgm:spPr/>
+      <dgm:t>
+        <a:bodyPr/>
+        <a:lstStyle/>
+        <a:p>
+          <a:endParaRPr lang="en-US"/>
+        </a:p>
+      </dgm:t>
     </dgm:pt>
     <dgm:pt modelId="{E9C8183D-0C8E-4A79-A15B-E8EB84A0188A}" type="pres">
       <dgm:prSet presAssocID="{10C51D06-F4DF-4180-8E7A-67B4D5C630AA}" presName="parentText" presStyleLbl="node1" presStyleIdx="7" presStyleCnt="8">
@@ -5796,6 +6271,13 @@
         </dgm:presLayoutVars>
       </dgm:prSet>
       <dgm:spPr/>
+      <dgm:t>
+        <a:bodyPr/>
+        <a:lstStyle/>
+        <a:p>
+          <a:endParaRPr lang="en-US"/>
+        </a:p>
+      </dgm:t>
     </dgm:pt>
     <dgm:pt modelId="{FC405010-5843-4628-B322-5F78A0F502C7}" type="pres">
       <dgm:prSet presAssocID="{10C51D06-F4DF-4180-8E7A-67B4D5C630AA}" presName="descendantText" presStyleLbl="alignAccFollowNode1" presStyleIdx="7" presStyleCnt="8">
@@ -5804,42 +6286,49 @@
         </dgm:presLayoutVars>
       </dgm:prSet>
       <dgm:spPr/>
+      <dgm:t>
+        <a:bodyPr/>
+        <a:lstStyle/>
+        <a:p>
+          <a:endParaRPr lang="en-US"/>
+        </a:p>
+      </dgm:t>
     </dgm:pt>
   </dgm:ptLst>
   <dgm:cxnLst>
     <dgm:cxn modelId="{82FF7201-CE1D-4A4C-8B65-A9B066797881}" srcId="{C3A26ACF-913D-4D0A-8806-C3D6E48D45E2}" destId="{116FFFBB-4FC3-4AE0-9E11-B7B9478FD8CF}" srcOrd="0" destOrd="0" parTransId="{DC802E13-841A-4F3D-B6F4-BA92DF476F4F}" sibTransId="{CDACE12C-59C3-4A72-9213-EAD4E0DC1D02}"/>
     <dgm:cxn modelId="{E1AA9302-CB35-4165-A1FB-22DE40FBC487}" srcId="{6CC37FB0-11E9-4812-A8EE-2503DAE1CF11}" destId="{C3A26ACF-913D-4D0A-8806-C3D6E48D45E2}" srcOrd="6" destOrd="0" parTransId="{7B3E3779-9C8F-4EA1-B742-D5723E708958}" sibTransId="{B736E89F-AC90-4350-B172-D942E152A98C}"/>
-    <dgm:cxn modelId="{2C73AD02-A503-4C6B-B0DF-0866C766CFEE}" srcId="{6CC37FB0-11E9-4812-A8EE-2503DAE1CF11}" destId="{7C1A2B3D-EC6A-48CE-B184-E1993C998FFC}" srcOrd="2" destOrd="0" parTransId="{054581D7-12F3-4F32-8776-1A22D3704DF9}" sibTransId="{19B594D8-75E5-4914-B581-553526B54881}"/>
-    <dgm:cxn modelId="{A5CC5905-FAA9-4C28-8D79-DA7B04A6ECE7}" type="presOf" srcId="{BBB58F2D-C410-4F5E-B8D5-5E7CD326E80B}" destId="{C5182AB9-A06D-4AAD-AF57-004932870EAA}" srcOrd="0" destOrd="0" presId="urn:microsoft.com/office/officeart/2005/8/layout/vList5"/>
-    <dgm:cxn modelId="{BCBBBC0C-C14C-4C03-B1E3-76F8346B5D6E}" srcId="{D555C955-066A-4BD0-A6EC-ECE713230D47}" destId="{D0D8BD50-10D7-4A0C-B098-838FBEB53ECF}" srcOrd="0" destOrd="0" parTransId="{CC5A6344-9319-4DF2-A0C5-08A08268048C}" sibTransId="{DE033BD6-1562-4368-B61E-25FB605B0622}"/>
-    <dgm:cxn modelId="{ECE7740D-4412-495E-AF4A-60DEBF146F91}" srcId="{6CC37FB0-11E9-4812-A8EE-2503DAE1CF11}" destId="{10C51D06-F4DF-4180-8E7A-67B4D5C630AA}" srcOrd="7" destOrd="0" parTransId="{00BF1578-F772-4383-82D6-79B4F0091530}" sibTransId="{2D933096-70CB-4536-AD84-C5385E06BF5D}"/>
-    <dgm:cxn modelId="{28DC530E-423B-4829-8406-67E38EF8A04E}" srcId="{F9116B5D-A59A-4A6B-9582-20C27C39A3F9}" destId="{70EB2085-DDD1-4E10-80BE-5E26EB968DFF}" srcOrd="0" destOrd="0" parTransId="{7B2C698D-5DE9-4B74-8503-98C1A887CF5C}" sibTransId="{45AE8C70-60AF-4F3B-9A44-161E96B3E230}"/>
+    <dgm:cxn modelId="{837C0D89-D1EA-4576-ADA6-8092A3A76675}" type="presOf" srcId="{FF349E62-0562-419C-BC43-DD7AFE4F7856}" destId="{1DA9BBCB-DB48-4CFB-BCEE-C09DCBBF9AB0}" srcOrd="0" destOrd="0" presId="urn:microsoft.com/office/officeart/2005/8/layout/vList5"/>
+    <dgm:cxn modelId="{42D035E9-1DA6-45AA-B8A5-083DAD53B1AB}" srcId="{BBB58F2D-C410-4F5E-B8D5-5E7CD326E80B}" destId="{947CF8D4-3080-4CD9-B857-966292AAE809}" srcOrd="0" destOrd="0" parTransId="{1E144AB2-DA77-4EAA-AF87-6EBA0C235C84}" sibTransId="{70EC626F-4D8B-4E11-856E-ADC641E48042}"/>
     <dgm:cxn modelId="{A314AD17-3D44-4456-98A9-7012F9E0D561}" srcId="{6CC37FB0-11E9-4812-A8EE-2503DAE1CF11}" destId="{D555C955-066A-4BD0-A6EC-ECE713230D47}" srcOrd="1" destOrd="0" parTransId="{5DF9DAC1-8059-4AE9-BE5D-5BF73E0F13AD}" sibTransId="{B7EC294C-8669-42E7-A98C-66A1759625EE}"/>
     <dgm:cxn modelId="{006B4422-EDA7-4024-9A17-C71FA8F34006}" srcId="{4278D357-00CC-40DC-ACBB-8D36B7FA785D}" destId="{156849F2-5576-4AAF-BD90-A8BCFFF01811}" srcOrd="0" destOrd="0" parTransId="{9A3B2190-B110-4529-8316-0480B0345305}" sibTransId="{52DD9351-904C-4293-BB91-BD40EEF619F7}"/>
+    <dgm:cxn modelId="{ACB9A2C6-9024-45F8-B59B-EFCD3D45CF16}" srcId="{6CC37FB0-11E9-4812-A8EE-2503DAE1CF11}" destId="{BBB58F2D-C410-4F5E-B8D5-5E7CD326E80B}" srcOrd="5" destOrd="0" parTransId="{EAF46E06-F694-4648-8004-602C353A5D9F}" sibTransId="{6876C782-9E16-42ED-A6CC-F37EE64011FB}"/>
     <dgm:cxn modelId="{82A5EB35-1511-43B9-A2E7-094F37940C85}" type="presOf" srcId="{C3A26ACF-913D-4D0A-8806-C3D6E48D45E2}" destId="{A41241E2-6BDE-4B22-A8DE-600DF538679F}" srcOrd="0" destOrd="0" presId="urn:microsoft.com/office/officeart/2005/8/layout/vList5"/>
+    <dgm:cxn modelId="{28FC4ADC-671C-4CBF-9656-9C57C8479AEA}" type="presOf" srcId="{116FFFBB-4FC3-4AE0-9E11-B7B9478FD8CF}" destId="{AC54D8B1-834A-44CE-B731-DF991848410F}" srcOrd="0" destOrd="0" presId="urn:microsoft.com/office/officeart/2005/8/layout/vList5"/>
+    <dgm:cxn modelId="{C92DE0F8-DD17-4340-BB20-8DE31661C5BB}" srcId="{7C1A2B3D-EC6A-48CE-B184-E1993C998FFC}" destId="{FF349E62-0562-419C-BC43-DD7AFE4F7856}" srcOrd="0" destOrd="0" parTransId="{3F3728D3-CA52-43E3-A258-31F655530A8B}" sibTransId="{B08568EE-94C7-4BDA-A85D-8CA2BE3CC2A6}"/>
+    <dgm:cxn modelId="{5367ECE3-C05D-4623-A1B8-327A2F228546}" type="presOf" srcId="{7C1A2B3D-EC6A-48CE-B184-E1993C998FFC}" destId="{A3EA223F-FD4C-414B-8238-AB5BA0479EBE}" srcOrd="0" destOrd="0" presId="urn:microsoft.com/office/officeart/2005/8/layout/vList5"/>
+    <dgm:cxn modelId="{F87D2A8D-D48A-4553-A1AF-B11B2BEE750C}" type="presOf" srcId="{D0D8BD50-10D7-4A0C-B098-838FBEB53ECF}" destId="{C31A0B76-A80A-4DFC-BBD8-20EF3760A846}" srcOrd="0" destOrd="0" presId="urn:microsoft.com/office/officeart/2005/8/layout/vList5"/>
+    <dgm:cxn modelId="{E9A99AB6-EDB4-4948-86BB-06687FE4C918}" type="presOf" srcId="{10C51D06-F4DF-4180-8E7A-67B4D5C630AA}" destId="{E9C8183D-0C8E-4A79-A15B-E8EB84A0188A}" srcOrd="0" destOrd="0" presId="urn:microsoft.com/office/officeart/2005/8/layout/vList5"/>
+    <dgm:cxn modelId="{6AB84C42-519B-4786-9825-FC2CCFCA2426}" type="presOf" srcId="{E22F5DBE-C713-42A7-BC93-5F10E129D7B3}" destId="{FC405010-5843-4628-B322-5F78A0F502C7}" srcOrd="0" destOrd="0" presId="urn:microsoft.com/office/officeart/2005/8/layout/vList5"/>
     <dgm:cxn modelId="{31CE3B3D-30FD-4744-947E-98C01D783316}" type="presOf" srcId="{18DC16AA-54C2-4481-A4CD-FC9DE1422C1E}" destId="{70650966-29C3-4333-AC02-806013D68E33}" srcOrd="0" destOrd="0" presId="urn:microsoft.com/office/officeart/2005/8/layout/vList5"/>
-    <dgm:cxn modelId="{6AB84C42-519B-4786-9825-FC2CCFCA2426}" type="presOf" srcId="{E22F5DBE-C713-42A7-BC93-5F10E129D7B3}" destId="{FC405010-5843-4628-B322-5F78A0F502C7}" srcOrd="0" destOrd="0" presId="urn:microsoft.com/office/officeart/2005/8/layout/vList5"/>
+    <dgm:cxn modelId="{5CBE31F9-95A9-4327-AC09-D5E442BD8281}" type="presOf" srcId="{6CC37FB0-11E9-4812-A8EE-2503DAE1CF11}" destId="{1E73B93B-75E1-4946-9178-09D1B8C2DD2B}" srcOrd="0" destOrd="0" presId="urn:microsoft.com/office/officeart/2005/8/layout/vList5"/>
+    <dgm:cxn modelId="{A5CC5905-FAA9-4C28-8D79-DA7B04A6ECE7}" type="presOf" srcId="{BBB58F2D-C410-4F5E-B8D5-5E7CD326E80B}" destId="{C5182AB9-A06D-4AAD-AF57-004932870EAA}" srcOrd="0" destOrd="0" presId="urn:microsoft.com/office/officeart/2005/8/layout/vList5"/>
+    <dgm:cxn modelId="{28DC530E-423B-4829-8406-67E38EF8A04E}" srcId="{F9116B5D-A59A-4A6B-9582-20C27C39A3F9}" destId="{70EB2085-DDD1-4E10-80BE-5E26EB968DFF}" srcOrd="0" destOrd="0" parTransId="{7B2C698D-5DE9-4B74-8503-98C1A887CF5C}" sibTransId="{45AE8C70-60AF-4F3B-9A44-161E96B3E230}"/>
+    <dgm:cxn modelId="{78C38FB9-9BDF-4D8A-BDCA-52D8718145DB}" type="presOf" srcId="{70EB2085-DDD1-4E10-80BE-5E26EB968DFF}" destId="{D943BB31-8736-42FF-A3EA-BF2081889888}" srcOrd="0" destOrd="0" presId="urn:microsoft.com/office/officeart/2005/8/layout/vList5"/>
+    <dgm:cxn modelId="{B078D9E5-8F37-42BB-B2F1-9D2FBB37F958}" type="presOf" srcId="{4C7674A1-1DC0-49D3-8DB2-5B583BF55D7B}" destId="{229D6907-9BFC-4ED8-A6BC-108EA42BA111}" srcOrd="0" destOrd="0" presId="urn:microsoft.com/office/officeart/2005/8/layout/vList5"/>
+    <dgm:cxn modelId="{7DFF8477-8654-4D8F-90D8-701C569D81C9}" srcId="{6CC37FB0-11E9-4812-A8EE-2503DAE1CF11}" destId="{F9116B5D-A59A-4A6B-9582-20C27C39A3F9}" srcOrd="0" destOrd="0" parTransId="{330F701E-26B3-4722-A26F-F0BD367D56D0}" sibTransId="{7D040330-EB09-43D8-8B85-045AED0B47C7}"/>
+    <dgm:cxn modelId="{BCBBBC0C-C14C-4C03-B1E3-76F8346B5D6E}" srcId="{D555C955-066A-4BD0-A6EC-ECE713230D47}" destId="{D0D8BD50-10D7-4A0C-B098-838FBEB53ECF}" srcOrd="0" destOrd="0" parTransId="{CC5A6344-9319-4DF2-A0C5-08A08268048C}" sibTransId="{DE033BD6-1562-4368-B61E-25FB605B0622}"/>
     <dgm:cxn modelId="{E3F8A152-0E92-4D3C-B5B6-90AA7BB2108B}" type="presOf" srcId="{F9116B5D-A59A-4A6B-9582-20C27C39A3F9}" destId="{2DA1A61E-AC1C-4ACA-8BA9-72ED4C6EA104}" srcOrd="0" destOrd="0" presId="urn:microsoft.com/office/officeart/2005/8/layout/vList5"/>
+    <dgm:cxn modelId="{6C2176F9-E12C-4BDB-BBB1-D9EB99CDF01C}" type="presOf" srcId="{156849F2-5576-4AAF-BD90-A8BCFFF01811}" destId="{6957DDBD-229D-4374-9845-A50B461B3C33}" srcOrd="0" destOrd="0" presId="urn:microsoft.com/office/officeart/2005/8/layout/vList5"/>
     <dgm:cxn modelId="{15DC8073-8CAD-4A55-8C69-CE85EC604D99}" srcId="{10C51D06-F4DF-4180-8E7A-67B4D5C630AA}" destId="{E22F5DBE-C713-42A7-BC93-5F10E129D7B3}" srcOrd="0" destOrd="0" parTransId="{A1D57A7E-209A-474E-A6C0-1372C11BC442}" sibTransId="{5FE21A5A-9671-41A0-AC72-8FA1A7314531}"/>
-    <dgm:cxn modelId="{7DFF8477-8654-4D8F-90D8-701C569D81C9}" srcId="{6CC37FB0-11E9-4812-A8EE-2503DAE1CF11}" destId="{F9116B5D-A59A-4A6B-9582-20C27C39A3F9}" srcOrd="0" destOrd="0" parTransId="{330F701E-26B3-4722-A26F-F0BD367D56D0}" sibTransId="{7D040330-EB09-43D8-8B85-045AED0B47C7}"/>
+    <dgm:cxn modelId="{2C73AD02-A503-4C6B-B0DF-0866C766CFEE}" srcId="{6CC37FB0-11E9-4812-A8EE-2503DAE1CF11}" destId="{7C1A2B3D-EC6A-48CE-B184-E1993C998FFC}" srcOrd="2" destOrd="0" parTransId="{054581D7-12F3-4F32-8776-1A22D3704DF9}" sibTransId="{19B594D8-75E5-4914-B581-553526B54881}"/>
+    <dgm:cxn modelId="{A5CC8ABC-BBEB-4124-8CDE-B2BDE674B2AC}" type="presOf" srcId="{D555C955-066A-4BD0-A6EC-ECE713230D47}" destId="{2F6B2AE7-4456-4E39-A052-6B324E94F6D4}" srcOrd="0" destOrd="0" presId="urn:microsoft.com/office/officeart/2005/8/layout/vList5"/>
+    <dgm:cxn modelId="{0DB24CF6-C6F1-411F-82EA-691333BD1D89}" srcId="{6CC37FB0-11E9-4812-A8EE-2503DAE1CF11}" destId="{4278D357-00CC-40DC-ACBB-8D36B7FA785D}" srcOrd="4" destOrd="0" parTransId="{26B12F2C-2795-403E-9F89-3C414C2877A4}" sibTransId="{AC049536-5D5F-4BD9-A35D-F8BF3118D04F}"/>
+    <dgm:cxn modelId="{9DD8C6F2-0141-4F08-AF37-03A7EE51A4AE}" type="presOf" srcId="{4278D357-00CC-40DC-ACBB-8D36B7FA785D}" destId="{427ED4A9-E43E-4444-A8F4-AD4B05AC07D6}" srcOrd="0" destOrd="0" presId="urn:microsoft.com/office/officeart/2005/8/layout/vList5"/>
+    <dgm:cxn modelId="{9CDBEAAB-B2B9-4088-9DD1-9451DB380044}" srcId="{6CC37FB0-11E9-4812-A8EE-2503DAE1CF11}" destId="{4C7674A1-1DC0-49D3-8DB2-5B583BF55D7B}" srcOrd="3" destOrd="0" parTransId="{5ECD89D2-C12B-49A7-8070-FBF429DE5D94}" sibTransId="{BBE47162-76D0-4653-8793-4219170896BD}"/>
+    <dgm:cxn modelId="{881593CD-5B6E-4BB4-BB44-22C9A17D951B}" srcId="{4C7674A1-1DC0-49D3-8DB2-5B583BF55D7B}" destId="{18DC16AA-54C2-4481-A4CD-FC9DE1422C1E}" srcOrd="0" destOrd="0" parTransId="{039A3933-5F96-41CA-B2A3-DF9A44B40FA8}" sibTransId="{FFA4E458-2EBA-415B-9D5F-11247DE53BF1}"/>
     <dgm:cxn modelId="{B127267A-D1EE-4728-AE63-B9159C00AF02}" type="presOf" srcId="{947CF8D4-3080-4CD9-B857-966292AAE809}" destId="{D36C7B2E-1090-4228-A19F-42EA4F16BE23}" srcOrd="0" destOrd="0" presId="urn:microsoft.com/office/officeart/2005/8/layout/vList5"/>
-    <dgm:cxn modelId="{837C0D89-D1EA-4576-ADA6-8092A3A76675}" type="presOf" srcId="{FF349E62-0562-419C-BC43-DD7AFE4F7856}" destId="{1DA9BBCB-DB48-4CFB-BCEE-C09DCBBF9AB0}" srcOrd="0" destOrd="0" presId="urn:microsoft.com/office/officeart/2005/8/layout/vList5"/>
-    <dgm:cxn modelId="{F87D2A8D-D48A-4553-A1AF-B11B2BEE750C}" type="presOf" srcId="{D0D8BD50-10D7-4A0C-B098-838FBEB53ECF}" destId="{C31A0B76-A80A-4DFC-BBD8-20EF3760A846}" srcOrd="0" destOrd="0" presId="urn:microsoft.com/office/officeart/2005/8/layout/vList5"/>
-    <dgm:cxn modelId="{9CDBEAAB-B2B9-4088-9DD1-9451DB380044}" srcId="{6CC37FB0-11E9-4812-A8EE-2503DAE1CF11}" destId="{4C7674A1-1DC0-49D3-8DB2-5B583BF55D7B}" srcOrd="3" destOrd="0" parTransId="{5ECD89D2-C12B-49A7-8070-FBF429DE5D94}" sibTransId="{BBE47162-76D0-4653-8793-4219170896BD}"/>
-    <dgm:cxn modelId="{E9A99AB6-EDB4-4948-86BB-06687FE4C918}" type="presOf" srcId="{10C51D06-F4DF-4180-8E7A-67B4D5C630AA}" destId="{E9C8183D-0C8E-4A79-A15B-E8EB84A0188A}" srcOrd="0" destOrd="0" presId="urn:microsoft.com/office/officeart/2005/8/layout/vList5"/>
-    <dgm:cxn modelId="{78C38FB9-9BDF-4D8A-BDCA-52D8718145DB}" type="presOf" srcId="{70EB2085-DDD1-4E10-80BE-5E26EB968DFF}" destId="{D943BB31-8736-42FF-A3EA-BF2081889888}" srcOrd="0" destOrd="0" presId="urn:microsoft.com/office/officeart/2005/8/layout/vList5"/>
-    <dgm:cxn modelId="{A5CC8ABC-BBEB-4124-8CDE-B2BDE674B2AC}" type="presOf" srcId="{D555C955-066A-4BD0-A6EC-ECE713230D47}" destId="{2F6B2AE7-4456-4E39-A052-6B324E94F6D4}" srcOrd="0" destOrd="0" presId="urn:microsoft.com/office/officeart/2005/8/layout/vList5"/>
-    <dgm:cxn modelId="{ACB9A2C6-9024-45F8-B59B-EFCD3D45CF16}" srcId="{6CC37FB0-11E9-4812-A8EE-2503DAE1CF11}" destId="{BBB58F2D-C410-4F5E-B8D5-5E7CD326E80B}" srcOrd="5" destOrd="0" parTransId="{EAF46E06-F694-4648-8004-602C353A5D9F}" sibTransId="{6876C782-9E16-42ED-A6CC-F37EE64011FB}"/>
-    <dgm:cxn modelId="{881593CD-5B6E-4BB4-BB44-22C9A17D951B}" srcId="{4C7674A1-1DC0-49D3-8DB2-5B583BF55D7B}" destId="{18DC16AA-54C2-4481-A4CD-FC9DE1422C1E}" srcOrd="0" destOrd="0" parTransId="{039A3933-5F96-41CA-B2A3-DF9A44B40FA8}" sibTransId="{FFA4E458-2EBA-415B-9D5F-11247DE53BF1}"/>
-    <dgm:cxn modelId="{28FC4ADC-671C-4CBF-9656-9C57C8479AEA}" type="presOf" srcId="{116FFFBB-4FC3-4AE0-9E11-B7B9478FD8CF}" destId="{AC54D8B1-834A-44CE-B731-DF991848410F}" srcOrd="0" destOrd="0" presId="urn:microsoft.com/office/officeart/2005/8/layout/vList5"/>
-    <dgm:cxn modelId="{5367ECE3-C05D-4623-A1B8-327A2F228546}" type="presOf" srcId="{7C1A2B3D-EC6A-48CE-B184-E1993C998FFC}" destId="{A3EA223F-FD4C-414B-8238-AB5BA0479EBE}" srcOrd="0" destOrd="0" presId="urn:microsoft.com/office/officeart/2005/8/layout/vList5"/>
-    <dgm:cxn modelId="{B078D9E5-8F37-42BB-B2F1-9D2FBB37F958}" type="presOf" srcId="{4C7674A1-1DC0-49D3-8DB2-5B583BF55D7B}" destId="{229D6907-9BFC-4ED8-A6BC-108EA42BA111}" srcOrd="0" destOrd="0" presId="urn:microsoft.com/office/officeart/2005/8/layout/vList5"/>
-    <dgm:cxn modelId="{42D035E9-1DA6-45AA-B8A5-083DAD53B1AB}" srcId="{BBB58F2D-C410-4F5E-B8D5-5E7CD326E80B}" destId="{947CF8D4-3080-4CD9-B857-966292AAE809}" srcOrd="0" destOrd="0" parTransId="{1E144AB2-DA77-4EAA-AF87-6EBA0C235C84}" sibTransId="{70EC626F-4D8B-4E11-856E-ADC641E48042}"/>
-    <dgm:cxn modelId="{9DD8C6F2-0141-4F08-AF37-03A7EE51A4AE}" type="presOf" srcId="{4278D357-00CC-40DC-ACBB-8D36B7FA785D}" destId="{427ED4A9-E43E-4444-A8F4-AD4B05AC07D6}" srcOrd="0" destOrd="0" presId="urn:microsoft.com/office/officeart/2005/8/layout/vList5"/>
-    <dgm:cxn modelId="{0DB24CF6-C6F1-411F-82EA-691333BD1D89}" srcId="{6CC37FB0-11E9-4812-A8EE-2503DAE1CF11}" destId="{4278D357-00CC-40DC-ACBB-8D36B7FA785D}" srcOrd="4" destOrd="0" parTransId="{26B12F2C-2795-403E-9F89-3C414C2877A4}" sibTransId="{AC049536-5D5F-4BD9-A35D-F8BF3118D04F}"/>
-    <dgm:cxn modelId="{C92DE0F8-DD17-4340-BB20-8DE31661C5BB}" srcId="{7C1A2B3D-EC6A-48CE-B184-E1993C998FFC}" destId="{FF349E62-0562-419C-BC43-DD7AFE4F7856}" srcOrd="0" destOrd="0" parTransId="{3F3728D3-CA52-43E3-A258-31F655530A8B}" sibTransId="{B08568EE-94C7-4BDA-A85D-8CA2BE3CC2A6}"/>
-    <dgm:cxn modelId="{5CBE31F9-95A9-4327-AC09-D5E442BD8281}" type="presOf" srcId="{6CC37FB0-11E9-4812-A8EE-2503DAE1CF11}" destId="{1E73B93B-75E1-4946-9178-09D1B8C2DD2B}" srcOrd="0" destOrd="0" presId="urn:microsoft.com/office/officeart/2005/8/layout/vList5"/>
-    <dgm:cxn modelId="{6C2176F9-E12C-4BDB-BBB1-D9EB99CDF01C}" type="presOf" srcId="{156849F2-5576-4AAF-BD90-A8BCFFF01811}" destId="{6957DDBD-229D-4374-9845-A50B461B3C33}" srcOrd="0" destOrd="0" presId="urn:microsoft.com/office/officeart/2005/8/layout/vList5"/>
+    <dgm:cxn modelId="{ECE7740D-4412-495E-AF4A-60DEBF146F91}" srcId="{6CC37FB0-11E9-4812-A8EE-2503DAE1CF11}" destId="{10C51D06-F4DF-4180-8E7A-67B4D5C630AA}" srcOrd="7" destOrd="0" parTransId="{00BF1578-F772-4383-82D6-79B4F0091530}" sibTransId="{2D933096-70CB-4536-AD84-C5385E06BF5D}"/>
     <dgm:cxn modelId="{3B7FC3D0-FE09-4F14-AA6E-B84D1353CAD1}" type="presParOf" srcId="{1E73B93B-75E1-4946-9178-09D1B8C2DD2B}" destId="{6CD6F02C-6AF1-4626-B04B-8F1790F98C81}" srcOrd="0" destOrd="0" presId="urn:microsoft.com/office/officeart/2005/8/layout/vList5"/>
     <dgm:cxn modelId="{A432EDB4-9602-4AD5-A6E1-AC94B8E4EA53}" type="presParOf" srcId="{6CD6F02C-6AF1-4626-B04B-8F1790F98C81}" destId="{2DA1A61E-AC1C-4ACA-8BA9-72ED4C6EA104}" srcOrd="0" destOrd="0" presId="urn:microsoft.com/office/officeart/2005/8/layout/vList5"/>
     <dgm:cxn modelId="{10E3AE2B-8D2F-416A-BAFF-5B18A292E4FA}" type="presParOf" srcId="{6CD6F02C-6AF1-4626-B04B-8F1790F98C81}" destId="{D943BB31-8736-42FF-A3EA-BF2081889888}" srcOrd="1" destOrd="0" presId="urn:microsoft.com/office/officeart/2005/8/layout/vList5"/>
@@ -5904,7 +6393,7 @@
           <a:avLst/>
         </a:prstGeom>
         <a:solidFill>
-          <a:schemeClr val="lt1">
+          <a:schemeClr val="accent3">
             <a:alpha val="90000"/>
             <a:tint val="40000"/>
             <a:hueOff val="0"/>
@@ -5917,6 +6406,7 @@
           <a:solidFill>
             <a:schemeClr val="accent3">
               <a:alpha val="90000"/>
+              <a:tint val="40000"/>
               <a:hueOff val="0"/>
               <a:satOff val="0"/>
               <a:lumOff val="0"/>
@@ -5941,12 +6431,12 @@
         <a:fontRef idx="minor"/>
       </dsp:style>
       <dsp:txBody>
-        <a:bodyPr spcFirstLastPara="0" vert="horz" wrap="square" lIns="247650" tIns="123825" rIns="247650" bIns="123825" numCol="1" spcCol="1270" anchor="ctr" anchorCtr="0">
+        <a:bodyPr spcFirstLastPara="0" vert="horz" wrap="square" lIns="83820" tIns="41910" rIns="83820" bIns="41910" numCol="1" spcCol="1270" anchor="ctr" anchorCtr="0">
           <a:noAutofit/>
         </a:bodyPr>
         <a:lstStyle/>
         <a:p>
-          <a:pPr marL="114300" lvl="1" indent="-114300" algn="l" defTabSz="622300">
+          <a:pPr marL="228600" lvl="1" indent="-228600" algn="l" defTabSz="977900">
             <a:lnSpc>
               <a:spcPct val="90000"/>
             </a:lnSpc>
@@ -5956,21 +6446,17 @@
             <a:spcAft>
               <a:spcPct val="15000"/>
             </a:spcAft>
-            <a:buChar char="•"/>
+            <a:buChar char="••"/>
           </a:pPr>
           <a:r>
-            <a:rPr lang="en-US" sz="1400" b="0" i="0" kern="1200" dirty="0" err="1"/>
-            <a:t>collection.</a:t>
+            <a:rPr lang="en-US" sz="2200" kern="1200" dirty="0" err="1"/>
+            <a:t>collection.stream</a:t>
           </a:r>
           <a:r>
-            <a:rPr lang="en-US" sz="1400" b="1" i="0" kern="1200" dirty="0" err="1"/>
-            <a:t>stream</a:t>
-          </a:r>
-          <a:r>
-            <a:rPr lang="en-US" sz="1400" b="0" i="0" kern="1200" dirty="0"/>
+            <a:rPr lang="en-US" sz="2200" kern="1200" dirty="0"/>
             <a:t>()</a:t>
           </a:r>
-          <a:endParaRPr lang="ru-RU" sz="1400" kern="1200" dirty="0"/>
+          <a:endParaRPr lang="ru-RU" sz="2200" kern="1200" dirty="0"/>
         </a:p>
       </dsp:txBody>
       <dsp:txXfrm rot="-5400000">
@@ -5992,7 +6478,7 @@
           <a:avLst/>
         </a:prstGeom>
         <a:solidFill>
-          <a:schemeClr val="lt1">
+          <a:schemeClr val="accent3">
             <a:hueOff val="0"/>
             <a:satOff val="0"/>
             <a:lumOff val="0"/>
@@ -6001,8 +6487,7 @@
         </a:solidFill>
         <a:ln w="12700" cap="flat" cmpd="sng" algn="ctr">
           <a:solidFill>
-            <a:schemeClr val="accent3">
-              <a:shade val="80000"/>
+            <a:schemeClr val="lt1">
               <a:hueOff val="0"/>
               <a:satOff val="0"/>
               <a:lumOff val="0"/>
@@ -6029,12 +6514,12 @@
         </a:fontRef>
       </dsp:style>
       <dsp:txBody>
-        <a:bodyPr spcFirstLastPara="0" vert="horz" wrap="square" lIns="106680" tIns="53340" rIns="106680" bIns="53340" numCol="1" spcCol="1270" anchor="ctr" anchorCtr="0">
+        <a:bodyPr spcFirstLastPara="0" vert="horz" wrap="square" lIns="60960" tIns="30480" rIns="60960" bIns="30480" numCol="1" spcCol="1270" anchor="ctr" anchorCtr="0">
           <a:noAutofit/>
         </a:bodyPr>
         <a:lstStyle/>
         <a:p>
-          <a:pPr marL="0" lvl="0" indent="0" algn="ctr" defTabSz="1244600">
+          <a:pPr lvl="0" algn="ctr" defTabSz="711200">
             <a:lnSpc>
               <a:spcPct val="90000"/>
             </a:lnSpc>
@@ -6044,13 +6529,11 @@
             <a:spcAft>
               <a:spcPct val="35000"/>
             </a:spcAft>
-            <a:buNone/>
           </a:pPr>
           <a:r>
-            <a:rPr lang="ru-RU" sz="2800" kern="1200" dirty="0"/>
+            <a:rPr lang="ru-RU" sz="1600" kern="1200" dirty="0"/>
             <a:t>Классический</a:t>
           </a:r>
-          <a:endParaRPr lang="ru-RU" sz="2000" kern="1200" dirty="0"/>
         </a:p>
       </dsp:txBody>
       <dsp:txXfrm>
@@ -6072,7 +6555,7 @@
           <a:avLst/>
         </a:prstGeom>
         <a:solidFill>
-          <a:schemeClr val="lt1">
+          <a:schemeClr val="accent3">
             <a:alpha val="90000"/>
             <a:tint val="40000"/>
             <a:hueOff val="0"/>
@@ -6085,6 +6568,7 @@
           <a:solidFill>
             <a:schemeClr val="accent3">
               <a:alpha val="90000"/>
+              <a:tint val="40000"/>
               <a:hueOff val="0"/>
               <a:satOff val="0"/>
               <a:lumOff val="0"/>
@@ -6109,12 +6593,12 @@
         <a:fontRef idx="minor"/>
       </dsp:style>
       <dsp:txBody>
-        <a:bodyPr spcFirstLastPara="0" vert="horz" wrap="square" lIns="247650" tIns="123825" rIns="247650" bIns="123825" numCol="1" spcCol="1270" anchor="ctr" anchorCtr="0">
+        <a:bodyPr spcFirstLastPara="0" vert="horz" wrap="square" lIns="83820" tIns="41910" rIns="83820" bIns="41910" numCol="1" spcCol="1270" anchor="ctr" anchorCtr="0">
           <a:noAutofit/>
         </a:bodyPr>
         <a:lstStyle/>
         <a:p>
-          <a:pPr marL="171450" lvl="1" indent="-171450" algn="l" defTabSz="800100">
+          <a:pPr marL="228600" lvl="1" indent="-228600" algn="l" defTabSz="977900">
             <a:lnSpc>
               <a:spcPct val="90000"/>
             </a:lnSpc>
@@ -6124,17 +6608,17 @@
             <a:spcAft>
               <a:spcPct val="15000"/>
             </a:spcAft>
-            <a:buChar char="•"/>
+            <a:buChar char="••"/>
           </a:pPr>
           <a:r>
-            <a:rPr lang="en-US" sz="1800" kern="1200" dirty="0" err="1"/>
+            <a:rPr lang="en-US" sz="2200" kern="1200" dirty="0" err="1"/>
             <a:t>Stream.of</a:t>
           </a:r>
           <a:r>
-            <a:rPr lang="en-US" sz="1800" kern="1200" dirty="0"/>
+            <a:rPr lang="en-US" sz="2200" kern="1200" dirty="0"/>
             <a:t>(1,2,3)</a:t>
           </a:r>
-          <a:endParaRPr lang="ru-RU" sz="1800" kern="1200" dirty="0"/>
+          <a:endParaRPr lang="ru-RU" sz="2200" kern="1200" dirty="0"/>
         </a:p>
       </dsp:txBody>
       <dsp:txXfrm rot="-5400000">
@@ -6156,7 +6640,7 @@
           <a:avLst/>
         </a:prstGeom>
         <a:solidFill>
-          <a:schemeClr val="lt1">
+          <a:schemeClr val="accent3">
             <a:hueOff val="0"/>
             <a:satOff val="0"/>
             <a:lumOff val="0"/>
@@ -6165,8 +6649,7 @@
         </a:solidFill>
         <a:ln w="12700" cap="flat" cmpd="sng" algn="ctr">
           <a:solidFill>
-            <a:schemeClr val="accent3">
-              <a:shade val="80000"/>
+            <a:schemeClr val="lt1">
               <a:hueOff val="0"/>
               <a:satOff val="0"/>
               <a:lumOff val="0"/>
@@ -6193,12 +6676,12 @@
         </a:fontRef>
       </dsp:style>
       <dsp:txBody>
-        <a:bodyPr spcFirstLastPara="0" vert="horz" wrap="square" lIns="68580" tIns="34290" rIns="68580" bIns="34290" numCol="1" spcCol="1270" anchor="ctr" anchorCtr="0">
+        <a:bodyPr spcFirstLastPara="0" vert="horz" wrap="square" lIns="60960" tIns="30480" rIns="60960" bIns="30480" numCol="1" spcCol="1270" anchor="ctr" anchorCtr="0">
           <a:noAutofit/>
         </a:bodyPr>
         <a:lstStyle/>
         <a:p>
-          <a:pPr marL="0" lvl="0" indent="0" algn="ctr" defTabSz="800100">
+          <a:pPr lvl="0" algn="ctr" defTabSz="711200">
             <a:lnSpc>
               <a:spcPct val="90000"/>
             </a:lnSpc>
@@ -6208,17 +6691,15 @@
             <a:spcAft>
               <a:spcPct val="35000"/>
             </a:spcAft>
-            <a:buNone/>
           </a:pPr>
           <a:r>
-            <a:rPr lang="ru-RU" sz="1800" b="0" i="0" kern="1200" dirty="0" err="1"/>
+            <a:rPr lang="ru-RU" sz="1600" kern="1200" dirty="0" err="1"/>
             <a:t>Стрим</a:t>
           </a:r>
           <a:r>
-            <a:rPr lang="ru-RU" sz="1800" b="0" i="0" kern="1200" dirty="0"/>
+            <a:rPr lang="ru-RU" sz="1600" kern="1200" dirty="0"/>
             <a:t> из значений</a:t>
           </a:r>
-          <a:endParaRPr lang="ru-RU" sz="1800" kern="1200" dirty="0"/>
         </a:p>
       </dsp:txBody>
       <dsp:txXfrm>
@@ -6240,7 +6721,7 @@
           <a:avLst/>
         </a:prstGeom>
         <a:solidFill>
-          <a:schemeClr val="lt1">
+          <a:schemeClr val="accent3">
             <a:alpha val="90000"/>
             <a:tint val="40000"/>
             <a:hueOff val="0"/>
@@ -6253,6 +6734,7 @@
           <a:solidFill>
             <a:schemeClr val="accent3">
               <a:alpha val="90000"/>
+              <a:tint val="40000"/>
               <a:hueOff val="0"/>
               <a:satOff val="0"/>
               <a:lumOff val="0"/>
@@ -6277,12 +6759,12 @@
         <a:fontRef idx="minor"/>
       </dsp:style>
       <dsp:txBody>
-        <a:bodyPr spcFirstLastPara="0" vert="horz" wrap="square" lIns="247650" tIns="123825" rIns="247650" bIns="123825" numCol="1" spcCol="1270" anchor="ctr" anchorCtr="0">
+        <a:bodyPr spcFirstLastPara="0" vert="horz" wrap="square" lIns="83820" tIns="41910" rIns="83820" bIns="41910" numCol="1" spcCol="1270" anchor="ctr" anchorCtr="0">
           <a:noAutofit/>
         </a:bodyPr>
         <a:lstStyle/>
         <a:p>
-          <a:pPr marL="228600" lvl="1" indent="-228600" algn="l" defTabSz="889000">
+          <a:pPr marL="228600" lvl="1" indent="-228600" algn="l" defTabSz="977900">
             <a:lnSpc>
               <a:spcPct val="90000"/>
             </a:lnSpc>
@@ -6292,25 +6774,20 @@
             <a:spcAft>
               <a:spcPct val="15000"/>
             </a:spcAft>
-            <a:buChar char="•"/>
+            <a:buChar char="••"/>
           </a:pPr>
           <a:r>
-            <a:rPr lang="en-US" sz="2000" b="1" i="0" kern="1200" dirty="0" err="1"/>
+            <a:rPr lang="en-US" sz="2200" kern="1200" dirty="0" err="1"/>
             <a:t>Arrays.stream</a:t>
           </a:r>
           <a:r>
-            <a:rPr lang="en-US" sz="2000" b="0" i="0" kern="1200" dirty="0"/>
+            <a:rPr lang="en-US" sz="2200" kern="1200" dirty="0"/>
             <a:t>(</a:t>
           </a:r>
           <a:r>
-            <a:rPr lang="ru-RU" sz="2000" b="0" i="1" kern="1200" dirty="0"/>
-            <a:t>массив</a:t>
+            <a:rPr lang="ru-RU" sz="2200" kern="1200" dirty="0"/>
+            <a:t>массив)</a:t>
           </a:r>
-          <a:r>
-            <a:rPr lang="ru-RU" sz="2000" b="0" i="0" kern="1200" dirty="0"/>
-            <a:t>)</a:t>
-          </a:r>
-          <a:endParaRPr lang="ru-RU" sz="2000" kern="1200" dirty="0"/>
         </a:p>
       </dsp:txBody>
       <dsp:txXfrm rot="-5400000">
@@ -6332,7 +6809,7 @@
           <a:avLst/>
         </a:prstGeom>
         <a:solidFill>
-          <a:schemeClr val="lt1">
+          <a:schemeClr val="accent3">
             <a:hueOff val="0"/>
             <a:satOff val="0"/>
             <a:lumOff val="0"/>
@@ -6341,8 +6818,7 @@
         </a:solidFill>
         <a:ln w="12700" cap="flat" cmpd="sng" algn="ctr">
           <a:solidFill>
-            <a:schemeClr val="accent3">
-              <a:shade val="80000"/>
+            <a:schemeClr val="lt1">
               <a:hueOff val="0"/>
               <a:satOff val="0"/>
               <a:lumOff val="0"/>
@@ -6369,12 +6845,12 @@
         </a:fontRef>
       </dsp:style>
       <dsp:txBody>
-        <a:bodyPr spcFirstLastPara="0" vert="horz" wrap="square" lIns="68580" tIns="34290" rIns="68580" bIns="34290" numCol="1" spcCol="1270" anchor="ctr" anchorCtr="0">
+        <a:bodyPr spcFirstLastPara="0" vert="horz" wrap="square" lIns="60960" tIns="30480" rIns="60960" bIns="30480" numCol="1" spcCol="1270" anchor="ctr" anchorCtr="0">
           <a:noAutofit/>
         </a:bodyPr>
         <a:lstStyle/>
         <a:p>
-          <a:pPr marL="0" lvl="0" indent="0" algn="ctr" defTabSz="800100">
+          <a:pPr lvl="0" algn="ctr" defTabSz="711200">
             <a:lnSpc>
               <a:spcPct val="90000"/>
             </a:lnSpc>
@@ -6384,21 +6860,19 @@
             <a:spcAft>
               <a:spcPct val="35000"/>
             </a:spcAft>
-            <a:buNone/>
           </a:pPr>
           <a:r>
-            <a:rPr lang="en-US" sz="1800" kern="1200" dirty="0"/>
+            <a:rPr lang="en-US" sz="1600" kern="1200" dirty="0"/>
             <a:t>C</a:t>
           </a:r>
           <a:r>
-            <a:rPr lang="ru-RU" sz="2000" b="0" i="0" kern="1200" dirty="0" err="1"/>
+            <a:rPr lang="ru-RU" sz="1600" kern="1200" dirty="0" err="1"/>
             <a:t>трим</a:t>
           </a:r>
           <a:r>
-            <a:rPr lang="ru-RU" sz="2000" b="0" i="0" kern="1200" dirty="0"/>
+            <a:rPr lang="ru-RU" sz="1600" kern="1200" dirty="0"/>
             <a:t> из массива</a:t>
           </a:r>
-          <a:endParaRPr lang="ru-RU" sz="1800" kern="1200" dirty="0"/>
         </a:p>
       </dsp:txBody>
       <dsp:txXfrm>
@@ -6420,7 +6894,7 @@
           <a:avLst/>
         </a:prstGeom>
         <a:solidFill>
-          <a:schemeClr val="lt1">
+          <a:schemeClr val="accent3">
             <a:alpha val="90000"/>
             <a:tint val="40000"/>
             <a:hueOff val="0"/>
@@ -6433,6 +6907,7 @@
           <a:solidFill>
             <a:schemeClr val="accent3">
               <a:alpha val="90000"/>
+              <a:tint val="40000"/>
               <a:hueOff val="0"/>
               <a:satOff val="0"/>
               <a:lumOff val="0"/>
@@ -6457,12 +6932,12 @@
         <a:fontRef idx="minor"/>
       </dsp:style>
       <dsp:txBody>
-        <a:bodyPr spcFirstLastPara="0" vert="horz" wrap="square" lIns="247650" tIns="123825" rIns="247650" bIns="123825" numCol="1" spcCol="1270" anchor="ctr" anchorCtr="0">
+        <a:bodyPr spcFirstLastPara="0" vert="horz" wrap="square" lIns="83820" tIns="41910" rIns="83820" bIns="41910" numCol="1" spcCol="1270" anchor="ctr" anchorCtr="0">
           <a:noAutofit/>
         </a:bodyPr>
         <a:lstStyle/>
         <a:p>
-          <a:pPr marL="171450" lvl="1" indent="-171450" algn="l" defTabSz="800100">
+          <a:pPr marL="228600" lvl="1" indent="-228600" algn="l" defTabSz="977900">
             <a:lnSpc>
               <a:spcPct val="90000"/>
             </a:lnSpc>
@@ -6472,25 +6947,24 @@
             <a:spcAft>
               <a:spcPct val="15000"/>
             </a:spcAft>
-            <a:buChar char="•"/>
+            <a:buChar char="••"/>
           </a:pPr>
           <a:r>
-            <a:rPr lang="en-US" sz="1800" b="1" i="0" kern="1200" dirty="0" err="1"/>
+            <a:rPr lang="en-US" sz="2200" kern="1200" dirty="0" err="1"/>
             <a:t>Files.lines</a:t>
           </a:r>
           <a:r>
-            <a:rPr lang="en-US" sz="1800" b="0" i="0" kern="1200" dirty="0"/>
+            <a:rPr lang="en-US" sz="2200" kern="1200" dirty="0"/>
             <a:t>(</a:t>
           </a:r>
           <a:r>
-            <a:rPr lang="ru-RU" sz="1800" b="0" i="1" kern="1200" dirty="0" err="1"/>
+            <a:rPr lang="ru-RU" sz="2200" kern="1200" dirty="0" err="1"/>
             <a:t>путь_к_файлу</a:t>
           </a:r>
           <a:r>
-            <a:rPr lang="ru-RU" sz="1800" b="0" i="0" kern="1200" dirty="0"/>
+            <a:rPr lang="ru-RU" sz="2200" kern="1200" dirty="0"/>
             <a:t>)</a:t>
           </a:r>
-          <a:endParaRPr lang="ru-RU" sz="1800" kern="1200" dirty="0"/>
         </a:p>
       </dsp:txBody>
       <dsp:txXfrm rot="-5400000">
@@ -6512,7 +6986,7 @@
           <a:avLst/>
         </a:prstGeom>
         <a:solidFill>
-          <a:schemeClr val="lt1">
+          <a:schemeClr val="accent3">
             <a:hueOff val="0"/>
             <a:satOff val="0"/>
             <a:lumOff val="0"/>
@@ -6521,8 +6995,7 @@
         </a:solidFill>
         <a:ln w="12700" cap="flat" cmpd="sng" algn="ctr">
           <a:solidFill>
-            <a:schemeClr val="accent3">
-              <a:shade val="80000"/>
+            <a:schemeClr val="lt1">
               <a:hueOff val="0"/>
               <a:satOff val="0"/>
               <a:lumOff val="0"/>
@@ -6549,12 +7022,12 @@
         </a:fontRef>
       </dsp:style>
       <dsp:txBody>
-        <a:bodyPr spcFirstLastPara="0" vert="horz" wrap="square" lIns="68580" tIns="34290" rIns="68580" bIns="34290" numCol="1" spcCol="1270" anchor="ctr" anchorCtr="0">
+        <a:bodyPr spcFirstLastPara="0" vert="horz" wrap="square" lIns="60960" tIns="30480" rIns="60960" bIns="30480" numCol="1" spcCol="1270" anchor="ctr" anchorCtr="0">
           <a:noAutofit/>
         </a:bodyPr>
         <a:lstStyle/>
         <a:p>
-          <a:pPr marL="0" lvl="0" indent="0" algn="ctr" defTabSz="800100">
+          <a:pPr lvl="0" algn="ctr" defTabSz="711200">
             <a:lnSpc>
               <a:spcPct val="90000"/>
             </a:lnSpc>
@@ -6564,17 +7037,15 @@
             <a:spcAft>
               <a:spcPct val="35000"/>
             </a:spcAft>
-            <a:buNone/>
           </a:pPr>
           <a:r>
-            <a:rPr lang="ru-RU" sz="1800" b="0" i="0" kern="1200" dirty="0" err="1"/>
+            <a:rPr lang="ru-RU" sz="1600" kern="1200" dirty="0" err="1"/>
             <a:t>Стрим</a:t>
           </a:r>
           <a:r>
-            <a:rPr lang="ru-RU" sz="1800" b="0" i="0" kern="1200" dirty="0"/>
+            <a:rPr lang="ru-RU" sz="1600" kern="1200" dirty="0"/>
             <a:t> из файла </a:t>
           </a:r>
-          <a:endParaRPr lang="ru-RU" sz="1800" kern="1200" dirty="0"/>
         </a:p>
       </dsp:txBody>
       <dsp:txXfrm>
@@ -6596,7 +7067,7 @@
           <a:avLst/>
         </a:prstGeom>
         <a:solidFill>
-          <a:schemeClr val="lt1">
+          <a:schemeClr val="accent3">
             <a:alpha val="90000"/>
             <a:tint val="40000"/>
             <a:hueOff val="0"/>
@@ -6609,6 +7080,7 @@
           <a:solidFill>
             <a:schemeClr val="accent3">
               <a:alpha val="90000"/>
+              <a:tint val="40000"/>
               <a:hueOff val="0"/>
               <a:satOff val="0"/>
               <a:lumOff val="0"/>
@@ -6633,12 +7105,12 @@
         <a:fontRef idx="minor"/>
       </dsp:style>
       <dsp:txBody>
-        <a:bodyPr spcFirstLastPara="0" vert="horz" wrap="square" lIns="247650" tIns="123825" rIns="247650" bIns="123825" numCol="1" spcCol="1270" anchor="ctr" anchorCtr="0">
+        <a:bodyPr spcFirstLastPara="0" vert="horz" wrap="square" lIns="83820" tIns="41910" rIns="83820" bIns="41910" numCol="1" spcCol="1270" anchor="ctr" anchorCtr="0">
           <a:noAutofit/>
         </a:bodyPr>
         <a:lstStyle/>
         <a:p>
-          <a:pPr marL="114300" lvl="1" indent="-114300" algn="l" defTabSz="622300">
+          <a:pPr marL="228600" lvl="1" indent="-228600" algn="l" defTabSz="977900">
             <a:lnSpc>
               <a:spcPct val="90000"/>
             </a:lnSpc>
@@ -6648,21 +7120,17 @@
             <a:spcAft>
               <a:spcPct val="15000"/>
             </a:spcAft>
-            <a:buChar char="•"/>
+            <a:buChar char="••"/>
           </a:pPr>
           <a:r>
-            <a:rPr lang="en-US" sz="1400" b="0" i="0" kern="1200" dirty="0" err="1"/>
-            <a:t>collection.</a:t>
+            <a:rPr lang="en-US" sz="2200" kern="1200" dirty="0" err="1"/>
+            <a:t>collection.parallelStream</a:t>
           </a:r>
           <a:r>
-            <a:rPr lang="en-US" sz="1400" b="1" i="0" kern="1200" dirty="0" err="1"/>
-            <a:t>parallelStream</a:t>
-          </a:r>
-          <a:r>
-            <a:rPr lang="en-US" sz="1400" b="0" i="0" kern="1200" dirty="0"/>
+            <a:rPr lang="en-US" sz="2200" kern="1200" dirty="0"/>
             <a:t>()</a:t>
           </a:r>
-          <a:endParaRPr lang="ru-RU" sz="1400" kern="1200" dirty="0"/>
+          <a:endParaRPr lang="ru-RU" sz="2200" kern="1200" dirty="0"/>
         </a:p>
       </dsp:txBody>
       <dsp:txXfrm rot="-5400000">
@@ -6684,7 +7152,7 @@
           <a:avLst/>
         </a:prstGeom>
         <a:solidFill>
-          <a:schemeClr val="lt1">
+          <a:schemeClr val="accent3">
             <a:hueOff val="0"/>
             <a:satOff val="0"/>
             <a:lumOff val="0"/>
@@ -6693,8 +7161,7 @@
         </a:solidFill>
         <a:ln w="12700" cap="flat" cmpd="sng" algn="ctr">
           <a:solidFill>
-            <a:schemeClr val="accent3">
-              <a:shade val="80000"/>
+            <a:schemeClr val="lt1">
               <a:hueOff val="0"/>
               <a:satOff val="0"/>
               <a:lumOff val="0"/>
@@ -6721,12 +7188,12 @@
         </a:fontRef>
       </dsp:style>
       <dsp:txBody>
-        <a:bodyPr spcFirstLastPara="0" vert="horz" wrap="square" lIns="53340" tIns="26670" rIns="53340" bIns="26670" numCol="1" spcCol="1270" anchor="ctr" anchorCtr="0">
+        <a:bodyPr spcFirstLastPara="0" vert="horz" wrap="square" lIns="60960" tIns="30480" rIns="60960" bIns="30480" numCol="1" spcCol="1270" anchor="ctr" anchorCtr="0">
           <a:noAutofit/>
         </a:bodyPr>
         <a:lstStyle/>
         <a:p>
-          <a:pPr marL="0" lvl="0" indent="0" algn="ctr" defTabSz="622300">
+          <a:pPr lvl="0" algn="ctr" defTabSz="711200">
             <a:lnSpc>
               <a:spcPct val="90000"/>
             </a:lnSpc>
@@ -6736,17 +7203,16 @@
             <a:spcAft>
               <a:spcPct val="35000"/>
             </a:spcAft>
-            <a:buNone/>
           </a:pPr>
           <a:r>
-            <a:rPr lang="ru-RU" sz="1400" b="0" i="0" kern="1200" dirty="0"/>
+            <a:rPr lang="ru-RU" sz="1600" kern="1200" dirty="0"/>
             <a:t>Создание параллельного </a:t>
           </a:r>
           <a:r>
-            <a:rPr lang="ru-RU" sz="1400" b="0" i="0" kern="1200" dirty="0" err="1"/>
+            <a:rPr lang="ru-RU" sz="1600" kern="1200" dirty="0" err="1"/>
             <a:t>стрима</a:t>
           </a:r>
-          <a:endParaRPr lang="ru-RU" sz="1400" kern="1200" dirty="0"/>
+          <a:endParaRPr lang="ru-RU" sz="1600" kern="1200" dirty="0"/>
         </a:p>
       </dsp:txBody>
       <dsp:txXfrm>
@@ -6768,7 +7234,7 @@
           <a:avLst/>
         </a:prstGeom>
         <a:solidFill>
-          <a:schemeClr val="lt1">
+          <a:schemeClr val="accent3">
             <a:alpha val="90000"/>
             <a:tint val="40000"/>
             <a:hueOff val="0"/>
@@ -6781,6 +7247,7 @@
           <a:solidFill>
             <a:schemeClr val="accent3">
               <a:alpha val="90000"/>
+              <a:tint val="40000"/>
               <a:hueOff val="0"/>
               <a:satOff val="0"/>
               <a:lumOff val="0"/>
@@ -6805,12 +7272,12 @@
         <a:fontRef idx="minor"/>
       </dsp:style>
       <dsp:txBody>
-        <a:bodyPr spcFirstLastPara="0" vert="horz" wrap="square" lIns="247650" tIns="123825" rIns="247650" bIns="123825" numCol="1" spcCol="1270" anchor="ctr" anchorCtr="0">
+        <a:bodyPr spcFirstLastPara="0" vert="horz" wrap="square" lIns="83820" tIns="41910" rIns="83820" bIns="41910" numCol="1" spcCol="1270" anchor="ctr" anchorCtr="0">
           <a:noAutofit/>
         </a:bodyPr>
         <a:lstStyle/>
         <a:p>
-          <a:pPr marL="114300" lvl="1" indent="-114300" algn="l" defTabSz="622300">
+          <a:pPr marL="228600" lvl="1" indent="-228600" algn="l" defTabSz="977900">
             <a:lnSpc>
               <a:spcPct val="90000"/>
             </a:lnSpc>
@@ -6820,33 +7287,32 @@
             <a:spcAft>
               <a:spcPct val="15000"/>
             </a:spcAft>
-            <a:buChar char="•"/>
+            <a:buChar char="••"/>
           </a:pPr>
           <a:r>
-            <a:rPr lang="en-US" sz="1400" b="1" i="0" kern="1200" dirty="0" err="1"/>
+            <a:rPr lang="en-US" sz="2200" kern="1200" dirty="0" err="1"/>
             <a:t>Stream.iterate</a:t>
           </a:r>
           <a:r>
-            <a:rPr lang="en-US" sz="1400" b="0" i="0" kern="1200" dirty="0"/>
+            <a:rPr lang="en-US" sz="2200" kern="1200" dirty="0"/>
             <a:t>(</a:t>
           </a:r>
           <a:r>
-            <a:rPr lang="ru-RU" sz="1400" b="0" i="1" kern="1200" dirty="0" err="1"/>
+            <a:rPr lang="ru-RU" sz="2200" kern="1200" dirty="0" err="1"/>
             <a:t>начальное_условие</a:t>
           </a:r>
           <a:r>
-            <a:rPr lang="ru-RU" sz="1400" b="0" i="0" kern="1200" dirty="0"/>
+            <a:rPr lang="ru-RU" sz="2200" kern="1200" dirty="0"/>
             <a:t>, </a:t>
           </a:r>
           <a:r>
-            <a:rPr lang="ru-RU" sz="1400" b="0" i="1" kern="1200" dirty="0" err="1"/>
+            <a:rPr lang="ru-RU" sz="2200" kern="1200" dirty="0" err="1"/>
             <a:t>выражение_генерации</a:t>
           </a:r>
           <a:r>
-            <a:rPr lang="ru-RU" sz="1400" b="0" i="0" kern="1200" dirty="0"/>
+            <a:rPr lang="ru-RU" sz="2200" kern="1200" dirty="0"/>
             <a:t>)</a:t>
           </a:r>
-          <a:endParaRPr lang="ru-RU" sz="1400" kern="1200" dirty="0"/>
         </a:p>
       </dsp:txBody>
       <dsp:txXfrm rot="-5400000">
@@ -6868,7 +7334,7 @@
           <a:avLst/>
         </a:prstGeom>
         <a:solidFill>
-          <a:schemeClr val="lt1">
+          <a:schemeClr val="accent3">
             <a:hueOff val="0"/>
             <a:satOff val="0"/>
             <a:lumOff val="0"/>
@@ -6877,8 +7343,7 @@
         </a:solidFill>
         <a:ln w="12700" cap="flat" cmpd="sng" algn="ctr">
           <a:solidFill>
-            <a:schemeClr val="accent3">
-              <a:shade val="80000"/>
+            <a:schemeClr val="lt1">
               <a:hueOff val="0"/>
               <a:satOff val="0"/>
               <a:lumOff val="0"/>
@@ -6905,12 +7370,12 @@
         </a:fontRef>
       </dsp:style>
       <dsp:txBody>
-        <a:bodyPr spcFirstLastPara="0" vert="horz" wrap="square" lIns="53340" tIns="26670" rIns="53340" bIns="26670" numCol="1" spcCol="1270" anchor="ctr" anchorCtr="0">
+        <a:bodyPr spcFirstLastPara="0" vert="horz" wrap="square" lIns="60960" tIns="30480" rIns="60960" bIns="30480" numCol="1" spcCol="1270" anchor="ctr" anchorCtr="0">
           <a:noAutofit/>
         </a:bodyPr>
         <a:lstStyle/>
         <a:p>
-          <a:pPr marL="0" lvl="0" indent="0" algn="ctr" defTabSz="622300">
+          <a:pPr lvl="0" algn="ctr" defTabSz="711200">
             <a:lnSpc>
               <a:spcPct val="90000"/>
             </a:lnSpc>
@@ -6920,25 +7385,24 @@
             <a:spcAft>
               <a:spcPct val="35000"/>
             </a:spcAft>
-            <a:buNone/>
           </a:pPr>
           <a:r>
-            <a:rPr lang="ru-RU" sz="1400" b="0" i="0" kern="1200" dirty="0"/>
+            <a:rPr lang="ru-RU" sz="1600" kern="1200" dirty="0"/>
             <a:t>Создание бесконечных </a:t>
           </a:r>
           <a:r>
-            <a:rPr lang="ru-RU" sz="1400" b="0" i="0" kern="1200" dirty="0" err="1"/>
+            <a:rPr lang="ru-RU" sz="1600" kern="1200" dirty="0" err="1"/>
             <a:t>стрима</a:t>
           </a:r>
           <a:r>
-            <a:rPr lang="ru-RU" sz="1400" b="0" i="0" kern="1200" dirty="0"/>
+            <a:rPr lang="ru-RU" sz="1600" kern="1200" dirty="0"/>
             <a:t> с помощью </a:t>
           </a:r>
           <a:r>
-            <a:rPr lang="ru-RU" sz="1400" b="0" i="0" kern="1200" dirty="0" err="1"/>
+            <a:rPr lang="ru-RU" sz="1600" kern="1200" dirty="0" err="1"/>
             <a:t>Stream.iterate</a:t>
           </a:r>
-          <a:endParaRPr lang="ru-RU" sz="1400" kern="1200" dirty="0"/>
+          <a:endParaRPr lang="ru-RU" sz="1600" kern="1200" dirty="0"/>
         </a:p>
       </dsp:txBody>
       <dsp:txXfrm>
@@ -6960,7 +7424,7 @@
           <a:avLst/>
         </a:prstGeom>
         <a:solidFill>
-          <a:schemeClr val="lt1">
+          <a:schemeClr val="accent3">
             <a:alpha val="90000"/>
             <a:tint val="40000"/>
             <a:hueOff val="0"/>
@@ -6973,6 +7437,7 @@
           <a:solidFill>
             <a:schemeClr val="accent3">
               <a:alpha val="90000"/>
+              <a:tint val="40000"/>
               <a:hueOff val="0"/>
               <a:satOff val="0"/>
               <a:lumOff val="0"/>
@@ -6997,12 +7462,12 @@
         <a:fontRef idx="minor"/>
       </dsp:style>
       <dsp:txBody>
-        <a:bodyPr spcFirstLastPara="0" vert="horz" wrap="square" lIns="247650" tIns="123825" rIns="247650" bIns="123825" numCol="1" spcCol="1270" anchor="ctr" anchorCtr="0">
+        <a:bodyPr spcFirstLastPara="0" vert="horz" wrap="square" lIns="83820" tIns="41910" rIns="83820" bIns="41910" numCol="1" spcCol="1270" anchor="ctr" anchorCtr="0">
           <a:noAutofit/>
         </a:bodyPr>
         <a:lstStyle/>
         <a:p>
-          <a:pPr marL="114300" lvl="1" indent="-114300" algn="l" defTabSz="622300">
+          <a:pPr marL="228600" lvl="1" indent="-228600" algn="l" defTabSz="977900">
             <a:lnSpc>
               <a:spcPct val="90000"/>
             </a:lnSpc>
@@ -7012,25 +7477,24 @@
             <a:spcAft>
               <a:spcPct val="15000"/>
             </a:spcAft>
-            <a:buChar char="•"/>
+            <a:buChar char="••"/>
           </a:pPr>
           <a:r>
-            <a:rPr lang="en-US" sz="1400" b="1" i="0" kern="1200" dirty="0" err="1"/>
+            <a:rPr lang="en-US" sz="2200" kern="1200" dirty="0" err="1"/>
             <a:t>Stream.generate</a:t>
           </a:r>
           <a:r>
-            <a:rPr lang="en-US" sz="1400" b="0" i="0" kern="1200" dirty="0"/>
+            <a:rPr lang="en-US" sz="2200" kern="1200" dirty="0"/>
             <a:t>(</a:t>
           </a:r>
           <a:r>
-            <a:rPr lang="ru-RU" sz="1400" b="0" i="1" kern="1200" dirty="0" err="1"/>
+            <a:rPr lang="ru-RU" sz="2200" kern="1200" dirty="0" err="1"/>
             <a:t>выражение_генерации</a:t>
           </a:r>
           <a:r>
-            <a:rPr lang="ru-RU" sz="1400" b="0" i="0" kern="1200" dirty="0"/>
+            <a:rPr lang="ru-RU" sz="2200" kern="1200" dirty="0"/>
             <a:t>)</a:t>
           </a:r>
-          <a:endParaRPr lang="ru-RU" sz="1400" kern="1200" dirty="0"/>
         </a:p>
       </dsp:txBody>
       <dsp:txXfrm rot="-5400000">
@@ -7052,7 +7516,7 @@
           <a:avLst/>
         </a:prstGeom>
         <a:solidFill>
-          <a:schemeClr val="lt1">
+          <a:schemeClr val="accent3">
             <a:hueOff val="0"/>
             <a:satOff val="0"/>
             <a:lumOff val="0"/>
@@ -7061,8 +7525,7 @@
         </a:solidFill>
         <a:ln w="12700" cap="flat" cmpd="sng" algn="ctr">
           <a:solidFill>
-            <a:schemeClr val="accent3">
-              <a:shade val="80000"/>
+            <a:schemeClr val="lt1">
               <a:hueOff val="0"/>
               <a:satOff val="0"/>
               <a:lumOff val="0"/>
@@ -7089,12 +7552,12 @@
         </a:fontRef>
       </dsp:style>
       <dsp:txBody>
-        <a:bodyPr spcFirstLastPara="0" vert="horz" wrap="square" lIns="53340" tIns="26670" rIns="53340" bIns="26670" numCol="1" spcCol="1270" anchor="ctr" anchorCtr="0">
+        <a:bodyPr spcFirstLastPara="0" vert="horz" wrap="square" lIns="60960" tIns="30480" rIns="60960" bIns="30480" numCol="1" spcCol="1270" anchor="ctr" anchorCtr="0">
           <a:noAutofit/>
         </a:bodyPr>
         <a:lstStyle/>
         <a:p>
-          <a:pPr marL="0" lvl="0" indent="0" algn="ctr" defTabSz="622300">
+          <a:pPr lvl="0" algn="ctr" defTabSz="711200">
             <a:lnSpc>
               <a:spcPct val="90000"/>
             </a:lnSpc>
@@ -7104,25 +7567,24 @@
             <a:spcAft>
               <a:spcPct val="35000"/>
             </a:spcAft>
-            <a:buNone/>
           </a:pPr>
           <a:r>
-            <a:rPr lang="ru-RU" sz="1400" b="0" i="0" kern="1200" dirty="0"/>
+            <a:rPr lang="ru-RU" sz="1600" kern="1200" dirty="0"/>
             <a:t>Создание бесконечных </a:t>
           </a:r>
           <a:r>
-            <a:rPr lang="ru-RU" sz="1400" b="0" i="0" kern="1200" dirty="0" err="1"/>
+            <a:rPr lang="ru-RU" sz="1600" kern="1200" dirty="0" err="1"/>
             <a:t>стрима</a:t>
           </a:r>
           <a:r>
-            <a:rPr lang="ru-RU" sz="1400" b="0" i="0" kern="1200" dirty="0"/>
+            <a:rPr lang="ru-RU" sz="1600" kern="1200" dirty="0"/>
             <a:t> с помощью </a:t>
           </a:r>
           <a:r>
-            <a:rPr lang="ru-RU" sz="1400" b="0" i="0" kern="1200" dirty="0" err="1"/>
+            <a:rPr lang="ru-RU" sz="1600" kern="1200" dirty="0" err="1"/>
             <a:t>Stream.generate</a:t>
           </a:r>
-          <a:endParaRPr lang="ru-RU" sz="1400" kern="1200" dirty="0"/>
+          <a:endParaRPr lang="ru-RU" sz="1600" kern="1200" dirty="0"/>
         </a:p>
       </dsp:txBody>
       <dsp:txXfrm>
@@ -7144,7 +7606,7 @@
           <a:avLst/>
         </a:prstGeom>
         <a:solidFill>
-          <a:schemeClr val="lt1">
+          <a:schemeClr val="accent3">
             <a:alpha val="90000"/>
             <a:tint val="40000"/>
             <a:hueOff val="0"/>
@@ -7157,6 +7619,7 @@
           <a:solidFill>
             <a:schemeClr val="accent3">
               <a:alpha val="90000"/>
+              <a:tint val="40000"/>
               <a:hueOff val="0"/>
               <a:satOff val="0"/>
               <a:lumOff val="0"/>
@@ -7181,12 +7644,12 @@
         <a:fontRef idx="minor"/>
       </dsp:style>
       <dsp:txBody>
-        <a:bodyPr spcFirstLastPara="0" vert="horz" wrap="square" lIns="247650" tIns="123825" rIns="247650" bIns="123825" numCol="1" spcCol="1270" anchor="ctr" anchorCtr="0">
+        <a:bodyPr spcFirstLastPara="0" vert="horz" wrap="square" lIns="83820" tIns="41910" rIns="83820" bIns="41910" numCol="1" spcCol="1270" anchor="ctr" anchorCtr="0">
           <a:noAutofit/>
         </a:bodyPr>
         <a:lstStyle/>
         <a:p>
-          <a:pPr marL="114300" lvl="1" indent="-114300" algn="l" defTabSz="622300">
+          <a:pPr marL="228600" lvl="1" indent="-228600" algn="l" defTabSz="977900">
             <a:lnSpc>
               <a:spcPct val="90000"/>
             </a:lnSpc>
@@ -7196,25 +7659,25 @@
             <a:spcAft>
               <a:spcPct val="15000"/>
             </a:spcAft>
-            <a:buChar char="•"/>
+            <a:buChar char="••"/>
           </a:pPr>
           <a:r>
-            <a:rPr lang="en-US" sz="1400" b="1" kern="1200" dirty="0" err="1"/>
+            <a:rPr lang="en-US" sz="2200" kern="1200" dirty="0" err="1"/>
             <a:t>StreamSupport.stream</a:t>
           </a:r>
           <a:r>
-            <a:rPr lang="en-US" sz="1400" kern="1200" dirty="0"/>
+            <a:rPr lang="en-US" sz="2200" kern="1200" dirty="0"/>
             <a:t>(</a:t>
           </a:r>
           <a:r>
-            <a:rPr lang="en-US" sz="1400" kern="1200" dirty="0" err="1"/>
+            <a:rPr lang="en-US" sz="2200" kern="1200" dirty="0" err="1"/>
             <a:t>spliterator</a:t>
           </a:r>
           <a:r>
-            <a:rPr lang="en-US" sz="1400" kern="1200" dirty="0"/>
+            <a:rPr lang="en-US" sz="2200" kern="1200" dirty="0"/>
             <a:t>, false);</a:t>
           </a:r>
-          <a:endParaRPr lang="ru-RU" sz="1400" kern="1200" dirty="0"/>
+          <a:endParaRPr lang="ru-RU" sz="2200" kern="1200" dirty="0"/>
         </a:p>
       </dsp:txBody>
       <dsp:txXfrm rot="-5400000">
@@ -7236,7 +7699,7 @@
           <a:avLst/>
         </a:prstGeom>
         <a:solidFill>
-          <a:schemeClr val="lt1">
+          <a:schemeClr val="accent3">
             <a:hueOff val="0"/>
             <a:satOff val="0"/>
             <a:lumOff val="0"/>
@@ -7245,8 +7708,7 @@
         </a:solidFill>
         <a:ln w="12700" cap="flat" cmpd="sng" algn="ctr">
           <a:solidFill>
-            <a:schemeClr val="accent3">
-              <a:shade val="80000"/>
+            <a:schemeClr val="lt1">
               <a:hueOff val="0"/>
               <a:satOff val="0"/>
               <a:lumOff val="0"/>
@@ -7273,12 +7735,12 @@
         </a:fontRef>
       </dsp:style>
       <dsp:txBody>
-        <a:bodyPr spcFirstLastPara="0" vert="horz" wrap="square" lIns="53340" tIns="26670" rIns="53340" bIns="26670" numCol="1" spcCol="1270" anchor="ctr" anchorCtr="0">
+        <a:bodyPr spcFirstLastPara="0" vert="horz" wrap="square" lIns="60960" tIns="30480" rIns="60960" bIns="30480" numCol="1" spcCol="1270" anchor="ctr" anchorCtr="0">
           <a:noAutofit/>
         </a:bodyPr>
         <a:lstStyle/>
         <a:p>
-          <a:pPr marL="0" lvl="0" indent="0" algn="ctr" defTabSz="622300">
+          <a:pPr lvl="0" algn="ctr" defTabSz="711200">
             <a:lnSpc>
               <a:spcPct val="90000"/>
             </a:lnSpc>
@@ -7288,14 +7750,13 @@
             <a:spcAft>
               <a:spcPct val="35000"/>
             </a:spcAft>
-            <a:buNone/>
           </a:pPr>
           <a:r>
-            <a:rPr lang="ru-RU" sz="1400" kern="1200" dirty="0" err="1"/>
+            <a:rPr lang="ru-RU" sz="1600" kern="1200" dirty="0" err="1"/>
             <a:t>Стрим</a:t>
           </a:r>
           <a:r>
-            <a:rPr lang="ru-RU" sz="1400" kern="1200" dirty="0"/>
+            <a:rPr lang="ru-RU" sz="1600" kern="1200" dirty="0"/>
             <a:t> из итератора</a:t>
           </a:r>
         </a:p>
@@ -7331,7 +7792,7 @@
           <a:avLst/>
         </a:prstGeom>
         <a:solidFill>
-          <a:schemeClr val="lt1">
+          <a:schemeClr val="accent3">
             <a:alpha val="90000"/>
             <a:tint val="40000"/>
             <a:hueOff val="0"/>
@@ -7344,6 +7805,7 @@
           <a:solidFill>
             <a:schemeClr val="accent3">
               <a:alpha val="90000"/>
+              <a:tint val="40000"/>
               <a:hueOff val="0"/>
               <a:satOff val="0"/>
               <a:lumOff val="0"/>
@@ -7368,12 +7830,12 @@
         <a:fontRef idx="minor"/>
       </dsp:style>
       <dsp:txBody>
-        <a:bodyPr spcFirstLastPara="0" vert="horz" wrap="square" lIns="247650" tIns="123825" rIns="247650" bIns="123825" numCol="1" spcCol="1270" anchor="ctr" anchorCtr="0">
+        <a:bodyPr spcFirstLastPara="0" vert="horz" wrap="square" lIns="57150" tIns="28575" rIns="57150" bIns="28575" numCol="1" spcCol="1270" anchor="ctr" anchorCtr="0">
           <a:noAutofit/>
         </a:bodyPr>
         <a:lstStyle/>
         <a:p>
-          <a:pPr marL="171450" lvl="1" indent="-171450" algn="l" defTabSz="711200">
+          <a:pPr marL="114300" lvl="1" indent="-114300" algn="l" defTabSz="666750">
             <a:lnSpc>
               <a:spcPct val="90000"/>
             </a:lnSpc>
@@ -7383,21 +7845,20 @@
             <a:spcAft>
               <a:spcPct val="15000"/>
             </a:spcAft>
-            <a:buChar char="•"/>
+            <a:buChar char="••"/>
           </a:pPr>
           <a:r>
-            <a:rPr lang="ru-RU" sz="1600" b="0" i="0" kern="1200" dirty="0"/>
+            <a:rPr lang="ru-RU" sz="1500" kern="1200" dirty="0"/>
             <a:t>Отфильтровывает записи</a:t>
           </a:r>
           <a:r>
-            <a:rPr lang="en-US" sz="1600" b="0" i="0" kern="1200" dirty="0"/>
+            <a:rPr lang="en-US" sz="1500" kern="1200" dirty="0"/>
             <a:t> </a:t>
           </a:r>
           <a:r>
-            <a:rPr lang="ru-RU" sz="1600" b="0" i="0" kern="1200" dirty="0"/>
+            <a:rPr lang="ru-RU" sz="1500" kern="1200" dirty="0"/>
             <a:t>по условию</a:t>
           </a:r>
-          <a:endParaRPr lang="ru-RU" sz="1600" kern="1200" dirty="0"/>
         </a:p>
       </dsp:txBody>
       <dsp:txXfrm rot="-5400000">
@@ -7419,7 +7880,7 @@
           <a:avLst/>
         </a:prstGeom>
         <a:solidFill>
-          <a:schemeClr val="lt1">
+          <a:schemeClr val="accent3">
             <a:hueOff val="0"/>
             <a:satOff val="0"/>
             <a:lumOff val="0"/>
@@ -7428,8 +7889,7 @@
         </a:solidFill>
         <a:ln w="12700" cap="flat" cmpd="sng" algn="ctr">
           <a:solidFill>
-            <a:schemeClr val="accent3">
-              <a:shade val="80000"/>
+            <a:schemeClr val="lt1">
               <a:hueOff val="0"/>
               <a:satOff val="0"/>
               <a:lumOff val="0"/>
@@ -7456,12 +7916,12 @@
         </a:fontRef>
       </dsp:style>
       <dsp:txBody>
-        <a:bodyPr spcFirstLastPara="0" vert="horz" wrap="square" lIns="60960" tIns="30480" rIns="60960" bIns="30480" numCol="1" spcCol="1270" anchor="ctr" anchorCtr="0">
+        <a:bodyPr spcFirstLastPara="0" vert="horz" wrap="square" lIns="102870" tIns="51435" rIns="102870" bIns="51435" numCol="1" spcCol="1270" anchor="ctr" anchorCtr="0">
           <a:noAutofit/>
         </a:bodyPr>
         <a:lstStyle/>
         <a:p>
-          <a:pPr marL="0" lvl="0" indent="0" algn="ctr" defTabSz="711200">
+          <a:pPr lvl="0" algn="ctr" defTabSz="1200150">
             <a:lnSpc>
               <a:spcPct val="90000"/>
             </a:lnSpc>
@@ -7471,13 +7931,12 @@
             <a:spcAft>
               <a:spcPct val="35000"/>
             </a:spcAft>
-            <a:buNone/>
           </a:pPr>
           <a:r>
-            <a:rPr lang="en-US" sz="1600" kern="1200" dirty="0"/>
+            <a:rPr lang="en-US" sz="2700" kern="1200" dirty="0"/>
             <a:t>filter</a:t>
           </a:r>
-          <a:endParaRPr lang="ru-RU" sz="1600" kern="1200" dirty="0"/>
+          <a:endParaRPr lang="ru-RU" sz="2700" kern="1200" dirty="0"/>
         </a:p>
       </dsp:txBody>
       <dsp:txXfrm>
@@ -7499,7 +7958,7 @@
           <a:avLst/>
         </a:prstGeom>
         <a:solidFill>
-          <a:schemeClr val="lt1">
+          <a:schemeClr val="accent3">
             <a:alpha val="90000"/>
             <a:tint val="40000"/>
             <a:hueOff val="0"/>
@@ -7512,6 +7971,7 @@
           <a:solidFill>
             <a:schemeClr val="accent3">
               <a:alpha val="90000"/>
+              <a:tint val="40000"/>
               <a:hueOff val="0"/>
               <a:satOff val="0"/>
               <a:lumOff val="0"/>
@@ -7536,12 +7996,12 @@
         <a:fontRef idx="minor"/>
       </dsp:style>
       <dsp:txBody>
-        <a:bodyPr spcFirstLastPara="0" vert="horz" wrap="square" lIns="247650" tIns="123825" rIns="247650" bIns="123825" numCol="1" spcCol="1270" anchor="ctr" anchorCtr="0">
+        <a:bodyPr spcFirstLastPara="0" vert="horz" wrap="square" lIns="57150" tIns="28575" rIns="57150" bIns="28575" numCol="1" spcCol="1270" anchor="ctr" anchorCtr="0">
           <a:noAutofit/>
         </a:bodyPr>
         <a:lstStyle/>
         <a:p>
-          <a:pPr marL="171450" lvl="1" indent="-171450" algn="l" defTabSz="711200">
+          <a:pPr marL="114300" lvl="1" indent="-114300" algn="l" defTabSz="666750">
             <a:lnSpc>
               <a:spcPct val="90000"/>
             </a:lnSpc>
@@ -7551,13 +8011,12 @@
             <a:spcAft>
               <a:spcPct val="15000"/>
             </a:spcAft>
-            <a:buChar char="•"/>
+            <a:buChar char="••"/>
           </a:pPr>
           <a:r>
-            <a:rPr lang="ru-RU" sz="1600" b="0" i="0" kern="1200" dirty="0"/>
+            <a:rPr lang="ru-RU" sz="1500" kern="1200" dirty="0"/>
             <a:t>Позволяет пропустить N первых элементов</a:t>
           </a:r>
-          <a:endParaRPr lang="ru-RU" sz="1600" kern="1200" dirty="0"/>
         </a:p>
       </dsp:txBody>
       <dsp:txXfrm rot="-5400000">
@@ -7579,7 +8038,7 @@
           <a:avLst/>
         </a:prstGeom>
         <a:solidFill>
-          <a:schemeClr val="lt1">
+          <a:schemeClr val="accent3">
             <a:hueOff val="0"/>
             <a:satOff val="0"/>
             <a:lumOff val="0"/>
@@ -7588,8 +8047,7 @@
         </a:solidFill>
         <a:ln w="12700" cap="flat" cmpd="sng" algn="ctr">
           <a:solidFill>
-            <a:schemeClr val="accent3">
-              <a:shade val="80000"/>
+            <a:schemeClr val="lt1">
               <a:hueOff val="0"/>
               <a:satOff val="0"/>
               <a:lumOff val="0"/>
@@ -7616,12 +8074,12 @@
         </a:fontRef>
       </dsp:style>
       <dsp:txBody>
-        <a:bodyPr spcFirstLastPara="0" vert="horz" wrap="square" lIns="60960" tIns="30480" rIns="60960" bIns="30480" numCol="1" spcCol="1270" anchor="ctr" anchorCtr="0">
+        <a:bodyPr spcFirstLastPara="0" vert="horz" wrap="square" lIns="102870" tIns="51435" rIns="102870" bIns="51435" numCol="1" spcCol="1270" anchor="ctr" anchorCtr="0">
           <a:noAutofit/>
         </a:bodyPr>
         <a:lstStyle/>
         <a:p>
-          <a:pPr marL="0" lvl="0" indent="0" algn="ctr" defTabSz="711200">
+          <a:pPr lvl="0" algn="ctr" defTabSz="1200150">
             <a:lnSpc>
               <a:spcPct val="90000"/>
             </a:lnSpc>
@@ -7631,13 +8089,12 @@
             <a:spcAft>
               <a:spcPct val="35000"/>
             </a:spcAft>
-            <a:buNone/>
           </a:pPr>
           <a:r>
-            <a:rPr lang="en-US" sz="1600" b="0" i="0" kern="1200" dirty="0"/>
+            <a:rPr lang="en-US" sz="2700" kern="1200" dirty="0"/>
             <a:t>skip</a:t>
           </a:r>
-          <a:endParaRPr lang="ru-RU" sz="1600" kern="1200" dirty="0"/>
+          <a:endParaRPr lang="ru-RU" sz="2700" kern="1200" dirty="0"/>
         </a:p>
       </dsp:txBody>
       <dsp:txXfrm>
@@ -7659,7 +8116,7 @@
           <a:avLst/>
         </a:prstGeom>
         <a:solidFill>
-          <a:schemeClr val="lt1">
+          <a:schemeClr val="accent3">
             <a:alpha val="90000"/>
             <a:tint val="40000"/>
             <a:hueOff val="0"/>
@@ -7672,6 +8129,7 @@
           <a:solidFill>
             <a:schemeClr val="accent3">
               <a:alpha val="90000"/>
+              <a:tint val="40000"/>
               <a:hueOff val="0"/>
               <a:satOff val="0"/>
               <a:lumOff val="0"/>
@@ -7696,12 +8154,12 @@
         <a:fontRef idx="minor"/>
       </dsp:style>
       <dsp:txBody>
-        <a:bodyPr spcFirstLastPara="0" vert="horz" wrap="square" lIns="247650" tIns="123825" rIns="247650" bIns="123825" numCol="1" spcCol="1270" anchor="ctr" anchorCtr="0">
+        <a:bodyPr spcFirstLastPara="0" vert="horz" wrap="square" lIns="57150" tIns="28575" rIns="57150" bIns="28575" numCol="1" spcCol="1270" anchor="ctr" anchorCtr="0">
           <a:noAutofit/>
         </a:bodyPr>
         <a:lstStyle/>
         <a:p>
-          <a:pPr marL="171450" lvl="1" indent="-171450" algn="l" defTabSz="711200">
+          <a:pPr marL="114300" lvl="1" indent="-114300" algn="l" defTabSz="666750">
             <a:lnSpc>
               <a:spcPct val="90000"/>
             </a:lnSpc>
@@ -7711,29 +8169,28 @@
             <a:spcAft>
               <a:spcPct val="15000"/>
             </a:spcAft>
-            <a:buChar char="•"/>
+            <a:buChar char="••"/>
           </a:pPr>
           <a:r>
-            <a:rPr lang="ru-RU" sz="1600" b="0" i="0" kern="1200" dirty="0"/>
+            <a:rPr lang="ru-RU" sz="1500" kern="1200" dirty="0"/>
             <a:t>Возвращает </a:t>
           </a:r>
           <a:r>
-            <a:rPr lang="ru-RU" sz="1600" b="0" i="0" kern="1200" dirty="0" err="1"/>
+            <a:rPr lang="ru-RU" sz="1500" kern="1200" dirty="0" err="1"/>
             <a:t>стрим</a:t>
           </a:r>
           <a:r>
-            <a:rPr lang="ru-RU" sz="1600" b="0" i="0" kern="1200" dirty="0"/>
+            <a:rPr lang="ru-RU" sz="1500" kern="1200" dirty="0"/>
             <a:t> без дубликатов (для метода </a:t>
           </a:r>
           <a:r>
-            <a:rPr lang="ru-RU" sz="1600" b="0" i="0" kern="1200" dirty="0" err="1"/>
+            <a:rPr lang="ru-RU" sz="1500" kern="1200" dirty="0" err="1"/>
             <a:t>equals</a:t>
           </a:r>
           <a:r>
-            <a:rPr lang="ru-RU" sz="1600" b="0" i="0" kern="1200" dirty="0"/>
+            <a:rPr lang="ru-RU" sz="1500" kern="1200" dirty="0"/>
             <a:t>)</a:t>
           </a:r>
-          <a:endParaRPr lang="ru-RU" sz="1600" kern="1200" dirty="0"/>
         </a:p>
       </dsp:txBody>
       <dsp:txXfrm rot="-5400000">
@@ -7755,7 +8212,7 @@
           <a:avLst/>
         </a:prstGeom>
         <a:solidFill>
-          <a:schemeClr val="lt1">
+          <a:schemeClr val="accent3">
             <a:hueOff val="0"/>
             <a:satOff val="0"/>
             <a:lumOff val="0"/>
@@ -7764,8 +8221,7 @@
         </a:solidFill>
         <a:ln w="12700" cap="flat" cmpd="sng" algn="ctr">
           <a:solidFill>
-            <a:schemeClr val="accent3">
-              <a:shade val="80000"/>
+            <a:schemeClr val="lt1">
               <a:hueOff val="0"/>
               <a:satOff val="0"/>
               <a:lumOff val="0"/>
@@ -7792,12 +8248,12 @@
         </a:fontRef>
       </dsp:style>
       <dsp:txBody>
-        <a:bodyPr spcFirstLastPara="0" vert="horz" wrap="square" lIns="60960" tIns="30480" rIns="60960" bIns="30480" numCol="1" spcCol="1270" anchor="ctr" anchorCtr="0">
+        <a:bodyPr spcFirstLastPara="0" vert="horz" wrap="square" lIns="102870" tIns="51435" rIns="102870" bIns="51435" numCol="1" spcCol="1270" anchor="ctr" anchorCtr="0">
           <a:noAutofit/>
         </a:bodyPr>
         <a:lstStyle/>
         <a:p>
-          <a:pPr marL="0" lvl="0" indent="0" algn="ctr" defTabSz="711200">
+          <a:pPr lvl="0" algn="ctr" defTabSz="1200150">
             <a:lnSpc>
               <a:spcPct val="90000"/>
             </a:lnSpc>
@@ -7807,13 +8263,12 @@
             <a:spcAft>
               <a:spcPct val="35000"/>
             </a:spcAft>
-            <a:buNone/>
           </a:pPr>
           <a:r>
-            <a:rPr lang="en-US" sz="1600" b="1" i="0" kern="1200" dirty="0"/>
+            <a:rPr lang="en-US" sz="2700" kern="1200" dirty="0"/>
             <a:t>distinct</a:t>
           </a:r>
-          <a:endParaRPr lang="ru-RU" sz="1600" kern="1200" dirty="0"/>
+          <a:endParaRPr lang="ru-RU" sz="2700" kern="1200" dirty="0"/>
         </a:p>
       </dsp:txBody>
       <dsp:txXfrm>
@@ -7835,7 +8290,7 @@
           <a:avLst/>
         </a:prstGeom>
         <a:solidFill>
-          <a:schemeClr val="lt1">
+          <a:schemeClr val="accent3">
             <a:alpha val="90000"/>
             <a:tint val="40000"/>
             <a:hueOff val="0"/>
@@ -7848,6 +8303,7 @@
           <a:solidFill>
             <a:schemeClr val="accent3">
               <a:alpha val="90000"/>
+              <a:tint val="40000"/>
               <a:hueOff val="0"/>
               <a:satOff val="0"/>
               <a:lumOff val="0"/>
@@ -7872,12 +8328,12 @@
         <a:fontRef idx="minor"/>
       </dsp:style>
       <dsp:txBody>
-        <a:bodyPr spcFirstLastPara="0" vert="horz" wrap="square" lIns="247650" tIns="123825" rIns="247650" bIns="123825" numCol="1" spcCol="1270" anchor="ctr" anchorCtr="0">
+        <a:bodyPr spcFirstLastPara="0" vert="horz" wrap="square" lIns="57150" tIns="28575" rIns="57150" bIns="28575" numCol="1" spcCol="1270" anchor="ctr" anchorCtr="0">
           <a:noAutofit/>
         </a:bodyPr>
         <a:lstStyle/>
         <a:p>
-          <a:pPr marL="171450" lvl="1" indent="-171450" algn="l" defTabSz="711200">
+          <a:pPr marL="114300" lvl="1" indent="-114300" algn="l" defTabSz="666750">
             <a:lnSpc>
               <a:spcPct val="90000"/>
             </a:lnSpc>
@@ -7887,17 +8343,17 @@
             <a:spcAft>
               <a:spcPct val="15000"/>
             </a:spcAft>
-            <a:buChar char="•"/>
+            <a:buChar char="••"/>
           </a:pPr>
           <a:r>
-            <a:rPr lang="ru-RU" sz="1600" b="0" i="0" kern="1200" dirty="0"/>
+            <a:rPr lang="ru-RU" sz="1500" kern="1200" dirty="0"/>
             <a:t>Преобразует каждый элемент </a:t>
           </a:r>
           <a:r>
-            <a:rPr lang="ru-RU" sz="1600" b="0" i="0" kern="1200" dirty="0" err="1"/>
+            <a:rPr lang="ru-RU" sz="1500" kern="1200" dirty="0" err="1"/>
             <a:t>стрима</a:t>
           </a:r>
-          <a:endParaRPr lang="ru-RU" sz="1600" kern="1200" dirty="0"/>
+          <a:endParaRPr lang="ru-RU" sz="1500" kern="1200" dirty="0"/>
         </a:p>
       </dsp:txBody>
       <dsp:txXfrm rot="-5400000">
@@ -7919,7 +8375,7 @@
           <a:avLst/>
         </a:prstGeom>
         <a:solidFill>
-          <a:schemeClr val="lt1">
+          <a:schemeClr val="accent3">
             <a:hueOff val="0"/>
             <a:satOff val="0"/>
             <a:lumOff val="0"/>
@@ -7928,8 +8384,7 @@
         </a:solidFill>
         <a:ln w="12700" cap="flat" cmpd="sng" algn="ctr">
           <a:solidFill>
-            <a:schemeClr val="accent3">
-              <a:shade val="80000"/>
+            <a:schemeClr val="lt1">
               <a:hueOff val="0"/>
               <a:satOff val="0"/>
               <a:lumOff val="0"/>
@@ -7956,12 +8411,12 @@
         </a:fontRef>
       </dsp:style>
       <dsp:txBody>
-        <a:bodyPr spcFirstLastPara="0" vert="horz" wrap="square" lIns="60960" tIns="30480" rIns="60960" bIns="30480" numCol="1" spcCol="1270" anchor="ctr" anchorCtr="0">
+        <a:bodyPr spcFirstLastPara="0" vert="horz" wrap="square" lIns="102870" tIns="51435" rIns="102870" bIns="51435" numCol="1" spcCol="1270" anchor="ctr" anchorCtr="0">
           <a:noAutofit/>
         </a:bodyPr>
         <a:lstStyle/>
         <a:p>
-          <a:pPr marL="0" lvl="0" indent="0" algn="ctr" defTabSz="711200">
+          <a:pPr lvl="0" algn="ctr" defTabSz="1200150">
             <a:lnSpc>
               <a:spcPct val="90000"/>
             </a:lnSpc>
@@ -7971,21 +8426,20 @@
             <a:spcAft>
               <a:spcPct val="35000"/>
             </a:spcAft>
-            <a:buNone/>
           </a:pPr>
           <a:r>
-            <a:rPr lang="en-US" sz="1600" kern="1200" dirty="0"/>
+            <a:rPr lang="en-US" sz="2700" kern="1200" dirty="0"/>
             <a:t>map (</a:t>
           </a:r>
           <a:r>
-            <a:rPr lang="en-US" sz="1600" kern="1200" dirty="0" err="1"/>
+            <a:rPr lang="en-US" sz="2700" kern="1200" dirty="0" err="1"/>
             <a:t>mapToInt</a:t>
           </a:r>
           <a:r>
-            <a:rPr lang="en-US" sz="1600" kern="1200" dirty="0"/>
+            <a:rPr lang="en-US" sz="2700" kern="1200" dirty="0"/>
             <a:t> etc.)</a:t>
           </a:r>
-          <a:endParaRPr lang="ru-RU" sz="1600" kern="1200" dirty="0"/>
+          <a:endParaRPr lang="ru-RU" sz="2700" kern="1200" dirty="0"/>
         </a:p>
       </dsp:txBody>
       <dsp:txXfrm>
@@ -8007,7 +8461,7 @@
           <a:avLst/>
         </a:prstGeom>
         <a:solidFill>
-          <a:schemeClr val="lt1">
+          <a:schemeClr val="accent3">
             <a:alpha val="90000"/>
             <a:tint val="40000"/>
             <a:hueOff val="0"/>
@@ -8020,6 +8474,7 @@
           <a:solidFill>
             <a:schemeClr val="accent3">
               <a:alpha val="90000"/>
+              <a:tint val="40000"/>
               <a:hueOff val="0"/>
               <a:satOff val="0"/>
               <a:lumOff val="0"/>
@@ -8044,12 +8499,12 @@
         <a:fontRef idx="minor"/>
       </dsp:style>
       <dsp:txBody>
-        <a:bodyPr spcFirstLastPara="0" vert="horz" wrap="square" lIns="247650" tIns="123825" rIns="247650" bIns="123825" numCol="1" spcCol="1270" anchor="ctr" anchorCtr="0">
+        <a:bodyPr spcFirstLastPara="0" vert="horz" wrap="square" lIns="57150" tIns="28575" rIns="57150" bIns="28575" numCol="1" spcCol="1270" anchor="ctr" anchorCtr="0">
           <a:noAutofit/>
         </a:bodyPr>
         <a:lstStyle/>
         <a:p>
-          <a:pPr marL="171450" lvl="1" indent="-171450" algn="l" defTabSz="711200">
+          <a:pPr marL="114300" lvl="1" indent="-114300" algn="l" defTabSz="666750">
             <a:lnSpc>
               <a:spcPct val="90000"/>
             </a:lnSpc>
@@ -8059,21 +8514,20 @@
             <a:spcAft>
               <a:spcPct val="15000"/>
             </a:spcAft>
-            <a:buChar char="•"/>
+            <a:buChar char="••"/>
           </a:pPr>
           <a:r>
-            <a:rPr lang="ru-RU" sz="1600" b="0" i="0" kern="1200" dirty="0"/>
+            <a:rPr lang="ru-RU" sz="1500" kern="1200" dirty="0"/>
             <a:t>Похоже на </a:t>
           </a:r>
           <a:r>
-            <a:rPr lang="ru-RU" sz="1600" b="0" i="0" kern="1200" dirty="0" err="1"/>
+            <a:rPr lang="ru-RU" sz="1500" kern="1200" dirty="0" err="1"/>
             <a:t>map</a:t>
           </a:r>
           <a:r>
-            <a:rPr lang="ru-RU" sz="1600" b="0" i="0" kern="1200" dirty="0"/>
+            <a:rPr lang="ru-RU" sz="1500" kern="1200" dirty="0"/>
             <a:t>, но может создавать из одного элемента несколько</a:t>
           </a:r>
-          <a:endParaRPr lang="ru-RU" sz="1600" kern="1200" dirty="0"/>
         </a:p>
       </dsp:txBody>
       <dsp:txXfrm rot="-5400000">
@@ -8095,7 +8549,7 @@
           <a:avLst/>
         </a:prstGeom>
         <a:solidFill>
-          <a:schemeClr val="lt1">
+          <a:schemeClr val="accent3">
             <a:hueOff val="0"/>
             <a:satOff val="0"/>
             <a:lumOff val="0"/>
@@ -8104,8 +8558,7 @@
         </a:solidFill>
         <a:ln w="12700" cap="flat" cmpd="sng" algn="ctr">
           <a:solidFill>
-            <a:schemeClr val="accent3">
-              <a:shade val="80000"/>
+            <a:schemeClr val="lt1">
               <a:hueOff val="0"/>
               <a:satOff val="0"/>
               <a:lumOff val="0"/>
@@ -8132,12 +8585,12 @@
         </a:fontRef>
       </dsp:style>
       <dsp:txBody>
-        <a:bodyPr spcFirstLastPara="0" vert="horz" wrap="square" lIns="60960" tIns="30480" rIns="60960" bIns="30480" numCol="1" spcCol="1270" anchor="ctr" anchorCtr="0">
+        <a:bodyPr spcFirstLastPara="0" vert="horz" wrap="square" lIns="102870" tIns="51435" rIns="102870" bIns="51435" numCol="1" spcCol="1270" anchor="ctr" anchorCtr="0">
           <a:noAutofit/>
         </a:bodyPr>
         <a:lstStyle/>
         <a:p>
-          <a:pPr marL="0" lvl="0" indent="0" algn="ctr" defTabSz="711200">
+          <a:pPr lvl="0" algn="ctr" defTabSz="1200150">
             <a:lnSpc>
               <a:spcPct val="90000"/>
             </a:lnSpc>
@@ -8147,25 +8600,24 @@
             <a:spcAft>
               <a:spcPct val="35000"/>
             </a:spcAft>
-            <a:buNone/>
           </a:pPr>
           <a:r>
-            <a:rPr lang="en-US" sz="1600" kern="1200" dirty="0" err="1"/>
+            <a:rPr lang="en-US" sz="2700" kern="1200" dirty="0" err="1"/>
             <a:t>flatMap</a:t>
           </a:r>
           <a:r>
-            <a:rPr lang="en-US" sz="1600" kern="1200" dirty="0"/>
+            <a:rPr lang="en-US" sz="2700" kern="1200" dirty="0"/>
             <a:t> (</a:t>
           </a:r>
           <a:r>
-            <a:rPr lang="en-US" sz="1600" kern="1200" dirty="0" err="1"/>
+            <a:rPr lang="en-US" sz="2700" kern="1200" dirty="0" err="1"/>
             <a:t>flatMapToInt</a:t>
           </a:r>
           <a:r>
-            <a:rPr lang="en-US" sz="1600" kern="1200" dirty="0"/>
+            <a:rPr lang="en-US" sz="2700" kern="1200" dirty="0"/>
             <a:t>, etc.)</a:t>
           </a:r>
-          <a:endParaRPr lang="ru-RU" sz="1600" kern="1200" dirty="0"/>
+          <a:endParaRPr lang="ru-RU" sz="2700" kern="1200" dirty="0"/>
         </a:p>
       </dsp:txBody>
       <dsp:txXfrm>
@@ -8187,7 +8639,7 @@
           <a:avLst/>
         </a:prstGeom>
         <a:solidFill>
-          <a:schemeClr val="lt1">
+          <a:schemeClr val="accent3">
             <a:alpha val="90000"/>
             <a:tint val="40000"/>
             <a:hueOff val="0"/>
@@ -8200,6 +8652,7 @@
           <a:solidFill>
             <a:schemeClr val="accent3">
               <a:alpha val="90000"/>
+              <a:tint val="40000"/>
               <a:hueOff val="0"/>
               <a:satOff val="0"/>
               <a:lumOff val="0"/>
@@ -8224,12 +8677,12 @@
         <a:fontRef idx="minor"/>
       </dsp:style>
       <dsp:txBody>
-        <a:bodyPr spcFirstLastPara="0" vert="horz" wrap="square" lIns="247650" tIns="123825" rIns="247650" bIns="123825" numCol="1" spcCol="1270" anchor="ctr" anchorCtr="0">
+        <a:bodyPr spcFirstLastPara="0" vert="horz" wrap="square" lIns="57150" tIns="28575" rIns="57150" bIns="28575" numCol="1" spcCol="1270" anchor="ctr" anchorCtr="0">
           <a:noAutofit/>
         </a:bodyPr>
         <a:lstStyle/>
         <a:p>
-          <a:pPr marL="171450" lvl="1" indent="-171450" algn="l" defTabSz="711200">
+          <a:pPr marL="114300" lvl="1" indent="-114300" algn="l" defTabSz="666750">
             <a:lnSpc>
               <a:spcPct val="90000"/>
             </a:lnSpc>
@@ -8239,13 +8692,13 @@
             <a:spcAft>
               <a:spcPct val="15000"/>
             </a:spcAft>
-            <a:buChar char="•"/>
+            <a:buChar char="••"/>
           </a:pPr>
           <a:r>
-            <a:rPr lang="ru-RU" sz="1600" b="0" i="0" kern="1200"/>
+            <a:rPr lang="ru-RU" sz="1500" kern="1200"/>
             <a:t>Возвращает тот же стрим, но применяет функцию к каждому элементу стрима</a:t>
           </a:r>
-          <a:endParaRPr lang="ru-RU" sz="1600" kern="1200" dirty="0"/>
+          <a:endParaRPr lang="ru-RU" sz="1500" kern="1200" dirty="0"/>
         </a:p>
       </dsp:txBody>
       <dsp:txXfrm rot="-5400000">
@@ -8267,7 +8720,7 @@
           <a:avLst/>
         </a:prstGeom>
         <a:solidFill>
-          <a:schemeClr val="lt1">
+          <a:schemeClr val="accent3">
             <a:hueOff val="0"/>
             <a:satOff val="0"/>
             <a:lumOff val="0"/>
@@ -8276,8 +8729,7 @@
         </a:solidFill>
         <a:ln w="12700" cap="flat" cmpd="sng" algn="ctr">
           <a:solidFill>
-            <a:schemeClr val="accent3">
-              <a:shade val="80000"/>
+            <a:schemeClr val="lt1">
               <a:hueOff val="0"/>
               <a:satOff val="0"/>
               <a:lumOff val="0"/>
@@ -8304,12 +8756,12 @@
         </a:fontRef>
       </dsp:style>
       <dsp:txBody>
-        <a:bodyPr spcFirstLastPara="0" vert="horz" wrap="square" lIns="60960" tIns="30480" rIns="60960" bIns="30480" numCol="1" spcCol="1270" anchor="ctr" anchorCtr="0">
+        <a:bodyPr spcFirstLastPara="0" vert="horz" wrap="square" lIns="102870" tIns="51435" rIns="102870" bIns="51435" numCol="1" spcCol="1270" anchor="ctr" anchorCtr="0">
           <a:noAutofit/>
         </a:bodyPr>
         <a:lstStyle/>
         <a:p>
-          <a:pPr marL="0" lvl="0" indent="0" algn="ctr" defTabSz="711200">
+          <a:pPr lvl="0" algn="ctr" defTabSz="1200150">
             <a:lnSpc>
               <a:spcPct val="90000"/>
             </a:lnSpc>
@@ -8319,13 +8771,12 @@
             <a:spcAft>
               <a:spcPct val="35000"/>
             </a:spcAft>
-            <a:buNone/>
           </a:pPr>
           <a:r>
-            <a:rPr lang="en-US" sz="1600" b="0" i="0" kern="1200" dirty="0"/>
+            <a:rPr lang="en-US" sz="2700" kern="1200" dirty="0"/>
             <a:t>peek</a:t>
           </a:r>
-          <a:endParaRPr lang="ru-RU" sz="1600" kern="1200" dirty="0"/>
+          <a:endParaRPr lang="ru-RU" sz="2700" kern="1200" dirty="0"/>
         </a:p>
       </dsp:txBody>
       <dsp:txXfrm>
@@ -8347,7 +8798,7 @@
           <a:avLst/>
         </a:prstGeom>
         <a:solidFill>
-          <a:schemeClr val="lt1">
+          <a:schemeClr val="accent3">
             <a:alpha val="90000"/>
             <a:tint val="40000"/>
             <a:hueOff val="0"/>
@@ -8360,6 +8811,7 @@
           <a:solidFill>
             <a:schemeClr val="accent3">
               <a:alpha val="90000"/>
+              <a:tint val="40000"/>
               <a:hueOff val="0"/>
               <a:satOff val="0"/>
               <a:lumOff val="0"/>
@@ -8384,12 +8836,12 @@
         <a:fontRef idx="minor"/>
       </dsp:style>
       <dsp:txBody>
-        <a:bodyPr spcFirstLastPara="0" vert="horz" wrap="square" lIns="247650" tIns="123825" rIns="247650" bIns="123825" numCol="1" spcCol="1270" anchor="ctr" anchorCtr="0">
+        <a:bodyPr spcFirstLastPara="0" vert="horz" wrap="square" lIns="57150" tIns="28575" rIns="57150" bIns="28575" numCol="1" spcCol="1270" anchor="ctr" anchorCtr="0">
           <a:noAutofit/>
         </a:bodyPr>
         <a:lstStyle/>
         <a:p>
-          <a:pPr marL="171450" lvl="1" indent="-171450" algn="l" defTabSz="711200">
+          <a:pPr marL="114300" lvl="1" indent="-114300" algn="l" defTabSz="666750">
             <a:lnSpc>
               <a:spcPct val="90000"/>
             </a:lnSpc>
@@ -8399,13 +8851,12 @@
             <a:spcAft>
               <a:spcPct val="15000"/>
             </a:spcAft>
-            <a:buChar char="•"/>
+            <a:buChar char="••"/>
           </a:pPr>
           <a:r>
-            <a:rPr lang="ru-RU" sz="1600" b="0" i="0" kern="1200" dirty="0"/>
+            <a:rPr lang="ru-RU" sz="1500" kern="1200" dirty="0"/>
             <a:t>Позволяет ограничить выборку определенным количеством первых элементов</a:t>
           </a:r>
-          <a:endParaRPr lang="ru-RU" sz="1600" kern="1200" dirty="0"/>
         </a:p>
       </dsp:txBody>
       <dsp:txXfrm rot="-5400000">
@@ -8427,7 +8878,7 @@
           <a:avLst/>
         </a:prstGeom>
         <a:solidFill>
-          <a:schemeClr val="lt1">
+          <a:schemeClr val="accent3">
             <a:hueOff val="0"/>
             <a:satOff val="0"/>
             <a:lumOff val="0"/>
@@ -8436,8 +8887,7 @@
         </a:solidFill>
         <a:ln w="12700" cap="flat" cmpd="sng" algn="ctr">
           <a:solidFill>
-            <a:schemeClr val="accent3">
-              <a:shade val="80000"/>
+            <a:schemeClr val="lt1">
               <a:hueOff val="0"/>
               <a:satOff val="0"/>
               <a:lumOff val="0"/>
@@ -8464,12 +8914,12 @@
         </a:fontRef>
       </dsp:style>
       <dsp:txBody>
-        <a:bodyPr spcFirstLastPara="0" vert="horz" wrap="square" lIns="60960" tIns="30480" rIns="60960" bIns="30480" numCol="1" spcCol="1270" anchor="ctr" anchorCtr="0">
+        <a:bodyPr spcFirstLastPara="0" vert="horz" wrap="square" lIns="102870" tIns="51435" rIns="102870" bIns="51435" numCol="1" spcCol="1270" anchor="ctr" anchorCtr="0">
           <a:noAutofit/>
         </a:bodyPr>
         <a:lstStyle/>
         <a:p>
-          <a:pPr marL="0" lvl="0" indent="0" algn="ctr" defTabSz="711200">
+          <a:pPr lvl="0" algn="ctr" defTabSz="1200150">
             <a:lnSpc>
               <a:spcPct val="90000"/>
             </a:lnSpc>
@@ -8479,13 +8929,12 @@
             <a:spcAft>
               <a:spcPct val="35000"/>
             </a:spcAft>
-            <a:buNone/>
           </a:pPr>
           <a:r>
-            <a:rPr lang="en-US" sz="1600" b="0" i="0" kern="1200" dirty="0"/>
+            <a:rPr lang="en-US" sz="2700" kern="1200" dirty="0"/>
             <a:t>limit</a:t>
           </a:r>
-          <a:endParaRPr lang="ru-RU" sz="1600" kern="1200" dirty="0"/>
+          <a:endParaRPr lang="ru-RU" sz="2700" kern="1200" dirty="0"/>
         </a:p>
       </dsp:txBody>
       <dsp:txXfrm>
@@ -8507,7 +8956,7 @@
           <a:avLst/>
         </a:prstGeom>
         <a:solidFill>
-          <a:schemeClr val="lt1">
+          <a:schemeClr val="accent3">
             <a:alpha val="90000"/>
             <a:tint val="40000"/>
             <a:hueOff val="0"/>
@@ -8520,6 +8969,7 @@
           <a:solidFill>
             <a:schemeClr val="accent3">
               <a:alpha val="90000"/>
+              <a:tint val="40000"/>
               <a:hueOff val="0"/>
               <a:satOff val="0"/>
               <a:lumOff val="0"/>
@@ -8544,12 +8994,12 @@
         <a:fontRef idx="minor"/>
       </dsp:style>
       <dsp:txBody>
-        <a:bodyPr spcFirstLastPara="0" vert="horz" wrap="square" lIns="247650" tIns="123825" rIns="247650" bIns="123825" numCol="1" spcCol="1270" anchor="ctr" anchorCtr="0">
+        <a:bodyPr spcFirstLastPara="0" vert="horz" wrap="square" lIns="57150" tIns="28575" rIns="57150" bIns="28575" numCol="1" spcCol="1270" anchor="ctr" anchorCtr="0">
           <a:noAutofit/>
         </a:bodyPr>
         <a:lstStyle/>
         <a:p>
-          <a:pPr marL="171450" lvl="1" indent="-171450" algn="l" defTabSz="711200">
+          <a:pPr marL="114300" lvl="1" indent="-114300" algn="l" defTabSz="666750">
             <a:lnSpc>
               <a:spcPct val="90000"/>
             </a:lnSpc>
@@ -8559,17 +9009,17 @@
             <a:spcAft>
               <a:spcPct val="15000"/>
             </a:spcAft>
-            <a:buChar char="•"/>
+            <a:buChar char="••"/>
           </a:pPr>
           <a:r>
-            <a:rPr lang="ru-RU" sz="1600" b="0" i="0" kern="1200" dirty="0"/>
+            <a:rPr lang="ru-RU" sz="1500" kern="1200" dirty="0"/>
             <a:t>Позволяет сортировать значения либо в натуральном порядке, либо задавая </a:t>
           </a:r>
           <a:r>
-            <a:rPr lang="ru-RU" sz="1600" b="0" i="0" kern="1200" dirty="0" err="1"/>
+            <a:rPr lang="ru-RU" sz="1500" kern="1200" dirty="0" err="1"/>
             <a:t>Comparator</a:t>
           </a:r>
-          <a:endParaRPr lang="ru-RU" sz="1600" kern="1200" dirty="0"/>
+          <a:endParaRPr lang="ru-RU" sz="1500" kern="1200" dirty="0"/>
         </a:p>
       </dsp:txBody>
       <dsp:txXfrm rot="-5400000">
@@ -8591,7 +9041,7 @@
           <a:avLst/>
         </a:prstGeom>
         <a:solidFill>
-          <a:schemeClr val="lt1">
+          <a:schemeClr val="accent3">
             <a:hueOff val="0"/>
             <a:satOff val="0"/>
             <a:lumOff val="0"/>
@@ -8600,8 +9050,7 @@
         </a:solidFill>
         <a:ln w="12700" cap="flat" cmpd="sng" algn="ctr">
           <a:solidFill>
-            <a:schemeClr val="accent3">
-              <a:shade val="80000"/>
+            <a:schemeClr val="lt1">
               <a:hueOff val="0"/>
               <a:satOff val="0"/>
               <a:lumOff val="0"/>
@@ -8628,12 +9077,12 @@
         </a:fontRef>
       </dsp:style>
       <dsp:txBody>
-        <a:bodyPr spcFirstLastPara="0" vert="horz" wrap="square" lIns="60960" tIns="30480" rIns="60960" bIns="30480" numCol="1" spcCol="1270" anchor="ctr" anchorCtr="0">
+        <a:bodyPr spcFirstLastPara="0" vert="horz" wrap="square" lIns="102870" tIns="51435" rIns="102870" bIns="51435" numCol="1" spcCol="1270" anchor="ctr" anchorCtr="0">
           <a:noAutofit/>
         </a:bodyPr>
         <a:lstStyle/>
         <a:p>
-          <a:pPr marL="0" lvl="0" indent="0" algn="ctr" defTabSz="711200">
+          <a:pPr lvl="0" algn="ctr" defTabSz="1200150">
             <a:lnSpc>
               <a:spcPct val="90000"/>
             </a:lnSpc>
@@ -8643,13 +9092,12 @@
             <a:spcAft>
               <a:spcPct val="35000"/>
             </a:spcAft>
-            <a:buNone/>
           </a:pPr>
           <a:r>
-            <a:rPr lang="en-US" sz="1600" b="0" i="0" kern="1200" dirty="0"/>
+            <a:rPr lang="en-US" sz="2700" kern="1200" dirty="0"/>
             <a:t>sorted</a:t>
           </a:r>
-          <a:endParaRPr lang="ru-RU" sz="1600" kern="1200" dirty="0"/>
+          <a:endParaRPr lang="ru-RU" sz="2700" kern="1200" dirty="0"/>
         </a:p>
       </dsp:txBody>
       <dsp:txXfrm>
@@ -8671,7 +9119,7 @@
           <a:avLst/>
         </a:prstGeom>
         <a:solidFill>
-          <a:schemeClr val="lt1">
+          <a:schemeClr val="accent3">
             <a:alpha val="90000"/>
             <a:tint val="40000"/>
             <a:hueOff val="0"/>
@@ -8684,6 +9132,7 @@
           <a:solidFill>
             <a:schemeClr val="accent3">
               <a:alpha val="90000"/>
+              <a:tint val="40000"/>
               <a:hueOff val="0"/>
               <a:satOff val="0"/>
               <a:lumOff val="0"/>
@@ -8708,12 +9157,12 @@
         <a:fontRef idx="minor"/>
       </dsp:style>
       <dsp:txBody>
-        <a:bodyPr spcFirstLastPara="0" vert="horz" wrap="square" lIns="247650" tIns="123825" rIns="247650" bIns="123825" numCol="1" spcCol="1270" anchor="ctr" anchorCtr="0">
+        <a:bodyPr spcFirstLastPara="0" vert="horz" wrap="square" lIns="57150" tIns="28575" rIns="57150" bIns="28575" numCol="1" spcCol="1270" anchor="ctr" anchorCtr="0">
           <a:noAutofit/>
         </a:bodyPr>
         <a:lstStyle/>
         <a:p>
-          <a:pPr marL="171450" lvl="1" indent="-171450" algn="l" defTabSz="711200">
+          <a:pPr marL="114300" lvl="1" indent="-114300" algn="l" defTabSz="666750">
             <a:lnSpc>
               <a:spcPct val="90000"/>
             </a:lnSpc>
@@ -8723,25 +9172,25 @@
             <a:spcAft>
               <a:spcPct val="15000"/>
             </a:spcAft>
-            <a:buChar char="•"/>
+            <a:buChar char="••"/>
           </a:pPr>
           <a:r>
-            <a:rPr lang="en-US" sz="1600" b="1" kern="1200" dirty="0" err="1"/>
+            <a:rPr lang="en-US" sz="1500" kern="1200" dirty="0" err="1"/>
             <a:t>StreamSupport.stream</a:t>
           </a:r>
           <a:r>
-            <a:rPr lang="en-US" sz="1600" kern="1200" dirty="0"/>
+            <a:rPr lang="en-US" sz="1500" kern="1200" dirty="0"/>
             <a:t>(</a:t>
           </a:r>
           <a:r>
-            <a:rPr lang="en-US" sz="1600" kern="1200" dirty="0" err="1"/>
+            <a:rPr lang="en-US" sz="1500" kern="1200" dirty="0" err="1"/>
             <a:t>spliterator</a:t>
           </a:r>
           <a:r>
-            <a:rPr lang="en-US" sz="1600" kern="1200" dirty="0"/>
+            <a:rPr lang="en-US" sz="1500" kern="1200" dirty="0"/>
             <a:t>, false);</a:t>
           </a:r>
-          <a:endParaRPr lang="ru-RU" sz="1600" kern="1200" dirty="0"/>
+          <a:endParaRPr lang="ru-RU" sz="1500" kern="1200" dirty="0"/>
         </a:p>
       </dsp:txBody>
       <dsp:txXfrm rot="-5400000">
@@ -8763,7 +9212,7 @@
           <a:avLst/>
         </a:prstGeom>
         <a:solidFill>
-          <a:schemeClr val="lt1">
+          <a:schemeClr val="accent3">
             <a:hueOff val="0"/>
             <a:satOff val="0"/>
             <a:lumOff val="0"/>
@@ -8772,8 +9221,7 @@
         </a:solidFill>
         <a:ln w="12700" cap="flat" cmpd="sng" algn="ctr">
           <a:solidFill>
-            <a:schemeClr val="accent3">
-              <a:shade val="80000"/>
+            <a:schemeClr val="lt1">
               <a:hueOff val="0"/>
               <a:satOff val="0"/>
               <a:lumOff val="0"/>
@@ -8800,12 +9248,12 @@
         </a:fontRef>
       </dsp:style>
       <dsp:txBody>
-        <a:bodyPr spcFirstLastPara="0" vert="horz" wrap="square" lIns="60960" tIns="30480" rIns="60960" bIns="30480" numCol="1" spcCol="1270" anchor="ctr" anchorCtr="0">
+        <a:bodyPr spcFirstLastPara="0" vert="horz" wrap="square" lIns="102870" tIns="51435" rIns="102870" bIns="51435" numCol="1" spcCol="1270" anchor="ctr" anchorCtr="0">
           <a:noAutofit/>
         </a:bodyPr>
         <a:lstStyle/>
         <a:p>
-          <a:pPr marL="0" lvl="0" indent="0" algn="ctr" defTabSz="711200">
+          <a:pPr lvl="0" algn="ctr" defTabSz="1200150">
             <a:lnSpc>
               <a:spcPct val="90000"/>
             </a:lnSpc>
@@ -8815,14 +9263,13 @@
             <a:spcAft>
               <a:spcPct val="35000"/>
             </a:spcAft>
-            <a:buNone/>
           </a:pPr>
           <a:r>
-            <a:rPr lang="ru-RU" sz="1600" kern="1200" dirty="0" err="1"/>
+            <a:rPr lang="ru-RU" sz="2700" kern="1200" dirty="0" err="1"/>
             <a:t>Стрим</a:t>
           </a:r>
           <a:r>
-            <a:rPr lang="ru-RU" sz="1600" kern="1200" dirty="0"/>
+            <a:rPr lang="ru-RU" sz="2700" kern="1200" dirty="0"/>
             <a:t> из итератора</a:t>
           </a:r>
         </a:p>
@@ -8858,7 +9305,7 @@
           <a:avLst/>
         </a:prstGeom>
         <a:solidFill>
-          <a:schemeClr val="lt1">
+          <a:schemeClr val="accent3">
             <a:alpha val="90000"/>
             <a:tint val="40000"/>
             <a:hueOff val="0"/>
@@ -8871,6 +9318,7 @@
           <a:solidFill>
             <a:schemeClr val="accent3">
               <a:alpha val="90000"/>
+              <a:tint val="40000"/>
               <a:hueOff val="0"/>
               <a:satOff val="0"/>
               <a:lumOff val="0"/>
@@ -8895,12 +9343,12 @@
         <a:fontRef idx="minor"/>
       </dsp:style>
       <dsp:txBody>
-        <a:bodyPr spcFirstLastPara="0" vert="horz" wrap="square" lIns="247650" tIns="123825" rIns="247650" bIns="123825" numCol="1" spcCol="1270" anchor="ctr" anchorCtr="0">
+        <a:bodyPr spcFirstLastPara="0" vert="horz" wrap="square" lIns="49530" tIns="24765" rIns="49530" bIns="24765" numCol="1" spcCol="1270" anchor="ctr" anchorCtr="0">
           <a:noAutofit/>
         </a:bodyPr>
         <a:lstStyle/>
         <a:p>
-          <a:pPr marL="171450" lvl="1" indent="-171450" algn="l" defTabSz="711200">
+          <a:pPr marL="114300" lvl="1" indent="-114300" algn="l" defTabSz="577850">
             <a:lnSpc>
               <a:spcPct val="90000"/>
             </a:lnSpc>
@@ -8910,29 +9358,28 @@
             <a:spcAft>
               <a:spcPct val="15000"/>
             </a:spcAft>
-            <a:buChar char="•"/>
+            <a:buChar char="••"/>
           </a:pPr>
           <a:r>
-            <a:rPr lang="ru-RU" sz="1600" b="0" i="0" kern="1200" dirty="0"/>
+            <a:rPr lang="ru-RU" sz="1300" kern="1200" dirty="0"/>
             <a:t>Возвращает первый \ любой подходящий элемент из </a:t>
           </a:r>
           <a:r>
-            <a:rPr lang="ru-RU" sz="1600" b="0" i="0" kern="1200" dirty="0" err="1"/>
+            <a:rPr lang="ru-RU" sz="1300" kern="1200" dirty="0" err="1"/>
             <a:t>стрима</a:t>
           </a:r>
           <a:r>
-            <a:rPr lang="ru-RU" sz="1600" b="0" i="0" kern="1200" dirty="0"/>
+            <a:rPr lang="ru-RU" sz="1300" kern="1200" dirty="0"/>
             <a:t> (возвращает </a:t>
           </a:r>
           <a:r>
-            <a:rPr lang="ru-RU" sz="1600" b="0" i="0" kern="1200" dirty="0" err="1"/>
+            <a:rPr lang="ru-RU" sz="1300" kern="1200" dirty="0" err="1"/>
             <a:t>Optional</a:t>
           </a:r>
           <a:r>
-            <a:rPr lang="ru-RU" sz="1600" b="0" i="0" kern="1200" dirty="0"/>
+            <a:rPr lang="ru-RU" sz="1300" kern="1200" dirty="0"/>
             <a:t>)</a:t>
           </a:r>
-          <a:endParaRPr lang="ru-RU" sz="1600" kern="1200" dirty="0"/>
         </a:p>
       </dsp:txBody>
       <dsp:txXfrm rot="-5400000">
@@ -8954,7 +9401,7 @@
           <a:avLst/>
         </a:prstGeom>
         <a:solidFill>
-          <a:schemeClr val="lt1">
+          <a:schemeClr val="accent3">
             <a:hueOff val="0"/>
             <a:satOff val="0"/>
             <a:lumOff val="0"/>
@@ -8963,8 +9410,7 @@
         </a:solidFill>
         <a:ln w="12700" cap="flat" cmpd="sng" algn="ctr">
           <a:solidFill>
-            <a:schemeClr val="accent3">
-              <a:shade val="80000"/>
+            <a:schemeClr val="lt1">
               <a:hueOff val="0"/>
               <a:satOff val="0"/>
               <a:lumOff val="0"/>
@@ -8991,12 +9437,12 @@
         </a:fontRef>
       </dsp:style>
       <dsp:txBody>
-        <a:bodyPr spcFirstLastPara="0" vert="horz" wrap="square" lIns="60960" tIns="30480" rIns="60960" bIns="30480" numCol="1" spcCol="1270" anchor="ctr" anchorCtr="0">
+        <a:bodyPr spcFirstLastPara="0" vert="horz" wrap="square" lIns="87630" tIns="43815" rIns="87630" bIns="43815" numCol="1" spcCol="1270" anchor="ctr" anchorCtr="0">
           <a:noAutofit/>
         </a:bodyPr>
         <a:lstStyle/>
         <a:p>
-          <a:pPr marL="0" lvl="0" indent="0" algn="ctr" defTabSz="711200">
+          <a:pPr lvl="0" algn="ctr" defTabSz="1022350">
             <a:lnSpc>
               <a:spcPct val="90000"/>
             </a:lnSpc>
@@ -9006,21 +9452,20 @@
             <a:spcAft>
               <a:spcPct val="35000"/>
             </a:spcAft>
-            <a:buNone/>
           </a:pPr>
           <a:r>
-            <a:rPr lang="en-US" sz="1600" b="1" i="0" kern="1200" dirty="0" err="1"/>
+            <a:rPr lang="en-US" sz="2300" kern="1200" dirty="0" err="1"/>
             <a:t>findFirst</a:t>
           </a:r>
           <a:r>
-            <a:rPr lang="ru-RU" sz="1600" b="1" i="0" kern="1200" dirty="0"/>
+            <a:rPr lang="ru-RU" sz="2300" kern="1200" dirty="0"/>
             <a:t> \ </a:t>
           </a:r>
           <a:r>
-            <a:rPr lang="en-US" sz="1600" b="1" i="0" kern="1200" dirty="0" err="1"/>
+            <a:rPr lang="en-US" sz="2300" kern="1200" dirty="0" err="1"/>
             <a:t>findAny</a:t>
           </a:r>
-          <a:endParaRPr lang="ru-RU" sz="1600" kern="1200" dirty="0"/>
+          <a:endParaRPr lang="ru-RU" sz="2300" kern="1200" dirty="0"/>
         </a:p>
       </dsp:txBody>
       <dsp:txXfrm>
@@ -9042,7 +9487,7 @@
           <a:avLst/>
         </a:prstGeom>
         <a:solidFill>
-          <a:schemeClr val="lt1">
+          <a:schemeClr val="accent3">
             <a:alpha val="90000"/>
             <a:tint val="40000"/>
             <a:hueOff val="0"/>
@@ -9055,6 +9500,7 @@
           <a:solidFill>
             <a:schemeClr val="accent3">
               <a:alpha val="90000"/>
+              <a:tint val="40000"/>
               <a:hueOff val="0"/>
               <a:satOff val="0"/>
               <a:lumOff val="0"/>
@@ -9079,12 +9525,12 @@
         <a:fontRef idx="minor"/>
       </dsp:style>
       <dsp:txBody>
-        <a:bodyPr spcFirstLastPara="0" vert="horz" wrap="square" lIns="247650" tIns="123825" rIns="247650" bIns="123825" numCol="1" spcCol="1270" anchor="ctr" anchorCtr="0">
+        <a:bodyPr spcFirstLastPara="0" vert="horz" wrap="square" lIns="49530" tIns="24765" rIns="49530" bIns="24765" numCol="1" spcCol="1270" anchor="ctr" anchorCtr="0">
           <a:noAutofit/>
         </a:bodyPr>
         <a:lstStyle/>
         <a:p>
-          <a:pPr marL="171450" lvl="1" indent="-171450" algn="l" defTabSz="711200">
+          <a:pPr marL="114300" lvl="1" indent="-114300" algn="l" defTabSz="577850">
             <a:lnSpc>
               <a:spcPct val="90000"/>
             </a:lnSpc>
@@ -9094,13 +9540,12 @@
             <a:spcAft>
               <a:spcPct val="15000"/>
             </a:spcAft>
-            <a:buChar char="•"/>
+            <a:buChar char="••"/>
           </a:pPr>
           <a:r>
-            <a:rPr lang="ru-RU" sz="1600" b="0" i="0" kern="1200" dirty="0"/>
+            <a:rPr lang="ru-RU" sz="1300" kern="1200" dirty="0"/>
             <a:t>Представление результатов в виде коллекций и других структур данных</a:t>
           </a:r>
-          <a:endParaRPr lang="ru-RU" sz="1600" kern="1200" dirty="0"/>
         </a:p>
       </dsp:txBody>
       <dsp:txXfrm rot="-5400000">
@@ -9122,7 +9567,7 @@
           <a:avLst/>
         </a:prstGeom>
         <a:solidFill>
-          <a:schemeClr val="lt1">
+          <a:schemeClr val="accent3">
             <a:hueOff val="0"/>
             <a:satOff val="0"/>
             <a:lumOff val="0"/>
@@ -9131,8 +9576,7 @@
         </a:solidFill>
         <a:ln w="12700" cap="flat" cmpd="sng" algn="ctr">
           <a:solidFill>
-            <a:schemeClr val="accent3">
-              <a:shade val="80000"/>
+            <a:schemeClr val="lt1">
               <a:hueOff val="0"/>
               <a:satOff val="0"/>
               <a:lumOff val="0"/>
@@ -9159,12 +9603,12 @@
         </a:fontRef>
       </dsp:style>
       <dsp:txBody>
-        <a:bodyPr spcFirstLastPara="0" vert="horz" wrap="square" lIns="60960" tIns="30480" rIns="60960" bIns="30480" numCol="1" spcCol="1270" anchor="ctr" anchorCtr="0">
+        <a:bodyPr spcFirstLastPara="0" vert="horz" wrap="square" lIns="87630" tIns="43815" rIns="87630" bIns="43815" numCol="1" spcCol="1270" anchor="ctr" anchorCtr="0">
           <a:noAutofit/>
         </a:bodyPr>
         <a:lstStyle/>
         <a:p>
-          <a:pPr marL="0" lvl="0" indent="0" algn="ctr" defTabSz="711200">
+          <a:pPr lvl="0" algn="ctr" defTabSz="1022350">
             <a:lnSpc>
               <a:spcPct val="90000"/>
             </a:lnSpc>
@@ -9174,13 +9618,12 @@
             <a:spcAft>
               <a:spcPct val="35000"/>
             </a:spcAft>
-            <a:buNone/>
           </a:pPr>
           <a:r>
-            <a:rPr lang="en-US" sz="1600" kern="1200" dirty="0"/>
+            <a:rPr lang="en-US" sz="2300" kern="1200" dirty="0"/>
             <a:t>collect</a:t>
           </a:r>
-          <a:endParaRPr lang="ru-RU" sz="1600" kern="1200" dirty="0"/>
+          <a:endParaRPr lang="ru-RU" sz="2300" kern="1200" dirty="0"/>
         </a:p>
       </dsp:txBody>
       <dsp:txXfrm>
@@ -9202,7 +9645,7 @@
           <a:avLst/>
         </a:prstGeom>
         <a:solidFill>
-          <a:schemeClr val="lt1">
+          <a:schemeClr val="accent3">
             <a:alpha val="90000"/>
             <a:tint val="40000"/>
             <a:hueOff val="0"/>
@@ -9215,6 +9658,7 @@
           <a:solidFill>
             <a:schemeClr val="accent3">
               <a:alpha val="90000"/>
+              <a:tint val="40000"/>
               <a:hueOff val="0"/>
               <a:satOff val="0"/>
               <a:lumOff val="0"/>
@@ -9239,12 +9683,12 @@
         <a:fontRef idx="minor"/>
       </dsp:style>
       <dsp:txBody>
-        <a:bodyPr spcFirstLastPara="0" vert="horz" wrap="square" lIns="247650" tIns="123825" rIns="247650" bIns="123825" numCol="1" spcCol="1270" anchor="ctr" anchorCtr="0">
+        <a:bodyPr spcFirstLastPara="0" vert="horz" wrap="square" lIns="49530" tIns="24765" rIns="49530" bIns="24765" numCol="1" spcCol="1270" anchor="ctr" anchorCtr="0">
           <a:noAutofit/>
         </a:bodyPr>
         <a:lstStyle/>
         <a:p>
-          <a:pPr marL="171450" lvl="1" indent="-171450" algn="l" defTabSz="711200">
+          <a:pPr marL="114300" lvl="1" indent="-114300" algn="l" defTabSz="577850">
             <a:lnSpc>
               <a:spcPct val="90000"/>
             </a:lnSpc>
@@ -9254,17 +9698,17 @@
             <a:spcAft>
               <a:spcPct val="15000"/>
             </a:spcAft>
-            <a:buChar char="•"/>
+            <a:buChar char="••"/>
           </a:pPr>
           <a:r>
-            <a:rPr lang="ru-RU" sz="1600" b="0" i="0" kern="1200" dirty="0"/>
+            <a:rPr lang="ru-RU" sz="1300" kern="1200" dirty="0"/>
             <a:t>Возвращает количество элементов в </a:t>
           </a:r>
           <a:r>
-            <a:rPr lang="ru-RU" sz="1600" b="0" i="0" kern="1200" dirty="0" err="1"/>
+            <a:rPr lang="ru-RU" sz="1300" kern="1200" dirty="0" err="1"/>
             <a:t>стриме</a:t>
           </a:r>
-          <a:endParaRPr lang="ru-RU" sz="1600" kern="1200" dirty="0"/>
+          <a:endParaRPr lang="ru-RU" sz="1300" kern="1200" dirty="0"/>
         </a:p>
       </dsp:txBody>
       <dsp:txXfrm rot="-5400000">
@@ -9286,7 +9730,7 @@
           <a:avLst/>
         </a:prstGeom>
         <a:solidFill>
-          <a:schemeClr val="lt1">
+          <a:schemeClr val="accent3">
             <a:hueOff val="0"/>
             <a:satOff val="0"/>
             <a:lumOff val="0"/>
@@ -9295,8 +9739,7 @@
         </a:solidFill>
         <a:ln w="12700" cap="flat" cmpd="sng" algn="ctr">
           <a:solidFill>
-            <a:schemeClr val="accent3">
-              <a:shade val="80000"/>
+            <a:schemeClr val="lt1">
               <a:hueOff val="0"/>
               <a:satOff val="0"/>
               <a:lumOff val="0"/>
@@ -9323,12 +9766,12 @@
         </a:fontRef>
       </dsp:style>
       <dsp:txBody>
-        <a:bodyPr spcFirstLastPara="0" vert="horz" wrap="square" lIns="60960" tIns="30480" rIns="60960" bIns="30480" numCol="1" spcCol="1270" anchor="ctr" anchorCtr="0">
+        <a:bodyPr spcFirstLastPara="0" vert="horz" wrap="square" lIns="87630" tIns="43815" rIns="87630" bIns="43815" numCol="1" spcCol="1270" anchor="ctr" anchorCtr="0">
           <a:noAutofit/>
         </a:bodyPr>
         <a:lstStyle/>
         <a:p>
-          <a:pPr marL="0" lvl="0" indent="0" algn="ctr" defTabSz="711200">
+          <a:pPr lvl="0" algn="ctr" defTabSz="1022350">
             <a:lnSpc>
               <a:spcPct val="90000"/>
             </a:lnSpc>
@@ -9338,13 +9781,12 @@
             <a:spcAft>
               <a:spcPct val="35000"/>
             </a:spcAft>
-            <a:buNone/>
           </a:pPr>
           <a:r>
-            <a:rPr lang="en-US" sz="1600" b="0" i="0" kern="1200" dirty="0"/>
+            <a:rPr lang="en-US" sz="2300" kern="1200" dirty="0"/>
             <a:t>count</a:t>
           </a:r>
-          <a:endParaRPr lang="ru-RU" sz="1600" kern="1200" dirty="0"/>
+          <a:endParaRPr lang="ru-RU" sz="2300" kern="1200" dirty="0"/>
         </a:p>
       </dsp:txBody>
       <dsp:txXfrm>
@@ -9366,7 +9808,7 @@
           <a:avLst/>
         </a:prstGeom>
         <a:solidFill>
-          <a:schemeClr val="lt1">
+          <a:schemeClr val="accent3">
             <a:alpha val="90000"/>
             <a:tint val="40000"/>
             <a:hueOff val="0"/>
@@ -9379,6 +9821,7 @@
           <a:solidFill>
             <a:schemeClr val="accent3">
               <a:alpha val="90000"/>
+              <a:tint val="40000"/>
               <a:hueOff val="0"/>
               <a:satOff val="0"/>
               <a:lumOff val="0"/>
@@ -9403,12 +9846,12 @@
         <a:fontRef idx="minor"/>
       </dsp:style>
       <dsp:txBody>
-        <a:bodyPr spcFirstLastPara="0" vert="horz" wrap="square" lIns="247650" tIns="123825" rIns="247650" bIns="123825" numCol="1" spcCol="1270" anchor="ctr" anchorCtr="0">
+        <a:bodyPr spcFirstLastPara="0" vert="horz" wrap="square" lIns="49530" tIns="24765" rIns="49530" bIns="24765" numCol="1" spcCol="1270" anchor="ctr" anchorCtr="0">
           <a:noAutofit/>
         </a:bodyPr>
         <a:lstStyle/>
         <a:p>
-          <a:pPr marL="171450" lvl="1" indent="-171450" algn="l" defTabSz="711200">
+          <a:pPr marL="114300" lvl="1" indent="-114300" algn="l" defTabSz="577850">
             <a:lnSpc>
               <a:spcPct val="90000"/>
             </a:lnSpc>
@@ -9418,29 +9861,28 @@
             <a:spcAft>
               <a:spcPct val="15000"/>
             </a:spcAft>
-            <a:buChar char="•"/>
+            <a:buChar char="••"/>
           </a:pPr>
           <a:r>
-            <a:rPr lang="ru-RU" sz="1600" b="0" i="0" kern="1200" dirty="0"/>
+            <a:rPr lang="ru-RU" sz="1300" kern="1200" dirty="0"/>
             <a:t>Возвращает </a:t>
           </a:r>
           <a:r>
-            <a:rPr lang="ru-RU" sz="1600" b="0" i="0" kern="1200" dirty="0" err="1"/>
+            <a:rPr lang="ru-RU" sz="1300" kern="1200" dirty="0" err="1"/>
             <a:t>true</a:t>
           </a:r>
           <a:r>
-            <a:rPr lang="ru-RU" sz="1600" b="0" i="0" kern="1200" dirty="0"/>
+            <a:rPr lang="ru-RU" sz="1300" kern="1200" dirty="0"/>
             <a:t>, если условие выполняется хотя бы для одного элемента</a:t>
           </a:r>
           <a:r>
-            <a:rPr lang="en-US" sz="1600" b="0" i="0" kern="1200" dirty="0"/>
+            <a:rPr lang="en-US" sz="1300" kern="1200" dirty="0"/>
             <a:t> \ </a:t>
           </a:r>
           <a:r>
-            <a:rPr lang="ru-RU" sz="1600" b="0" i="0" kern="1200" dirty="0"/>
+            <a:rPr lang="ru-RU" sz="1300" kern="1200" dirty="0"/>
             <a:t>ни для одного \ для всех</a:t>
           </a:r>
-          <a:endParaRPr lang="ru-RU" sz="1600" kern="1200" dirty="0"/>
         </a:p>
       </dsp:txBody>
       <dsp:txXfrm rot="-5400000">
@@ -9462,7 +9904,7 @@
           <a:avLst/>
         </a:prstGeom>
         <a:solidFill>
-          <a:schemeClr val="lt1">
+          <a:schemeClr val="accent3">
             <a:hueOff val="0"/>
             <a:satOff val="0"/>
             <a:lumOff val="0"/>
@@ -9471,8 +9913,7 @@
         </a:solidFill>
         <a:ln w="12700" cap="flat" cmpd="sng" algn="ctr">
           <a:solidFill>
-            <a:schemeClr val="accent3">
-              <a:shade val="80000"/>
+            <a:schemeClr val="lt1">
               <a:hueOff val="0"/>
               <a:satOff val="0"/>
               <a:lumOff val="0"/>
@@ -9499,12 +9940,12 @@
         </a:fontRef>
       </dsp:style>
       <dsp:txBody>
-        <a:bodyPr spcFirstLastPara="0" vert="horz" wrap="square" lIns="60960" tIns="30480" rIns="60960" bIns="30480" numCol="1" spcCol="1270" anchor="ctr" anchorCtr="0">
+        <a:bodyPr spcFirstLastPara="0" vert="horz" wrap="square" lIns="87630" tIns="43815" rIns="87630" bIns="43815" numCol="1" spcCol="1270" anchor="ctr" anchorCtr="0">
           <a:noAutofit/>
         </a:bodyPr>
         <a:lstStyle/>
         <a:p>
-          <a:pPr marL="0" lvl="0" indent="0" algn="ctr" defTabSz="711200">
+          <a:pPr lvl="0" algn="ctr" defTabSz="1022350">
             <a:lnSpc>
               <a:spcPct val="90000"/>
             </a:lnSpc>
@@ -9514,29 +9955,28 @@
             <a:spcAft>
               <a:spcPct val="35000"/>
             </a:spcAft>
-            <a:buNone/>
           </a:pPr>
           <a:r>
-            <a:rPr lang="en-US" sz="1600" b="1" i="0" kern="1200" dirty="0" err="1"/>
+            <a:rPr lang="en-US" sz="2300" kern="1200" dirty="0" err="1"/>
             <a:t>anyMatch</a:t>
           </a:r>
           <a:r>
-            <a:rPr lang="en-US" sz="1600" b="1" i="0" kern="1200" dirty="0"/>
+            <a:rPr lang="en-US" sz="2300" kern="1200" dirty="0"/>
             <a:t> \ </a:t>
           </a:r>
           <a:r>
-            <a:rPr lang="en-US" sz="1600" b="1" i="0" kern="1200" dirty="0" err="1"/>
+            <a:rPr lang="en-US" sz="2300" kern="1200" dirty="0" err="1"/>
             <a:t>noneMatch</a:t>
           </a:r>
           <a:r>
-            <a:rPr lang="en-US" sz="1600" b="1" i="0" kern="1200" dirty="0"/>
+            <a:rPr lang="en-US" sz="2300" kern="1200" dirty="0"/>
             <a:t> \ </a:t>
           </a:r>
           <a:r>
-            <a:rPr lang="en-US" sz="1600" b="1" i="0" kern="1200" dirty="0" err="1"/>
+            <a:rPr lang="en-US" sz="2300" kern="1200" dirty="0" err="1"/>
             <a:t>allMatch</a:t>
           </a:r>
-          <a:endParaRPr lang="ru-RU" sz="1600" kern="1200" dirty="0"/>
+          <a:endParaRPr lang="ru-RU" sz="2300" kern="1200" dirty="0"/>
         </a:p>
       </dsp:txBody>
       <dsp:txXfrm>
@@ -9558,7 +9998,7 @@
           <a:avLst/>
         </a:prstGeom>
         <a:solidFill>
-          <a:schemeClr val="lt1">
+          <a:schemeClr val="accent3">
             <a:alpha val="90000"/>
             <a:tint val="40000"/>
             <a:hueOff val="0"/>
@@ -9571,6 +10011,7 @@
           <a:solidFill>
             <a:schemeClr val="accent3">
               <a:alpha val="90000"/>
+              <a:tint val="40000"/>
               <a:hueOff val="0"/>
               <a:satOff val="0"/>
               <a:lumOff val="0"/>
@@ -9595,12 +10036,12 @@
         <a:fontRef idx="minor"/>
       </dsp:style>
       <dsp:txBody>
-        <a:bodyPr spcFirstLastPara="0" vert="horz" wrap="square" lIns="247650" tIns="123825" rIns="247650" bIns="123825" numCol="1" spcCol="1270" anchor="ctr" anchorCtr="0">
+        <a:bodyPr spcFirstLastPara="0" vert="horz" wrap="square" lIns="49530" tIns="24765" rIns="49530" bIns="24765" numCol="1" spcCol="1270" anchor="ctr" anchorCtr="0">
           <a:noAutofit/>
         </a:bodyPr>
         <a:lstStyle/>
         <a:p>
-          <a:pPr marL="171450" lvl="1" indent="-171450" algn="l" defTabSz="711200">
+          <a:pPr marL="114300" lvl="1" indent="-114300" algn="l" defTabSz="577850">
             <a:lnSpc>
               <a:spcPct val="90000"/>
             </a:lnSpc>
@@ -9610,21 +10051,20 @@
             <a:spcAft>
               <a:spcPct val="15000"/>
             </a:spcAft>
-            <a:buChar char="•"/>
+            <a:buChar char="••"/>
           </a:pPr>
           <a:r>
-            <a:rPr lang="ru-RU" sz="1600" b="0" i="0" kern="1200" dirty="0"/>
+            <a:rPr lang="ru-RU" sz="1300" kern="1200" dirty="0"/>
             <a:t>Возвращает минимальный</a:t>
           </a:r>
           <a:r>
-            <a:rPr lang="en-US" sz="1600" b="0" i="0" kern="1200" dirty="0"/>
+            <a:rPr lang="en-US" sz="1300" kern="1200" dirty="0"/>
             <a:t> \ </a:t>
           </a:r>
           <a:r>
-            <a:rPr lang="ru-RU" sz="1600" b="0" i="0" kern="1200" dirty="0"/>
+            <a:rPr lang="ru-RU" sz="1300" kern="1200" dirty="0"/>
             <a:t>максимальный элемент, в качестве условия использует компаратор</a:t>
           </a:r>
-          <a:endParaRPr lang="ru-RU" sz="1600" kern="1200" dirty="0"/>
         </a:p>
       </dsp:txBody>
       <dsp:txXfrm rot="-5400000">
@@ -9646,7 +10086,7 @@
           <a:avLst/>
         </a:prstGeom>
         <a:solidFill>
-          <a:schemeClr val="lt1">
+          <a:schemeClr val="accent3">
             <a:hueOff val="0"/>
             <a:satOff val="0"/>
             <a:lumOff val="0"/>
@@ -9655,8 +10095,7 @@
         </a:solidFill>
         <a:ln w="12700" cap="flat" cmpd="sng" algn="ctr">
           <a:solidFill>
-            <a:schemeClr val="accent3">
-              <a:shade val="80000"/>
+            <a:schemeClr val="lt1">
               <a:hueOff val="0"/>
               <a:satOff val="0"/>
               <a:lumOff val="0"/>
@@ -9683,12 +10122,12 @@
         </a:fontRef>
       </dsp:style>
       <dsp:txBody>
-        <a:bodyPr spcFirstLastPara="0" vert="horz" wrap="square" lIns="60960" tIns="30480" rIns="60960" bIns="30480" numCol="1" spcCol="1270" anchor="ctr" anchorCtr="0">
+        <a:bodyPr spcFirstLastPara="0" vert="horz" wrap="square" lIns="87630" tIns="43815" rIns="87630" bIns="43815" numCol="1" spcCol="1270" anchor="ctr" anchorCtr="0">
           <a:noAutofit/>
         </a:bodyPr>
         <a:lstStyle/>
         <a:p>
-          <a:pPr marL="0" lvl="0" indent="0" algn="ctr" defTabSz="711200">
+          <a:pPr lvl="0" algn="ctr" defTabSz="1022350">
             <a:lnSpc>
               <a:spcPct val="90000"/>
             </a:lnSpc>
@@ -9698,21 +10137,20 @@
             <a:spcAft>
               <a:spcPct val="35000"/>
             </a:spcAft>
-            <a:buNone/>
           </a:pPr>
           <a:r>
-            <a:rPr lang="en-US" sz="1600" kern="1200" dirty="0"/>
+            <a:rPr lang="en-US" sz="2300" kern="1200" dirty="0"/>
             <a:t>min</a:t>
           </a:r>
           <a:r>
-            <a:rPr lang="ru-RU" sz="1600" kern="1200" dirty="0"/>
+            <a:rPr lang="ru-RU" sz="2300" kern="1200" dirty="0"/>
             <a:t> \ </a:t>
           </a:r>
           <a:r>
-            <a:rPr lang="en-US" sz="1600" kern="1200" dirty="0"/>
+            <a:rPr lang="en-US" sz="2300" kern="1200" dirty="0"/>
             <a:t>max</a:t>
           </a:r>
-          <a:endParaRPr lang="ru-RU" sz="1600" kern="1200" dirty="0"/>
+          <a:endParaRPr lang="ru-RU" sz="2300" kern="1200" dirty="0"/>
         </a:p>
       </dsp:txBody>
       <dsp:txXfrm>
@@ -9734,7 +10172,7 @@
           <a:avLst/>
         </a:prstGeom>
         <a:solidFill>
-          <a:schemeClr val="lt1">
+          <a:schemeClr val="accent3">
             <a:alpha val="90000"/>
             <a:tint val="40000"/>
             <a:hueOff val="0"/>
@@ -9747,6 +10185,7 @@
           <a:solidFill>
             <a:schemeClr val="accent3">
               <a:alpha val="90000"/>
+              <a:tint val="40000"/>
               <a:hueOff val="0"/>
               <a:satOff val="0"/>
               <a:lumOff val="0"/>
@@ -9771,12 +10210,12 @@
         <a:fontRef idx="minor"/>
       </dsp:style>
       <dsp:txBody>
-        <a:bodyPr spcFirstLastPara="0" vert="horz" wrap="square" lIns="247650" tIns="123825" rIns="247650" bIns="123825" numCol="1" spcCol="1270" anchor="ctr" anchorCtr="0">
+        <a:bodyPr spcFirstLastPara="0" vert="horz" wrap="square" lIns="49530" tIns="24765" rIns="49530" bIns="24765" numCol="1" spcCol="1270" anchor="ctr" anchorCtr="0">
           <a:noAutofit/>
         </a:bodyPr>
         <a:lstStyle/>
         <a:p>
-          <a:pPr marL="171450" lvl="1" indent="-171450" algn="l" defTabSz="711200">
+          <a:pPr marL="114300" lvl="1" indent="-114300" algn="l" defTabSz="577850">
             <a:lnSpc>
               <a:spcPct val="90000"/>
             </a:lnSpc>
@@ -9786,21 +10225,20 @@
             <a:spcAft>
               <a:spcPct val="15000"/>
             </a:spcAft>
-            <a:buChar char="•"/>
+            <a:buChar char="••"/>
           </a:pPr>
           <a:r>
-            <a:rPr lang="ru-RU" sz="1600" b="0" i="0" kern="1200" dirty="0"/>
+            <a:rPr lang="ru-RU" sz="1300" kern="1200" dirty="0"/>
             <a:t>Применяет функцию к каждому объекту </a:t>
           </a:r>
           <a:r>
-            <a:rPr lang="ru-RU" sz="1600" b="0" i="0" kern="1200" dirty="0" err="1"/>
+            <a:rPr lang="ru-RU" sz="1300" kern="1200" dirty="0" err="1"/>
             <a:t>стрима</a:t>
           </a:r>
           <a:r>
-            <a:rPr lang="ru-RU" sz="1600" b="0" i="0" kern="1200" dirty="0"/>
+            <a:rPr lang="ru-RU" sz="1300" kern="1200" dirty="0"/>
             <a:t>, порядок при параллельном выполнении не гарантируется</a:t>
           </a:r>
-          <a:endParaRPr lang="ru-RU" sz="1600" kern="1200" dirty="0"/>
         </a:p>
       </dsp:txBody>
       <dsp:txXfrm rot="-5400000">
@@ -9822,7 +10260,7 @@
           <a:avLst/>
         </a:prstGeom>
         <a:solidFill>
-          <a:schemeClr val="lt1">
+          <a:schemeClr val="accent3">
             <a:hueOff val="0"/>
             <a:satOff val="0"/>
             <a:lumOff val="0"/>
@@ -9831,8 +10269,7 @@
         </a:solidFill>
         <a:ln w="12700" cap="flat" cmpd="sng" algn="ctr">
           <a:solidFill>
-            <a:schemeClr val="accent3">
-              <a:shade val="80000"/>
+            <a:schemeClr val="lt1">
               <a:hueOff val="0"/>
               <a:satOff val="0"/>
               <a:lumOff val="0"/>
@@ -9859,12 +10296,12 @@
         </a:fontRef>
       </dsp:style>
       <dsp:txBody>
-        <a:bodyPr spcFirstLastPara="0" vert="horz" wrap="square" lIns="60960" tIns="30480" rIns="60960" bIns="30480" numCol="1" spcCol="1270" anchor="ctr" anchorCtr="0">
+        <a:bodyPr spcFirstLastPara="0" vert="horz" wrap="square" lIns="87630" tIns="43815" rIns="87630" bIns="43815" numCol="1" spcCol="1270" anchor="ctr" anchorCtr="0">
           <a:noAutofit/>
         </a:bodyPr>
         <a:lstStyle/>
         <a:p>
-          <a:pPr marL="0" lvl="0" indent="0" algn="ctr" defTabSz="711200">
+          <a:pPr lvl="0" algn="ctr" defTabSz="1022350">
             <a:lnSpc>
               <a:spcPct val="90000"/>
             </a:lnSpc>
@@ -9874,13 +10311,12 @@
             <a:spcAft>
               <a:spcPct val="35000"/>
             </a:spcAft>
-            <a:buNone/>
           </a:pPr>
           <a:r>
-            <a:rPr lang="en-US" sz="1600" kern="1200" dirty="0" err="1"/>
+            <a:rPr lang="en-US" sz="2300" kern="1200" dirty="0" err="1"/>
             <a:t>forEach</a:t>
           </a:r>
-          <a:endParaRPr lang="ru-RU" sz="1600" kern="1200" dirty="0"/>
+          <a:endParaRPr lang="ru-RU" sz="2300" kern="1200" dirty="0"/>
         </a:p>
       </dsp:txBody>
       <dsp:txXfrm>
@@ -9902,7 +10338,7 @@
           <a:avLst/>
         </a:prstGeom>
         <a:solidFill>
-          <a:schemeClr val="lt1">
+          <a:schemeClr val="accent3">
             <a:alpha val="90000"/>
             <a:tint val="40000"/>
             <a:hueOff val="0"/>
@@ -9915,6 +10351,7 @@
           <a:solidFill>
             <a:schemeClr val="accent3">
               <a:alpha val="90000"/>
+              <a:tint val="40000"/>
               <a:hueOff val="0"/>
               <a:satOff val="0"/>
               <a:lumOff val="0"/>
@@ -9939,12 +10376,12 @@
         <a:fontRef idx="minor"/>
       </dsp:style>
       <dsp:txBody>
-        <a:bodyPr spcFirstLastPara="0" vert="horz" wrap="square" lIns="247650" tIns="123825" rIns="247650" bIns="123825" numCol="1" spcCol="1270" anchor="ctr" anchorCtr="0">
+        <a:bodyPr spcFirstLastPara="0" vert="horz" wrap="square" lIns="49530" tIns="24765" rIns="49530" bIns="24765" numCol="1" spcCol="1270" anchor="ctr" anchorCtr="0">
           <a:noAutofit/>
         </a:bodyPr>
         <a:lstStyle/>
         <a:p>
-          <a:pPr marL="171450" lvl="1" indent="-171450" algn="l" defTabSz="711200">
+          <a:pPr marL="114300" lvl="1" indent="-114300" algn="l" defTabSz="577850">
             <a:lnSpc>
               <a:spcPct val="90000"/>
             </a:lnSpc>
@@ -9954,17 +10391,17 @@
             <a:spcAft>
               <a:spcPct val="15000"/>
             </a:spcAft>
-            <a:buChar char="•"/>
+            <a:buChar char="••"/>
           </a:pPr>
           <a:r>
-            <a:rPr lang="ru-RU" sz="1600" b="0" i="0" kern="1200" dirty="0"/>
+            <a:rPr lang="ru-RU" sz="1300" kern="1200" dirty="0"/>
             <a:t>Возвращает массив значений </a:t>
           </a:r>
           <a:r>
-            <a:rPr lang="ru-RU" sz="1600" b="0" i="0" kern="1200" dirty="0" err="1"/>
+            <a:rPr lang="ru-RU" sz="1300" kern="1200" dirty="0" err="1"/>
             <a:t>стрима</a:t>
           </a:r>
-          <a:endParaRPr lang="ru-RU" sz="1600" kern="1200" dirty="0"/>
+          <a:endParaRPr lang="ru-RU" sz="1300" kern="1200" dirty="0"/>
         </a:p>
       </dsp:txBody>
       <dsp:txXfrm rot="-5400000">
@@ -9986,7 +10423,7 @@
           <a:avLst/>
         </a:prstGeom>
         <a:solidFill>
-          <a:schemeClr val="lt1">
+          <a:schemeClr val="accent3">
             <a:hueOff val="0"/>
             <a:satOff val="0"/>
             <a:lumOff val="0"/>
@@ -9995,8 +10432,7 @@
         </a:solidFill>
         <a:ln w="12700" cap="flat" cmpd="sng" algn="ctr">
           <a:solidFill>
-            <a:schemeClr val="accent3">
-              <a:shade val="80000"/>
+            <a:schemeClr val="lt1">
               <a:hueOff val="0"/>
               <a:satOff val="0"/>
               <a:lumOff val="0"/>
@@ -10023,12 +10459,12 @@
         </a:fontRef>
       </dsp:style>
       <dsp:txBody>
-        <a:bodyPr spcFirstLastPara="0" vert="horz" wrap="square" lIns="60960" tIns="30480" rIns="60960" bIns="30480" numCol="1" spcCol="1270" anchor="ctr" anchorCtr="0">
+        <a:bodyPr spcFirstLastPara="0" vert="horz" wrap="square" lIns="87630" tIns="43815" rIns="87630" bIns="43815" numCol="1" spcCol="1270" anchor="ctr" anchorCtr="0">
           <a:noAutofit/>
         </a:bodyPr>
         <a:lstStyle/>
         <a:p>
-          <a:pPr marL="0" lvl="0" indent="0" algn="ctr" defTabSz="711200">
+          <a:pPr lvl="0" algn="ctr" defTabSz="1022350">
             <a:lnSpc>
               <a:spcPct val="90000"/>
             </a:lnSpc>
@@ -10038,13 +10474,12 @@
             <a:spcAft>
               <a:spcPct val="35000"/>
             </a:spcAft>
-            <a:buNone/>
           </a:pPr>
           <a:r>
-            <a:rPr lang="en-US" sz="1600" kern="1200" dirty="0" err="1"/>
+            <a:rPr lang="en-US" sz="2300" kern="1200" dirty="0" err="1"/>
             <a:t>toArray</a:t>
           </a:r>
-          <a:endParaRPr lang="ru-RU" sz="1600" kern="1200" dirty="0"/>
+          <a:endParaRPr lang="ru-RU" sz="2300" kern="1200" dirty="0"/>
         </a:p>
       </dsp:txBody>
       <dsp:txXfrm>
@@ -10066,7 +10501,7 @@
           <a:avLst/>
         </a:prstGeom>
         <a:solidFill>
-          <a:schemeClr val="lt1">
+          <a:schemeClr val="accent3">
             <a:alpha val="90000"/>
             <a:tint val="40000"/>
             <a:hueOff val="0"/>
@@ -10079,6 +10514,7 @@
           <a:solidFill>
             <a:schemeClr val="accent3">
               <a:alpha val="90000"/>
+              <a:tint val="40000"/>
               <a:hueOff val="0"/>
               <a:satOff val="0"/>
               <a:lumOff val="0"/>
@@ -10103,12 +10539,12 @@
         <a:fontRef idx="minor"/>
       </dsp:style>
       <dsp:txBody>
-        <a:bodyPr spcFirstLastPara="0" vert="horz" wrap="square" lIns="247650" tIns="123825" rIns="247650" bIns="123825" numCol="1" spcCol="1270" anchor="ctr" anchorCtr="0">
+        <a:bodyPr spcFirstLastPara="0" vert="horz" wrap="square" lIns="49530" tIns="24765" rIns="49530" bIns="24765" numCol="1" spcCol="1270" anchor="ctr" anchorCtr="0">
           <a:noAutofit/>
         </a:bodyPr>
         <a:lstStyle/>
         <a:p>
-          <a:pPr marL="171450" lvl="1" indent="-171450" algn="l" defTabSz="711200">
+          <a:pPr marL="114300" lvl="1" indent="-114300" algn="l" defTabSz="577850">
             <a:lnSpc>
               <a:spcPct val="90000"/>
             </a:lnSpc>
@@ -10118,13 +10554,12 @@
             <a:spcAft>
               <a:spcPct val="15000"/>
             </a:spcAft>
-            <a:buChar char="•"/>
+            <a:buChar char="••"/>
           </a:pPr>
           <a:r>
-            <a:rPr lang="ru-RU" sz="1600" b="0" i="0" kern="1200" dirty="0"/>
+            <a:rPr lang="ru-RU" sz="1300" kern="1200" dirty="0"/>
             <a:t>Позволяет выполнять агрегатные функции на всей коллекцией и возвращать один результат</a:t>
           </a:r>
-          <a:endParaRPr lang="ru-RU" sz="1600" kern="1200" dirty="0"/>
         </a:p>
       </dsp:txBody>
       <dsp:txXfrm rot="-5400000">
@@ -10146,7 +10581,7 @@
           <a:avLst/>
         </a:prstGeom>
         <a:solidFill>
-          <a:schemeClr val="lt1">
+          <a:schemeClr val="accent3">
             <a:hueOff val="0"/>
             <a:satOff val="0"/>
             <a:lumOff val="0"/>
@@ -10155,8 +10590,7 @@
         </a:solidFill>
         <a:ln w="12700" cap="flat" cmpd="sng" algn="ctr">
           <a:solidFill>
-            <a:schemeClr val="accent3">
-              <a:shade val="80000"/>
+            <a:schemeClr val="lt1">
               <a:hueOff val="0"/>
               <a:satOff val="0"/>
               <a:lumOff val="0"/>
@@ -10183,12 +10617,12 @@
         </a:fontRef>
       </dsp:style>
       <dsp:txBody>
-        <a:bodyPr spcFirstLastPara="0" vert="horz" wrap="square" lIns="60960" tIns="30480" rIns="60960" bIns="30480" numCol="1" spcCol="1270" anchor="ctr" anchorCtr="0">
+        <a:bodyPr spcFirstLastPara="0" vert="horz" wrap="square" lIns="87630" tIns="43815" rIns="87630" bIns="43815" numCol="1" spcCol="1270" anchor="ctr" anchorCtr="0">
           <a:noAutofit/>
         </a:bodyPr>
         <a:lstStyle/>
         <a:p>
-          <a:pPr marL="0" lvl="0" indent="0" algn="ctr" defTabSz="711200">
+          <a:pPr lvl="0" algn="ctr" defTabSz="1022350">
             <a:lnSpc>
               <a:spcPct val="90000"/>
             </a:lnSpc>
@@ -10198,13 +10632,12 @@
             <a:spcAft>
               <a:spcPct val="35000"/>
             </a:spcAft>
-            <a:buNone/>
           </a:pPr>
           <a:r>
-            <a:rPr lang="en-US" sz="1600" kern="1200" dirty="0"/>
+            <a:rPr lang="en-US" sz="2300" kern="1200" dirty="0"/>
             <a:t>reduce</a:t>
           </a:r>
-          <a:endParaRPr lang="ru-RU" sz="1600" kern="1200" dirty="0"/>
+          <a:endParaRPr lang="ru-RU" sz="2300" kern="1200" dirty="0"/>
         </a:p>
       </dsp:txBody>
       <dsp:txXfrm>
@@ -16377,6 +16810,10 @@
               <a:rPr lang="en-US" dirty="0"/>
               <a:t>TITLE</a:t>
             </a:r>
+            <a:r>
+              <a:rPr lang="uk-UA" dirty="0"/>
+              <a:t/>
+            </a:r>
             <a:br>
               <a:rPr lang="uk-UA" dirty="0"/>
             </a:br>
@@ -16399,6 +16836,10 @@
             <a:r>
               <a:rPr lang="en-US" dirty="0"/>
               <a:t>CAPI</a:t>
+            </a:r>
+            <a:r>
+              <a:rPr lang="uk-UA" dirty="0"/>
+              <a:t/>
             </a:r>
             <a:br>
               <a:rPr lang="uk-UA" dirty="0"/>
@@ -24480,19 +24921,41 @@
               <a:buNone/>
             </a:pPr>
             <a:r>
-              <a:rPr lang="ru-RU" altLang="ru-RU"/>
+              <a:rPr lang="ru-RU" altLang="ru-RU" dirty="0"/>
               <a:t>Обработка исключения может быть произведена с помощью операторов </a:t>
             </a:r>
-            <a:r>
-              <a:rPr lang="ru-RU" altLang="ru-RU">
+            <a:endParaRPr lang="en-US" altLang="ru-RU" dirty="0" smtClean="0"/>
+          </a:p>
+          <a:p>
+            <a:pPr marL="0" indent="0">
+              <a:buNone/>
+            </a:pPr>
+            <a:r>
+              <a:rPr lang="ru-RU" altLang="ru-RU" dirty="0" err="1" smtClean="0">
                 <a:solidFill>
                   <a:srgbClr val="7030A0"/>
                 </a:solidFill>
               </a:rPr>
-              <a:t>try…catch</a:t>
-            </a:r>
-            <a:r>
-              <a:rPr lang="ru-RU" altLang="ru-RU"/>
+              <a:t>try</a:t>
+            </a:r>
+            <a:r>
+              <a:rPr lang="ru-RU" altLang="ru-RU" dirty="0" smtClean="0">
+                <a:solidFill>
+                  <a:srgbClr val="7030A0"/>
+                </a:solidFill>
+              </a:rPr>
+              <a:t>…</a:t>
+            </a:r>
+            <a:r>
+              <a:rPr lang="ru-RU" altLang="ru-RU" dirty="0" err="1" smtClean="0">
+                <a:solidFill>
+                  <a:srgbClr val="7030A0"/>
+                </a:solidFill>
+              </a:rPr>
+              <a:t>catch</a:t>
+            </a:r>
+            <a:r>
+              <a:rPr lang="ru-RU" altLang="ru-RU" dirty="0"/>
               <a:t>, либо передана внешней части программы. </a:t>
             </a:r>
           </a:p>
@@ -24800,11 +25263,15 @@
               <a:t>         </a:t>
             </a:r>
             <a:r>
-              <a:rPr lang="en-US" sz="2800" dirty="0" err="1"/>
+              <a:rPr lang="en-US" sz="2800" dirty="0" smtClean="0"/>
+              <a:t>     </a:t>
+            </a:r>
+            <a:r>
+              <a:rPr lang="en-US" sz="2800" dirty="0" err="1" smtClean="0"/>
               <a:t>System.</a:t>
             </a:r>
             <a:r>
-              <a:rPr lang="en-US" sz="2800" dirty="0" err="1">
+              <a:rPr lang="en-US" sz="2800" dirty="0" err="1" smtClean="0">
                 <a:solidFill>
                   <a:schemeClr val="accent1">
                     <a:lumMod val="75000"/>
@@ -24814,12 +25281,16 @@
               <a:t>out</a:t>
             </a:r>
             <a:r>
-              <a:rPr lang="en-US" sz="2800" dirty="0" err="1"/>
+              <a:rPr lang="en-US" sz="2800" dirty="0" err="1" smtClean="0"/>
               <a:t>.println</a:t>
             </a:r>
             <a:r>
+              <a:rPr lang="en-US" sz="2800" dirty="0" smtClean="0"/>
+              <a:t>(a/0</a:t>
+            </a:r>
+            <a:r>
               <a:rPr lang="en-US" sz="2800" dirty="0"/>
-              <a:t>(a/0); </a:t>
+              <a:t>); </a:t>
             </a:r>
             <a:br>
               <a:rPr lang="en-US" sz="2800" dirty="0"/>
@@ -24829,23 +25300,12 @@
               <a:t>   </a:t>
             </a:r>
             <a:r>
-              <a:rPr lang="ru-RU" sz="2800" dirty="0"/>
-              <a:t>      </a:t>
-            </a:r>
-            <a:r>
-              <a:rPr lang="en-US" sz="2800" dirty="0"/>
-              <a:t>} </a:t>
-            </a:r>
-            <a:endParaRPr lang="ru-RU" sz="2800" dirty="0"/>
-          </a:p>
-          <a:p>
-            <a:pPr marL="0" indent="0">
-              <a:buNone/>
-              <a:defRPr/>
-            </a:pPr>
-            <a:r>
-              <a:rPr lang="ru-RU" sz="2800" dirty="0"/>
-              <a:t>   </a:t>
+              <a:rPr lang="en-US" sz="2800" dirty="0" smtClean="0"/>
+              <a:t> }</a:t>
+            </a:r>
+            <a:r>
+              <a:rPr lang="ru-RU" sz="2800" dirty="0" smtClean="0"/>
+              <a:t>  </a:t>
             </a:r>
             <a:r>
               <a:rPr lang="en-US" sz="2800" b="1" dirty="0">
@@ -24905,7 +25365,15 @@
             </a:br>
             <a:r>
               <a:rPr lang="ru-RU" sz="2800" dirty="0"/>
-              <a:t>         } </a:t>
+              <a:t>    </a:t>
+            </a:r>
+            <a:r>
+              <a:rPr lang="ru-RU" sz="2800" dirty="0" smtClean="0"/>
+              <a:t> </a:t>
+            </a:r>
+            <a:r>
+              <a:rPr lang="ru-RU" sz="2800" dirty="0"/>
+              <a:t>} </a:t>
             </a:r>
             <a:br>
               <a:rPr lang="ru-RU" sz="2800" dirty="0"/>
@@ -24913,6 +25381,10 @@
             <a:r>
               <a:rPr lang="ru-RU" sz="2800" dirty="0"/>
               <a:t>} </a:t>
+            </a:r>
+            <a:r>
+              <a:rPr lang="ru-RU" dirty="0"/>
+              <a:t/>
             </a:r>
             <a:br>
               <a:rPr lang="ru-RU" dirty="0"/>
@@ -25657,8 +26129,30 @@
                   </a:schemeClr>
                 </a:solidFill>
               </a:rPr>
-              <a:t>Exceptions. Lambdas. Streams</a:t>
-            </a:r>
+              <a:t>Exceptions. Lambdas. </a:t>
+            </a:r>
+            <a:r>
+              <a:rPr lang="en-US" dirty="0" smtClean="0">
+                <a:solidFill>
+                  <a:schemeClr val="accent1">
+                    <a:lumMod val="60000"/>
+                    <a:lumOff val="40000"/>
+                  </a:schemeClr>
+                </a:solidFill>
+              </a:rPr>
+              <a:t>Streams</a:t>
+            </a:r>
+          </a:p>
+          <a:p>
+            <a:pPr marL="447675" indent="-447675">
+              <a:buFont typeface="Arial" panose="020B0604020202020204" pitchFamily="34" charset="0"/>
+              <a:buChar char="•"/>
+            </a:pPr>
+            <a:r>
+              <a:rPr lang="en-US" dirty="0" smtClean="0"/>
+              <a:t>Generics. Collections</a:t>
+            </a:r>
+            <a:endParaRPr lang="en-US" dirty="0"/>
           </a:p>
           <a:p>
             <a:pPr marL="447675" indent="-447675"/>
@@ -26201,34 +26695,18 @@
           <a:lstStyle/>
           <a:p>
             <a:r>
-              <a:rPr lang="ru-RU" altLang="ru-RU" b="1">
-                <a:solidFill>
-                  <a:schemeClr val="bg1"/>
-                </a:solidFill>
-              </a:rPr>
+              <a:rPr lang="ru-RU" altLang="ru-RU" b="1" dirty="0" err="1"/>
               <a:t>throw</a:t>
             </a:r>
             <a:r>
-              <a:rPr lang="ru-RU" altLang="ru-RU">
-                <a:solidFill>
-                  <a:schemeClr val="bg1"/>
-                </a:solidFill>
-              </a:rPr>
+              <a:rPr lang="ru-RU" altLang="ru-RU" dirty="0"/>
               <a:t> и </a:t>
             </a:r>
             <a:r>
-              <a:rPr lang="ru-RU" altLang="ru-RU" b="1">
-                <a:solidFill>
-                  <a:schemeClr val="bg1"/>
-                </a:solidFill>
-              </a:rPr>
+              <a:rPr lang="ru-RU" altLang="ru-RU" b="1" dirty="0" err="1"/>
               <a:t>new</a:t>
             </a:r>
-            <a:endParaRPr lang="en-US" altLang="ru-RU">
-              <a:solidFill>
-                <a:schemeClr val="bg1"/>
-              </a:solidFill>
-            </a:endParaRPr>
+            <a:endParaRPr lang="en-US" altLang="ru-RU" dirty="0"/>
           </a:p>
         </p:txBody>
       </p:sp>
@@ -27311,17 +27789,17 @@
           </a:p>
           <a:p>
             <a:r>
-              <a:rPr lang="ru-RU" dirty="0"/>
+              <a:rPr lang="ru-RU" sz="2600" dirty="0"/>
               <a:t>Пример:</a:t>
             </a:r>
-            <a:endParaRPr lang="en-US" dirty="0"/>
+            <a:endParaRPr lang="en-US" sz="2600" dirty="0"/>
           </a:p>
           <a:p>
             <a:pPr marL="400050" lvl="1" indent="0">
               <a:buNone/>
             </a:pPr>
             <a:r>
-              <a:rPr lang="en-US" dirty="0">
+              <a:rPr lang="en-US" sz="2600" dirty="0">
                 <a:solidFill>
                   <a:srgbClr val="808000"/>
                 </a:solidFill>
@@ -27329,22 +27807,30 @@
               <a:t>@</a:t>
             </a:r>
             <a:r>
-              <a:rPr lang="en-US" dirty="0" err="1">
+              <a:rPr lang="en-US" sz="2600" dirty="0" err="1">
                 <a:solidFill>
                   <a:srgbClr val="808000"/>
                 </a:solidFill>
               </a:rPr>
               <a:t>FunctionalInterface</a:t>
             </a:r>
+            <a:r>
+              <a:rPr lang="en-US" sz="2600" dirty="0">
+                <a:solidFill>
+                  <a:srgbClr val="808000"/>
+                </a:solidFill>
+              </a:rPr>
+              <a:t/>
+            </a:r>
             <a:br>
-              <a:rPr lang="en-US" dirty="0">
+              <a:rPr lang="en-US" sz="2600" dirty="0">
                 <a:solidFill>
                   <a:srgbClr val="808000"/>
                 </a:solidFill>
               </a:rPr>
             </a:br>
             <a:r>
-              <a:rPr lang="en-US" b="1" dirty="0">
+              <a:rPr lang="en-US" sz="2600" b="1" dirty="0">
                 <a:solidFill>
                   <a:srgbClr val="000080"/>
                 </a:solidFill>
@@ -27352,7 +27838,7 @@
               <a:t>public interface </a:t>
             </a:r>
             <a:r>
-              <a:rPr lang="en-US" dirty="0"/>
+              <a:rPr lang="en-US" sz="2600" dirty="0"/>
               <a:t>Runnable {</a:t>
             </a:r>
           </a:p>
@@ -27361,7 +27847,7 @@
               <a:buNone/>
             </a:pPr>
             <a:r>
-              <a:rPr lang="en-US" b="1" dirty="0">
+              <a:rPr lang="en-US" sz="2600" b="1" dirty="0">
                 <a:solidFill>
                   <a:srgbClr val="000080"/>
                 </a:solidFill>
@@ -27369,14 +27855,14 @@
               <a:t>	public void </a:t>
             </a:r>
             <a:r>
-              <a:rPr lang="en-US" dirty="0"/>
+              <a:rPr lang="en-US" sz="2600" dirty="0"/>
               <a:t>run();</a:t>
             </a:r>
             <a:br>
-              <a:rPr lang="en-US" dirty="0"/>
+              <a:rPr lang="en-US" sz="2600" dirty="0"/>
             </a:br>
             <a:r>
-              <a:rPr lang="en-US" dirty="0"/>
+              <a:rPr lang="en-US" sz="2600" dirty="0"/>
               <a:t>}</a:t>
             </a:r>
           </a:p>
@@ -27384,26 +27870,22 @@
             <a:pPr marL="400050" lvl="1" indent="0">
               <a:buNone/>
             </a:pPr>
-            <a:endParaRPr lang="ru-RU" dirty="0"/>
+            <a:endParaRPr lang="ru-RU" sz="2600" dirty="0"/>
           </a:p>
           <a:p>
             <a:pPr marL="0" indent="0">
               <a:buNone/>
             </a:pPr>
             <a:r>
-              <a:rPr lang="en-US" sz="2400" dirty="0"/>
-              <a:t>      </a:t>
-            </a:r>
-            <a:r>
-              <a:rPr lang="en-US" sz="2000" dirty="0"/>
-              <a:t>Runnable r = () -&gt; </a:t>
-            </a:r>
-            <a:r>
-              <a:rPr lang="en-US" sz="2000" dirty="0" err="1"/>
+              <a:rPr lang="en-US" sz="2600" dirty="0"/>
+              <a:t>      Runnable r = () -&gt; </a:t>
+            </a:r>
+            <a:r>
+              <a:rPr lang="en-US" sz="2600" dirty="0" err="1"/>
               <a:t>System.</a:t>
             </a:r>
             <a:r>
-              <a:rPr lang="en-US" sz="2000" b="1" i="1" dirty="0" err="1">
+              <a:rPr lang="en-US" sz="2600" b="1" i="1" dirty="0" err="1">
                 <a:solidFill>
                   <a:srgbClr val="660E7A"/>
                 </a:solidFill>
@@ -27411,15 +27893,15 @@
               <a:t>out</a:t>
             </a:r>
             <a:r>
-              <a:rPr lang="en-US" sz="2000" dirty="0" err="1"/>
+              <a:rPr lang="en-US" sz="2600" dirty="0" err="1"/>
               <a:t>.println</a:t>
             </a:r>
             <a:r>
-              <a:rPr lang="en-US" sz="2000" dirty="0"/>
+              <a:rPr lang="en-US" sz="2600" dirty="0"/>
               <a:t>(</a:t>
             </a:r>
             <a:r>
-              <a:rPr lang="en-US" sz="2000" b="1" dirty="0">
+              <a:rPr lang="en-US" sz="2600" b="1" dirty="0">
                 <a:solidFill>
                   <a:srgbClr val="008000"/>
                 </a:solidFill>
@@ -27427,7 +27909,7 @@
               <a:t>"Runnable lambda"</a:t>
             </a:r>
             <a:r>
-              <a:rPr lang="en-US" sz="2000" dirty="0"/>
+              <a:rPr lang="en-US" sz="2600" dirty="0"/>
               <a:t>);</a:t>
             </a:r>
           </a:p>
@@ -27510,21 +27992,21 @@
         </p:spPr>
         <p:txBody>
           <a:bodyPr>
-            <a:normAutofit/>
+            <a:noAutofit/>
           </a:bodyPr>
           <a:lstStyle/>
           <a:p>
             <a:r>
-              <a:rPr lang="ru-RU" sz="2000" dirty="0"/>
+              <a:rPr lang="ru-RU" dirty="0"/>
               <a:t>Лямбда-выражение это блок кода, который можно передать в другое место, поэтому он может быть выполнен позже, один или несколько раз.</a:t>
             </a:r>
           </a:p>
           <a:p>
-            <a:endParaRPr lang="ru-RU" sz="2000" dirty="0"/>
+            <a:endParaRPr lang="ru-RU" dirty="0"/>
           </a:p>
           <a:p>
             <a:r>
-              <a:rPr lang="ru-RU" sz="2000" dirty="0"/>
+              <a:rPr lang="ru-RU" dirty="0"/>
               <a:t>Можно определить как функциональный интерфейс</a:t>
             </a:r>
           </a:p>
@@ -27533,41 +28015,41 @@
               <a:buNone/>
             </a:pPr>
             <a:r>
-              <a:rPr lang="ru-RU" sz="2000" dirty="0"/>
+              <a:rPr lang="ru-RU" dirty="0"/>
               <a:t>	</a:t>
             </a:r>
             <a:r>
-              <a:rPr lang="en-US" sz="2000" dirty="0"/>
+              <a:rPr lang="en-US" dirty="0"/>
               <a:t>Function&lt;String, Double&gt; convert = s -&gt; </a:t>
             </a:r>
             <a:r>
-              <a:rPr lang="en-US" sz="2000" dirty="0" err="1"/>
+              <a:rPr lang="en-US" dirty="0" err="1"/>
               <a:t>Double.</a:t>
             </a:r>
             <a:r>
-              <a:rPr lang="en-US" sz="2000" i="1" dirty="0" err="1"/>
+              <a:rPr lang="en-US" i="1" dirty="0" err="1"/>
               <a:t>valueOf</a:t>
             </a:r>
             <a:r>
-              <a:rPr lang="en-US" sz="2000" dirty="0"/>
+              <a:rPr lang="en-US" dirty="0"/>
               <a:t>(s);</a:t>
             </a:r>
-            <a:endParaRPr lang="ru-RU" sz="2000" dirty="0"/>
+            <a:endParaRPr lang="ru-RU" dirty="0"/>
           </a:p>
           <a:p>
-            <a:endParaRPr lang="ru-RU" sz="2000" dirty="0"/>
+            <a:endParaRPr lang="ru-RU" dirty="0"/>
           </a:p>
           <a:p>
             <a:r>
-              <a:rPr lang="ru-RU" sz="2000" dirty="0"/>
+              <a:rPr lang="ru-RU" dirty="0"/>
               <a:t>Или ссылкой на метод</a:t>
             </a:r>
             <a:r>
-              <a:rPr lang="en-US" sz="2000" dirty="0"/>
+              <a:rPr lang="en-US" dirty="0"/>
               <a:t> </a:t>
             </a:r>
             <a:r>
-              <a:rPr lang="ru-RU" sz="2000" dirty="0"/>
+              <a:rPr lang="ru-RU" dirty="0"/>
               <a:t>или конструктор</a:t>
             </a:r>
           </a:p>
@@ -27576,32 +28058,32 @@
               <a:buNone/>
             </a:pPr>
             <a:r>
-              <a:rPr lang="ru-RU" sz="2000" dirty="0"/>
+              <a:rPr lang="ru-RU" dirty="0"/>
               <a:t>	</a:t>
             </a:r>
             <a:r>
-              <a:rPr lang="en-US" sz="2000" dirty="0"/>
+              <a:rPr lang="en-US" dirty="0"/>
               <a:t> Function&lt;String, Double&gt; convert = Double::</a:t>
             </a:r>
             <a:r>
-              <a:rPr lang="en-US" sz="2000" i="1" dirty="0" err="1"/>
+              <a:rPr lang="en-US" i="1" dirty="0" err="1"/>
               <a:t>valueOf</a:t>
             </a:r>
             <a:r>
-              <a:rPr lang="en-US" sz="2000" i="1" dirty="0"/>
+              <a:rPr lang="en-US" i="1" dirty="0"/>
               <a:t>;</a:t>
             </a:r>
-            <a:endParaRPr lang="ru-RU" sz="2000" i="1" dirty="0"/>
+            <a:endParaRPr lang="ru-RU" i="1" dirty="0"/>
           </a:p>
           <a:p>
             <a:pPr marL="0" indent="0">
               <a:buNone/>
             </a:pPr>
             <a:r>
-              <a:rPr lang="ru-RU" sz="2000" i="1" dirty="0"/>
+              <a:rPr lang="ru-RU" i="1" dirty="0"/>
               <a:t>	</a:t>
             </a:r>
-            <a:endParaRPr lang="ru-RU" sz="2000" dirty="0">
+            <a:endParaRPr lang="ru-RU" dirty="0">
               <a:solidFill>
                 <a:prstClr val="black"/>
               </a:solidFill>
@@ -27610,7 +28092,7 @@
           <a:p>
             <a:pPr lvl="0"/>
             <a:r>
-              <a:rPr lang="ru-RU" sz="2000" dirty="0">
+              <a:rPr lang="ru-RU" dirty="0">
                 <a:solidFill>
                   <a:prstClr val="black"/>
                 </a:solidFill>
@@ -27623,15 +28105,15 @@
               <a:buNone/>
             </a:pPr>
             <a:r>
-              <a:rPr lang="ru-RU" sz="1800" dirty="0"/>
+              <a:rPr lang="ru-RU" sz="2000" dirty="0"/>
               <a:t>	</a:t>
             </a:r>
             <a:r>
-              <a:rPr lang="en-US" sz="2000" dirty="0"/>
+              <a:rPr lang="en-US" dirty="0"/>
               <a:t>Thread t = </a:t>
             </a:r>
             <a:r>
-              <a:rPr lang="en-US" sz="2000" b="1" dirty="0">
+              <a:rPr lang="en-US" b="1" dirty="0">
                 <a:solidFill>
                   <a:srgbClr val="000080"/>
                 </a:solidFill>
@@ -27639,15 +28121,15 @@
               <a:t>new </a:t>
             </a:r>
             <a:r>
-              <a:rPr lang="en-US" sz="2000" dirty="0"/>
+              <a:rPr lang="en-US" dirty="0"/>
               <a:t>Thread(() -&gt; </a:t>
             </a:r>
             <a:r>
-              <a:rPr lang="en-US" sz="2000" dirty="0" err="1"/>
+              <a:rPr lang="en-US" dirty="0" err="1"/>
               <a:t>System.</a:t>
             </a:r>
             <a:r>
-              <a:rPr lang="en-US" sz="2000" b="1" i="1" dirty="0" err="1">
+              <a:rPr lang="en-US" b="1" i="1" dirty="0" err="1">
                 <a:solidFill>
                   <a:srgbClr val="660E7A"/>
                 </a:solidFill>
@@ -27655,15 +28137,15 @@
               <a:t>out</a:t>
             </a:r>
             <a:r>
-              <a:rPr lang="en-US" sz="2000" dirty="0" err="1"/>
+              <a:rPr lang="en-US" dirty="0" err="1"/>
               <a:t>.println</a:t>
             </a:r>
             <a:r>
-              <a:rPr lang="en-US" sz="2000" dirty="0"/>
+              <a:rPr lang="en-US" dirty="0"/>
               <a:t>(</a:t>
             </a:r>
             <a:r>
-              <a:rPr lang="en-US" sz="2000" b="1" dirty="0">
+              <a:rPr lang="en-US" b="1" dirty="0">
                 <a:solidFill>
                   <a:srgbClr val="008000"/>
                 </a:solidFill>
@@ -27671,10 +28153,10 @@
               <a:t>"run"</a:t>
             </a:r>
             <a:r>
-              <a:rPr lang="en-US" sz="2000" dirty="0"/>
+              <a:rPr lang="en-US" dirty="0"/>
               <a:t>));</a:t>
             </a:r>
-            <a:endParaRPr lang="ru-RU" sz="2000" dirty="0">
+            <a:endParaRPr lang="ru-RU" dirty="0">
               <a:solidFill>
                 <a:prstClr val="black"/>
               </a:solidFill>
@@ -27684,19 +28166,19 @@
             <a:pPr marL="0" indent="0">
               <a:buNone/>
             </a:pPr>
-            <a:endParaRPr lang="ru-RU" sz="2000" i="1" dirty="0"/>
+            <a:endParaRPr lang="ru-RU" i="1" dirty="0"/>
           </a:p>
           <a:p>
             <a:pPr marL="0" indent="0">
               <a:buNone/>
             </a:pPr>
-            <a:endParaRPr lang="ru-RU" sz="2000" dirty="0"/>
+            <a:endParaRPr lang="ru-RU" dirty="0"/>
           </a:p>
           <a:p>
-            <a:endParaRPr lang="en-US" dirty="0"/>
+            <a:endParaRPr lang="en-US" sz="2800" dirty="0"/>
           </a:p>
           <a:p>
-            <a:endParaRPr lang="ru-RU" dirty="0"/>
+            <a:endParaRPr lang="ru-RU" sz="2800" dirty="0"/>
           </a:p>
         </p:txBody>
       </p:sp>
@@ -27899,83 +28381,83 @@
         <p:spPr/>
         <p:txBody>
           <a:bodyPr>
-            <a:normAutofit/>
+            <a:noAutofit/>
           </a:bodyPr>
           <a:lstStyle/>
           <a:p>
             <a:r>
-              <a:rPr lang="ru-RU" dirty="0" err="1"/>
+              <a:rPr lang="ru-RU" sz="2800" dirty="0" err="1"/>
               <a:t>Stream</a:t>
             </a:r>
             <a:r>
-              <a:rPr lang="ru-RU" dirty="0"/>
+              <a:rPr lang="ru-RU" sz="2800" dirty="0"/>
               <a:t> API предлагает два вида методов:</a:t>
             </a:r>
           </a:p>
           <a:p>
             <a:pPr lvl="1"/>
             <a:r>
-              <a:rPr lang="ru-RU" dirty="0"/>
+              <a:rPr lang="ru-RU" sz="2800" dirty="0"/>
               <a:t>Конвейерные — возвращают другой </a:t>
             </a:r>
             <a:r>
-              <a:rPr lang="en-US" dirty="0"/>
+              <a:rPr lang="en-US" sz="2800" dirty="0"/>
               <a:t>stream</a:t>
             </a:r>
-            <a:endParaRPr lang="ru-RU" dirty="0"/>
+            <a:endParaRPr lang="ru-RU" sz="2800" dirty="0"/>
           </a:p>
           <a:p>
             <a:pPr lvl="1"/>
             <a:r>
-              <a:rPr lang="ru-RU" dirty="0"/>
+              <a:rPr lang="ru-RU" sz="2800" dirty="0"/>
               <a:t>Терминальные — возвращают другой объект, такой как коллекция, примитивы, объекты, </a:t>
             </a:r>
             <a:r>
-              <a:rPr lang="ru-RU" dirty="0" err="1"/>
+              <a:rPr lang="ru-RU" sz="2800" dirty="0" err="1"/>
               <a:t>Optional</a:t>
             </a:r>
             <a:r>
-              <a:rPr lang="ru-RU" dirty="0"/>
+              <a:rPr lang="ru-RU" sz="2800" dirty="0"/>
               <a:t> и </a:t>
             </a:r>
             <a:r>
-              <a:rPr lang="ru-RU" dirty="0" err="1"/>
+              <a:rPr lang="ru-RU" sz="2800" dirty="0" err="1"/>
               <a:t>т.д</a:t>
             </a:r>
-            <a:endParaRPr lang="ru-RU" dirty="0"/>
+            <a:endParaRPr lang="ru-RU" sz="2800" dirty="0"/>
           </a:p>
           <a:p>
             <a:r>
-              <a:rPr lang="ru-RU" dirty="0"/>
+              <a:rPr lang="ru-RU" sz="2800" dirty="0"/>
               <a:t>Работа со </a:t>
             </a:r>
             <a:r>
-              <a:rPr lang="en-US" dirty="0"/>
+              <a:rPr lang="en-US" sz="2800" dirty="0"/>
               <a:t>stream </a:t>
             </a:r>
             <a:r>
-              <a:rPr lang="ru-RU" dirty="0"/>
+              <a:rPr lang="ru-RU" sz="2800" dirty="0"/>
               <a:t>состоит из следующих шагов:</a:t>
             </a:r>
           </a:p>
           <a:p>
             <a:pPr lvl="1"/>
             <a:r>
-              <a:rPr lang="ru-RU" dirty="0"/>
+              <a:rPr lang="ru-RU" sz="2800" dirty="0"/>
               <a:t>Создание</a:t>
             </a:r>
           </a:p>
           <a:p>
             <a:pPr lvl="1"/>
             <a:r>
-              <a:rPr lang="ru-RU" dirty="0"/>
+              <a:rPr lang="ru-RU" sz="2800" dirty="0"/>
               <a:t>Цепочка конвейерных методов</a:t>
             </a:r>
           </a:p>
           <a:p>
             <a:pPr lvl="1"/>
             <a:r>
-              <a:rPr lang="ru-RU" dirty="0"/>
+              <a:rPr lang="ru-RU" sz="2800" dirty="0"/>
               <a:t>В конце терминальный метод</a:t>
             </a:r>
           </a:p>
@@ -27991,6 +28473,343 @@
   <p:clrMapOvr>
     <a:masterClrMapping/>
   </p:clrMapOvr>
+  <p:timing>
+    <p:tnLst>
+      <p:par>
+        <p:cTn id="1" dur="indefinite" restart="never" nodeType="tmRoot">
+          <p:childTnLst>
+            <p:seq concurrent="1" nextAc="seek">
+              <p:cTn id="2" dur="indefinite" nodeType="mainSeq">
+                <p:childTnLst>
+                  <p:par>
+                    <p:cTn id="3" fill="hold">
+                      <p:stCondLst>
+                        <p:cond delay="indefinite"/>
+                      </p:stCondLst>
+                      <p:childTnLst>
+                        <p:par>
+                          <p:cTn id="4" fill="hold">
+                            <p:stCondLst>
+                              <p:cond delay="0"/>
+                            </p:stCondLst>
+                            <p:childTnLst>
+                              <p:par>
+                                <p:cTn id="5" presetID="1" presetClass="entr" presetSubtype="0" fill="hold" nodeType="clickEffect">
+                                  <p:stCondLst>
+                                    <p:cond delay="0"/>
+                                  </p:stCondLst>
+                                  <p:childTnLst>
+                                    <p:set>
+                                      <p:cBhvr>
+                                        <p:cTn id="6" dur="1" fill="hold">
+                                          <p:stCondLst>
+                                            <p:cond delay="0"/>
+                                          </p:stCondLst>
+                                        </p:cTn>
+                                        <p:tgtEl>
+                                          <p:spTgt spid="3">
+                                            <p:txEl>
+                                              <p:pRg st="0" end="0"/>
+                                            </p:txEl>
+                                          </p:spTgt>
+                                        </p:tgtEl>
+                                        <p:attrNameLst>
+                                          <p:attrName>style.visibility</p:attrName>
+                                        </p:attrNameLst>
+                                      </p:cBhvr>
+                                      <p:to>
+                                        <p:strVal val="visible"/>
+                                      </p:to>
+                                    </p:set>
+                                  </p:childTnLst>
+                                </p:cTn>
+                              </p:par>
+                              <p:par>
+                                <p:cTn id="7" presetID="1" presetClass="entr" presetSubtype="0" fill="hold" nodeType="withEffect">
+                                  <p:stCondLst>
+                                    <p:cond delay="0"/>
+                                  </p:stCondLst>
+                                  <p:childTnLst>
+                                    <p:set>
+                                      <p:cBhvr>
+                                        <p:cTn id="8" dur="1" fill="hold">
+                                          <p:stCondLst>
+                                            <p:cond delay="0"/>
+                                          </p:stCondLst>
+                                        </p:cTn>
+                                        <p:tgtEl>
+                                          <p:spTgt spid="3">
+                                            <p:txEl>
+                                              <p:pRg st="1" end="1"/>
+                                            </p:txEl>
+                                          </p:spTgt>
+                                        </p:tgtEl>
+                                        <p:attrNameLst>
+                                          <p:attrName>style.visibility</p:attrName>
+                                        </p:attrNameLst>
+                                      </p:cBhvr>
+                                      <p:to>
+                                        <p:strVal val="visible"/>
+                                      </p:to>
+                                    </p:set>
+                                  </p:childTnLst>
+                                </p:cTn>
+                              </p:par>
+                              <p:par>
+                                <p:cTn id="9" presetID="1" presetClass="entr" presetSubtype="0" fill="hold" nodeType="withEffect">
+                                  <p:stCondLst>
+                                    <p:cond delay="0"/>
+                                  </p:stCondLst>
+                                  <p:childTnLst>
+                                    <p:set>
+                                      <p:cBhvr>
+                                        <p:cTn id="10" dur="1" fill="hold">
+                                          <p:stCondLst>
+                                            <p:cond delay="0"/>
+                                          </p:stCondLst>
+                                        </p:cTn>
+                                        <p:tgtEl>
+                                          <p:spTgt spid="3">
+                                            <p:txEl>
+                                              <p:pRg st="2" end="2"/>
+                                            </p:txEl>
+                                          </p:spTgt>
+                                        </p:tgtEl>
+                                        <p:attrNameLst>
+                                          <p:attrName>style.visibility</p:attrName>
+                                        </p:attrNameLst>
+                                      </p:cBhvr>
+                                      <p:to>
+                                        <p:strVal val="visible"/>
+                                      </p:to>
+                                    </p:set>
+                                  </p:childTnLst>
+                                </p:cTn>
+                              </p:par>
+                            </p:childTnLst>
+                          </p:cTn>
+                        </p:par>
+                      </p:childTnLst>
+                    </p:cTn>
+                  </p:par>
+                  <p:par>
+                    <p:cTn id="11" fill="hold">
+                      <p:stCondLst>
+                        <p:cond delay="indefinite"/>
+                      </p:stCondLst>
+                      <p:childTnLst>
+                        <p:par>
+                          <p:cTn id="12" fill="hold">
+                            <p:stCondLst>
+                              <p:cond delay="0"/>
+                            </p:stCondLst>
+                            <p:childTnLst>
+                              <p:par>
+                                <p:cTn id="13" presetID="1" presetClass="entr" presetSubtype="0" fill="hold" nodeType="clickEffect">
+                                  <p:stCondLst>
+                                    <p:cond delay="0"/>
+                                  </p:stCondLst>
+                                  <p:childTnLst>
+                                    <p:set>
+                                      <p:cBhvr>
+                                        <p:cTn id="14" dur="1" fill="hold">
+                                          <p:stCondLst>
+                                            <p:cond delay="0"/>
+                                          </p:stCondLst>
+                                        </p:cTn>
+                                        <p:tgtEl>
+                                          <p:spTgt spid="3">
+                                            <p:txEl>
+                                              <p:pRg st="3" end="3"/>
+                                            </p:txEl>
+                                          </p:spTgt>
+                                        </p:tgtEl>
+                                        <p:attrNameLst>
+                                          <p:attrName>style.visibility</p:attrName>
+                                        </p:attrNameLst>
+                                      </p:cBhvr>
+                                      <p:to>
+                                        <p:strVal val="visible"/>
+                                      </p:to>
+                                    </p:set>
+                                  </p:childTnLst>
+                                </p:cTn>
+                              </p:par>
+                            </p:childTnLst>
+                          </p:cTn>
+                        </p:par>
+                      </p:childTnLst>
+                    </p:cTn>
+                  </p:par>
+                  <p:par>
+                    <p:cTn id="15" fill="hold">
+                      <p:stCondLst>
+                        <p:cond delay="indefinite"/>
+                      </p:stCondLst>
+                      <p:childTnLst>
+                        <p:par>
+                          <p:cTn id="16" fill="hold">
+                            <p:stCondLst>
+                              <p:cond delay="0"/>
+                            </p:stCondLst>
+                            <p:childTnLst>
+                              <p:par>
+                                <p:cTn id="17" presetID="1" presetClass="entr" presetSubtype="0" fill="hold" nodeType="clickEffect">
+                                  <p:stCondLst>
+                                    <p:cond delay="0"/>
+                                  </p:stCondLst>
+                                  <p:childTnLst>
+                                    <p:set>
+                                      <p:cBhvr>
+                                        <p:cTn id="18" dur="1" fill="hold">
+                                          <p:stCondLst>
+                                            <p:cond delay="0"/>
+                                          </p:stCondLst>
+                                        </p:cTn>
+                                        <p:tgtEl>
+                                          <p:spTgt spid="3">
+                                            <p:txEl>
+                                              <p:pRg st="4" end="4"/>
+                                            </p:txEl>
+                                          </p:spTgt>
+                                        </p:tgtEl>
+                                        <p:attrNameLst>
+                                          <p:attrName>style.visibility</p:attrName>
+                                        </p:attrNameLst>
+                                      </p:cBhvr>
+                                      <p:to>
+                                        <p:strVal val="visible"/>
+                                      </p:to>
+                                    </p:set>
+                                  </p:childTnLst>
+                                </p:cTn>
+                              </p:par>
+                            </p:childTnLst>
+                          </p:cTn>
+                        </p:par>
+                      </p:childTnLst>
+                    </p:cTn>
+                  </p:par>
+                  <p:par>
+                    <p:cTn id="19" fill="hold">
+                      <p:stCondLst>
+                        <p:cond delay="indefinite"/>
+                      </p:stCondLst>
+                      <p:childTnLst>
+                        <p:par>
+                          <p:cTn id="20" fill="hold">
+                            <p:stCondLst>
+                              <p:cond delay="0"/>
+                            </p:stCondLst>
+                            <p:childTnLst>
+                              <p:par>
+                                <p:cTn id="21" presetID="1" presetClass="entr" presetSubtype="0" fill="hold" nodeType="clickEffect">
+                                  <p:stCondLst>
+                                    <p:cond delay="0"/>
+                                  </p:stCondLst>
+                                  <p:childTnLst>
+                                    <p:set>
+                                      <p:cBhvr>
+                                        <p:cTn id="22" dur="1" fill="hold">
+                                          <p:stCondLst>
+                                            <p:cond delay="0"/>
+                                          </p:stCondLst>
+                                        </p:cTn>
+                                        <p:tgtEl>
+                                          <p:spTgt spid="3">
+                                            <p:txEl>
+                                              <p:pRg st="5" end="5"/>
+                                            </p:txEl>
+                                          </p:spTgt>
+                                        </p:tgtEl>
+                                        <p:attrNameLst>
+                                          <p:attrName>style.visibility</p:attrName>
+                                        </p:attrNameLst>
+                                      </p:cBhvr>
+                                      <p:to>
+                                        <p:strVal val="visible"/>
+                                      </p:to>
+                                    </p:set>
+                                  </p:childTnLst>
+                                </p:cTn>
+                              </p:par>
+                            </p:childTnLst>
+                          </p:cTn>
+                        </p:par>
+                      </p:childTnLst>
+                    </p:cTn>
+                  </p:par>
+                  <p:par>
+                    <p:cTn id="23" fill="hold">
+                      <p:stCondLst>
+                        <p:cond delay="indefinite"/>
+                      </p:stCondLst>
+                      <p:childTnLst>
+                        <p:par>
+                          <p:cTn id="24" fill="hold">
+                            <p:stCondLst>
+                              <p:cond delay="0"/>
+                            </p:stCondLst>
+                            <p:childTnLst>
+                              <p:par>
+                                <p:cTn id="25" presetID="1" presetClass="entr" presetSubtype="0" fill="hold" nodeType="clickEffect">
+                                  <p:stCondLst>
+                                    <p:cond delay="0"/>
+                                  </p:stCondLst>
+                                  <p:childTnLst>
+                                    <p:set>
+                                      <p:cBhvr>
+                                        <p:cTn id="26" dur="1" fill="hold">
+                                          <p:stCondLst>
+                                            <p:cond delay="0"/>
+                                          </p:stCondLst>
+                                        </p:cTn>
+                                        <p:tgtEl>
+                                          <p:spTgt spid="3">
+                                            <p:txEl>
+                                              <p:pRg st="6" end="6"/>
+                                            </p:txEl>
+                                          </p:spTgt>
+                                        </p:tgtEl>
+                                        <p:attrNameLst>
+                                          <p:attrName>style.visibility</p:attrName>
+                                        </p:attrNameLst>
+                                      </p:cBhvr>
+                                      <p:to>
+                                        <p:strVal val="visible"/>
+                                      </p:to>
+                                    </p:set>
+                                  </p:childTnLst>
+                                </p:cTn>
+                              </p:par>
+                            </p:childTnLst>
+                          </p:cTn>
+                        </p:par>
+                      </p:childTnLst>
+                    </p:cTn>
+                  </p:par>
+                </p:childTnLst>
+              </p:cTn>
+              <p:prevCondLst>
+                <p:cond evt="onPrev" delay="0">
+                  <p:tgtEl>
+                    <p:sldTgt/>
+                  </p:tgtEl>
+                </p:cond>
+              </p:prevCondLst>
+              <p:nextCondLst>
+                <p:cond evt="onNext" delay="0">
+                  <p:tgtEl>
+                    <p:sldTgt/>
+                  </p:tgtEl>
+                </p:cond>
+              </p:nextCondLst>
+            </p:seq>
+          </p:childTnLst>
+        </p:cTn>
+      </p:par>
+    </p:tnLst>
+  </p:timing>
 </p:sld>
 </file>
 
@@ -28070,7 +28889,7 @@
           <p:nvPr>
             <p:extLst>
               <p:ext uri="{D42A27DB-BD31-4B8C-83A1-F6EECF244321}">
-                <p14:modId xmlns:p14="http://schemas.microsoft.com/office/powerpoint/2010/main" val="1498588983"/>
+                <p14:modId xmlns:p14="http://schemas.microsoft.com/office/powerpoint/2010/main" val="3367591785"/>
               </p:ext>
             </p:extLst>
           </p:nvPr>
@@ -28095,6 +28914,13 @@
   <p:clrMapOvr>
     <a:masterClrMapping/>
   </p:clrMapOvr>
+  <p:timing>
+    <p:tnLst>
+      <p:par>
+        <p:cTn id="1" dur="indefinite" restart="never" nodeType="tmRoot"/>
+      </p:par>
+    </p:tnLst>
+  </p:timing>
 </p:sld>
 </file>
 
@@ -28174,7 +29000,7 @@
           <p:nvPr>
             <p:extLst>
               <p:ext uri="{D42A27DB-BD31-4B8C-83A1-F6EECF244321}">
-                <p14:modId xmlns:p14="http://schemas.microsoft.com/office/powerpoint/2010/main" val="1369435107"/>
+                <p14:modId xmlns:p14="http://schemas.microsoft.com/office/powerpoint/2010/main" val="2380803858"/>
               </p:ext>
             </p:extLst>
           </p:nvPr>
@@ -28199,6 +29025,13 @@
   <p:clrMapOvr>
     <a:masterClrMapping/>
   </p:clrMapOvr>
+  <p:timing>
+    <p:tnLst>
+      <p:par>
+        <p:cTn id="1" dur="indefinite" restart="never" nodeType="tmRoot"/>
+      </p:par>
+    </p:tnLst>
+  </p:timing>
 </p:sld>
 </file>
 
@@ -28278,7 +29111,7 @@
           <p:nvPr>
             <p:extLst>
               <p:ext uri="{D42A27DB-BD31-4B8C-83A1-F6EECF244321}">
-                <p14:modId xmlns:p14="http://schemas.microsoft.com/office/powerpoint/2010/main" val="543362488"/>
+                <p14:modId xmlns:p14="http://schemas.microsoft.com/office/powerpoint/2010/main" val="1263723856"/>
               </p:ext>
             </p:extLst>
           </p:nvPr>
@@ -28303,6 +29136,13 @@
   <p:clrMapOvr>
     <a:masterClrMapping/>
   </p:clrMapOvr>
+  <p:timing>
+    <p:tnLst>
+      <p:par>
+        <p:cTn id="1" dur="indefinite" restart="never" nodeType="tmRoot"/>
+      </p:par>
+    </p:tnLst>
+  </p:timing>
 </p:sld>
 </file>
 
@@ -30017,6 +30857,16 @@
               </a:rPr>
               <a:t>операция</a:t>
             </a:r>
+            <a:r>
+              <a:rPr lang="en-US" altLang="en-US" sz="1800" i="1" dirty="0">
+                <a:solidFill>
+                  <a:srgbClr val="808080"/>
+                </a:solidFill>
+                <a:latin typeface="Courier New" panose="02070309020205020404" pitchFamily="49" charset="0"/>
+                <a:cs typeface="Courier New" panose="02070309020205020404" pitchFamily="49" charset="0"/>
+              </a:rPr>
+              <a:t/>
+            </a:r>
             <a:br>
               <a:rPr lang="en-US" altLang="en-US" sz="1800" i="1" dirty="0">
                 <a:solidFill>
@@ -30645,6 +31495,10 @@
             <a:r>
               <a:rPr lang="ru-RU" altLang="en-US" dirty="0" err="1"/>
               <a:t>Stream</a:t>
+            </a:r>
+            <a:r>
+              <a:rPr lang="ru-RU" altLang="en-US" dirty="0"/>
+              <a:t/>
             </a:r>
             <a:br>
               <a:rPr lang="ru-RU" altLang="en-US" dirty="0"/>
@@ -32654,6 +33508,10 @@
             <a:r>
               <a:rPr lang="ru-RU" altLang="en-US" dirty="0" err="1"/>
               <a:t>Stream</a:t>
+            </a:r>
+            <a:r>
+              <a:rPr lang="ru-RU" altLang="en-US" dirty="0"/>
+              <a:t/>
             </a:r>
             <a:br>
               <a:rPr lang="ru-RU" altLang="en-US" dirty="0"/>
@@ -34044,6 +34902,15 @@
 </file>
 
 <file path=customXml/item1.xml><?xml version="1.0" encoding="utf-8"?>
+<?mso-contentType ?>
+<FormTemplates xmlns="http://schemas.microsoft.com/sharepoint/v3/contenttype/forms">
+  <Display>DocumentLibraryForm</Display>
+  <Edit>DocumentLibraryForm</Edit>
+  <New>DocumentLibraryForm</New>
+</FormTemplates>
+</file>
+
+<file path=customXml/item2.xml><?xml version="1.0" encoding="utf-8"?>
 <ct:contentTypeSchema xmlns:ct="http://schemas.microsoft.com/office/2006/metadata/contentType" xmlns:ma="http://schemas.microsoft.com/office/2006/metadata/properties/metaAttributes" ct:_="" ma:_="" ma:contentTypeName="Document" ma:contentTypeID="0x0101004195FC54A15F344D83577B1CDDD67A5D" ma:contentTypeVersion="13" ma:contentTypeDescription="Create a new document." ma:contentTypeScope="" ma:versionID="30ded57c9b2156718eb8cc7b0e4246dc">
   <xsd:schema xmlns:xsd="http://www.w3.org/2001/XMLSchema" xmlns:xs="http://www.w3.org/2001/XMLSchema" xmlns:p="http://schemas.microsoft.com/office/2006/metadata/properties" xmlns:ns2="341e6018-ac0a-4dfb-8409-db9e0d25502e" xmlns:ns3="835f28f2-30f1-4728-84d2-86d96e143488" targetNamespace="http://schemas.microsoft.com/office/2006/metadata/properties" ma:root="true" ma:fieldsID="a0d1831635397921c92a19e568dfc949" ns2:_="" ns3:_="">
     <xsd:import namespace="341e6018-ac0a-4dfb-8409-db9e0d25502e"/>
@@ -34268,7 +35135,7 @@
 </ct:contentTypeSchema>
 </file>
 
-<file path=customXml/item2.xml><?xml version="1.0" encoding="utf-8"?>
+<file path=customXml/item3.xml><?xml version="1.0" encoding="utf-8"?>
 <p:properties xmlns:p="http://schemas.microsoft.com/office/2006/metadata/properties" xmlns:xsi="http://www.w3.org/2001/XMLSchema-instance" xmlns:pc="http://schemas.microsoft.com/office/infopath/2007/PartnerControls">
   <documentManagement>
     <_x041a__x043e__x043c__x0435__x0442__x0430__x0440_ xmlns="835f28f2-30f1-4728-84d2-86d96e143488" xsi:nil="true"/>
@@ -34283,16 +35150,15 @@
 </p:properties>
 </file>
 
-<file path=customXml/item3.xml><?xml version="1.0" encoding="utf-8"?>
-<?mso-contentType ?>
-<FormTemplates xmlns="http://schemas.microsoft.com/sharepoint/v3/contenttype/forms">
-  <Display>DocumentLibraryForm</Display>
-  <Edit>DocumentLibraryForm</Edit>
-  <New>DocumentLibraryForm</New>
-</FormTemplates>
+<file path=customXml/itemProps1.xml><?xml version="1.0" encoding="utf-8"?>
+<ds:datastoreItem xmlns:ds="http://schemas.openxmlformats.org/officeDocument/2006/customXml" ds:itemID="{296B3B9E-03D8-4766-BF45-6129617CF026}">
+  <ds:schemaRefs>
+    <ds:schemaRef ds:uri="http://schemas.microsoft.com/sharepoint/v3/contenttype/forms"/>
+  </ds:schemaRefs>
+</ds:datastoreItem>
 </file>
 
-<file path=customXml/itemProps1.xml><?xml version="1.0" encoding="utf-8"?>
+<file path=customXml/itemProps2.xml><?xml version="1.0" encoding="utf-8"?>
 <ds:datastoreItem xmlns:ds="http://schemas.openxmlformats.org/officeDocument/2006/customXml" ds:itemID="{5C03D7BA-5661-4852-B9A0-05C9D1D048AE}">
   <ds:schemaRefs>
     <ds:schemaRef ds:uri="http://schemas.microsoft.com/office/2006/metadata/contentType"/>
@@ -34311,7 +35177,7 @@
 </ds:datastoreItem>
 </file>
 
-<file path=customXml/itemProps2.xml><?xml version="1.0" encoding="utf-8"?>
+<file path=customXml/itemProps3.xml><?xml version="1.0" encoding="utf-8"?>
 <ds:datastoreItem xmlns:ds="http://schemas.openxmlformats.org/officeDocument/2006/customXml" ds:itemID="{E9033E08-7FE9-4F6D-B155-A8777B4A5A57}">
   <ds:schemaRefs>
     <ds:schemaRef ds:uri="http://schemas.openxmlformats.org/package/2006/metadata/core-properties"/>
@@ -34326,12 +35192,4 @@
     <ds:schemaRef ds:uri="http://purl.org/dc/terms/"/>
   </ds:schemaRefs>
 </ds:datastoreItem>
-</file>
-
-<file path=customXml/itemProps3.xml><?xml version="1.0" encoding="utf-8"?>
-<ds:datastoreItem xmlns:ds="http://schemas.openxmlformats.org/officeDocument/2006/customXml" ds:itemID="{296B3B9E-03D8-4766-BF45-6129617CF026}">
-  <ds:schemaRefs>
-    <ds:schemaRef ds:uri="http://schemas.microsoft.com/sharepoint/v3/contenttype/forms"/>
-  </ds:schemaRefs>
-</ds:datastoreItem>
 </file>